--- a/FY19 NA-LA.pptx
+++ b/FY19 NA-LA.pptx
@@ -5,32 +5,33 @@
     <p:sldMasterId id="2147483658" r:id="rId4"/>
   </p:sldMasterIdLst>
   <p:notesMasterIdLst>
-    <p:notesMasterId r:id="rId25"/>
+    <p:notesMasterId r:id="rId26"/>
   </p:notesMasterIdLst>
   <p:handoutMasterIdLst>
-    <p:handoutMasterId r:id="rId26"/>
+    <p:handoutMasterId r:id="rId27"/>
   </p:handoutMasterIdLst>
   <p:sldIdLst>
     <p:sldId id="309" r:id="rId5"/>
     <p:sldId id="359" r:id="rId6"/>
-    <p:sldId id="367" r:id="rId7"/>
-    <p:sldId id="371" r:id="rId8"/>
-    <p:sldId id="377" r:id="rId9"/>
-    <p:sldId id="356" r:id="rId10"/>
-    <p:sldId id="361" r:id="rId11"/>
-    <p:sldId id="362" r:id="rId12"/>
-    <p:sldId id="363" r:id="rId13"/>
-    <p:sldId id="364" r:id="rId14"/>
-    <p:sldId id="365" r:id="rId15"/>
-    <p:sldId id="368" r:id="rId16"/>
-    <p:sldId id="373" r:id="rId17"/>
-    <p:sldId id="374" r:id="rId18"/>
-    <p:sldId id="375" r:id="rId19"/>
-    <p:sldId id="376" r:id="rId20"/>
-    <p:sldId id="358" r:id="rId21"/>
-    <p:sldId id="372" r:id="rId22"/>
-    <p:sldId id="366" r:id="rId23"/>
-    <p:sldId id="369" r:id="rId24"/>
+    <p:sldId id="378" r:id="rId7"/>
+    <p:sldId id="367" r:id="rId8"/>
+    <p:sldId id="371" r:id="rId9"/>
+    <p:sldId id="377" r:id="rId10"/>
+    <p:sldId id="356" r:id="rId11"/>
+    <p:sldId id="361" r:id="rId12"/>
+    <p:sldId id="362" r:id="rId13"/>
+    <p:sldId id="363" r:id="rId14"/>
+    <p:sldId id="364" r:id="rId15"/>
+    <p:sldId id="365" r:id="rId16"/>
+    <p:sldId id="368" r:id="rId17"/>
+    <p:sldId id="373" r:id="rId18"/>
+    <p:sldId id="374" r:id="rId19"/>
+    <p:sldId id="375" r:id="rId20"/>
+    <p:sldId id="376" r:id="rId21"/>
+    <p:sldId id="358" r:id="rId22"/>
+    <p:sldId id="372" r:id="rId23"/>
+    <p:sldId id="366" r:id="rId24"/>
+    <p:sldId id="369" r:id="rId25"/>
   </p:sldIdLst>
   <p:sldSz cx="12192000" cy="6858000"/>
   <p:notesSz cx="6858000" cy="9144000"/>
@@ -3255,6 +3256,224 @@
       </p:grpSpPr>
       <p:sp>
         <p:nvSpPr>
+          <p:cNvPr id="3" name="Footer Placeholder 2"/>
+          <p:cNvSpPr>
+            <a:spLocks noGrp="1"/>
+          </p:cNvSpPr>
+          <p:nvPr>
+            <p:ph type="ftr" sz="quarter" idx="16"/>
+          </p:nvPr>
+        </p:nvSpPr>
+        <p:spPr/>
+        <p:txBody>
+          <a:bodyPr/>
+          <a:lstStyle/>
+          <a:p>
+            <a:r>
+              <a:rPr lang="en-US" dirty="0"/>
+              <a:t>Copyright © 2018 Accenture. All rights reserved.</a:t>
+            </a:r>
+          </a:p>
+        </p:txBody>
+      </p:sp>
+      <p:sp>
+        <p:nvSpPr>
+          <p:cNvPr id="4" name="Slide Number Placeholder 3"/>
+          <p:cNvSpPr>
+            <a:spLocks noGrp="1"/>
+          </p:cNvSpPr>
+          <p:nvPr>
+            <p:ph type="sldNum" sz="quarter" idx="17"/>
+          </p:nvPr>
+        </p:nvSpPr>
+        <p:spPr/>
+        <p:txBody>
+          <a:bodyPr/>
+          <a:lstStyle/>
+          <a:p>
+            <a:fld id="{4F9AC08D-23A9-440E-BCB9-AA1E9877CC38}" type="slidenum">
+              <a:rPr lang="en-US" smtClean="0"/>
+              <a:pPr/>
+              <a:t>10</a:t>
+            </a:fld>
+            <a:endParaRPr lang="en-US" dirty="0"/>
+          </a:p>
+        </p:txBody>
+      </p:sp>
+      <mc:AlternateContent xmlns:mc="http://schemas.openxmlformats.org/markup-compatibility/2006" xmlns:a14="http://schemas.microsoft.com/office/drawing/2010/main">
+        <mc:Choice Requires="a14">
+          <p:sp>
+            <p:nvSpPr>
+              <p:cNvPr id="5" name="Text Placeholder 4"/>
+              <p:cNvSpPr>
+                <a:spLocks noGrp="1"/>
+              </p:cNvSpPr>
+              <p:nvPr>
+                <p:ph sz="quarter" idx="18"/>
+              </p:nvPr>
+            </p:nvSpPr>
+            <p:spPr/>
+            <p:txBody>
+              <a:bodyPr/>
+              <a:lstStyle/>
+              <a:p>
+                <a:r>
+                  <a:rPr lang="en-US" i="1" dirty="0"/>
+                  <a:t>Forward</a:t>
+                </a:r>
+              </a:p>
+              <a:p>
+                <a:pPr marL="342900" indent="-342900">
+                  <a:buFont typeface="Arial" panose="020B0604020202020204" pitchFamily="34" charset="0"/>
+                  <a:buChar char="•"/>
+                </a:pPr>
+                <a:r>
+                  <a:rPr lang="en-US" dirty="0"/>
+                  <a:t>Use weights to compute activation value</a:t>
+                </a:r>
+              </a:p>
+              <a:p>
+                <a:pPr marL="342900" indent="-342900">
+                  <a:buFont typeface="Arial" panose="020B0604020202020204" pitchFamily="34" charset="0"/>
+                  <a:buChar char="•"/>
+                </a:pPr>
+                <a:r>
+                  <a:rPr lang="en-US" dirty="0"/>
+                  <a:t>Use threshold to evaluate the predicted value based on activation</a:t>
+                </a:r>
+              </a:p>
+              <a:p>
+                <a:pPr marL="342900" indent="-342900">
+                  <a:buFont typeface="Arial" panose="020B0604020202020204" pitchFamily="34" charset="0"/>
+                  <a:buChar char="•"/>
+                </a:pPr>
+                <a:r>
+                  <a:rPr lang="en-US" dirty="0"/>
+                  <a:t>Activation Functions</a:t>
+                </a:r>
+              </a:p>
+              <a:p>
+                <a:pPr marL="628644" lvl="1" indent="-342900"/>
+                <a14:m>
+                  <m:oMath xmlns:m="http://schemas.openxmlformats.org/officeDocument/2006/math">
+                    <m:nary>
+                      <m:naryPr>
+                        <m:chr m:val="∑"/>
+                        <m:subHide m:val="on"/>
+                        <m:supHide m:val="on"/>
+                        <m:ctrlPr>
+                          <a:rPr lang="en-US" i="1" smtClean="0">
+                            <a:latin typeface="Cambria Math" panose="02040503050406030204" pitchFamily="18" charset="0"/>
+                          </a:rPr>
+                        </m:ctrlPr>
+                      </m:naryPr>
+                      <m:sub/>
+                      <m:sup/>
+                      <m:e>
+                        <m:r>
+                          <a:rPr lang="en-US" b="0" i="1" smtClean="0">
+                            <a:latin typeface="Cambria Math" panose="02040503050406030204" pitchFamily="18" charset="0"/>
+                          </a:rPr>
+                          <m:t>𝑋</m:t>
+                        </m:r>
+                        <m:r>
+                          <a:rPr lang="en-US" b="0" i="1" baseline="-25000" smtClean="0">
+                            <a:latin typeface="Cambria Math" panose="02040503050406030204" pitchFamily="18" charset="0"/>
+                          </a:rPr>
+                          <m:t>𝑖</m:t>
+                        </m:r>
+                        <m:r>
+                          <a:rPr lang="en-US" b="0" i="1" smtClean="0">
+                            <a:latin typeface="Cambria Math" panose="02040503050406030204" pitchFamily="18" charset="0"/>
+                          </a:rPr>
+                          <m:t>𝑤</m:t>
+                        </m:r>
+                        <m:r>
+                          <a:rPr lang="en-US" b="0" i="1" baseline="-25000" smtClean="0">
+                            <a:latin typeface="Cambria Math" panose="02040503050406030204" pitchFamily="18" charset="0"/>
+                          </a:rPr>
+                          <m:t>𝑖</m:t>
+                        </m:r>
+                      </m:e>
+                    </m:nary>
+                  </m:oMath>
+                </a14:m>
+                <a:endParaRPr lang="en-US" dirty="0"/>
+              </a:p>
+              <a:p>
+                <a:pPr marL="857238" lvl="2" indent="-342900"/>
+                <a:r>
+                  <a:rPr lang="en-US" dirty="0"/>
+                  <a:t>Perceptron</a:t>
+                </a:r>
+              </a:p>
+              <a:p>
+                <a:pPr marL="857238" lvl="2" indent="-342900"/>
+                <a:r>
+                  <a:rPr lang="en-US" dirty="0"/>
+                  <a:t>threshold</a:t>
+                </a:r>
+              </a:p>
+              <a:p>
+                <a:pPr marL="628644" lvl="1" indent="-342900"/>
+                <a:r>
+                  <a:rPr lang="en-US" i="1" dirty="0"/>
+                  <a:t>Sigmoid</a:t>
+                </a:r>
+              </a:p>
+              <a:p>
+                <a:pPr marL="857238" lvl="2" indent="-342900"/>
+                <a:r>
+                  <a:rPr lang="en-US" dirty="0"/>
+                  <a:t>Robust, can model non-linear functions.</a:t>
+                </a:r>
+              </a:p>
+              <a:p>
+                <a:pPr marL="857238" lvl="2" indent="-342900"/>
+                <a:r>
+                  <a:rPr lang="en-US" dirty="0"/>
+                  <a:t>Continuous, Can be differentiated</a:t>
+                </a:r>
+              </a:p>
+            </p:txBody>
+          </p:sp>
+        </mc:Choice>
+        <mc:Fallback xmlns="">
+          <p:sp>
+            <p:nvSpPr>
+              <p:cNvPr id="5" name="Text Placeholder 4"/>
+              <p:cNvSpPr>
+                <a:spLocks noGrp="1" noRot="1" noChangeAspect="1" noMove="1" noResize="1" noEditPoints="1" noAdjustHandles="1" noChangeArrowheads="1" noChangeShapeType="1" noTextEdit="1"/>
+              </p:cNvSpPr>
+              <p:nvPr>
+                <p:ph sz="quarter" idx="18"/>
+              </p:nvPr>
+            </p:nvSpPr>
+            <p:spPr>
+              <a:blipFill rotWithShape="0">
+                <a:blip r:embed="rId2"/>
+                <a:stretch>
+                  <a:fillRect l="-3319"/>
+                </a:stretch>
+              </a:blipFill>
+            </p:spPr>
+            <p:txBody>
+              <a:bodyPr/>
+              <a:lstStyle/>
+              <a:p>
+                <a:r>
+                  <a:rPr lang="en-US">
+                    <a:noFill/>
+                  </a:rPr>
+                  <a:t> </a:t>
+                </a:r>
+              </a:p>
+            </p:txBody>
+          </p:sp>
+        </mc:Fallback>
+      </mc:AlternateContent>
+      <p:sp>
+        <p:nvSpPr>
           <p:cNvPr id="2" name="Title 1"/>
           <p:cNvSpPr>
             <a:spLocks noGrp="1"/>
@@ -3265,6 +3484,172 @@
         </p:nvSpPr>
         <p:spPr/>
         <p:txBody>
+          <a:bodyPr>
+            <a:normAutofit/>
+          </a:bodyPr>
+          <a:lstStyle/>
+          <a:p>
+            <a:r>
+              <a:rPr lang="en-US" dirty="0"/>
+              <a:t>propagation</a:t>
+            </a:r>
+          </a:p>
+        </p:txBody>
+      </p:sp>
+      <p:sp>
+        <p:nvSpPr>
+          <p:cNvPr id="6" name="Content Placeholder 5"/>
+          <p:cNvSpPr>
+            <a:spLocks noGrp="1"/>
+          </p:cNvSpPr>
+          <p:nvPr>
+            <p:ph sz="quarter" idx="19"/>
+          </p:nvPr>
+        </p:nvSpPr>
+        <p:spPr/>
+        <p:txBody>
+          <a:bodyPr/>
+          <a:lstStyle/>
+          <a:p>
+            <a:r>
+              <a:rPr lang="en-US" dirty="0"/>
+              <a:t>Back</a:t>
+            </a:r>
+          </a:p>
+          <a:p>
+            <a:pPr marL="342900" indent="-342900">
+              <a:buFont typeface="Arial" panose="020B0604020202020204" pitchFamily="34" charset="0"/>
+              <a:buChar char="•"/>
+            </a:pPr>
+            <a:r>
+              <a:rPr lang="en-US" dirty="0"/>
+              <a:t>Cost function</a:t>
+            </a:r>
+          </a:p>
+          <a:p>
+            <a:pPr marL="342900" indent="-342900">
+              <a:buFont typeface="Arial" panose="020B0604020202020204" pitchFamily="34" charset="0"/>
+              <a:buChar char="•"/>
+            </a:pPr>
+            <a:r>
+              <a:rPr lang="en-US" dirty="0"/>
+              <a:t>Error propagated backwards from output</a:t>
+            </a:r>
+          </a:p>
+          <a:p>
+            <a:pPr marL="342900" indent="-342900">
+              <a:buFont typeface="Arial" panose="020B0604020202020204" pitchFamily="34" charset="0"/>
+              <a:buChar char="•"/>
+            </a:pPr>
+            <a:r>
+              <a:rPr lang="en-US" dirty="0"/>
+              <a:t>Weights updated</a:t>
+            </a:r>
+          </a:p>
+          <a:p>
+            <a:pPr marL="342900" indent="-342900">
+              <a:buFont typeface="Arial" panose="020B0604020202020204" pitchFamily="34" charset="0"/>
+              <a:buChar char="•"/>
+            </a:pPr>
+            <a:endParaRPr lang="en-US" dirty="0"/>
+          </a:p>
+          <a:p>
+            <a:pPr marL="342900" indent="-342900">
+              <a:buFont typeface="Arial" panose="020B0604020202020204" pitchFamily="34" charset="0"/>
+              <a:buChar char="•"/>
+            </a:pPr>
+            <a:endParaRPr lang="en-US" dirty="0"/>
+          </a:p>
+          <a:p>
+            <a:pPr marL="342900" indent="-342900">
+              <a:buFont typeface="Arial" panose="020B0604020202020204" pitchFamily="34" charset="0"/>
+              <a:buChar char="•"/>
+            </a:pPr>
+            <a:endParaRPr lang="en-US" dirty="0"/>
+          </a:p>
+          <a:p>
+            <a:pPr marL="342900" indent="-342900">
+              <a:buFont typeface="Arial" panose="020B0604020202020204" pitchFamily="34" charset="0"/>
+              <a:buChar char="•"/>
+            </a:pPr>
+            <a:endParaRPr lang="en-US" dirty="0"/>
+          </a:p>
+          <a:p>
+            <a:pPr marL="342900" indent="-342900">
+              <a:buFont typeface="Arial" panose="020B0604020202020204" pitchFamily="34" charset="0"/>
+              <a:buChar char="•"/>
+            </a:pPr>
+            <a:endParaRPr lang="en-US" dirty="0"/>
+          </a:p>
+          <a:p>
+            <a:pPr marL="342900" indent="-342900">
+              <a:buFont typeface="Arial" panose="020B0604020202020204" pitchFamily="34" charset="0"/>
+              <a:buChar char="•"/>
+            </a:pPr>
+            <a:endParaRPr lang="en-US" dirty="0"/>
+          </a:p>
+          <a:p>
+            <a:r>
+              <a:rPr lang="en-US" sz="1200" b="0" i="1" dirty="0"/>
+              <a:t>Source</a:t>
+            </a:r>
+            <a:r>
+              <a:rPr lang="en-US" sz="1400" dirty="0"/>
+              <a:t>:</a:t>
+            </a:r>
+            <a:r>
+              <a:rPr lang="en-US" dirty="0"/>
+              <a:t> </a:t>
+            </a:r>
+            <a:r>
+              <a:rPr lang="en-US" sz="1200" b="0" i="1" dirty="0"/>
+              <a:t>https://www.coursera.org/learn/neural-networks-deep-learning</a:t>
+            </a:r>
+          </a:p>
+        </p:txBody>
+      </p:sp>
+    </p:spTree>
+    <p:extLst>
+      <p:ext uri="{BB962C8B-B14F-4D97-AF65-F5344CB8AC3E}">
+        <p14:creationId xmlns:p14="http://schemas.microsoft.com/office/powerpoint/2010/main" val="2885262002"/>
+      </p:ext>
+    </p:extLst>
+  </p:cSld>
+  <p:clrMapOvr>
+    <a:masterClrMapping/>
+  </p:clrMapOvr>
+</p:sld>
+</file>
+
+<file path=ppt/slides/slide11.xml><?xml version="1.0" encoding="utf-8"?>
+<p:sld xmlns:a="http://schemas.openxmlformats.org/drawingml/2006/main" xmlns:r="http://schemas.openxmlformats.org/officeDocument/2006/relationships" xmlns:p="http://schemas.openxmlformats.org/presentationml/2006/main">
+  <p:cSld>
+    <p:spTree>
+      <p:nvGrpSpPr>
+        <p:cNvPr id="1" name=""/>
+        <p:cNvGrpSpPr/>
+        <p:nvPr/>
+      </p:nvGrpSpPr>
+      <p:grpSpPr>
+        <a:xfrm>
+          <a:off x="0" y="0"/>
+          <a:ext cx="0" cy="0"/>
+          <a:chOff x="0" y="0"/>
+          <a:chExt cx="0" cy="0"/>
+        </a:xfrm>
+      </p:grpSpPr>
+      <p:sp>
+        <p:nvSpPr>
+          <p:cNvPr id="2" name="Title 1"/>
+          <p:cNvSpPr>
+            <a:spLocks noGrp="1"/>
+          </p:cNvSpPr>
+          <p:nvPr>
+            <p:ph type="title"/>
+          </p:nvPr>
+        </p:nvSpPr>
+        <p:spPr/>
+        <p:txBody>
           <a:bodyPr/>
           <a:lstStyle/>
           <a:p>
@@ -3316,7 +3701,7 @@
             <a:fld id="{4F9AC08D-23A9-440E-BCB9-AA1E9877CC38}" type="slidenum">
               <a:rPr lang="en-US" smtClean="0"/>
               <a:pPr/>
-              <a:t>10</a:t>
+              <a:t>11</a:t>
             </a:fld>
             <a:endParaRPr lang="en-US" dirty="0"/>
           </a:p>
@@ -3420,161 +3805,6 @@
 </p:sld>
 </file>
 
-<file path=ppt/slides/slide11.xml><?xml version="1.0" encoding="utf-8"?>
-<p:sld xmlns:a="http://schemas.openxmlformats.org/drawingml/2006/main" xmlns:r="http://schemas.openxmlformats.org/officeDocument/2006/relationships" xmlns:p="http://schemas.openxmlformats.org/presentationml/2006/main">
-  <p:cSld>
-    <p:spTree>
-      <p:nvGrpSpPr>
-        <p:cNvPr id="1" name=""/>
-        <p:cNvGrpSpPr/>
-        <p:nvPr/>
-      </p:nvGrpSpPr>
-      <p:grpSpPr>
-        <a:xfrm>
-          <a:off x="0" y="0"/>
-          <a:ext cx="0" cy="0"/>
-          <a:chOff x="0" y="0"/>
-          <a:chExt cx="0" cy="0"/>
-        </a:xfrm>
-      </p:grpSpPr>
-      <p:sp>
-        <p:nvSpPr>
-          <p:cNvPr id="2" name="Title 1"/>
-          <p:cNvSpPr>
-            <a:spLocks noGrp="1"/>
-          </p:cNvSpPr>
-          <p:nvPr>
-            <p:ph type="title"/>
-          </p:nvPr>
-        </p:nvSpPr>
-        <p:spPr/>
-        <p:txBody>
-          <a:bodyPr/>
-          <a:lstStyle/>
-          <a:p>
-            <a:r>
-              <a:rPr lang="en-US" dirty="0"/>
-              <a:t>Features of ANN</a:t>
-            </a:r>
-          </a:p>
-        </p:txBody>
-      </p:sp>
-      <p:sp>
-        <p:nvSpPr>
-          <p:cNvPr id="3" name="Footer Placeholder 2"/>
-          <p:cNvSpPr>
-            <a:spLocks noGrp="1"/>
-          </p:cNvSpPr>
-          <p:nvPr>
-            <p:ph type="ftr" sz="quarter" idx="10"/>
-          </p:nvPr>
-        </p:nvSpPr>
-        <p:spPr/>
-        <p:txBody>
-          <a:bodyPr/>
-          <a:lstStyle/>
-          <a:p>
-            <a:r>
-              <a:rPr lang="en-US"/>
-              <a:t>Copyright © 2018 Accenture. All rights reserved.</a:t>
-            </a:r>
-            <a:endParaRPr lang="en-US" dirty="0"/>
-          </a:p>
-        </p:txBody>
-      </p:sp>
-      <p:sp>
-        <p:nvSpPr>
-          <p:cNvPr id="4" name="Slide Number Placeholder 3"/>
-          <p:cNvSpPr>
-            <a:spLocks noGrp="1"/>
-          </p:cNvSpPr>
-          <p:nvPr>
-            <p:ph type="sldNum" sz="quarter" idx="11"/>
-          </p:nvPr>
-        </p:nvSpPr>
-        <p:spPr/>
-        <p:txBody>
-          <a:bodyPr/>
-          <a:lstStyle/>
-          <a:p>
-            <a:fld id="{4F9AC08D-23A9-440E-BCB9-AA1E9877CC38}" type="slidenum">
-              <a:rPr lang="en-US" smtClean="0"/>
-              <a:pPr/>
-              <a:t>11</a:t>
-            </a:fld>
-            <a:endParaRPr lang="en-US" dirty="0"/>
-          </a:p>
-        </p:txBody>
-      </p:sp>
-      <p:sp>
-        <p:nvSpPr>
-          <p:cNvPr id="5" name="Text Placeholder 4"/>
-          <p:cNvSpPr>
-            <a:spLocks noGrp="1"/>
-          </p:cNvSpPr>
-          <p:nvPr>
-            <p:ph type="body" sz="quarter" idx="12"/>
-          </p:nvPr>
-        </p:nvSpPr>
-        <p:spPr/>
-        <p:txBody>
-          <a:bodyPr/>
-          <a:lstStyle/>
-          <a:p>
-            <a:pPr marL="342900" indent="-342900">
-              <a:buFont typeface="Arial" panose="020B0604020202020204" pitchFamily="34" charset="0"/>
-              <a:buChar char="•"/>
-            </a:pPr>
-            <a:r>
-              <a:rPr lang="en-US" dirty="0"/>
-              <a:t>Longer training times</a:t>
-            </a:r>
-          </a:p>
-          <a:p>
-            <a:pPr marL="342900" indent="-342900">
-              <a:buFont typeface="Arial" panose="020B0604020202020204" pitchFamily="34" charset="0"/>
-              <a:buChar char="•"/>
-            </a:pPr>
-            <a:r>
-              <a:rPr lang="en-US" dirty="0"/>
-              <a:t>Fast evaluation or prediction</a:t>
-            </a:r>
-          </a:p>
-          <a:p>
-            <a:pPr marL="342900" indent="-342900">
-              <a:buFont typeface="Arial" panose="020B0604020202020204" pitchFamily="34" charset="0"/>
-              <a:buChar char="•"/>
-            </a:pPr>
-            <a:r>
-              <a:rPr lang="en-US" dirty="0"/>
-              <a:t>Discrete or real-valued output</a:t>
-            </a:r>
-          </a:p>
-          <a:p>
-            <a:pPr marL="342900" indent="-342900">
-              <a:buFont typeface="Arial" panose="020B0604020202020204" pitchFamily="34" charset="0"/>
-              <a:buChar char="•"/>
-            </a:pPr>
-            <a:r>
-              <a:rPr lang="en-US" dirty="0"/>
-              <a:t>Explanatory capability is not important.</a:t>
-            </a:r>
-          </a:p>
-        </p:txBody>
-      </p:sp>
-    </p:spTree>
-    <p:extLst>
-      <p:ext uri="{BB962C8B-B14F-4D97-AF65-F5344CB8AC3E}">
-        <p14:creationId xmlns:p14="http://schemas.microsoft.com/office/powerpoint/2010/main" val="3105826866"/>
-      </p:ext>
-    </p:extLst>
-  </p:cSld>
-  <p:clrMapOvr>
-    <a:masterClrMapping/>
-  </p:clrMapOvr>
-</p:sld>
-</file>
-
 <file path=ppt/slides/slide12.xml><?xml version="1.0" encoding="utf-8"?>
 <p:sld xmlns:a="http://schemas.openxmlformats.org/drawingml/2006/main" xmlns:r="http://schemas.openxmlformats.org/officeDocument/2006/relationships" xmlns:p="http://schemas.openxmlformats.org/presentationml/2006/main">
   <p:cSld>
@@ -3594,13 +3824,7 @@
       </p:grpSpPr>
       <p:sp>
         <p:nvSpPr>
-          <p:cNvPr id="2" name="Title 1">
-            <a:extLst>
-              <a:ext uri="{FF2B5EF4-FFF2-40B4-BE49-F238E27FC236}">
-                <a16:creationId xmlns:a16="http://schemas.microsoft.com/office/drawing/2014/main" id="{FFFCCBCC-01FF-45D9-9C9A-FBD0356EB13F}"/>
-              </a:ext>
-            </a:extLst>
-          </p:cNvPr>
+          <p:cNvPr id="2" name="Title 1"/>
           <p:cNvSpPr>
             <a:spLocks noGrp="1"/>
           </p:cNvSpPr>
@@ -3615,20 +3839,14 @@
           <a:p>
             <a:r>
               <a:rPr lang="en-US" dirty="0"/>
-              <a:t>dataset</a:t>
-            </a:r>
-          </a:p>
-        </p:txBody>
-      </p:sp>
-      <p:sp>
-        <p:nvSpPr>
-          <p:cNvPr id="3" name="Footer Placeholder 2">
-            <a:extLst>
-              <a:ext uri="{FF2B5EF4-FFF2-40B4-BE49-F238E27FC236}">
-                <a16:creationId xmlns:a16="http://schemas.microsoft.com/office/drawing/2014/main" id="{71D46D2E-E86B-47DF-9DB8-CB0788CE9695}"/>
-              </a:ext>
-            </a:extLst>
-          </p:cNvPr>
+              <a:t>Features of ANN</a:t>
+            </a:r>
+          </a:p>
+        </p:txBody>
+      </p:sp>
+      <p:sp>
+        <p:nvSpPr>
+          <p:cNvPr id="3" name="Footer Placeholder 2"/>
           <p:cNvSpPr>
             <a:spLocks noGrp="1"/>
           </p:cNvSpPr>
@@ -3651,13 +3869,7 @@
       </p:sp>
       <p:sp>
         <p:nvSpPr>
-          <p:cNvPr id="4" name="Slide Number Placeholder 3">
-            <a:extLst>
-              <a:ext uri="{FF2B5EF4-FFF2-40B4-BE49-F238E27FC236}">
-                <a16:creationId xmlns:a16="http://schemas.microsoft.com/office/drawing/2014/main" id="{E14E4FC6-527C-4F1C-A090-8EFF90C177DD}"/>
-              </a:ext>
-            </a:extLst>
-          </p:cNvPr>
+          <p:cNvPr id="4" name="Slide Number Placeholder 3"/>
           <p:cNvSpPr>
             <a:spLocks noGrp="1"/>
           </p:cNvSpPr>
@@ -3681,13 +3893,7 @@
       </p:sp>
       <p:sp>
         <p:nvSpPr>
-          <p:cNvPr id="5" name="Text Placeholder 4">
-            <a:extLst>
-              <a:ext uri="{FF2B5EF4-FFF2-40B4-BE49-F238E27FC236}">
-                <a16:creationId xmlns:a16="http://schemas.microsoft.com/office/drawing/2014/main" id="{F4835EC4-ACB7-46BD-A0EF-77B164BB4043}"/>
-              </a:ext>
-            </a:extLst>
-          </p:cNvPr>
+          <p:cNvPr id="5" name="Text Placeholder 4"/>
           <p:cNvSpPr>
             <a:spLocks noGrp="1"/>
           </p:cNvSpPr>
@@ -3706,7 +3912,7 @@
             </a:pPr>
             <a:r>
               <a:rPr lang="en-US" dirty="0"/>
-              <a:t>EEG and eye state detection</a:t>
+              <a:t>Longer training times</a:t>
             </a:r>
           </a:p>
           <a:p>
@@ -3716,17 +3922,7 @@
             </a:pPr>
             <a:r>
               <a:rPr lang="en-US" dirty="0"/>
-              <a:t>source: </a:t>
-            </a:r>
-            <a:r>
-              <a:rPr lang="en-US" dirty="0">
-                <a:hlinkClick r:id="rId2"/>
-              </a:rPr>
-              <a:t>https://archive.ics.uci.edu/ml/datasets/EEG+Eye+State</a:t>
-            </a:r>
-            <a:r>
-              <a:rPr lang="en-US" dirty="0"/>
-              <a:t> </a:t>
+              <a:t>Fast evaluation or prediction</a:t>
             </a:r>
           </a:p>
           <a:p>
@@ -3736,7 +3932,7 @@
             </a:pPr>
             <a:r>
               <a:rPr lang="en-US" dirty="0"/>
-              <a:t>14 fields and 1 label</a:t>
+              <a:t>Discrete or real-valued output</a:t>
             </a:r>
           </a:p>
           <a:p>
@@ -3746,22 +3942,15 @@
             </a:pPr>
             <a:r>
               <a:rPr lang="en-US" dirty="0"/>
-              <a:t>binary classification</a:t>
-            </a:r>
-          </a:p>
-          <a:p>
-            <a:pPr marL="342900" indent="-342900">
-              <a:buFont typeface="Arial" panose="020B0604020202020204" pitchFamily="34" charset="0"/>
-              <a:buChar char="•"/>
-            </a:pPr>
-            <a:endParaRPr lang="en-US" dirty="0"/>
+              <a:t>Explanatory capability is not important.</a:t>
+            </a:r>
           </a:p>
         </p:txBody>
       </p:sp>
     </p:spTree>
     <p:extLst>
       <p:ext uri="{BB962C8B-B14F-4D97-AF65-F5344CB8AC3E}">
-        <p14:creationId xmlns:p14="http://schemas.microsoft.com/office/powerpoint/2010/main" val="2030747111"/>
+        <p14:creationId xmlns:p14="http://schemas.microsoft.com/office/powerpoint/2010/main" val="3105826866"/>
       </p:ext>
     </p:extLst>
   </p:cSld>
@@ -3793,6 +3982,202 @@
           <p:cNvPr id="2" name="Title 1">
             <a:extLst>
               <a:ext uri="{FF2B5EF4-FFF2-40B4-BE49-F238E27FC236}">
+                <a16:creationId xmlns:a16="http://schemas.microsoft.com/office/drawing/2014/main" id="{FFFCCBCC-01FF-45D9-9C9A-FBD0356EB13F}"/>
+              </a:ext>
+            </a:extLst>
+          </p:cNvPr>
+          <p:cNvSpPr>
+            <a:spLocks noGrp="1"/>
+          </p:cNvSpPr>
+          <p:nvPr>
+            <p:ph type="title"/>
+          </p:nvPr>
+        </p:nvSpPr>
+        <p:spPr/>
+        <p:txBody>
+          <a:bodyPr/>
+          <a:lstStyle/>
+          <a:p>
+            <a:r>
+              <a:rPr lang="en-US" dirty="0"/>
+              <a:t>dataset</a:t>
+            </a:r>
+          </a:p>
+        </p:txBody>
+      </p:sp>
+      <p:sp>
+        <p:nvSpPr>
+          <p:cNvPr id="3" name="Footer Placeholder 2">
+            <a:extLst>
+              <a:ext uri="{FF2B5EF4-FFF2-40B4-BE49-F238E27FC236}">
+                <a16:creationId xmlns:a16="http://schemas.microsoft.com/office/drawing/2014/main" id="{71D46D2E-E86B-47DF-9DB8-CB0788CE9695}"/>
+              </a:ext>
+            </a:extLst>
+          </p:cNvPr>
+          <p:cNvSpPr>
+            <a:spLocks noGrp="1"/>
+          </p:cNvSpPr>
+          <p:nvPr>
+            <p:ph type="ftr" sz="quarter" idx="10"/>
+          </p:nvPr>
+        </p:nvSpPr>
+        <p:spPr/>
+        <p:txBody>
+          <a:bodyPr/>
+          <a:lstStyle/>
+          <a:p>
+            <a:r>
+              <a:rPr lang="en-US"/>
+              <a:t>Copyright © 2018 Accenture. All rights reserved.</a:t>
+            </a:r>
+            <a:endParaRPr lang="en-US" dirty="0"/>
+          </a:p>
+        </p:txBody>
+      </p:sp>
+      <p:sp>
+        <p:nvSpPr>
+          <p:cNvPr id="4" name="Slide Number Placeholder 3">
+            <a:extLst>
+              <a:ext uri="{FF2B5EF4-FFF2-40B4-BE49-F238E27FC236}">
+                <a16:creationId xmlns:a16="http://schemas.microsoft.com/office/drawing/2014/main" id="{E14E4FC6-527C-4F1C-A090-8EFF90C177DD}"/>
+              </a:ext>
+            </a:extLst>
+          </p:cNvPr>
+          <p:cNvSpPr>
+            <a:spLocks noGrp="1"/>
+          </p:cNvSpPr>
+          <p:nvPr>
+            <p:ph type="sldNum" sz="quarter" idx="11"/>
+          </p:nvPr>
+        </p:nvSpPr>
+        <p:spPr/>
+        <p:txBody>
+          <a:bodyPr/>
+          <a:lstStyle/>
+          <a:p>
+            <a:fld id="{4F9AC08D-23A9-440E-BCB9-AA1E9877CC38}" type="slidenum">
+              <a:rPr lang="en-US" smtClean="0"/>
+              <a:pPr/>
+              <a:t>13</a:t>
+            </a:fld>
+            <a:endParaRPr lang="en-US" dirty="0"/>
+          </a:p>
+        </p:txBody>
+      </p:sp>
+      <p:sp>
+        <p:nvSpPr>
+          <p:cNvPr id="5" name="Text Placeholder 4">
+            <a:extLst>
+              <a:ext uri="{FF2B5EF4-FFF2-40B4-BE49-F238E27FC236}">
+                <a16:creationId xmlns:a16="http://schemas.microsoft.com/office/drawing/2014/main" id="{F4835EC4-ACB7-46BD-A0EF-77B164BB4043}"/>
+              </a:ext>
+            </a:extLst>
+          </p:cNvPr>
+          <p:cNvSpPr>
+            <a:spLocks noGrp="1"/>
+          </p:cNvSpPr>
+          <p:nvPr>
+            <p:ph type="body" sz="quarter" idx="12"/>
+          </p:nvPr>
+        </p:nvSpPr>
+        <p:spPr/>
+        <p:txBody>
+          <a:bodyPr/>
+          <a:lstStyle/>
+          <a:p>
+            <a:pPr marL="342900" indent="-342900">
+              <a:buFont typeface="Arial" panose="020B0604020202020204" pitchFamily="34" charset="0"/>
+              <a:buChar char="•"/>
+            </a:pPr>
+            <a:r>
+              <a:rPr lang="en-US" dirty="0"/>
+              <a:t>EEG and eye state detection</a:t>
+            </a:r>
+          </a:p>
+          <a:p>
+            <a:pPr marL="342900" indent="-342900">
+              <a:buFont typeface="Arial" panose="020B0604020202020204" pitchFamily="34" charset="0"/>
+              <a:buChar char="•"/>
+            </a:pPr>
+            <a:r>
+              <a:rPr lang="en-US" dirty="0"/>
+              <a:t>source: </a:t>
+            </a:r>
+            <a:r>
+              <a:rPr lang="en-US" dirty="0">
+                <a:hlinkClick r:id="rId2"/>
+              </a:rPr>
+              <a:t>https://archive.ics.uci.edu/ml/datasets/EEG+Eye+State</a:t>
+            </a:r>
+            <a:r>
+              <a:rPr lang="en-US" dirty="0"/>
+              <a:t> </a:t>
+            </a:r>
+          </a:p>
+          <a:p>
+            <a:pPr marL="342900" indent="-342900">
+              <a:buFont typeface="Arial" panose="020B0604020202020204" pitchFamily="34" charset="0"/>
+              <a:buChar char="•"/>
+            </a:pPr>
+            <a:r>
+              <a:rPr lang="en-US" dirty="0"/>
+              <a:t>14 fields and 1 label</a:t>
+            </a:r>
+          </a:p>
+          <a:p>
+            <a:pPr marL="342900" indent="-342900">
+              <a:buFont typeface="Arial" panose="020B0604020202020204" pitchFamily="34" charset="0"/>
+              <a:buChar char="•"/>
+            </a:pPr>
+            <a:r>
+              <a:rPr lang="en-US" dirty="0"/>
+              <a:t>binary classification</a:t>
+            </a:r>
+          </a:p>
+          <a:p>
+            <a:pPr marL="342900" indent="-342900">
+              <a:buFont typeface="Arial" panose="020B0604020202020204" pitchFamily="34" charset="0"/>
+              <a:buChar char="•"/>
+            </a:pPr>
+            <a:endParaRPr lang="en-US" dirty="0"/>
+          </a:p>
+        </p:txBody>
+      </p:sp>
+    </p:spTree>
+    <p:extLst>
+      <p:ext uri="{BB962C8B-B14F-4D97-AF65-F5344CB8AC3E}">
+        <p14:creationId xmlns:p14="http://schemas.microsoft.com/office/powerpoint/2010/main" val="2030747111"/>
+      </p:ext>
+    </p:extLst>
+  </p:cSld>
+  <p:clrMapOvr>
+    <a:masterClrMapping/>
+  </p:clrMapOvr>
+</p:sld>
+</file>
+
+<file path=ppt/slides/slide14.xml><?xml version="1.0" encoding="utf-8"?>
+<p:sld xmlns:a="http://schemas.openxmlformats.org/drawingml/2006/main" xmlns:r="http://schemas.openxmlformats.org/officeDocument/2006/relationships" xmlns:p="http://schemas.openxmlformats.org/presentationml/2006/main">
+  <p:cSld>
+    <p:spTree>
+      <p:nvGrpSpPr>
+        <p:cNvPr id="1" name=""/>
+        <p:cNvGrpSpPr/>
+        <p:nvPr/>
+      </p:nvGrpSpPr>
+      <p:grpSpPr>
+        <a:xfrm>
+          <a:off x="0" y="0"/>
+          <a:ext cx="0" cy="0"/>
+          <a:chOff x="0" y="0"/>
+          <a:chExt cx="0" cy="0"/>
+        </a:xfrm>
+      </p:grpSpPr>
+      <p:sp>
+        <p:nvSpPr>
+          <p:cNvPr id="2" name="Title 1">
+            <a:extLst>
+              <a:ext uri="{FF2B5EF4-FFF2-40B4-BE49-F238E27FC236}">
                 <a16:creationId xmlns:a16="http://schemas.microsoft.com/office/drawing/2014/main" id="{167F1A95-7B75-4F88-B2D0-476C539701FC}"/>
               </a:ext>
             </a:extLst>
@@ -3869,7 +4254,7 @@
             <a:fld id="{4F9AC08D-23A9-440E-BCB9-AA1E9877CC38}" type="slidenum">
               <a:rPr lang="en-US" smtClean="0"/>
               <a:pPr/>
-              <a:t>13</a:t>
+              <a:t>14</a:t>
             </a:fld>
             <a:endParaRPr lang="en-US" dirty="0"/>
           </a:p>
@@ -4457,7 +4842,7 @@
 </p:sld>
 </file>
 
-<file path=ppt/slides/slide14.xml><?xml version="1.0" encoding="utf-8"?>
+<file path=ppt/slides/slide15.xml><?xml version="1.0" encoding="utf-8"?>
 <p:sld xmlns:a="http://schemas.openxmlformats.org/drawingml/2006/main" xmlns:r="http://schemas.openxmlformats.org/officeDocument/2006/relationships" xmlns:p="http://schemas.openxmlformats.org/presentationml/2006/main">
   <p:cSld>
     <p:spTree>
@@ -4555,7 +4940,7 @@
             <a:fld id="{4F9AC08D-23A9-440E-BCB9-AA1E9877CC38}" type="slidenum">
               <a:rPr lang="en-US" smtClean="0"/>
               <a:pPr/>
-              <a:t>14</a:t>
+              <a:t>15</a:t>
             </a:fld>
             <a:endParaRPr lang="en-US" dirty="0"/>
           </a:p>
@@ -5221,7 +5606,7 @@
 </p:sld>
 </file>
 
-<file path=ppt/slides/slide15.xml><?xml version="1.0" encoding="utf-8"?>
+<file path=ppt/slides/slide16.xml><?xml version="1.0" encoding="utf-8"?>
 <p:sld xmlns:a="http://schemas.openxmlformats.org/drawingml/2006/main" xmlns:r="http://schemas.openxmlformats.org/officeDocument/2006/relationships" xmlns:p="http://schemas.openxmlformats.org/presentationml/2006/main">
   <p:cSld>
     <p:spTree>
@@ -5319,7 +5704,7 @@
             <a:fld id="{4F9AC08D-23A9-440E-BCB9-AA1E9877CC38}" type="slidenum">
               <a:rPr lang="en-US" smtClean="0"/>
               <a:pPr/>
-              <a:t>15</a:t>
+              <a:t>16</a:t>
             </a:fld>
             <a:endParaRPr lang="en-US" dirty="0"/>
           </a:p>
@@ -5496,7 +5881,7 @@
 </p:sld>
 </file>
 
-<file path=ppt/slides/slide16.xml><?xml version="1.0" encoding="utf-8"?>
+<file path=ppt/slides/slide17.xml><?xml version="1.0" encoding="utf-8"?>
 <p:sld xmlns:a="http://schemas.openxmlformats.org/drawingml/2006/main" xmlns:r="http://schemas.openxmlformats.org/officeDocument/2006/relationships" xmlns:p="http://schemas.openxmlformats.org/presentationml/2006/main">
   <p:cSld>
     <p:spTree>
@@ -5594,7 +5979,7 @@
             <a:fld id="{4F9AC08D-23A9-440E-BCB9-AA1E9877CC38}" type="slidenum">
               <a:rPr lang="en-US" smtClean="0"/>
               <a:pPr/>
-              <a:t>16</a:t>
+              <a:t>17</a:t>
             </a:fld>
             <a:endParaRPr lang="en-US" dirty="0"/>
           </a:p>
@@ -5685,7 +6070,7 @@
 </p:sld>
 </file>
 
-<file path=ppt/slides/slide17.xml><?xml version="1.0" encoding="utf-8"?>
+<file path=ppt/slides/slide18.xml><?xml version="1.0" encoding="utf-8"?>
 <p:sld xmlns:a="http://schemas.openxmlformats.org/drawingml/2006/main" xmlns:r="http://schemas.openxmlformats.org/officeDocument/2006/relationships" xmlns:p="http://schemas.openxmlformats.org/presentationml/2006/main">
   <p:cSld>
     <p:spTree>
@@ -5755,7 +6140,7 @@
             <a:fld id="{4F9AC08D-23A9-440E-BCB9-AA1E9877CC38}" type="slidenum">
               <a:rPr lang="en-US" smtClean="0"/>
               <a:pPr/>
-              <a:t>17</a:t>
+              <a:t>18</a:t>
             </a:fld>
             <a:endParaRPr lang="en-US"/>
           </a:p>
@@ -5793,123 +6178,6 @@
     <p:extLst>
       <p:ext uri="{BB962C8B-B14F-4D97-AF65-F5344CB8AC3E}">
         <p14:creationId xmlns:p14="http://schemas.microsoft.com/office/powerpoint/2010/main" val="368712564"/>
-      </p:ext>
-    </p:extLst>
-  </p:cSld>
-  <p:clrMapOvr>
-    <a:masterClrMapping/>
-  </p:clrMapOvr>
-</p:sld>
-</file>
-
-<file path=ppt/slides/slide18.xml><?xml version="1.0" encoding="utf-8"?>
-<p:sld xmlns:a="http://schemas.openxmlformats.org/drawingml/2006/main" xmlns:r="http://schemas.openxmlformats.org/officeDocument/2006/relationships" xmlns:p="http://schemas.openxmlformats.org/presentationml/2006/main" show="0">
-  <p:cSld>
-    <p:spTree>
-      <p:nvGrpSpPr>
-        <p:cNvPr id="1" name=""/>
-        <p:cNvGrpSpPr/>
-        <p:nvPr/>
-      </p:nvGrpSpPr>
-      <p:grpSpPr>
-        <a:xfrm>
-          <a:off x="0" y="0"/>
-          <a:ext cx="0" cy="0"/>
-          <a:chOff x="0" y="0"/>
-          <a:chExt cx="0" cy="0"/>
-        </a:xfrm>
-      </p:grpSpPr>
-      <p:sp>
-        <p:nvSpPr>
-          <p:cNvPr id="5" name="Title 4">
-            <a:extLst>
-              <a:ext uri="{FF2B5EF4-FFF2-40B4-BE49-F238E27FC236}">
-                <a16:creationId xmlns:a16="http://schemas.microsoft.com/office/drawing/2014/main" id="{96A76E32-3259-4B91-AD7C-D27EC596E813}"/>
-              </a:ext>
-            </a:extLst>
-          </p:cNvPr>
-          <p:cNvSpPr>
-            <a:spLocks noGrp="1"/>
-          </p:cNvSpPr>
-          <p:nvPr>
-            <p:ph type="title"/>
-          </p:nvPr>
-        </p:nvSpPr>
-        <p:spPr/>
-        <p:txBody>
-          <a:bodyPr/>
-          <a:lstStyle/>
-          <a:p>
-            <a:r>
-              <a:rPr lang="en-US" dirty="0"/>
-              <a:t>backup slides</a:t>
-            </a:r>
-          </a:p>
-        </p:txBody>
-      </p:sp>
-      <p:sp>
-        <p:nvSpPr>
-          <p:cNvPr id="2" name="Footer Placeholder 1">
-            <a:extLst>
-              <a:ext uri="{FF2B5EF4-FFF2-40B4-BE49-F238E27FC236}">
-                <a16:creationId xmlns:a16="http://schemas.microsoft.com/office/drawing/2014/main" id="{2112AAEE-533D-422B-9EB1-E0927B71CC07}"/>
-              </a:ext>
-            </a:extLst>
-          </p:cNvPr>
-          <p:cNvSpPr>
-            <a:spLocks noGrp="1"/>
-          </p:cNvSpPr>
-          <p:nvPr>
-            <p:ph type="ftr" sz="quarter" idx="10"/>
-          </p:nvPr>
-        </p:nvSpPr>
-        <p:spPr/>
-        <p:txBody>
-          <a:bodyPr/>
-          <a:lstStyle/>
-          <a:p>
-            <a:r>
-              <a:rPr lang="en-US"/>
-              <a:t>Copyright © 2018 Accenture. All rights reserved.</a:t>
-            </a:r>
-            <a:endParaRPr lang="en-US" dirty="0"/>
-          </a:p>
-        </p:txBody>
-      </p:sp>
-      <p:sp>
-        <p:nvSpPr>
-          <p:cNvPr id="3" name="Slide Number Placeholder 2">
-            <a:extLst>
-              <a:ext uri="{FF2B5EF4-FFF2-40B4-BE49-F238E27FC236}">
-                <a16:creationId xmlns:a16="http://schemas.microsoft.com/office/drawing/2014/main" id="{294F3DFF-1CBB-42B0-8F34-FD1C3258023C}"/>
-              </a:ext>
-            </a:extLst>
-          </p:cNvPr>
-          <p:cNvSpPr>
-            <a:spLocks noGrp="1"/>
-          </p:cNvSpPr>
-          <p:nvPr>
-            <p:ph type="sldNum" sz="quarter" idx="11"/>
-          </p:nvPr>
-        </p:nvSpPr>
-        <p:spPr/>
-        <p:txBody>
-          <a:bodyPr/>
-          <a:lstStyle/>
-          <a:p>
-            <a:fld id="{4F9AC08D-23A9-440E-BCB9-AA1E9877CC38}" type="slidenum">
-              <a:rPr lang="en-US" smtClean="0"/>
-              <a:pPr/>
-              <a:t>18</a:t>
-            </a:fld>
-            <a:endParaRPr lang="en-US"/>
-          </a:p>
-        </p:txBody>
-      </p:sp>
-    </p:spTree>
-    <p:extLst>
-      <p:ext uri="{BB962C8B-B14F-4D97-AF65-F5344CB8AC3E}">
-        <p14:creationId xmlns:p14="http://schemas.microsoft.com/office/powerpoint/2010/main" val="3233089213"/>
       </p:ext>
     </p:extLst>
   </p:cSld>
@@ -5938,6 +6206,361 @@
       </p:grpSpPr>
       <p:sp>
         <p:nvSpPr>
+          <p:cNvPr id="5" name="Title 4">
+            <a:extLst>
+              <a:ext uri="{FF2B5EF4-FFF2-40B4-BE49-F238E27FC236}">
+                <a16:creationId xmlns:a16="http://schemas.microsoft.com/office/drawing/2014/main" id="{96A76E32-3259-4B91-AD7C-D27EC596E813}"/>
+              </a:ext>
+            </a:extLst>
+          </p:cNvPr>
+          <p:cNvSpPr>
+            <a:spLocks noGrp="1"/>
+          </p:cNvSpPr>
+          <p:nvPr>
+            <p:ph type="title"/>
+          </p:nvPr>
+        </p:nvSpPr>
+        <p:spPr/>
+        <p:txBody>
+          <a:bodyPr/>
+          <a:lstStyle/>
+          <a:p>
+            <a:r>
+              <a:rPr lang="en-US" dirty="0"/>
+              <a:t>backup slides</a:t>
+            </a:r>
+          </a:p>
+        </p:txBody>
+      </p:sp>
+      <p:sp>
+        <p:nvSpPr>
+          <p:cNvPr id="2" name="Footer Placeholder 1">
+            <a:extLst>
+              <a:ext uri="{FF2B5EF4-FFF2-40B4-BE49-F238E27FC236}">
+                <a16:creationId xmlns:a16="http://schemas.microsoft.com/office/drawing/2014/main" id="{2112AAEE-533D-422B-9EB1-E0927B71CC07}"/>
+              </a:ext>
+            </a:extLst>
+          </p:cNvPr>
+          <p:cNvSpPr>
+            <a:spLocks noGrp="1"/>
+          </p:cNvSpPr>
+          <p:nvPr>
+            <p:ph type="ftr" sz="quarter" idx="10"/>
+          </p:nvPr>
+        </p:nvSpPr>
+        <p:spPr/>
+        <p:txBody>
+          <a:bodyPr/>
+          <a:lstStyle/>
+          <a:p>
+            <a:r>
+              <a:rPr lang="en-US"/>
+              <a:t>Copyright © 2018 Accenture. All rights reserved.</a:t>
+            </a:r>
+            <a:endParaRPr lang="en-US" dirty="0"/>
+          </a:p>
+        </p:txBody>
+      </p:sp>
+      <p:sp>
+        <p:nvSpPr>
+          <p:cNvPr id="3" name="Slide Number Placeholder 2">
+            <a:extLst>
+              <a:ext uri="{FF2B5EF4-FFF2-40B4-BE49-F238E27FC236}">
+                <a16:creationId xmlns:a16="http://schemas.microsoft.com/office/drawing/2014/main" id="{294F3DFF-1CBB-42B0-8F34-FD1C3258023C}"/>
+              </a:ext>
+            </a:extLst>
+          </p:cNvPr>
+          <p:cNvSpPr>
+            <a:spLocks noGrp="1"/>
+          </p:cNvSpPr>
+          <p:nvPr>
+            <p:ph type="sldNum" sz="quarter" idx="11"/>
+          </p:nvPr>
+        </p:nvSpPr>
+        <p:spPr/>
+        <p:txBody>
+          <a:bodyPr/>
+          <a:lstStyle/>
+          <a:p>
+            <a:fld id="{4F9AC08D-23A9-440E-BCB9-AA1E9877CC38}" type="slidenum">
+              <a:rPr lang="en-US" smtClean="0"/>
+              <a:pPr/>
+              <a:t>19</a:t>
+            </a:fld>
+            <a:endParaRPr lang="en-US"/>
+          </a:p>
+        </p:txBody>
+      </p:sp>
+    </p:spTree>
+    <p:extLst>
+      <p:ext uri="{BB962C8B-B14F-4D97-AF65-F5344CB8AC3E}">
+        <p14:creationId xmlns:p14="http://schemas.microsoft.com/office/powerpoint/2010/main" val="3233089213"/>
+      </p:ext>
+    </p:extLst>
+  </p:cSld>
+  <p:clrMapOvr>
+    <a:masterClrMapping/>
+  </p:clrMapOvr>
+</p:sld>
+</file>
+
+<file path=ppt/slides/slide2.xml><?xml version="1.0" encoding="utf-8"?>
+<p:sld xmlns:a="http://schemas.openxmlformats.org/drawingml/2006/main" xmlns:r="http://schemas.openxmlformats.org/officeDocument/2006/relationships" xmlns:p="http://schemas.openxmlformats.org/presentationml/2006/main">
+  <p:cSld>
+    <p:spTree>
+      <p:nvGrpSpPr>
+        <p:cNvPr id="1" name=""/>
+        <p:cNvGrpSpPr/>
+        <p:nvPr/>
+      </p:nvGrpSpPr>
+      <p:grpSpPr>
+        <a:xfrm>
+          <a:off x="0" y="0"/>
+          <a:ext cx="0" cy="0"/>
+          <a:chOff x="0" y="0"/>
+          <a:chExt cx="0" cy="0"/>
+        </a:xfrm>
+      </p:grpSpPr>
+      <p:sp>
+        <p:nvSpPr>
+          <p:cNvPr id="5" name="Footer Placeholder 1">
+            <a:extLst>
+              <a:ext uri="{FF2B5EF4-FFF2-40B4-BE49-F238E27FC236}">
+                <a16:creationId xmlns:a16="http://schemas.microsoft.com/office/drawing/2014/main" id="{0780ADAA-7604-49D6-B19C-5737BAFE50BB}"/>
+              </a:ext>
+            </a:extLst>
+          </p:cNvPr>
+          <p:cNvSpPr>
+            <a:spLocks noGrp="1"/>
+          </p:cNvSpPr>
+          <p:nvPr>
+            <p:ph type="ftr" sz="quarter" idx="16"/>
+          </p:nvPr>
+        </p:nvSpPr>
+        <p:spPr/>
+        <p:txBody>
+          <a:bodyPr/>
+          <a:lstStyle/>
+          <a:p>
+            <a:r>
+              <a:rPr lang="en-US"/>
+              <a:t>Copyright © 2018 Accenture. All rights reserved.</a:t>
+            </a:r>
+            <a:endParaRPr lang="en-US" dirty="0"/>
+          </a:p>
+        </p:txBody>
+      </p:sp>
+      <p:sp>
+        <p:nvSpPr>
+          <p:cNvPr id="6" name="Slide Number Placeholder 2">
+            <a:extLst>
+              <a:ext uri="{FF2B5EF4-FFF2-40B4-BE49-F238E27FC236}">
+                <a16:creationId xmlns:a16="http://schemas.microsoft.com/office/drawing/2014/main" id="{A33C9000-BE3F-4ED0-87EE-D1875CFA7488}"/>
+              </a:ext>
+            </a:extLst>
+          </p:cNvPr>
+          <p:cNvSpPr>
+            <a:spLocks noGrp="1"/>
+          </p:cNvSpPr>
+          <p:nvPr>
+            <p:ph type="sldNum" sz="quarter" idx="17"/>
+          </p:nvPr>
+        </p:nvSpPr>
+        <p:spPr/>
+        <p:txBody>
+          <a:bodyPr/>
+          <a:lstStyle/>
+          <a:p>
+            <a:fld id="{4F9AC08D-23A9-440E-BCB9-AA1E9877CC38}" type="slidenum">
+              <a:rPr lang="en-US" smtClean="0"/>
+              <a:pPr/>
+              <a:t>2</a:t>
+            </a:fld>
+            <a:endParaRPr lang="en-US"/>
+          </a:p>
+        </p:txBody>
+      </p:sp>
+      <p:sp>
+        <p:nvSpPr>
+          <p:cNvPr id="3" name="Text Placeholder 2">
+            <a:extLst>
+              <a:ext uri="{FF2B5EF4-FFF2-40B4-BE49-F238E27FC236}">
+                <a16:creationId xmlns:a16="http://schemas.microsoft.com/office/drawing/2014/main" id="{A4A6F94B-8757-4946-9A1B-A656AE6365F8}"/>
+              </a:ext>
+            </a:extLst>
+          </p:cNvPr>
+          <p:cNvSpPr>
+            <a:spLocks noGrp="1"/>
+          </p:cNvSpPr>
+          <p:nvPr>
+            <p:ph sz="quarter" idx="18"/>
+          </p:nvPr>
+        </p:nvSpPr>
+        <p:spPr/>
+        <p:txBody>
+          <a:bodyPr>
+            <a:normAutofit/>
+          </a:bodyPr>
+          <a:lstStyle/>
+          <a:p>
+            <a:r>
+              <a:rPr lang="en-GB" dirty="0"/>
+              <a:t>Introduction of machine learning</a:t>
+            </a:r>
+          </a:p>
+          <a:p>
+            <a:r>
+              <a:rPr lang="en-GB" dirty="0"/>
+              <a:t>software installation</a:t>
+            </a:r>
+          </a:p>
+          <a:p>
+            <a:r>
+              <a:rPr lang="en-CA" dirty="0"/>
+              <a:t>Neural networks - background</a:t>
+            </a:r>
+          </a:p>
+          <a:p>
+            <a:r>
+              <a:rPr lang="en-CA" dirty="0"/>
+              <a:t>NN – inner workings</a:t>
+            </a:r>
+            <a:endParaRPr lang="en-CA" i="1" dirty="0"/>
+          </a:p>
+          <a:p>
+            <a:r>
+              <a:rPr lang="en-CA" dirty="0"/>
+              <a:t>working session</a:t>
+            </a:r>
+          </a:p>
+          <a:p>
+            <a:r>
+              <a:rPr lang="en-CA" dirty="0"/>
+              <a:t>visualization</a:t>
+            </a:r>
+            <a:endParaRPr lang="en-CA" i="1" dirty="0"/>
+          </a:p>
+          <a:p>
+            <a:r>
+              <a:rPr lang="en-CA" dirty="0"/>
+              <a:t>Questions &amp; Follow-up</a:t>
+            </a:r>
+            <a:endParaRPr lang="en-CA" i="1" dirty="0"/>
+          </a:p>
+        </p:txBody>
+      </p:sp>
+      <p:sp>
+        <p:nvSpPr>
+          <p:cNvPr id="2" name="Title 1">
+            <a:extLst>
+              <a:ext uri="{FF2B5EF4-FFF2-40B4-BE49-F238E27FC236}">
+                <a16:creationId xmlns:a16="http://schemas.microsoft.com/office/drawing/2014/main" id="{5E6C144A-99B4-9243-880A-590C09A5B1FF}"/>
+              </a:ext>
+            </a:extLst>
+          </p:cNvPr>
+          <p:cNvSpPr>
+            <a:spLocks noGrp="1"/>
+          </p:cNvSpPr>
+          <p:nvPr>
+            <p:ph type="title"/>
+          </p:nvPr>
+        </p:nvSpPr>
+        <p:spPr/>
+        <p:txBody>
+          <a:bodyPr/>
+          <a:lstStyle/>
+          <a:p>
+            <a:r>
+              <a:rPr lang="en-GB" dirty="0"/>
+              <a:t>agenda</a:t>
+            </a:r>
+          </a:p>
+        </p:txBody>
+      </p:sp>
+      <p:sp>
+        <p:nvSpPr>
+          <p:cNvPr id="4" name="Rectangle 3">
+            <a:extLst>
+              <a:ext uri="{FF2B5EF4-FFF2-40B4-BE49-F238E27FC236}">
+                <a16:creationId xmlns:a16="http://schemas.microsoft.com/office/drawing/2014/main" id="{D1414BF5-852E-8045-B425-93EE7A48892C}"/>
+              </a:ext>
+            </a:extLst>
+          </p:cNvPr>
+          <p:cNvSpPr/>
+          <p:nvPr/>
+        </p:nvSpPr>
+        <p:spPr>
+          <a:xfrm>
+            <a:off x="319087" y="1171575"/>
+            <a:ext cx="5505451" cy="552450"/>
+          </a:xfrm>
+          <a:prstGeom prst="rect">
+            <a:avLst/>
+          </a:prstGeom>
+          <a:noFill/>
+          <a:ln w="57150">
+            <a:solidFill>
+              <a:srgbClr val="7500C0"/>
+            </a:solidFill>
+          </a:ln>
+        </p:spPr>
+        <p:style>
+          <a:lnRef idx="2">
+            <a:schemeClr val="accent1">
+              <a:shade val="50000"/>
+            </a:schemeClr>
+          </a:lnRef>
+          <a:fillRef idx="1">
+            <a:schemeClr val="accent1"/>
+          </a:fillRef>
+          <a:effectRef idx="0">
+            <a:schemeClr val="accent1"/>
+          </a:effectRef>
+          <a:fontRef idx="minor">
+            <a:schemeClr val="lt1"/>
+          </a:fontRef>
+        </p:style>
+        <p:txBody>
+          <a:bodyPr rtlCol="0" anchor="ctr"/>
+          <a:lstStyle/>
+          <a:p>
+            <a:pPr algn="ctr"/>
+            <a:endParaRPr lang="en-GB"/>
+          </a:p>
+        </p:txBody>
+      </p:sp>
+    </p:spTree>
+    <p:extLst>
+      <p:ext uri="{BB962C8B-B14F-4D97-AF65-F5344CB8AC3E}">
+        <p14:creationId xmlns:p14="http://schemas.microsoft.com/office/powerpoint/2010/main" val="3360244807"/>
+      </p:ext>
+    </p:extLst>
+  </p:cSld>
+  <p:clrMapOvr>
+    <a:masterClrMapping/>
+  </p:clrMapOvr>
+</p:sld>
+</file>
+
+<file path=ppt/slides/slide20.xml><?xml version="1.0" encoding="utf-8"?>
+<p:sld xmlns:a="http://schemas.openxmlformats.org/drawingml/2006/main" xmlns:r="http://schemas.openxmlformats.org/officeDocument/2006/relationships" xmlns:p="http://schemas.openxmlformats.org/presentationml/2006/main" show="0">
+  <p:cSld>
+    <p:spTree>
+      <p:nvGrpSpPr>
+        <p:cNvPr id="1" name=""/>
+        <p:cNvGrpSpPr/>
+        <p:nvPr/>
+      </p:nvGrpSpPr>
+      <p:grpSpPr>
+        <a:xfrm>
+          <a:off x="0" y="0"/>
+          <a:ext cx="0" cy="0"/>
+          <a:chOff x="0" y="0"/>
+          <a:chExt cx="0" cy="0"/>
+        </a:xfrm>
+      </p:grpSpPr>
+      <p:sp>
+        <p:nvSpPr>
           <p:cNvPr id="2" name="Title 1"/>
           <p:cNvSpPr>
             <a:spLocks noGrp="1"/>
@@ -5999,7 +6622,7 @@
             <a:fld id="{4F9AC08D-23A9-440E-BCB9-AA1E9877CC38}" type="slidenum">
               <a:rPr lang="en-US" smtClean="0"/>
               <a:pPr/>
-              <a:t>19</a:t>
+              <a:t>20</a:t>
             </a:fld>
             <a:endParaRPr lang="en-US" dirty="0"/>
           </a:p>
@@ -6264,245 +6887,7 @@
 </p:sld>
 </file>
 
-<file path=ppt/slides/slide2.xml><?xml version="1.0" encoding="utf-8"?>
-<p:sld xmlns:a="http://schemas.openxmlformats.org/drawingml/2006/main" xmlns:r="http://schemas.openxmlformats.org/officeDocument/2006/relationships" xmlns:p="http://schemas.openxmlformats.org/presentationml/2006/main">
-  <p:cSld>
-    <p:spTree>
-      <p:nvGrpSpPr>
-        <p:cNvPr id="1" name=""/>
-        <p:cNvGrpSpPr/>
-        <p:nvPr/>
-      </p:nvGrpSpPr>
-      <p:grpSpPr>
-        <a:xfrm>
-          <a:off x="0" y="0"/>
-          <a:ext cx="0" cy="0"/>
-          <a:chOff x="0" y="0"/>
-          <a:chExt cx="0" cy="0"/>
-        </a:xfrm>
-      </p:grpSpPr>
-      <p:sp>
-        <p:nvSpPr>
-          <p:cNvPr id="5" name="Footer Placeholder 1">
-            <a:extLst>
-              <a:ext uri="{FF2B5EF4-FFF2-40B4-BE49-F238E27FC236}">
-                <a16:creationId xmlns:a16="http://schemas.microsoft.com/office/drawing/2014/main" id="{0780ADAA-7604-49D6-B19C-5737BAFE50BB}"/>
-              </a:ext>
-            </a:extLst>
-          </p:cNvPr>
-          <p:cNvSpPr>
-            <a:spLocks noGrp="1"/>
-          </p:cNvSpPr>
-          <p:nvPr>
-            <p:ph type="ftr" sz="quarter" idx="16"/>
-          </p:nvPr>
-        </p:nvSpPr>
-        <p:spPr/>
-        <p:txBody>
-          <a:bodyPr/>
-          <a:lstStyle/>
-          <a:p>
-            <a:r>
-              <a:rPr lang="en-US"/>
-              <a:t>Copyright © 2018 Accenture. All rights reserved.</a:t>
-            </a:r>
-            <a:endParaRPr lang="en-US" dirty="0"/>
-          </a:p>
-        </p:txBody>
-      </p:sp>
-      <p:sp>
-        <p:nvSpPr>
-          <p:cNvPr id="6" name="Slide Number Placeholder 2">
-            <a:extLst>
-              <a:ext uri="{FF2B5EF4-FFF2-40B4-BE49-F238E27FC236}">
-                <a16:creationId xmlns:a16="http://schemas.microsoft.com/office/drawing/2014/main" id="{A33C9000-BE3F-4ED0-87EE-D1875CFA7488}"/>
-              </a:ext>
-            </a:extLst>
-          </p:cNvPr>
-          <p:cNvSpPr>
-            <a:spLocks noGrp="1"/>
-          </p:cNvSpPr>
-          <p:nvPr>
-            <p:ph type="sldNum" sz="quarter" idx="17"/>
-          </p:nvPr>
-        </p:nvSpPr>
-        <p:spPr/>
-        <p:txBody>
-          <a:bodyPr/>
-          <a:lstStyle/>
-          <a:p>
-            <a:fld id="{4F9AC08D-23A9-440E-BCB9-AA1E9877CC38}" type="slidenum">
-              <a:rPr lang="en-US" smtClean="0"/>
-              <a:pPr/>
-              <a:t>2</a:t>
-            </a:fld>
-            <a:endParaRPr lang="en-US"/>
-          </a:p>
-        </p:txBody>
-      </p:sp>
-      <p:sp>
-        <p:nvSpPr>
-          <p:cNvPr id="3" name="Text Placeholder 2">
-            <a:extLst>
-              <a:ext uri="{FF2B5EF4-FFF2-40B4-BE49-F238E27FC236}">
-                <a16:creationId xmlns:a16="http://schemas.microsoft.com/office/drawing/2014/main" id="{A4A6F94B-8757-4946-9A1B-A656AE6365F8}"/>
-              </a:ext>
-            </a:extLst>
-          </p:cNvPr>
-          <p:cNvSpPr>
-            <a:spLocks noGrp="1"/>
-          </p:cNvSpPr>
-          <p:nvPr>
-            <p:ph sz="quarter" idx="18"/>
-          </p:nvPr>
-        </p:nvSpPr>
-        <p:spPr/>
-        <p:txBody>
-          <a:bodyPr>
-            <a:normAutofit/>
-          </a:bodyPr>
-          <a:lstStyle/>
-          <a:p>
-            <a:r>
-              <a:rPr lang="en-GB" dirty="0"/>
-              <a:t>Introduction of machine learning</a:t>
-            </a:r>
-          </a:p>
-          <a:p>
-            <a:r>
-              <a:rPr lang="en-GB" dirty="0"/>
-              <a:t>software installation</a:t>
-            </a:r>
-          </a:p>
-          <a:p>
-            <a:r>
-              <a:rPr lang="en-CA" dirty="0"/>
-              <a:t>Neural networks - background</a:t>
-            </a:r>
-          </a:p>
-          <a:p>
-            <a:r>
-              <a:rPr lang="en-CA" dirty="0"/>
-              <a:t>NN – inner workings</a:t>
-            </a:r>
-            <a:endParaRPr lang="en-CA" i="1" dirty="0"/>
-          </a:p>
-          <a:p>
-            <a:r>
-              <a:rPr lang="en-CA" dirty="0"/>
-              <a:t>working session</a:t>
-            </a:r>
-          </a:p>
-          <a:p>
-            <a:r>
-              <a:rPr lang="en-CA" dirty="0"/>
-              <a:t>visualization</a:t>
-            </a:r>
-            <a:endParaRPr lang="en-CA" i="1" dirty="0"/>
-          </a:p>
-          <a:p>
-            <a:r>
-              <a:rPr lang="en-CA" dirty="0"/>
-              <a:t>Questions &amp; Follow-up</a:t>
-            </a:r>
-            <a:endParaRPr lang="en-CA" i="1" dirty="0"/>
-          </a:p>
-        </p:txBody>
-      </p:sp>
-      <p:sp>
-        <p:nvSpPr>
-          <p:cNvPr id="2" name="Title 1">
-            <a:extLst>
-              <a:ext uri="{FF2B5EF4-FFF2-40B4-BE49-F238E27FC236}">
-                <a16:creationId xmlns:a16="http://schemas.microsoft.com/office/drawing/2014/main" id="{5E6C144A-99B4-9243-880A-590C09A5B1FF}"/>
-              </a:ext>
-            </a:extLst>
-          </p:cNvPr>
-          <p:cNvSpPr>
-            <a:spLocks noGrp="1"/>
-          </p:cNvSpPr>
-          <p:nvPr>
-            <p:ph type="title"/>
-          </p:nvPr>
-        </p:nvSpPr>
-        <p:spPr/>
-        <p:txBody>
-          <a:bodyPr/>
-          <a:lstStyle/>
-          <a:p>
-            <a:r>
-              <a:rPr lang="en-GB" dirty="0"/>
-              <a:t>agenda</a:t>
-            </a:r>
-          </a:p>
-        </p:txBody>
-      </p:sp>
-      <p:sp>
-        <p:nvSpPr>
-          <p:cNvPr id="4" name="Rectangle 3">
-            <a:extLst>
-              <a:ext uri="{FF2B5EF4-FFF2-40B4-BE49-F238E27FC236}">
-                <a16:creationId xmlns:a16="http://schemas.microsoft.com/office/drawing/2014/main" id="{D1414BF5-852E-8045-B425-93EE7A48892C}"/>
-              </a:ext>
-            </a:extLst>
-          </p:cNvPr>
-          <p:cNvSpPr/>
-          <p:nvPr/>
-        </p:nvSpPr>
-        <p:spPr>
-          <a:xfrm>
-            <a:off x="319087" y="1171575"/>
-            <a:ext cx="5505451" cy="552450"/>
-          </a:xfrm>
-          <a:prstGeom prst="rect">
-            <a:avLst/>
-          </a:prstGeom>
-          <a:noFill/>
-          <a:ln w="57150">
-            <a:solidFill>
-              <a:srgbClr val="7500C0"/>
-            </a:solidFill>
-          </a:ln>
-        </p:spPr>
-        <p:style>
-          <a:lnRef idx="2">
-            <a:schemeClr val="accent1">
-              <a:shade val="50000"/>
-            </a:schemeClr>
-          </a:lnRef>
-          <a:fillRef idx="1">
-            <a:schemeClr val="accent1"/>
-          </a:fillRef>
-          <a:effectRef idx="0">
-            <a:schemeClr val="accent1"/>
-          </a:effectRef>
-          <a:fontRef idx="minor">
-            <a:schemeClr val="lt1"/>
-          </a:fontRef>
-        </p:style>
-        <p:txBody>
-          <a:bodyPr rtlCol="0" anchor="ctr"/>
-          <a:lstStyle/>
-          <a:p>
-            <a:pPr algn="ctr"/>
-            <a:endParaRPr lang="en-GB"/>
-          </a:p>
-        </p:txBody>
-      </p:sp>
-    </p:spTree>
-    <p:extLst>
-      <p:ext uri="{BB962C8B-B14F-4D97-AF65-F5344CB8AC3E}">
-        <p14:creationId xmlns:p14="http://schemas.microsoft.com/office/powerpoint/2010/main" val="3360244807"/>
-      </p:ext>
-    </p:extLst>
-  </p:cSld>
-  <p:clrMapOvr>
-    <a:masterClrMapping/>
-  </p:clrMapOvr>
-</p:sld>
-</file>
-
-<file path=ppt/slides/slide20.xml><?xml version="1.0" encoding="utf-8"?>
+<file path=ppt/slides/slide21.xml><?xml version="1.0" encoding="utf-8"?>
 <p:sld xmlns:a="http://schemas.openxmlformats.org/drawingml/2006/main" xmlns:r="http://schemas.openxmlformats.org/officeDocument/2006/relationships" xmlns:p="http://schemas.openxmlformats.org/presentationml/2006/main" show="0">
   <p:cSld>
     <p:spTree>
@@ -6600,7 +6985,7 @@
             <a:fld id="{4F9AC08D-23A9-440E-BCB9-AA1E9877CC38}" type="slidenum">
               <a:rPr lang="en-US" smtClean="0"/>
               <a:pPr/>
-              <a:t>20</a:t>
+              <a:t>21</a:t>
             </a:fld>
             <a:endParaRPr lang="en-US"/>
           </a:p>
@@ -6727,10 +7112,103 @@
       </p:grpSpPr>
       <p:sp>
         <p:nvSpPr>
+          <p:cNvPr id="2" name="Footer Placeholder 1">
+            <a:extLst>
+              <a:ext uri="{FF2B5EF4-FFF2-40B4-BE49-F238E27FC236}">
+                <a16:creationId xmlns:a16="http://schemas.microsoft.com/office/drawing/2014/main" id="{30B09AB4-E1B5-461F-82F2-31816011A798}"/>
+              </a:ext>
+            </a:extLst>
+          </p:cNvPr>
+          <p:cNvSpPr>
+            <a:spLocks noGrp="1"/>
+          </p:cNvSpPr>
+          <p:nvPr>
+            <p:ph type="ftr" sz="quarter" idx="16"/>
+          </p:nvPr>
+        </p:nvSpPr>
+        <p:spPr/>
+        <p:txBody>
+          <a:bodyPr/>
+          <a:lstStyle/>
+          <a:p>
+            <a:r>
+              <a:rPr lang="en-US"/>
+              <a:t>Copyright © 2018 Accenture. All rights reserved.</a:t>
+            </a:r>
+            <a:endParaRPr lang="en-US" dirty="0"/>
+          </a:p>
+        </p:txBody>
+      </p:sp>
+      <p:sp>
+        <p:nvSpPr>
+          <p:cNvPr id="3" name="Slide Number Placeholder 2">
+            <a:extLst>
+              <a:ext uri="{FF2B5EF4-FFF2-40B4-BE49-F238E27FC236}">
+                <a16:creationId xmlns:a16="http://schemas.microsoft.com/office/drawing/2014/main" id="{0B112692-A164-4F88-A0BE-01F14A578415}"/>
+              </a:ext>
+            </a:extLst>
+          </p:cNvPr>
+          <p:cNvSpPr>
+            <a:spLocks noGrp="1"/>
+          </p:cNvSpPr>
+          <p:nvPr>
+            <p:ph type="sldNum" sz="quarter" idx="17"/>
+          </p:nvPr>
+        </p:nvSpPr>
+        <p:spPr/>
+        <p:txBody>
+          <a:bodyPr/>
+          <a:lstStyle/>
+          <a:p>
+            <a:fld id="{4F9AC08D-23A9-440E-BCB9-AA1E9877CC38}" type="slidenum">
+              <a:rPr lang="en-US" smtClean="0"/>
+              <a:pPr/>
+              <a:t>3</a:t>
+            </a:fld>
+            <a:endParaRPr lang="en-US"/>
+          </a:p>
+        </p:txBody>
+      </p:sp>
+      <p:sp>
+        <p:nvSpPr>
+          <p:cNvPr id="4" name="Content Placeholder 3">
+            <a:extLst>
+              <a:ext uri="{FF2B5EF4-FFF2-40B4-BE49-F238E27FC236}">
+                <a16:creationId xmlns:a16="http://schemas.microsoft.com/office/drawing/2014/main" id="{981FD6C5-00BF-4469-A752-01D06F5ECEA2}"/>
+              </a:ext>
+            </a:extLst>
+          </p:cNvPr>
+          <p:cNvSpPr>
+            <a:spLocks noGrp="1"/>
+          </p:cNvSpPr>
+          <p:nvPr>
+            <p:ph sz="quarter" idx="18"/>
+          </p:nvPr>
+        </p:nvSpPr>
+        <p:spPr/>
+        <p:txBody>
+          <a:bodyPr/>
+          <a:lstStyle/>
+          <a:p>
+            <a:r>
+              <a:rPr lang="en-US" dirty="0">
+                <a:hlinkClick r:id="rId2"/>
+              </a:rPr>
+              <a:t>https://github.com/ameet123/na_la_nn</a:t>
+            </a:r>
+            <a:endParaRPr lang="en-US" dirty="0"/>
+          </a:p>
+          <a:p>
+            <a:endParaRPr lang="en-US" dirty="0"/>
+          </a:p>
+        </p:txBody>
+      </p:sp>
+      <p:sp>
+        <p:nvSpPr>
           <p:cNvPr id="5" name="Title 4">
             <a:extLst>
               <a:ext uri="{FF2B5EF4-FFF2-40B4-BE49-F238E27FC236}">
-                <a16:creationId xmlns:a16="http://schemas.microsoft.com/office/drawing/2014/main" id="{FECF4542-7012-4459-8FA2-0B53E8915305}"/>
+                <a16:creationId xmlns:a16="http://schemas.microsoft.com/office/drawing/2014/main" id="{735EAC67-43A5-46BA-9C26-F7AA50CDFB3C}"/>
               </a:ext>
             </a:extLst>
           </p:cNvPr>
@@ -6748,243 +7226,15 @@
           <a:p>
             <a:r>
               <a:rPr lang="en-US" dirty="0"/>
-              <a:t>Installation</a:t>
-            </a:r>
-          </a:p>
-        </p:txBody>
-      </p:sp>
-      <p:sp>
-        <p:nvSpPr>
-          <p:cNvPr id="2" name="Footer Placeholder 1">
-            <a:extLst>
-              <a:ext uri="{FF2B5EF4-FFF2-40B4-BE49-F238E27FC236}">
-                <a16:creationId xmlns:a16="http://schemas.microsoft.com/office/drawing/2014/main" id="{D1C74A52-5173-4262-BE81-1A55B76D25B8}"/>
-              </a:ext>
-            </a:extLst>
-          </p:cNvPr>
-          <p:cNvSpPr>
-            <a:spLocks noGrp="1"/>
-          </p:cNvSpPr>
-          <p:nvPr>
-            <p:ph type="ftr" sz="quarter" idx="10"/>
-          </p:nvPr>
-        </p:nvSpPr>
-        <p:spPr/>
-        <p:txBody>
-          <a:bodyPr/>
-          <a:lstStyle/>
-          <a:p>
-            <a:r>
-              <a:rPr lang="en-US"/>
-              <a:t>Copyright © 2018 Accenture. All rights reserved.</a:t>
-            </a:r>
-            <a:endParaRPr lang="en-US" dirty="0"/>
-          </a:p>
-        </p:txBody>
-      </p:sp>
-      <p:sp>
-        <p:nvSpPr>
-          <p:cNvPr id="3" name="Slide Number Placeholder 2">
-            <a:extLst>
-              <a:ext uri="{FF2B5EF4-FFF2-40B4-BE49-F238E27FC236}">
-                <a16:creationId xmlns:a16="http://schemas.microsoft.com/office/drawing/2014/main" id="{786D1A07-AF94-41A7-A7BD-F66B03C17110}"/>
-              </a:ext>
-            </a:extLst>
-          </p:cNvPr>
-          <p:cNvSpPr>
-            <a:spLocks noGrp="1"/>
-          </p:cNvSpPr>
-          <p:nvPr>
-            <p:ph type="sldNum" sz="quarter" idx="11"/>
-          </p:nvPr>
-        </p:nvSpPr>
-        <p:spPr/>
-        <p:txBody>
-          <a:bodyPr/>
-          <a:lstStyle/>
-          <a:p>
-            <a:fld id="{4F9AC08D-23A9-440E-BCB9-AA1E9877CC38}" type="slidenum">
-              <a:rPr lang="en-US" smtClean="0"/>
-              <a:pPr/>
-              <a:t>3</a:t>
-            </a:fld>
-            <a:endParaRPr lang="en-US"/>
-          </a:p>
-        </p:txBody>
-      </p:sp>
-      <p:sp>
-        <p:nvSpPr>
-          <p:cNvPr id="4" name="Content Placeholder 3">
-            <a:extLst>
-              <a:ext uri="{FF2B5EF4-FFF2-40B4-BE49-F238E27FC236}">
-                <a16:creationId xmlns:a16="http://schemas.microsoft.com/office/drawing/2014/main" id="{B6D4C15F-F688-4861-AD14-3F5E067D1AC0}"/>
-              </a:ext>
-            </a:extLst>
-          </p:cNvPr>
-          <p:cNvSpPr>
-            <a:spLocks noGrp="1"/>
-          </p:cNvSpPr>
-          <p:nvPr>
-            <p:ph type="body" sz="quarter" idx="12"/>
-          </p:nvPr>
-        </p:nvSpPr>
-        <p:spPr/>
-        <p:txBody>
-          <a:bodyPr/>
-          <a:lstStyle/>
-          <a:p>
-            <a:r>
-              <a:rPr lang="en-US" dirty="0"/>
-              <a:t>Anaconda-3</a:t>
-            </a:r>
-          </a:p>
-          <a:p>
-            <a:pPr marL="342900" indent="-342900">
-              <a:buFont typeface="Arial" panose="020B0604020202020204" pitchFamily="34" charset="0"/>
-              <a:buChar char="•"/>
-            </a:pPr>
-            <a:r>
-              <a:rPr lang="en-US" dirty="0">
-                <a:hlinkClick r:id="rId2"/>
-              </a:rPr>
-              <a:t>https://www.anaconda.com/download/</a:t>
-            </a:r>
-            <a:r>
-              <a:rPr lang="en-US" dirty="0"/>
-              <a:t> install 64-bit windows</a:t>
-            </a:r>
-          </a:p>
-          <a:p>
-            <a:pPr marL="628644" lvl="1" indent="-342900"/>
-            <a:r>
-              <a:rPr lang="en-US" dirty="0"/>
-              <a:t>python 3.7 version</a:t>
-            </a:r>
-          </a:p>
-          <a:p>
-            <a:pPr marL="342900" indent="-342900">
-              <a:buFont typeface="Arial" panose="020B0604020202020204" pitchFamily="34" charset="0"/>
-              <a:buChar char="•"/>
-            </a:pPr>
-            <a:r>
-              <a:rPr lang="en-US" dirty="0"/>
-              <a:t>downgrade python – </a:t>
-            </a:r>
-            <a:r>
-              <a:rPr lang="en-US" dirty="0" err="1"/>
-              <a:t>tensorflow</a:t>
-            </a:r>
-            <a:r>
-              <a:rPr lang="en-US" dirty="0"/>
-              <a:t> only works with 3.5</a:t>
-            </a:r>
-          </a:p>
-          <a:p>
-            <a:pPr marL="628644" lvl="1" indent="-342900"/>
-            <a:r>
-              <a:rPr lang="en-US" dirty="0" err="1"/>
-              <a:t>conda</a:t>
-            </a:r>
-            <a:r>
-              <a:rPr lang="en-US" dirty="0"/>
-              <a:t> install python=3.5</a:t>
-            </a:r>
-          </a:p>
-          <a:p>
-            <a:pPr marL="628644" lvl="1" indent="-342900"/>
-            <a:r>
-              <a:rPr lang="en-US" dirty="0"/>
-              <a:t>open navigator and start command prompt with python</a:t>
-            </a:r>
-          </a:p>
-          <a:p>
-            <a:pPr marL="628644" lvl="1" indent="-342900"/>
-            <a:r>
-              <a:rPr lang="en-US" dirty="0"/>
-              <a:t>confirm – python –V =&gt; 3.5.6</a:t>
-            </a:r>
-          </a:p>
-          <a:p>
-            <a:pPr marL="628644" lvl="1" indent="-342900"/>
-            <a:r>
-              <a:rPr lang="en-US" strike="sngStrike" dirty="0"/>
-              <a:t>pip install </a:t>
-            </a:r>
-            <a:r>
-              <a:rPr lang="en-US" strike="sngStrike" dirty="0" err="1"/>
-              <a:t>tensorflow</a:t>
-            </a:r>
-            <a:endParaRPr lang="en-US" strike="sngStrike" dirty="0"/>
-          </a:p>
-          <a:p>
-            <a:pPr marL="342900" indent="-342900">
-              <a:buFont typeface="Arial" panose="020B0604020202020204" pitchFamily="34" charset="0"/>
-              <a:buChar char="•"/>
-            </a:pPr>
-            <a:r>
-              <a:rPr lang="en-US" dirty="0" err="1"/>
-              <a:t>conda</a:t>
-            </a:r>
-            <a:r>
-              <a:rPr lang="en-US" dirty="0"/>
-              <a:t> install </a:t>
-            </a:r>
-            <a:r>
-              <a:rPr lang="en-US" dirty="0" err="1"/>
-              <a:t>keras</a:t>
-            </a:r>
-            <a:r>
-              <a:rPr lang="en-US" dirty="0"/>
-              <a:t> =&gt; This installs </a:t>
-            </a:r>
-            <a:r>
-              <a:rPr lang="en-US" dirty="0" err="1"/>
-              <a:t>tensorflow</a:t>
-            </a:r>
-            <a:r>
-              <a:rPr lang="en-US" dirty="0"/>
-              <a:t> as well.</a:t>
-            </a:r>
-          </a:p>
-          <a:p>
-            <a:pPr marL="342900" indent="-342900">
-              <a:buFont typeface="Arial" panose="020B0604020202020204" pitchFamily="34" charset="0"/>
-              <a:buChar char="•"/>
-            </a:pPr>
-            <a:r>
-              <a:rPr lang="en-US" dirty="0"/>
-              <a:t>confirmation : open python prompt</a:t>
-            </a:r>
-          </a:p>
-          <a:p>
-            <a:pPr marL="628644" lvl="1" indent="-342900"/>
-            <a:r>
-              <a:rPr lang="en-US" dirty="0"/>
-              <a:t>python </a:t>
-            </a:r>
-          </a:p>
-          <a:p>
-            <a:pPr marL="857238" lvl="2" indent="-342900"/>
-            <a:r>
-              <a:rPr lang="en-US" dirty="0"/>
-              <a:t>import </a:t>
-            </a:r>
-            <a:r>
-              <a:rPr lang="en-US" dirty="0" err="1"/>
-              <a:t>keras</a:t>
-            </a:r>
-            <a:endParaRPr lang="en-US" dirty="0"/>
-          </a:p>
-          <a:p>
-            <a:pPr marL="342900" indent="-342900"/>
-            <a:endParaRPr lang="en-US" dirty="0"/>
+              <a:t>code and presentation</a:t>
+            </a:r>
           </a:p>
         </p:txBody>
       </p:sp>
     </p:spTree>
     <p:extLst>
       <p:ext uri="{BB962C8B-B14F-4D97-AF65-F5344CB8AC3E}">
-        <p14:creationId xmlns:p14="http://schemas.microsoft.com/office/powerpoint/2010/main" val="268757033"/>
+        <p14:creationId xmlns:p14="http://schemas.microsoft.com/office/powerpoint/2010/main" val="3123892546"/>
       </p:ext>
     </p:extLst>
   </p:cSld>
@@ -7013,10 +7263,10 @@
       </p:grpSpPr>
       <p:sp>
         <p:nvSpPr>
-          <p:cNvPr id="2" name="Title 1">
+          <p:cNvPr id="5" name="Title 4">
             <a:extLst>
               <a:ext uri="{FF2B5EF4-FFF2-40B4-BE49-F238E27FC236}">
-                <a16:creationId xmlns:a16="http://schemas.microsoft.com/office/drawing/2014/main" id="{D8A56FC5-60A9-42D7-9EE8-DA1BAE527C88}"/>
+                <a16:creationId xmlns:a16="http://schemas.microsoft.com/office/drawing/2014/main" id="{FECF4542-7012-4459-8FA2-0B53E8915305}"/>
               </a:ext>
             </a:extLst>
           </p:cNvPr>
@@ -7034,17 +7284,17 @@
           <a:p>
             <a:r>
               <a:rPr lang="en-US" dirty="0"/>
-              <a:t>environment &amp; package installation</a:t>
-            </a:r>
-          </a:p>
-        </p:txBody>
-      </p:sp>
-      <p:sp>
-        <p:nvSpPr>
-          <p:cNvPr id="3" name="Footer Placeholder 2">
+              <a:t>Installation</a:t>
+            </a:r>
+          </a:p>
+        </p:txBody>
+      </p:sp>
+      <p:sp>
+        <p:nvSpPr>
+          <p:cNvPr id="2" name="Footer Placeholder 1">
             <a:extLst>
               <a:ext uri="{FF2B5EF4-FFF2-40B4-BE49-F238E27FC236}">
-                <a16:creationId xmlns:a16="http://schemas.microsoft.com/office/drawing/2014/main" id="{D5200FC9-D39D-4478-A54F-795747DFD934}"/>
+                <a16:creationId xmlns:a16="http://schemas.microsoft.com/office/drawing/2014/main" id="{D1C74A52-5173-4262-BE81-1A55B76D25B8}"/>
               </a:ext>
             </a:extLst>
           </p:cNvPr>
@@ -7070,10 +7320,10 @@
       </p:sp>
       <p:sp>
         <p:nvSpPr>
-          <p:cNvPr id="4" name="Slide Number Placeholder 3">
+          <p:cNvPr id="3" name="Slide Number Placeholder 2">
             <a:extLst>
               <a:ext uri="{FF2B5EF4-FFF2-40B4-BE49-F238E27FC236}">
-                <a16:creationId xmlns:a16="http://schemas.microsoft.com/office/drawing/2014/main" id="{CD08F597-AE46-47E4-8FE7-86F26313BCF8}"/>
+                <a16:creationId xmlns:a16="http://schemas.microsoft.com/office/drawing/2014/main" id="{786D1A07-AF94-41A7-A7BD-F66B03C17110}"/>
               </a:ext>
             </a:extLst>
           </p:cNvPr>
@@ -7094,16 +7344,16 @@
               <a:pPr/>
               <a:t>4</a:t>
             </a:fld>
-            <a:endParaRPr lang="en-US" dirty="0"/>
-          </a:p>
-        </p:txBody>
-      </p:sp>
-      <p:sp>
-        <p:nvSpPr>
-          <p:cNvPr id="5" name="Text Placeholder 4">
+            <a:endParaRPr lang="en-US"/>
+          </a:p>
+        </p:txBody>
+      </p:sp>
+      <p:sp>
+        <p:nvSpPr>
+          <p:cNvPr id="4" name="Content Placeholder 3">
             <a:extLst>
               <a:ext uri="{FF2B5EF4-FFF2-40B4-BE49-F238E27FC236}">
-                <a16:creationId xmlns:a16="http://schemas.microsoft.com/office/drawing/2014/main" id="{A0F6EB94-2B4E-4A05-BD06-C9E3280EA15C}"/>
+                <a16:creationId xmlns:a16="http://schemas.microsoft.com/office/drawing/2014/main" id="{B6D4C15F-F688-4861-AD14-3F5E067D1AC0}"/>
               </a:ext>
             </a:extLst>
           </p:cNvPr>
@@ -7119,17 +7369,32 @@
           <a:bodyPr/>
           <a:lstStyle/>
           <a:p>
+            <a:r>
+              <a:rPr lang="en-US" dirty="0"/>
+              <a:t>Anaconda-3</a:t>
+            </a:r>
+          </a:p>
+          <a:p>
             <a:pPr marL="342900" indent="-342900">
               <a:buFont typeface="Arial" panose="020B0604020202020204" pitchFamily="34" charset="0"/>
               <a:buChar char="•"/>
             </a:pPr>
             <a:r>
-              <a:rPr lang="en-US" dirty="0" err="1"/>
-              <a:t>conda</a:t>
+              <a:rPr lang="en-US" dirty="0">
+                <a:hlinkClick r:id="rId2"/>
+              </a:rPr>
+              <a:t>https://www.anaconda.com/download/</a:t>
             </a:r>
             <a:r>
               <a:rPr lang="en-US" dirty="0"/>
-              <a:t> create –n neural</a:t>
+              <a:t> install 64-bit windows</a:t>
+            </a:r>
+          </a:p>
+          <a:p>
+            <a:pPr marL="628644" lvl="1" indent="-342900"/>
+            <a:r>
+              <a:rPr lang="en-US" dirty="0"/>
+              <a:t>python 3.7 version</a:t>
             </a:r>
           </a:p>
           <a:p>
@@ -7138,13 +7403,54 @@
               <a:buChar char="•"/>
             </a:pPr>
             <a:r>
+              <a:rPr lang="en-US" dirty="0"/>
+              <a:t>downgrade python – </a:t>
+            </a:r>
+            <a:r>
+              <a:rPr lang="en-US" dirty="0" err="1"/>
+              <a:t>tensorflow</a:t>
+            </a:r>
+            <a:r>
+              <a:rPr lang="en-US" dirty="0"/>
+              <a:t> only works with 3.5</a:t>
+            </a:r>
+          </a:p>
+          <a:p>
+            <a:pPr marL="628644" lvl="1" indent="-342900"/>
+            <a:r>
               <a:rPr lang="en-US" dirty="0" err="1"/>
               <a:t>conda</a:t>
             </a:r>
             <a:r>
               <a:rPr lang="en-US" dirty="0"/>
-              <a:t> activate neural</a:t>
-            </a:r>
+              <a:t> install python=3.5</a:t>
+            </a:r>
+          </a:p>
+          <a:p>
+            <a:pPr marL="628644" lvl="1" indent="-342900"/>
+            <a:r>
+              <a:rPr lang="en-US" dirty="0"/>
+              <a:t>open navigator and start command prompt with python</a:t>
+            </a:r>
+          </a:p>
+          <a:p>
+            <a:pPr marL="628644" lvl="1" indent="-342900"/>
+            <a:r>
+              <a:rPr lang="en-US" dirty="0"/>
+              <a:t>confirm – python –V =&gt; 3.5.6</a:t>
+            </a:r>
+          </a:p>
+          <a:p>
+            <a:pPr marL="628644" lvl="1" indent="-342900"/>
+            <a:r>
+              <a:rPr lang="en-US" strike="sngStrike" dirty="0"/>
+              <a:t>pip install </a:t>
+            </a:r>
+            <a:r>
+              <a:rPr lang="en-US" strike="sngStrike" dirty="0" err="1"/>
+              <a:t>tensorflow</a:t>
+            </a:r>
+            <a:endParaRPr lang="en-US" strike="sngStrike" dirty="0"/>
           </a:p>
           <a:p>
             <a:pPr marL="342900" indent="-342900">
@@ -7157,7 +7463,23 @@
             </a:r>
             <a:r>
               <a:rPr lang="en-US" dirty="0"/>
-              <a:t> install seaborn – installs matplotlib</a:t>
+              <a:t> install </a:t>
+            </a:r>
+            <a:r>
+              <a:rPr lang="en-US" dirty="0" err="1"/>
+              <a:t>keras</a:t>
+            </a:r>
+            <a:r>
+              <a:rPr lang="en-US" dirty="0"/>
+              <a:t> =&gt; This installs </a:t>
+            </a:r>
+            <a:r>
+              <a:rPr lang="en-US" dirty="0" err="1"/>
+              <a:t>tensorflow</a:t>
+            </a:r>
+            <a:r>
+              <a:rPr lang="en-US" dirty="0"/>
+              <a:t> as well.</a:t>
             </a:r>
           </a:p>
           <a:p>
@@ -7166,42 +7488,39 @@
               <a:buChar char="•"/>
             </a:pPr>
             <a:r>
+              <a:rPr lang="en-US" dirty="0"/>
+              <a:t>confirmation : open python prompt</a:t>
+            </a:r>
+          </a:p>
+          <a:p>
+            <a:pPr marL="628644" lvl="1" indent="-342900"/>
+            <a:r>
+              <a:rPr lang="en-US" dirty="0"/>
+              <a:t>python </a:t>
+            </a:r>
+          </a:p>
+          <a:p>
+            <a:pPr marL="857238" lvl="2" indent="-342900"/>
+            <a:r>
+              <a:rPr lang="en-US" dirty="0"/>
+              <a:t>import </a:t>
+            </a:r>
+            <a:r>
               <a:rPr lang="en-US" dirty="0" err="1"/>
-              <a:t>conda</a:t>
-            </a:r>
-            <a:r>
-              <a:rPr lang="en-US" dirty="0"/>
-              <a:t> install pandas</a:t>
-            </a:r>
-          </a:p>
-          <a:p>
-            <a:pPr marL="342900" indent="-342900">
-              <a:buFont typeface="Arial" panose="020B0604020202020204" pitchFamily="34" charset="0"/>
-              <a:buChar char="•"/>
-            </a:pPr>
-            <a:r>
-              <a:rPr lang="en-US" dirty="0" err="1"/>
-              <a:t>conda</a:t>
-            </a:r>
-            <a:r>
-              <a:rPr lang="en-US" dirty="0"/>
-              <a:t> install </a:t>
-            </a:r>
-            <a:r>
-              <a:rPr lang="en-US" dirty="0" err="1"/>
-              <a:t>scikit</a:t>
-            </a:r>
-            <a:r>
-              <a:rPr lang="en-US" dirty="0"/>
-              <a:t>-learn – test/train dataset split</a:t>
-            </a:r>
+              <a:t>keras</a:t>
+            </a:r>
+            <a:endParaRPr lang="en-US" dirty="0"/>
+          </a:p>
+          <a:p>
+            <a:pPr marL="342900" indent="-342900"/>
+            <a:endParaRPr lang="en-US" dirty="0"/>
           </a:p>
         </p:txBody>
       </p:sp>
     </p:spTree>
     <p:extLst>
       <p:ext uri="{BB962C8B-B14F-4D97-AF65-F5344CB8AC3E}">
-        <p14:creationId xmlns:p14="http://schemas.microsoft.com/office/powerpoint/2010/main" val="3678318544"/>
+        <p14:creationId xmlns:p14="http://schemas.microsoft.com/office/powerpoint/2010/main" val="268757033"/>
       </p:ext>
     </p:extLst>
   </p:cSld>
@@ -7233,6 +7552,223 @@
           <p:cNvPr id="2" name="Title 1">
             <a:extLst>
               <a:ext uri="{FF2B5EF4-FFF2-40B4-BE49-F238E27FC236}">
+                <a16:creationId xmlns:a16="http://schemas.microsoft.com/office/drawing/2014/main" id="{D8A56FC5-60A9-42D7-9EE8-DA1BAE527C88}"/>
+              </a:ext>
+            </a:extLst>
+          </p:cNvPr>
+          <p:cNvSpPr>
+            <a:spLocks noGrp="1"/>
+          </p:cNvSpPr>
+          <p:nvPr>
+            <p:ph type="title"/>
+          </p:nvPr>
+        </p:nvSpPr>
+        <p:spPr/>
+        <p:txBody>
+          <a:bodyPr/>
+          <a:lstStyle/>
+          <a:p>
+            <a:r>
+              <a:rPr lang="en-US" dirty="0"/>
+              <a:t>environment &amp; package installation</a:t>
+            </a:r>
+          </a:p>
+        </p:txBody>
+      </p:sp>
+      <p:sp>
+        <p:nvSpPr>
+          <p:cNvPr id="3" name="Footer Placeholder 2">
+            <a:extLst>
+              <a:ext uri="{FF2B5EF4-FFF2-40B4-BE49-F238E27FC236}">
+                <a16:creationId xmlns:a16="http://schemas.microsoft.com/office/drawing/2014/main" id="{D5200FC9-D39D-4478-A54F-795747DFD934}"/>
+              </a:ext>
+            </a:extLst>
+          </p:cNvPr>
+          <p:cNvSpPr>
+            <a:spLocks noGrp="1"/>
+          </p:cNvSpPr>
+          <p:nvPr>
+            <p:ph type="ftr" sz="quarter" idx="10"/>
+          </p:nvPr>
+        </p:nvSpPr>
+        <p:spPr/>
+        <p:txBody>
+          <a:bodyPr/>
+          <a:lstStyle/>
+          <a:p>
+            <a:r>
+              <a:rPr lang="en-US"/>
+              <a:t>Copyright © 2018 Accenture. All rights reserved.</a:t>
+            </a:r>
+            <a:endParaRPr lang="en-US" dirty="0"/>
+          </a:p>
+        </p:txBody>
+      </p:sp>
+      <p:sp>
+        <p:nvSpPr>
+          <p:cNvPr id="4" name="Slide Number Placeholder 3">
+            <a:extLst>
+              <a:ext uri="{FF2B5EF4-FFF2-40B4-BE49-F238E27FC236}">
+                <a16:creationId xmlns:a16="http://schemas.microsoft.com/office/drawing/2014/main" id="{CD08F597-AE46-47E4-8FE7-86F26313BCF8}"/>
+              </a:ext>
+            </a:extLst>
+          </p:cNvPr>
+          <p:cNvSpPr>
+            <a:spLocks noGrp="1"/>
+          </p:cNvSpPr>
+          <p:nvPr>
+            <p:ph type="sldNum" sz="quarter" idx="11"/>
+          </p:nvPr>
+        </p:nvSpPr>
+        <p:spPr/>
+        <p:txBody>
+          <a:bodyPr/>
+          <a:lstStyle/>
+          <a:p>
+            <a:fld id="{4F9AC08D-23A9-440E-BCB9-AA1E9877CC38}" type="slidenum">
+              <a:rPr lang="en-US" smtClean="0"/>
+              <a:pPr/>
+              <a:t>5</a:t>
+            </a:fld>
+            <a:endParaRPr lang="en-US" dirty="0"/>
+          </a:p>
+        </p:txBody>
+      </p:sp>
+      <p:sp>
+        <p:nvSpPr>
+          <p:cNvPr id="5" name="Text Placeholder 4">
+            <a:extLst>
+              <a:ext uri="{FF2B5EF4-FFF2-40B4-BE49-F238E27FC236}">
+                <a16:creationId xmlns:a16="http://schemas.microsoft.com/office/drawing/2014/main" id="{A0F6EB94-2B4E-4A05-BD06-C9E3280EA15C}"/>
+              </a:ext>
+            </a:extLst>
+          </p:cNvPr>
+          <p:cNvSpPr>
+            <a:spLocks noGrp="1"/>
+          </p:cNvSpPr>
+          <p:nvPr>
+            <p:ph type="body" sz="quarter" idx="12"/>
+          </p:nvPr>
+        </p:nvSpPr>
+        <p:spPr/>
+        <p:txBody>
+          <a:bodyPr/>
+          <a:lstStyle/>
+          <a:p>
+            <a:pPr marL="342900" indent="-342900">
+              <a:buFont typeface="Arial" panose="020B0604020202020204" pitchFamily="34" charset="0"/>
+              <a:buChar char="•"/>
+            </a:pPr>
+            <a:r>
+              <a:rPr lang="en-US" dirty="0" err="1"/>
+              <a:t>conda</a:t>
+            </a:r>
+            <a:r>
+              <a:rPr lang="en-US" dirty="0"/>
+              <a:t> create –n neural</a:t>
+            </a:r>
+          </a:p>
+          <a:p>
+            <a:pPr marL="342900" indent="-342900">
+              <a:buFont typeface="Arial" panose="020B0604020202020204" pitchFamily="34" charset="0"/>
+              <a:buChar char="•"/>
+            </a:pPr>
+            <a:r>
+              <a:rPr lang="en-US" dirty="0" err="1"/>
+              <a:t>conda</a:t>
+            </a:r>
+            <a:r>
+              <a:rPr lang="en-US" dirty="0"/>
+              <a:t> activate neural</a:t>
+            </a:r>
+          </a:p>
+          <a:p>
+            <a:pPr marL="342900" indent="-342900">
+              <a:buFont typeface="Arial" panose="020B0604020202020204" pitchFamily="34" charset="0"/>
+              <a:buChar char="•"/>
+            </a:pPr>
+            <a:r>
+              <a:rPr lang="en-US" dirty="0" err="1"/>
+              <a:t>conda</a:t>
+            </a:r>
+            <a:r>
+              <a:rPr lang="en-US" dirty="0"/>
+              <a:t> install seaborn – installs matplotlib</a:t>
+            </a:r>
+          </a:p>
+          <a:p>
+            <a:pPr marL="342900" indent="-342900">
+              <a:buFont typeface="Arial" panose="020B0604020202020204" pitchFamily="34" charset="0"/>
+              <a:buChar char="•"/>
+            </a:pPr>
+            <a:r>
+              <a:rPr lang="en-US" dirty="0" err="1"/>
+              <a:t>conda</a:t>
+            </a:r>
+            <a:r>
+              <a:rPr lang="en-US" dirty="0"/>
+              <a:t> install pandas</a:t>
+            </a:r>
+          </a:p>
+          <a:p>
+            <a:pPr marL="342900" indent="-342900">
+              <a:buFont typeface="Arial" panose="020B0604020202020204" pitchFamily="34" charset="0"/>
+              <a:buChar char="•"/>
+            </a:pPr>
+            <a:r>
+              <a:rPr lang="en-US" dirty="0" err="1"/>
+              <a:t>conda</a:t>
+            </a:r>
+            <a:r>
+              <a:rPr lang="en-US" dirty="0"/>
+              <a:t> install </a:t>
+            </a:r>
+            <a:r>
+              <a:rPr lang="en-US" dirty="0" err="1"/>
+              <a:t>scikit</a:t>
+            </a:r>
+            <a:r>
+              <a:rPr lang="en-US" dirty="0"/>
+              <a:t>-learn – test/train dataset split</a:t>
+            </a:r>
+          </a:p>
+        </p:txBody>
+      </p:sp>
+    </p:spTree>
+    <p:extLst>
+      <p:ext uri="{BB962C8B-B14F-4D97-AF65-F5344CB8AC3E}">
+        <p14:creationId xmlns:p14="http://schemas.microsoft.com/office/powerpoint/2010/main" val="3678318544"/>
+      </p:ext>
+    </p:extLst>
+  </p:cSld>
+  <p:clrMapOvr>
+    <a:masterClrMapping/>
+  </p:clrMapOvr>
+</p:sld>
+</file>
+
+<file path=ppt/slides/slide6.xml><?xml version="1.0" encoding="utf-8"?>
+<p:sld xmlns:a="http://schemas.openxmlformats.org/drawingml/2006/main" xmlns:r="http://schemas.openxmlformats.org/officeDocument/2006/relationships" xmlns:p="http://schemas.openxmlformats.org/presentationml/2006/main">
+  <p:cSld>
+    <p:spTree>
+      <p:nvGrpSpPr>
+        <p:cNvPr id="1" name=""/>
+        <p:cNvGrpSpPr/>
+        <p:nvPr/>
+      </p:nvGrpSpPr>
+      <p:grpSpPr>
+        <a:xfrm>
+          <a:off x="0" y="0"/>
+          <a:ext cx="0" cy="0"/>
+          <a:chOff x="0" y="0"/>
+          <a:chExt cx="0" cy="0"/>
+        </a:xfrm>
+      </p:grpSpPr>
+      <p:sp>
+        <p:nvSpPr>
+          <p:cNvPr id="2" name="Title 1">
+            <a:extLst>
+              <a:ext uri="{FF2B5EF4-FFF2-40B4-BE49-F238E27FC236}">
                 <a16:creationId xmlns:a16="http://schemas.microsoft.com/office/drawing/2014/main" id="{A830AF34-093F-4782-93BE-39591427FA89}"/>
               </a:ext>
             </a:extLst>
@@ -7309,7 +7845,7 @@
             <a:fld id="{4F9AC08D-23A9-440E-BCB9-AA1E9877CC38}" type="slidenum">
               <a:rPr lang="en-US" smtClean="0"/>
               <a:pPr/>
-              <a:t>5</a:t>
+              <a:t>6</a:t>
             </a:fld>
             <a:endParaRPr lang="en-US" dirty="0"/>
           </a:p>
@@ -8025,7 +8561,7 @@
 </p:sld>
 </file>
 
-<file path=ppt/slides/slide6.xml><?xml version="1.0" encoding="utf-8"?>
+<file path=ppt/slides/slide7.xml><?xml version="1.0" encoding="utf-8"?>
 <p:sld xmlns:a="http://schemas.openxmlformats.org/drawingml/2006/main" xmlns:r="http://schemas.openxmlformats.org/officeDocument/2006/relationships" xmlns:p="http://schemas.openxmlformats.org/presentationml/2006/main">
   <p:cSld>
     <p:spTree>
@@ -8095,7 +8631,7 @@
             <a:fld id="{4F9AC08D-23A9-440E-BCB9-AA1E9877CC38}" type="slidenum">
               <a:rPr lang="en-US" smtClean="0"/>
               <a:pPr/>
-              <a:t>6</a:t>
+              <a:t>7</a:t>
             </a:fld>
             <a:endParaRPr lang="en-US" dirty="0"/>
           </a:p>
@@ -8671,7 +9207,7 @@
 </p:sld>
 </file>
 
-<file path=ppt/slides/slide7.xml><?xml version="1.0" encoding="utf-8"?>
+<file path=ppt/slides/slide8.xml><?xml version="1.0" encoding="utf-8"?>
 <p:sld xmlns:a="http://schemas.openxmlformats.org/drawingml/2006/main" xmlns:r="http://schemas.openxmlformats.org/officeDocument/2006/relationships" xmlns:p="http://schemas.openxmlformats.org/presentationml/2006/main">
   <p:cSld>
     <p:spTree>
@@ -8729,7 +9265,7 @@
             <a:fld id="{4F9AC08D-23A9-440E-BCB9-AA1E9877CC38}" type="slidenum">
               <a:rPr lang="en-US" smtClean="0"/>
               <a:pPr/>
-              <a:t>7</a:t>
+              <a:t>8</a:t>
             </a:fld>
             <a:endParaRPr lang="en-US"/>
           </a:p>
@@ -9188,7 +9724,7 @@
 </p:sld>
 </file>
 
-<file path=ppt/slides/slide8.xml><?xml version="1.0" encoding="utf-8"?>
+<file path=ppt/slides/slide9.xml><?xml version="1.0" encoding="utf-8"?>
 <p:sld xmlns:a="http://schemas.openxmlformats.org/drawingml/2006/main" xmlns:r="http://schemas.openxmlformats.org/officeDocument/2006/relationships" xmlns:p="http://schemas.openxmlformats.org/presentationml/2006/main">
   <p:cSld>
     <p:spTree>
@@ -9268,7 +9804,7 @@
             <a:fld id="{4F9AC08D-23A9-440E-BCB9-AA1E9877CC38}" type="slidenum">
               <a:rPr lang="en-US" smtClean="0"/>
               <a:pPr/>
-              <a:t>8</a:t>
+              <a:t>9</a:t>
             </a:fld>
             <a:endParaRPr lang="en-US"/>
           </a:p>
@@ -10714,390 +11250,6 @@
 </p:sld>
 </file>
 
-<file path=ppt/slides/slide9.xml><?xml version="1.0" encoding="utf-8"?>
-<p:sld xmlns:a="http://schemas.openxmlformats.org/drawingml/2006/main" xmlns:r="http://schemas.openxmlformats.org/officeDocument/2006/relationships" xmlns:p="http://schemas.openxmlformats.org/presentationml/2006/main">
-  <p:cSld>
-    <p:spTree>
-      <p:nvGrpSpPr>
-        <p:cNvPr id="1" name=""/>
-        <p:cNvGrpSpPr/>
-        <p:nvPr/>
-      </p:nvGrpSpPr>
-      <p:grpSpPr>
-        <a:xfrm>
-          <a:off x="0" y="0"/>
-          <a:ext cx="0" cy="0"/>
-          <a:chOff x="0" y="0"/>
-          <a:chExt cx="0" cy="0"/>
-        </a:xfrm>
-      </p:grpSpPr>
-      <p:sp>
-        <p:nvSpPr>
-          <p:cNvPr id="3" name="Footer Placeholder 2"/>
-          <p:cNvSpPr>
-            <a:spLocks noGrp="1"/>
-          </p:cNvSpPr>
-          <p:nvPr>
-            <p:ph type="ftr" sz="quarter" idx="16"/>
-          </p:nvPr>
-        </p:nvSpPr>
-        <p:spPr/>
-        <p:txBody>
-          <a:bodyPr/>
-          <a:lstStyle/>
-          <a:p>
-            <a:r>
-              <a:rPr lang="en-US" dirty="0"/>
-              <a:t>Copyright © 2018 Accenture. All rights reserved.</a:t>
-            </a:r>
-          </a:p>
-        </p:txBody>
-      </p:sp>
-      <p:sp>
-        <p:nvSpPr>
-          <p:cNvPr id="4" name="Slide Number Placeholder 3"/>
-          <p:cNvSpPr>
-            <a:spLocks noGrp="1"/>
-          </p:cNvSpPr>
-          <p:nvPr>
-            <p:ph type="sldNum" sz="quarter" idx="17"/>
-          </p:nvPr>
-        </p:nvSpPr>
-        <p:spPr/>
-        <p:txBody>
-          <a:bodyPr/>
-          <a:lstStyle/>
-          <a:p>
-            <a:fld id="{4F9AC08D-23A9-440E-BCB9-AA1E9877CC38}" type="slidenum">
-              <a:rPr lang="en-US" smtClean="0"/>
-              <a:pPr/>
-              <a:t>9</a:t>
-            </a:fld>
-            <a:endParaRPr lang="en-US" dirty="0"/>
-          </a:p>
-        </p:txBody>
-      </p:sp>
-      <mc:AlternateContent xmlns:mc="http://schemas.openxmlformats.org/markup-compatibility/2006" xmlns:a14="http://schemas.microsoft.com/office/drawing/2010/main">
-        <mc:Choice Requires="a14">
-          <p:sp>
-            <p:nvSpPr>
-              <p:cNvPr id="5" name="Text Placeholder 4"/>
-              <p:cNvSpPr>
-                <a:spLocks noGrp="1"/>
-              </p:cNvSpPr>
-              <p:nvPr>
-                <p:ph sz="quarter" idx="18"/>
-              </p:nvPr>
-            </p:nvSpPr>
-            <p:spPr/>
-            <p:txBody>
-              <a:bodyPr/>
-              <a:lstStyle/>
-              <a:p>
-                <a:r>
-                  <a:rPr lang="en-US" i="1" dirty="0"/>
-                  <a:t>Forward</a:t>
-                </a:r>
-              </a:p>
-              <a:p>
-                <a:pPr marL="342900" indent="-342900">
-                  <a:buFont typeface="Arial" panose="020B0604020202020204" pitchFamily="34" charset="0"/>
-                  <a:buChar char="•"/>
-                </a:pPr>
-                <a:r>
-                  <a:rPr lang="en-US" dirty="0"/>
-                  <a:t>Use weights to compute activation value</a:t>
-                </a:r>
-              </a:p>
-              <a:p>
-                <a:pPr marL="342900" indent="-342900">
-                  <a:buFont typeface="Arial" panose="020B0604020202020204" pitchFamily="34" charset="0"/>
-                  <a:buChar char="•"/>
-                </a:pPr>
-                <a:r>
-                  <a:rPr lang="en-US" dirty="0"/>
-                  <a:t>Use threshold to evaluate the predicted value based on activation</a:t>
-                </a:r>
-              </a:p>
-              <a:p>
-                <a:pPr marL="342900" indent="-342900">
-                  <a:buFont typeface="Arial" panose="020B0604020202020204" pitchFamily="34" charset="0"/>
-                  <a:buChar char="•"/>
-                </a:pPr>
-                <a:r>
-                  <a:rPr lang="en-US" dirty="0"/>
-                  <a:t>Activation Functions</a:t>
-                </a:r>
-              </a:p>
-              <a:p>
-                <a:pPr marL="628644" lvl="1" indent="-342900"/>
-                <a14:m>
-                  <m:oMath xmlns:m="http://schemas.openxmlformats.org/officeDocument/2006/math">
-                    <m:nary>
-                      <m:naryPr>
-                        <m:chr m:val="∑"/>
-                        <m:subHide m:val="on"/>
-                        <m:supHide m:val="on"/>
-                        <m:ctrlPr>
-                          <a:rPr lang="en-US" i="1" smtClean="0">
-                            <a:latin typeface="Cambria Math" panose="02040503050406030204" pitchFamily="18" charset="0"/>
-                          </a:rPr>
-                        </m:ctrlPr>
-                      </m:naryPr>
-                      <m:sub/>
-                      <m:sup/>
-                      <m:e>
-                        <m:r>
-                          <a:rPr lang="en-US" b="0" i="1" smtClean="0">
-                            <a:latin typeface="Cambria Math" panose="02040503050406030204" pitchFamily="18" charset="0"/>
-                          </a:rPr>
-                          <m:t>𝑋</m:t>
-                        </m:r>
-                        <m:r>
-                          <a:rPr lang="en-US" b="0" i="1" baseline="-25000" smtClean="0">
-                            <a:latin typeface="Cambria Math" panose="02040503050406030204" pitchFamily="18" charset="0"/>
-                          </a:rPr>
-                          <m:t>𝑖</m:t>
-                        </m:r>
-                        <m:r>
-                          <a:rPr lang="en-US" b="0" i="1" smtClean="0">
-                            <a:latin typeface="Cambria Math" panose="02040503050406030204" pitchFamily="18" charset="0"/>
-                          </a:rPr>
-                          <m:t>𝑤</m:t>
-                        </m:r>
-                        <m:r>
-                          <a:rPr lang="en-US" b="0" i="1" baseline="-25000" smtClean="0">
-                            <a:latin typeface="Cambria Math" panose="02040503050406030204" pitchFamily="18" charset="0"/>
-                          </a:rPr>
-                          <m:t>𝑖</m:t>
-                        </m:r>
-                      </m:e>
-                    </m:nary>
-                  </m:oMath>
-                </a14:m>
-                <a:endParaRPr lang="en-US" dirty="0"/>
-              </a:p>
-              <a:p>
-                <a:pPr marL="857238" lvl="2" indent="-342900"/>
-                <a:r>
-                  <a:rPr lang="en-US" dirty="0"/>
-                  <a:t>Perceptron</a:t>
-                </a:r>
-              </a:p>
-              <a:p>
-                <a:pPr marL="857238" lvl="2" indent="-342900"/>
-                <a:r>
-                  <a:rPr lang="en-US" dirty="0"/>
-                  <a:t>threshold</a:t>
-                </a:r>
-              </a:p>
-              <a:p>
-                <a:pPr marL="628644" lvl="1" indent="-342900"/>
-                <a:r>
-                  <a:rPr lang="en-US" i="1" dirty="0"/>
-                  <a:t>Sigmoid</a:t>
-                </a:r>
-              </a:p>
-              <a:p>
-                <a:pPr marL="857238" lvl="2" indent="-342900"/>
-                <a:r>
-                  <a:rPr lang="en-US" dirty="0"/>
-                  <a:t>Robust, can model non-linear functions.</a:t>
-                </a:r>
-              </a:p>
-              <a:p>
-                <a:pPr marL="857238" lvl="2" indent="-342900"/>
-                <a:r>
-                  <a:rPr lang="en-US" dirty="0"/>
-                  <a:t>Continuous, Can be differentiated</a:t>
-                </a:r>
-              </a:p>
-            </p:txBody>
-          </p:sp>
-        </mc:Choice>
-        <mc:Fallback xmlns="">
-          <p:sp>
-            <p:nvSpPr>
-              <p:cNvPr id="5" name="Text Placeholder 4"/>
-              <p:cNvSpPr>
-                <a:spLocks noGrp="1" noRot="1" noChangeAspect="1" noMove="1" noResize="1" noEditPoints="1" noAdjustHandles="1" noChangeArrowheads="1" noChangeShapeType="1" noTextEdit="1"/>
-              </p:cNvSpPr>
-              <p:nvPr>
-                <p:ph sz="quarter" idx="18"/>
-              </p:nvPr>
-            </p:nvSpPr>
-            <p:spPr>
-              <a:blipFill rotWithShape="0">
-                <a:blip r:embed="rId2"/>
-                <a:stretch>
-                  <a:fillRect l="-3319"/>
-                </a:stretch>
-              </a:blipFill>
-            </p:spPr>
-            <p:txBody>
-              <a:bodyPr/>
-              <a:lstStyle/>
-              <a:p>
-                <a:r>
-                  <a:rPr lang="en-US">
-                    <a:noFill/>
-                  </a:rPr>
-                  <a:t> </a:t>
-                </a:r>
-              </a:p>
-            </p:txBody>
-          </p:sp>
-        </mc:Fallback>
-      </mc:AlternateContent>
-      <p:sp>
-        <p:nvSpPr>
-          <p:cNvPr id="2" name="Title 1"/>
-          <p:cNvSpPr>
-            <a:spLocks noGrp="1"/>
-          </p:cNvSpPr>
-          <p:nvPr>
-            <p:ph type="title"/>
-          </p:nvPr>
-        </p:nvSpPr>
-        <p:spPr/>
-        <p:txBody>
-          <a:bodyPr>
-            <a:normAutofit/>
-          </a:bodyPr>
-          <a:lstStyle/>
-          <a:p>
-            <a:r>
-              <a:rPr lang="en-US" dirty="0"/>
-              <a:t>propagation</a:t>
-            </a:r>
-          </a:p>
-        </p:txBody>
-      </p:sp>
-      <p:sp>
-        <p:nvSpPr>
-          <p:cNvPr id="6" name="Content Placeholder 5"/>
-          <p:cNvSpPr>
-            <a:spLocks noGrp="1"/>
-          </p:cNvSpPr>
-          <p:nvPr>
-            <p:ph sz="quarter" idx="19"/>
-          </p:nvPr>
-        </p:nvSpPr>
-        <p:spPr/>
-        <p:txBody>
-          <a:bodyPr/>
-          <a:lstStyle/>
-          <a:p>
-            <a:r>
-              <a:rPr lang="en-US" dirty="0"/>
-              <a:t>Back</a:t>
-            </a:r>
-          </a:p>
-          <a:p>
-            <a:pPr marL="342900" indent="-342900">
-              <a:buFont typeface="Arial" panose="020B0604020202020204" pitchFamily="34" charset="0"/>
-              <a:buChar char="•"/>
-            </a:pPr>
-            <a:r>
-              <a:rPr lang="en-US" dirty="0"/>
-              <a:t>Cost function</a:t>
-            </a:r>
-          </a:p>
-          <a:p>
-            <a:pPr marL="342900" indent="-342900">
-              <a:buFont typeface="Arial" panose="020B0604020202020204" pitchFamily="34" charset="0"/>
-              <a:buChar char="•"/>
-            </a:pPr>
-            <a:r>
-              <a:rPr lang="en-US" dirty="0"/>
-              <a:t>Error propagated backwards from output</a:t>
-            </a:r>
-          </a:p>
-          <a:p>
-            <a:pPr marL="342900" indent="-342900">
-              <a:buFont typeface="Arial" panose="020B0604020202020204" pitchFamily="34" charset="0"/>
-              <a:buChar char="•"/>
-            </a:pPr>
-            <a:r>
-              <a:rPr lang="en-US" dirty="0"/>
-              <a:t>Weights updated</a:t>
-            </a:r>
-          </a:p>
-          <a:p>
-            <a:pPr marL="342900" indent="-342900">
-              <a:buFont typeface="Arial" panose="020B0604020202020204" pitchFamily="34" charset="0"/>
-              <a:buChar char="•"/>
-            </a:pPr>
-            <a:endParaRPr lang="en-US" dirty="0"/>
-          </a:p>
-          <a:p>
-            <a:pPr marL="342900" indent="-342900">
-              <a:buFont typeface="Arial" panose="020B0604020202020204" pitchFamily="34" charset="0"/>
-              <a:buChar char="•"/>
-            </a:pPr>
-            <a:endParaRPr lang="en-US" dirty="0"/>
-          </a:p>
-          <a:p>
-            <a:pPr marL="342900" indent="-342900">
-              <a:buFont typeface="Arial" panose="020B0604020202020204" pitchFamily="34" charset="0"/>
-              <a:buChar char="•"/>
-            </a:pPr>
-            <a:endParaRPr lang="en-US" dirty="0"/>
-          </a:p>
-          <a:p>
-            <a:pPr marL="342900" indent="-342900">
-              <a:buFont typeface="Arial" panose="020B0604020202020204" pitchFamily="34" charset="0"/>
-              <a:buChar char="•"/>
-            </a:pPr>
-            <a:endParaRPr lang="en-US" dirty="0"/>
-          </a:p>
-          <a:p>
-            <a:pPr marL="342900" indent="-342900">
-              <a:buFont typeface="Arial" panose="020B0604020202020204" pitchFamily="34" charset="0"/>
-              <a:buChar char="•"/>
-            </a:pPr>
-            <a:endParaRPr lang="en-US" dirty="0"/>
-          </a:p>
-          <a:p>
-            <a:pPr marL="342900" indent="-342900">
-              <a:buFont typeface="Arial" panose="020B0604020202020204" pitchFamily="34" charset="0"/>
-              <a:buChar char="•"/>
-            </a:pPr>
-            <a:endParaRPr lang="en-US" dirty="0"/>
-          </a:p>
-          <a:p>
-            <a:r>
-              <a:rPr lang="en-US" sz="1200" b="0" i="1" dirty="0"/>
-              <a:t>Source</a:t>
-            </a:r>
-            <a:r>
-              <a:rPr lang="en-US" sz="1400" dirty="0"/>
-              <a:t>:</a:t>
-            </a:r>
-            <a:r>
-              <a:rPr lang="en-US" dirty="0"/>
-              <a:t> </a:t>
-            </a:r>
-            <a:r>
-              <a:rPr lang="en-US" sz="1200" b="0" i="1" dirty="0"/>
-              <a:t>https://www.coursera.org/learn/neural-networks-deep-learning</a:t>
-            </a:r>
-          </a:p>
-        </p:txBody>
-      </p:sp>
-    </p:spTree>
-    <p:extLst>
-      <p:ext uri="{BB962C8B-B14F-4D97-AF65-F5344CB8AC3E}">
-        <p14:creationId xmlns:p14="http://schemas.microsoft.com/office/powerpoint/2010/main" val="2885262002"/>
-      </p:ext>
-    </p:extLst>
-  </p:cSld>
-  <p:clrMapOvr>
-    <a:masterClrMapping/>
-  </p:clrMapOvr>
-</p:sld>
-</file>
-
 <file path=ppt/theme/theme1.xml><?xml version="1.0" encoding="utf-8"?>
 <a:theme xmlns:a="http://schemas.openxmlformats.org/drawingml/2006/main" name="Content Layouts">
   <a:themeElements>
@@ -12085,14 +12237,14 @@
 <file path=customXml/itemProps3.xml><?xml version="1.0" encoding="utf-8"?>
 <ds:datastoreItem xmlns:ds="http://schemas.openxmlformats.org/officeDocument/2006/customXml" ds:itemID="{3D34DDAC-CAA0-4E87-980F-6BF5010B4710}">
   <ds:schemaRefs>
+    <ds:schemaRef ds:uri="http://purl.org/dc/terms/"/>
+    <ds:schemaRef ds:uri="http://schemas.openxmlformats.org/package/2006/metadata/core-properties"/>
+    <ds:schemaRef ds:uri="http://schemas.microsoft.com/office/2006/documentManagement/types"/>
+    <ds:schemaRef ds:uri="http://schemas.microsoft.com/office/infopath/2007/PartnerControls"/>
+    <ds:schemaRef ds:uri="37b0d389-0b2b-4e15-a823-52abbd762844"/>
     <ds:schemaRef ds:uri="d927918d-a70a-4e37-bca2-2bc768f8ccde"/>
     <ds:schemaRef ds:uri="http://purl.org/dc/elements/1.1/"/>
     <ds:schemaRef ds:uri="http://schemas.microsoft.com/office/2006/metadata/properties"/>
-    <ds:schemaRef ds:uri="http://purl.org/dc/terms/"/>
-    <ds:schemaRef ds:uri="http://schemas.openxmlformats.org/package/2006/metadata/core-properties"/>
-    <ds:schemaRef ds:uri="http://schemas.microsoft.com/office/2006/documentManagement/types"/>
-    <ds:schemaRef ds:uri="37b0d389-0b2b-4e15-a823-52abbd762844"/>
-    <ds:schemaRef ds:uri="http://schemas.microsoft.com/office/infopath/2007/PartnerControls"/>
     <ds:schemaRef ds:uri="http://www.w3.org/XML/1998/namespace"/>
     <ds:schemaRef ds:uri="http://purl.org/dc/dcmitype/"/>
   </ds:schemaRefs>

--- a/FY19 NA-LA.pptx
+++ b/FY19 NA-LA.pptx
@@ -5,10 +5,10 @@
     <p:sldMasterId id="2147483658" r:id="rId4"/>
   </p:sldMasterIdLst>
   <p:notesMasterIdLst>
-    <p:notesMasterId r:id="rId26"/>
+    <p:notesMasterId r:id="rId30"/>
   </p:notesMasterIdLst>
   <p:handoutMasterIdLst>
-    <p:handoutMasterId r:id="rId27"/>
+    <p:handoutMasterId r:id="rId31"/>
   </p:handoutMasterIdLst>
   <p:sldIdLst>
     <p:sldId id="309" r:id="rId5"/>
@@ -18,20 +18,24 @@
     <p:sldId id="371" r:id="rId9"/>
     <p:sldId id="377" r:id="rId10"/>
     <p:sldId id="356" r:id="rId11"/>
-    <p:sldId id="361" r:id="rId12"/>
-    <p:sldId id="362" r:id="rId13"/>
-    <p:sldId id="363" r:id="rId14"/>
-    <p:sldId id="364" r:id="rId15"/>
-    <p:sldId id="365" r:id="rId16"/>
-    <p:sldId id="368" r:id="rId17"/>
-    <p:sldId id="373" r:id="rId18"/>
-    <p:sldId id="374" r:id="rId19"/>
-    <p:sldId id="375" r:id="rId20"/>
-    <p:sldId id="376" r:id="rId21"/>
-    <p:sldId id="358" r:id="rId22"/>
-    <p:sldId id="372" r:id="rId23"/>
-    <p:sldId id="366" r:id="rId24"/>
-    <p:sldId id="369" r:id="rId25"/>
+    <p:sldId id="379" r:id="rId12"/>
+    <p:sldId id="380" r:id="rId13"/>
+    <p:sldId id="361" r:id="rId14"/>
+    <p:sldId id="362" r:id="rId15"/>
+    <p:sldId id="363" r:id="rId16"/>
+    <p:sldId id="364" r:id="rId17"/>
+    <p:sldId id="365" r:id="rId18"/>
+    <p:sldId id="381" r:id="rId19"/>
+    <p:sldId id="368" r:id="rId20"/>
+    <p:sldId id="373" r:id="rId21"/>
+    <p:sldId id="374" r:id="rId22"/>
+    <p:sldId id="375" r:id="rId23"/>
+    <p:sldId id="382" r:id="rId24"/>
+    <p:sldId id="376" r:id="rId25"/>
+    <p:sldId id="358" r:id="rId26"/>
+    <p:sldId id="372" r:id="rId27"/>
+    <p:sldId id="366" r:id="rId28"/>
+    <p:sldId id="369" r:id="rId29"/>
   </p:sldIdLst>
   <p:sldSz cx="12192000" cy="6858000"/>
   <p:notesSz cx="6858000" cy="9144000"/>
@@ -223,7 +227,7 @@
           <a:p>
             <a:fld id="{DFBD7333-DD87-4773-BED3-E2892A4094EE}" type="datetimeFigureOut">
               <a:rPr lang="en-US" smtClean="0"/>
-              <a:t>10/4/2018</a:t>
+              <a:t>10/11/2018</a:t>
             </a:fld>
             <a:endParaRPr lang="en-US"/>
           </a:p>
@@ -388,7 +392,7 @@
           <a:p>
             <a:fld id="{D39D084F-DC83-4EB0-8CED-52E9AA3ECA1C}" type="datetimeFigureOut">
               <a:rPr lang="en-US" smtClean="0"/>
-              <a:t>10/4/2018</a:t>
+              <a:t>10/11/2018</a:t>
             </a:fld>
             <a:endParaRPr lang="en-US"/>
           </a:p>
@@ -1147,6 +1151,90 @@
 </p:notes>
 </file>
 
+<file path=ppt/notesSlides/notesSlide3.xml><?xml version="1.0" encoding="utf-8"?>
+<p:notes xmlns:a="http://schemas.openxmlformats.org/drawingml/2006/main" xmlns:r="http://schemas.openxmlformats.org/officeDocument/2006/relationships" xmlns:p="http://schemas.openxmlformats.org/presentationml/2006/main">
+  <p:cSld>
+    <p:spTree>
+      <p:nvGrpSpPr>
+        <p:cNvPr id="1" name=""/>
+        <p:cNvGrpSpPr/>
+        <p:nvPr/>
+      </p:nvGrpSpPr>
+      <p:grpSpPr>
+        <a:xfrm>
+          <a:off x="0" y="0"/>
+          <a:ext cx="0" cy="0"/>
+          <a:chOff x="0" y="0"/>
+          <a:chExt cx="0" cy="0"/>
+        </a:xfrm>
+      </p:grpSpPr>
+      <p:sp>
+        <p:nvSpPr>
+          <p:cNvPr id="2" name="Slide Image Placeholder 1"/>
+          <p:cNvSpPr>
+            <a:spLocks noGrp="1" noRot="1" noChangeAspect="1"/>
+          </p:cNvSpPr>
+          <p:nvPr>
+            <p:ph type="sldImg"/>
+          </p:nvPr>
+        </p:nvSpPr>
+        <p:spPr/>
+      </p:sp>
+      <p:sp>
+        <p:nvSpPr>
+          <p:cNvPr id="3" name="Notes Placeholder 2"/>
+          <p:cNvSpPr>
+            <a:spLocks noGrp="1"/>
+          </p:cNvSpPr>
+          <p:nvPr>
+            <p:ph type="body" idx="1"/>
+          </p:nvPr>
+        </p:nvSpPr>
+        <p:spPr/>
+        <p:txBody>
+          <a:bodyPr/>
+          <a:lstStyle/>
+          <a:p>
+            <a:endParaRPr lang="en-US" dirty="0"/>
+          </a:p>
+        </p:txBody>
+      </p:sp>
+      <p:sp>
+        <p:nvSpPr>
+          <p:cNvPr id="4" name="Slide Number Placeholder 3"/>
+          <p:cNvSpPr>
+            <a:spLocks noGrp="1"/>
+          </p:cNvSpPr>
+          <p:nvPr>
+            <p:ph type="sldNum" sz="quarter" idx="10"/>
+          </p:nvPr>
+        </p:nvSpPr>
+        <p:spPr/>
+        <p:txBody>
+          <a:bodyPr/>
+          <a:lstStyle/>
+          <a:p>
+            <a:fld id="{AC157E0A-F321-48DC-AF94-681D4DCF344D}" type="slidenum">
+              <a:rPr lang="en-US" smtClean="0"/>
+              <a:t>19</a:t>
+            </a:fld>
+            <a:endParaRPr lang="en-US" dirty="0"/>
+          </a:p>
+        </p:txBody>
+      </p:sp>
+    </p:spTree>
+    <p:extLst>
+      <p:ext uri="{BB962C8B-B14F-4D97-AF65-F5344CB8AC3E}">
+        <p14:creationId xmlns:p14="http://schemas.microsoft.com/office/powerpoint/2010/main" val="1756535553"/>
+      </p:ext>
+    </p:extLst>
+  </p:cSld>
+  <p:clrMapOvr>
+    <a:masterClrMapping/>
+  </p:clrMapOvr>
+</p:notes>
+</file>
+
 <file path=ppt/slideLayouts/slideLayout1.xml><?xml version="1.0" encoding="utf-8"?>
 <p:sldLayout xmlns:a="http://schemas.openxmlformats.org/drawingml/2006/main" xmlns:r="http://schemas.openxmlformats.org/officeDocument/2006/relationships" xmlns:p="http://schemas.openxmlformats.org/presentationml/2006/main" preserve="1" userDrawn="1">
   <p:cSld name="Title Master: White">
@@ -1177,7 +1265,7 @@
           <p:cNvPr id="4" name="Picture 3">
             <a:extLst>
               <a:ext uri="{FF2B5EF4-FFF2-40B4-BE49-F238E27FC236}">
-                <a16:creationId xmlns:a16="http://schemas.microsoft.com/office/drawing/2014/main" id="{A1E43A4C-B64A-406B-8BC7-21B0A8DCD424}"/>
+                <a16:creationId xmlns:a16="http://schemas.microsoft.com/office/drawing/2014/main" xmlns="" id="{A1E43A4C-B64A-406B-8BC7-21B0A8DCD424}"/>
               </a:ext>
             </a:extLst>
           </p:cNvPr>
@@ -1520,7 +1608,7 @@
           <p:cNvPr id="10" name="Text Placeholder 3">
             <a:extLst>
               <a:ext uri="{FF2B5EF4-FFF2-40B4-BE49-F238E27FC236}">
-                <a16:creationId xmlns:a16="http://schemas.microsoft.com/office/drawing/2014/main" id="{9B2E4451-6399-C14C-9364-9E1623484785}"/>
+                <a16:creationId xmlns:a16="http://schemas.microsoft.com/office/drawing/2014/main" xmlns="" id="{9B2E4451-6399-C14C-9364-9E1623484785}"/>
               </a:ext>
             </a:extLst>
           </p:cNvPr>
@@ -1609,7 +1697,7 @@
           <p:cNvPr id="2" name="Title 1">
             <a:extLst>
               <a:ext uri="{FF2B5EF4-FFF2-40B4-BE49-F238E27FC236}">
-                <a16:creationId xmlns:a16="http://schemas.microsoft.com/office/drawing/2014/main" id="{FA91734F-0153-4648-8C24-1FCCA145329A}"/>
+                <a16:creationId xmlns:a16="http://schemas.microsoft.com/office/drawing/2014/main" xmlns="" id="{FA91734F-0153-4648-8C24-1FCCA145329A}"/>
               </a:ext>
             </a:extLst>
           </p:cNvPr>
@@ -1650,7 +1738,7 @@
           <p:cNvPr id="3" name="Footer Placeholder 2">
             <a:extLst>
               <a:ext uri="{FF2B5EF4-FFF2-40B4-BE49-F238E27FC236}">
-                <a16:creationId xmlns:a16="http://schemas.microsoft.com/office/drawing/2014/main" id="{2EC717A1-9491-405B-8FE4-1A2CFA0C6BAB}"/>
+                <a16:creationId xmlns:a16="http://schemas.microsoft.com/office/drawing/2014/main" xmlns="" id="{2EC717A1-9491-405B-8FE4-1A2CFA0C6BAB}"/>
               </a:ext>
             </a:extLst>
           </p:cNvPr>
@@ -1679,7 +1767,7 @@
           <p:cNvPr id="4" name="Slide Number Placeholder 3">
             <a:extLst>
               <a:ext uri="{FF2B5EF4-FFF2-40B4-BE49-F238E27FC236}">
-                <a16:creationId xmlns:a16="http://schemas.microsoft.com/office/drawing/2014/main" id="{C08338BE-28A3-4E13-BB9C-1D55929C5C65}"/>
+                <a16:creationId xmlns:a16="http://schemas.microsoft.com/office/drawing/2014/main" xmlns="" id="{C08338BE-28A3-4E13-BB9C-1D55929C5C65}"/>
               </a:ext>
             </a:extLst>
           </p:cNvPr>
@@ -1709,7 +1797,7 @@
           <p:cNvPr id="7" name="Text Placeholder 6">
             <a:extLst>
               <a:ext uri="{FF2B5EF4-FFF2-40B4-BE49-F238E27FC236}">
-                <a16:creationId xmlns:a16="http://schemas.microsoft.com/office/drawing/2014/main" id="{90A31350-F3C6-4EFF-BD62-A85A14BB3177}"/>
+                <a16:creationId xmlns:a16="http://schemas.microsoft.com/office/drawing/2014/main" xmlns="" id="{90A31350-F3C6-4EFF-BD62-A85A14BB3177}"/>
               </a:ext>
             </a:extLst>
           </p:cNvPr>
@@ -2115,7 +2203,7 @@
           <p:cNvPr id="8" name="Picture 7">
             <a:extLst>
               <a:ext uri="{FF2B5EF4-FFF2-40B4-BE49-F238E27FC236}">
-                <a16:creationId xmlns:a16="http://schemas.microsoft.com/office/drawing/2014/main" id="{C68FE6CB-FD85-40DB-85A8-736A482E009A}"/>
+                <a16:creationId xmlns:a16="http://schemas.microsoft.com/office/drawing/2014/main" xmlns="" id="{C68FE6CB-FD85-40DB-85A8-736A482E009A}"/>
               </a:ext>
             </a:extLst>
           </p:cNvPr>
@@ -2334,7 +2422,7 @@
           <p:cNvPr id="8" name="Picture 7">
             <a:extLst>
               <a:ext uri="{FF2B5EF4-FFF2-40B4-BE49-F238E27FC236}">
-                <a16:creationId xmlns:a16="http://schemas.microsoft.com/office/drawing/2014/main" id="{88B412C7-9CE4-4972-B171-4BFF6A98270C}"/>
+                <a16:creationId xmlns:a16="http://schemas.microsoft.com/office/drawing/2014/main" xmlns="" id="{88B412C7-9CE4-4972-B171-4BFF6A98270C}"/>
               </a:ext>
             </a:extLst>
           </p:cNvPr>
@@ -3193,7 +3281,7 @@
           <p:cNvPr id="4" name="Text Placeholder 3">
             <a:extLst>
               <a:ext uri="{FF2B5EF4-FFF2-40B4-BE49-F238E27FC236}">
-                <a16:creationId xmlns:a16="http://schemas.microsoft.com/office/drawing/2014/main" id="{84E7BDCB-2116-B14C-A81B-0B1235048A79}"/>
+                <a16:creationId xmlns:a16="http://schemas.microsoft.com/office/drawing/2014/main" xmlns="" id="{84E7BDCB-2116-B14C-A81B-0B1235048A79}"/>
               </a:ext>
             </a:extLst>
           </p:cNvPr>
@@ -3234,6 +3322,13 @@
   <p:clrMapOvr>
     <a:masterClrMapping/>
   </p:clrMapOvr>
+  <p:timing>
+    <p:tnLst>
+      <p:par>
+        <p:cTn id="1" dur="indefinite" restart="never" nodeType="tmRoot"/>
+      </p:par>
+    </p:tnLst>
+  </p:timing>
 </p:sld>
 </file>
 
@@ -3256,6 +3351,2220 @@
       </p:grpSpPr>
       <p:sp>
         <p:nvSpPr>
+          <p:cNvPr id="2" name="Footer Placeholder 1"/>
+          <p:cNvSpPr>
+            <a:spLocks noGrp="1"/>
+          </p:cNvSpPr>
+          <p:nvPr>
+            <p:ph type="ftr" sz="quarter" idx="16"/>
+          </p:nvPr>
+        </p:nvSpPr>
+        <p:spPr/>
+        <p:txBody>
+          <a:bodyPr/>
+          <a:lstStyle/>
+          <a:p>
+            <a:r>
+              <a:rPr lang="en-US"/>
+              <a:t>Copyright © 2018 Accenture. All rights reserved.</a:t>
+            </a:r>
+            <a:endParaRPr lang="en-US" dirty="0"/>
+          </a:p>
+        </p:txBody>
+      </p:sp>
+      <p:sp>
+        <p:nvSpPr>
+          <p:cNvPr id="3" name="Slide Number Placeholder 2"/>
+          <p:cNvSpPr>
+            <a:spLocks noGrp="1"/>
+          </p:cNvSpPr>
+          <p:nvPr>
+            <p:ph type="sldNum" sz="quarter" idx="17"/>
+          </p:nvPr>
+        </p:nvSpPr>
+        <p:spPr/>
+        <p:txBody>
+          <a:bodyPr/>
+          <a:lstStyle/>
+          <a:p>
+            <a:fld id="{4F9AC08D-23A9-440E-BCB9-AA1E9877CC38}" type="slidenum">
+              <a:rPr lang="en-US" smtClean="0"/>
+              <a:pPr/>
+              <a:t>10</a:t>
+            </a:fld>
+            <a:endParaRPr lang="en-US"/>
+          </a:p>
+        </p:txBody>
+      </p:sp>
+      <p:sp>
+        <p:nvSpPr>
+          <p:cNvPr id="4" name="Content Placeholder 3"/>
+          <p:cNvSpPr>
+            <a:spLocks noGrp="1"/>
+          </p:cNvSpPr>
+          <p:nvPr>
+            <p:ph sz="quarter" idx="18"/>
+          </p:nvPr>
+        </p:nvSpPr>
+        <p:spPr/>
+        <p:txBody>
+          <a:bodyPr/>
+          <a:lstStyle/>
+          <a:p>
+            <a:r>
+              <a:rPr lang="en-US" dirty="0"/>
+              <a:t>Perceptron</a:t>
+            </a:r>
+          </a:p>
+          <a:p>
+            <a:pPr marL="457200" indent="-457200">
+              <a:buFont typeface="Arial" panose="020B0604020202020204" pitchFamily="34" charset="0"/>
+              <a:buChar char="•"/>
+            </a:pPr>
+            <a:r>
+              <a:rPr lang="en-US" dirty="0"/>
+              <a:t>Input layer</a:t>
+            </a:r>
+          </a:p>
+          <a:p>
+            <a:pPr marL="457200" indent="-457200">
+              <a:buFont typeface="Arial" panose="020B0604020202020204" pitchFamily="34" charset="0"/>
+              <a:buChar char="•"/>
+            </a:pPr>
+            <a:r>
+              <a:rPr lang="en-US" dirty="0"/>
+              <a:t>Weights</a:t>
+            </a:r>
+          </a:p>
+          <a:p>
+            <a:pPr marL="457200" indent="-457200">
+              <a:buFont typeface="Arial" panose="020B0604020202020204" pitchFamily="34" charset="0"/>
+              <a:buChar char="•"/>
+            </a:pPr>
+            <a:r>
+              <a:rPr lang="en-US" dirty="0"/>
+              <a:t>Threshold, theta</a:t>
+            </a:r>
+          </a:p>
+          <a:p>
+            <a:pPr marL="457200" indent="-457200">
+              <a:buFont typeface="Arial" panose="020B0604020202020204" pitchFamily="34" charset="0"/>
+              <a:buChar char="•"/>
+            </a:pPr>
+            <a:r>
+              <a:rPr lang="en-US" dirty="0"/>
+              <a:t>Predicted value</a:t>
+            </a:r>
+          </a:p>
+          <a:p>
+            <a:endParaRPr lang="en-US" dirty="0"/>
+          </a:p>
+        </p:txBody>
+      </p:sp>
+      <p:sp>
+        <p:nvSpPr>
+          <p:cNvPr id="5" name="Title 4"/>
+          <p:cNvSpPr>
+            <a:spLocks noGrp="1"/>
+          </p:cNvSpPr>
+          <p:nvPr>
+            <p:ph type="title"/>
+          </p:nvPr>
+        </p:nvSpPr>
+        <p:spPr/>
+        <p:txBody>
+          <a:bodyPr/>
+          <a:lstStyle/>
+          <a:p>
+            <a:r>
+              <a:rPr lang="en-US" dirty="0"/>
+              <a:t>Artificial Neuron</a:t>
+            </a:r>
+          </a:p>
+        </p:txBody>
+      </p:sp>
+      <p:sp>
+        <p:nvSpPr>
+          <p:cNvPr id="7" name="Oval 6"/>
+          <p:cNvSpPr/>
+          <p:nvPr/>
+        </p:nvSpPr>
+        <p:spPr>
+          <a:xfrm>
+            <a:off x="6601216" y="1841326"/>
+            <a:ext cx="501042" cy="526093"/>
+          </a:xfrm>
+          <a:prstGeom prst="ellipse">
+            <a:avLst/>
+          </a:prstGeom>
+          <a:ln>
+            <a:noFill/>
+          </a:ln>
+        </p:spPr>
+        <p:style>
+          <a:lnRef idx="2">
+            <a:schemeClr val="accent1">
+              <a:shade val="50000"/>
+            </a:schemeClr>
+          </a:lnRef>
+          <a:fillRef idx="1">
+            <a:schemeClr val="accent1"/>
+          </a:fillRef>
+          <a:effectRef idx="0">
+            <a:schemeClr val="accent1"/>
+          </a:effectRef>
+          <a:fontRef idx="minor">
+            <a:schemeClr val="lt1"/>
+          </a:fontRef>
+        </p:style>
+        <p:txBody>
+          <a:bodyPr rtlCol="0" anchor="ctr"/>
+          <a:lstStyle/>
+          <a:p>
+            <a:pPr algn="ctr"/>
+            <a:r>
+              <a:rPr lang="en-US" sz="1200" b="1" dirty="0"/>
+              <a:t>x</a:t>
+            </a:r>
+            <a:r>
+              <a:rPr lang="en-US" sz="1200" b="1" baseline="-25000" dirty="0"/>
+              <a:t>1</a:t>
+            </a:r>
+          </a:p>
+        </p:txBody>
+      </p:sp>
+      <p:sp>
+        <p:nvSpPr>
+          <p:cNvPr id="8" name="Oval 7"/>
+          <p:cNvSpPr/>
+          <p:nvPr/>
+        </p:nvSpPr>
+        <p:spPr>
+          <a:xfrm>
+            <a:off x="6601216" y="2984864"/>
+            <a:ext cx="501042" cy="526093"/>
+          </a:xfrm>
+          <a:prstGeom prst="ellipse">
+            <a:avLst/>
+          </a:prstGeom>
+          <a:ln>
+            <a:noFill/>
+          </a:ln>
+        </p:spPr>
+        <p:style>
+          <a:lnRef idx="2">
+            <a:schemeClr val="accent1">
+              <a:shade val="50000"/>
+            </a:schemeClr>
+          </a:lnRef>
+          <a:fillRef idx="1">
+            <a:schemeClr val="accent1"/>
+          </a:fillRef>
+          <a:effectRef idx="0">
+            <a:schemeClr val="accent1"/>
+          </a:effectRef>
+          <a:fontRef idx="minor">
+            <a:schemeClr val="lt1"/>
+          </a:fontRef>
+        </p:style>
+        <p:txBody>
+          <a:bodyPr rtlCol="0" anchor="ctr"/>
+          <a:lstStyle/>
+          <a:p>
+            <a:pPr algn="ctr"/>
+            <a:r>
+              <a:rPr lang="en-US" sz="1200" b="1" dirty="0"/>
+              <a:t>x</a:t>
+            </a:r>
+            <a:r>
+              <a:rPr lang="en-US" sz="1200" b="1" baseline="-25000" dirty="0"/>
+              <a:t>2</a:t>
+            </a:r>
+          </a:p>
+        </p:txBody>
+      </p:sp>
+      <p:sp>
+        <p:nvSpPr>
+          <p:cNvPr id="9" name="Oval 8"/>
+          <p:cNvSpPr/>
+          <p:nvPr/>
+        </p:nvSpPr>
+        <p:spPr>
+          <a:xfrm>
+            <a:off x="8093901" y="2367419"/>
+            <a:ext cx="501042" cy="526093"/>
+          </a:xfrm>
+          <a:prstGeom prst="ellipse">
+            <a:avLst/>
+          </a:prstGeom>
+          <a:ln/>
+        </p:spPr>
+        <p:style>
+          <a:lnRef idx="0">
+            <a:schemeClr val="accent4"/>
+          </a:lnRef>
+          <a:fillRef idx="3">
+            <a:schemeClr val="accent4"/>
+          </a:fillRef>
+          <a:effectRef idx="3">
+            <a:schemeClr val="accent4"/>
+          </a:effectRef>
+          <a:fontRef idx="minor">
+            <a:schemeClr val="lt1"/>
+          </a:fontRef>
+        </p:style>
+        <p:txBody>
+          <a:bodyPr rtlCol="0" anchor="ctr"/>
+          <a:lstStyle/>
+          <a:p>
+            <a:pPr algn="ctr"/>
+            <a:r>
+              <a:rPr lang="en-US" sz="1200" b="1" dirty="0"/>
+              <a:t>y</a:t>
+            </a:r>
+            <a:endParaRPr lang="en-US" sz="1200" b="1" baseline="-25000" dirty="0"/>
+          </a:p>
+        </p:txBody>
+      </p:sp>
+      <p:cxnSp>
+        <p:nvCxnSpPr>
+          <p:cNvPr id="11" name="Straight Arrow Connector 10"/>
+          <p:cNvCxnSpPr>
+            <a:stCxn id="8" idx="6"/>
+            <a:endCxn id="9" idx="3"/>
+          </p:cNvCxnSpPr>
+          <p:nvPr/>
+        </p:nvCxnSpPr>
+        <p:spPr>
+          <a:xfrm flipV="1">
+            <a:off x="7102258" y="2816467"/>
+            <a:ext cx="1065019" cy="431444"/>
+          </a:xfrm>
+          <a:prstGeom prst="straightConnector1">
+            <a:avLst/>
+          </a:prstGeom>
+          <a:ln>
+            <a:tailEnd type="triangle"/>
+          </a:ln>
+        </p:spPr>
+        <p:style>
+          <a:lnRef idx="3">
+            <a:schemeClr val="dk1"/>
+          </a:lnRef>
+          <a:fillRef idx="0">
+            <a:schemeClr val="dk1"/>
+          </a:fillRef>
+          <a:effectRef idx="2">
+            <a:schemeClr val="dk1"/>
+          </a:effectRef>
+          <a:fontRef idx="minor">
+            <a:schemeClr val="tx1"/>
+          </a:fontRef>
+        </p:style>
+      </p:cxnSp>
+      <p:cxnSp>
+        <p:nvCxnSpPr>
+          <p:cNvPr id="13" name="Straight Arrow Connector 12"/>
+          <p:cNvCxnSpPr>
+            <a:stCxn id="7" idx="6"/>
+            <a:endCxn id="9" idx="1"/>
+          </p:cNvCxnSpPr>
+          <p:nvPr/>
+        </p:nvCxnSpPr>
+        <p:spPr>
+          <a:xfrm>
+            <a:off x="7102258" y="2104373"/>
+            <a:ext cx="1065019" cy="340091"/>
+          </a:xfrm>
+          <a:prstGeom prst="straightConnector1">
+            <a:avLst/>
+          </a:prstGeom>
+          <a:ln>
+            <a:tailEnd type="triangle"/>
+          </a:ln>
+        </p:spPr>
+        <p:style>
+          <a:lnRef idx="3">
+            <a:schemeClr val="dk1"/>
+          </a:lnRef>
+          <a:fillRef idx="0">
+            <a:schemeClr val="dk1"/>
+          </a:fillRef>
+          <a:effectRef idx="2">
+            <a:schemeClr val="dk1"/>
+          </a:effectRef>
+          <a:fontRef idx="minor">
+            <a:schemeClr val="tx1"/>
+          </a:fontRef>
+        </p:style>
+      </p:cxnSp>
+      <p:sp>
+        <p:nvSpPr>
+          <p:cNvPr id="14" name="TextBox 13"/>
+          <p:cNvSpPr txBox="1"/>
+          <p:nvPr/>
+        </p:nvSpPr>
+        <p:spPr>
+          <a:xfrm>
+            <a:off x="7634767" y="1966586"/>
+            <a:ext cx="197170" cy="261610"/>
+          </a:xfrm>
+          <a:prstGeom prst="rect">
+            <a:avLst/>
+          </a:prstGeom>
+          <a:noFill/>
+        </p:spPr>
+        <p:txBody>
+          <a:bodyPr wrap="none" lIns="0" tIns="0" rIns="0" bIns="45720" rtlCol="0">
+            <a:spAutoFit/>
+          </a:bodyPr>
+          <a:lstStyle/>
+          <a:p>
+            <a:r>
+              <a:rPr lang="en-US" sz="1400" dirty="0">
+                <a:ln w="0"/>
+                <a:solidFill>
+                  <a:schemeClr val="accent1"/>
+                </a:solidFill>
+                <a:effectLst>
+                  <a:outerShdw blurRad="38100" dist="25400" dir="5400000" algn="ctr" rotWithShape="0">
+                    <a:srgbClr val="6E747A">
+                      <a:alpha val="43000"/>
+                    </a:srgbClr>
+                  </a:outerShdw>
+                </a:effectLst>
+              </a:rPr>
+              <a:t>w</a:t>
+            </a:r>
+            <a:r>
+              <a:rPr lang="en-US" sz="1400" baseline="-25000" dirty="0">
+                <a:ln w="0"/>
+                <a:solidFill>
+                  <a:schemeClr val="accent1"/>
+                </a:solidFill>
+                <a:effectLst>
+                  <a:outerShdw blurRad="38100" dist="25400" dir="5400000" algn="ctr" rotWithShape="0">
+                    <a:srgbClr val="6E747A">
+                      <a:alpha val="43000"/>
+                    </a:srgbClr>
+                  </a:outerShdw>
+                </a:effectLst>
+              </a:rPr>
+              <a:t>1</a:t>
+            </a:r>
+          </a:p>
+        </p:txBody>
+      </p:sp>
+      <p:sp>
+        <p:nvSpPr>
+          <p:cNvPr id="15" name="TextBox 14"/>
+          <p:cNvSpPr txBox="1"/>
+          <p:nvPr/>
+        </p:nvSpPr>
+        <p:spPr>
+          <a:xfrm>
+            <a:off x="7634767" y="3032189"/>
+            <a:ext cx="197170" cy="261610"/>
+          </a:xfrm>
+          <a:prstGeom prst="rect">
+            <a:avLst/>
+          </a:prstGeom>
+          <a:noFill/>
+        </p:spPr>
+        <p:txBody>
+          <a:bodyPr wrap="none" lIns="0" tIns="0" rIns="0" bIns="45720" rtlCol="0">
+            <a:spAutoFit/>
+          </a:bodyPr>
+          <a:lstStyle/>
+          <a:p>
+            <a:r>
+              <a:rPr lang="en-US" sz="1400" dirty="0">
+                <a:ln w="0"/>
+                <a:solidFill>
+                  <a:schemeClr val="accent1"/>
+                </a:solidFill>
+                <a:effectLst>
+                  <a:outerShdw blurRad="38100" dist="25400" dir="5400000" algn="ctr" rotWithShape="0">
+                    <a:srgbClr val="6E747A">
+                      <a:alpha val="43000"/>
+                    </a:srgbClr>
+                  </a:outerShdw>
+                </a:effectLst>
+              </a:rPr>
+              <a:t>w</a:t>
+            </a:r>
+            <a:r>
+              <a:rPr lang="en-US" sz="1400" baseline="-25000" dirty="0">
+                <a:ln w="0"/>
+                <a:solidFill>
+                  <a:schemeClr val="accent1"/>
+                </a:solidFill>
+                <a:effectLst>
+                  <a:outerShdw blurRad="38100" dist="25400" dir="5400000" algn="ctr" rotWithShape="0">
+                    <a:srgbClr val="6E747A">
+                      <a:alpha val="43000"/>
+                    </a:srgbClr>
+                  </a:outerShdw>
+                </a:effectLst>
+              </a:rPr>
+              <a:t>2</a:t>
+            </a:r>
+          </a:p>
+        </p:txBody>
+      </p:sp>
+      <p:pic>
+        <p:nvPicPr>
+          <p:cNvPr id="20" name="Picture 19"/>
+          <p:cNvPicPr>
+            <a:picLocks noChangeAspect="1"/>
+          </p:cNvPicPr>
+          <p:nvPr/>
+        </p:nvPicPr>
+        <p:blipFill>
+          <a:blip r:embed="rId2"/>
+          <a:stretch>
+            <a:fillRect/>
+          </a:stretch>
+        </p:blipFill>
+        <p:spPr>
+          <a:xfrm>
+            <a:off x="8654478" y="2192104"/>
+            <a:ext cx="2524125" cy="800100"/>
+          </a:xfrm>
+          <a:prstGeom prst="rect">
+            <a:avLst/>
+          </a:prstGeom>
+        </p:spPr>
+      </p:pic>
+    </p:spTree>
+    <p:extLst>
+      <p:ext uri="{BB962C8B-B14F-4D97-AF65-F5344CB8AC3E}">
+        <p14:creationId xmlns:p14="http://schemas.microsoft.com/office/powerpoint/2010/main" val="306615634"/>
+      </p:ext>
+    </p:extLst>
+  </p:cSld>
+  <p:clrMapOvr>
+    <a:masterClrMapping/>
+  </p:clrMapOvr>
+  <p:timing>
+    <p:tnLst>
+      <p:par>
+        <p:cTn id="1" dur="indefinite" restart="never" nodeType="tmRoot"/>
+      </p:par>
+    </p:tnLst>
+  </p:timing>
+</p:sld>
+</file>
+
+<file path=ppt/slides/slide11.xml><?xml version="1.0" encoding="utf-8"?>
+<p:sld xmlns:a="http://schemas.openxmlformats.org/drawingml/2006/main" xmlns:r="http://schemas.openxmlformats.org/officeDocument/2006/relationships" xmlns:p="http://schemas.openxmlformats.org/presentationml/2006/main">
+  <p:cSld>
+    <p:spTree>
+      <p:nvGrpSpPr>
+        <p:cNvPr id="1" name=""/>
+        <p:cNvGrpSpPr/>
+        <p:nvPr/>
+      </p:nvGrpSpPr>
+      <p:grpSpPr>
+        <a:xfrm>
+          <a:off x="0" y="0"/>
+          <a:ext cx="0" cy="0"/>
+          <a:chOff x="0" y="0"/>
+          <a:chExt cx="0" cy="0"/>
+        </a:xfrm>
+      </p:grpSpPr>
+      <p:sp>
+        <p:nvSpPr>
+          <p:cNvPr id="5" name="Title 4"/>
+          <p:cNvSpPr>
+            <a:spLocks noGrp="1"/>
+          </p:cNvSpPr>
+          <p:nvPr>
+            <p:ph type="title"/>
+          </p:nvPr>
+        </p:nvSpPr>
+        <p:spPr/>
+        <p:txBody>
+          <a:bodyPr/>
+          <a:lstStyle/>
+          <a:p>
+            <a:r>
+              <a:rPr lang="en-US" dirty="0"/>
+              <a:t>Boolean Function: AND</a:t>
+            </a:r>
+          </a:p>
+        </p:txBody>
+      </p:sp>
+      <p:sp>
+        <p:nvSpPr>
+          <p:cNvPr id="2" name="Footer Placeholder 1"/>
+          <p:cNvSpPr>
+            <a:spLocks noGrp="1"/>
+          </p:cNvSpPr>
+          <p:nvPr>
+            <p:ph type="ftr" sz="quarter" idx="10"/>
+          </p:nvPr>
+        </p:nvSpPr>
+        <p:spPr/>
+        <p:txBody>
+          <a:bodyPr/>
+          <a:lstStyle/>
+          <a:p>
+            <a:r>
+              <a:rPr lang="en-US"/>
+              <a:t>Copyright © 2018 Accenture. All rights reserved.</a:t>
+            </a:r>
+            <a:endParaRPr lang="en-US" dirty="0"/>
+          </a:p>
+        </p:txBody>
+      </p:sp>
+      <p:sp>
+        <p:nvSpPr>
+          <p:cNvPr id="3" name="Slide Number Placeholder 2"/>
+          <p:cNvSpPr>
+            <a:spLocks noGrp="1"/>
+          </p:cNvSpPr>
+          <p:nvPr>
+            <p:ph type="sldNum" sz="quarter" idx="11"/>
+          </p:nvPr>
+        </p:nvSpPr>
+        <p:spPr/>
+        <p:txBody>
+          <a:bodyPr/>
+          <a:lstStyle/>
+          <a:p>
+            <a:fld id="{4F9AC08D-23A9-440E-BCB9-AA1E9877CC38}" type="slidenum">
+              <a:rPr lang="en-US" smtClean="0"/>
+              <a:pPr/>
+              <a:t>11</a:t>
+            </a:fld>
+            <a:endParaRPr lang="en-US"/>
+          </a:p>
+        </p:txBody>
+      </p:sp>
+      <p:graphicFrame>
+        <p:nvGraphicFramePr>
+          <p:cNvPr id="8" name="Table 7"/>
+          <p:cNvGraphicFramePr>
+            <a:graphicFrameLocks noGrp="1"/>
+          </p:cNvGraphicFramePr>
+          <p:nvPr>
+            <p:extLst>
+              <p:ext uri="{D42A27DB-BD31-4B8C-83A1-F6EECF244321}">
+                <p14:modId xmlns:p14="http://schemas.microsoft.com/office/powerpoint/2010/main" val="4289345735"/>
+              </p:ext>
+            </p:extLst>
+          </p:nvPr>
+        </p:nvGraphicFramePr>
+        <p:xfrm>
+          <a:off x="381000" y="1320915"/>
+          <a:ext cx="3076184" cy="1483360"/>
+        </p:xfrm>
+        <a:graphic>
+          <a:graphicData uri="http://schemas.openxmlformats.org/drawingml/2006/table">
+            <a:tbl>
+              <a:tblPr firstRow="1" bandRow="1">
+                <a:tableStyleId>{69012ECD-51FC-41F1-AA8D-1B2483CD663E}</a:tableStyleId>
+              </a:tblPr>
+              <a:tblGrid>
+                <a:gridCol w="1021915">
+                  <a:extLst>
+                    <a:ext uri="{9D8B030D-6E8A-4147-A177-3AD203B41FA5}">
+                      <a16:colId xmlns:a16="http://schemas.microsoft.com/office/drawing/2014/main" xmlns="" val="20000"/>
+                    </a:ext>
+                  </a:extLst>
+                </a:gridCol>
+                <a:gridCol w="939452">
+                  <a:extLst>
+                    <a:ext uri="{9D8B030D-6E8A-4147-A177-3AD203B41FA5}">
+                      <a16:colId xmlns:a16="http://schemas.microsoft.com/office/drawing/2014/main" xmlns="" val="20001"/>
+                    </a:ext>
+                  </a:extLst>
+                </a:gridCol>
+                <a:gridCol w="1114817">
+                  <a:extLst>
+                    <a:ext uri="{9D8B030D-6E8A-4147-A177-3AD203B41FA5}">
+                      <a16:colId xmlns:a16="http://schemas.microsoft.com/office/drawing/2014/main" xmlns="" val="20002"/>
+                    </a:ext>
+                  </a:extLst>
+                </a:gridCol>
+              </a:tblGrid>
+              <a:tr h="370840">
+                <a:tc>
+                  <a:txBody>
+                    <a:bodyPr/>
+                    <a:lstStyle/>
+                    <a:p>
+                      <a:r>
+                        <a:rPr lang="en-US" dirty="0"/>
+                        <a:t>X</a:t>
+                      </a:r>
+                      <a:r>
+                        <a:rPr lang="en-US" baseline="-25000" dirty="0"/>
+                        <a:t>1</a:t>
+                      </a:r>
+                    </a:p>
+                  </a:txBody>
+                  <a:tcPr/>
+                </a:tc>
+                <a:tc>
+                  <a:txBody>
+                    <a:bodyPr/>
+                    <a:lstStyle/>
+                    <a:p>
+                      <a:pPr marL="0" marR="0" lvl="0" indent="0" algn="l" defTabSz="914377" rtl="0" eaLnBrk="1" fontAlgn="auto" latinLnBrk="0" hangingPunct="1">
+                        <a:lnSpc>
+                          <a:spcPct val="100000"/>
+                        </a:lnSpc>
+                        <a:spcBef>
+                          <a:spcPts val="0"/>
+                        </a:spcBef>
+                        <a:spcAft>
+                          <a:spcPts val="0"/>
+                        </a:spcAft>
+                        <a:buClrTx/>
+                        <a:buSzTx/>
+                        <a:buFontTx/>
+                        <a:buNone/>
+                        <a:tabLst/>
+                        <a:defRPr/>
+                      </a:pPr>
+                      <a:r>
+                        <a:rPr lang="en-US" dirty="0"/>
+                        <a:t>X</a:t>
+                      </a:r>
+                      <a:r>
+                        <a:rPr lang="en-US" baseline="-25000" dirty="0"/>
+                        <a:t>2</a:t>
+                      </a:r>
+                    </a:p>
+                  </a:txBody>
+                  <a:tcPr/>
+                </a:tc>
+                <a:tc>
+                  <a:txBody>
+                    <a:bodyPr/>
+                    <a:lstStyle/>
+                    <a:p>
+                      <a:pPr marL="0" marR="0" lvl="0" indent="0" algn="l" defTabSz="914377" rtl="0" eaLnBrk="1" fontAlgn="auto" latinLnBrk="0" hangingPunct="1">
+                        <a:lnSpc>
+                          <a:spcPct val="100000"/>
+                        </a:lnSpc>
+                        <a:spcBef>
+                          <a:spcPts val="0"/>
+                        </a:spcBef>
+                        <a:spcAft>
+                          <a:spcPts val="0"/>
+                        </a:spcAft>
+                        <a:buClrTx/>
+                        <a:buSzTx/>
+                        <a:buFontTx/>
+                        <a:buNone/>
+                        <a:tabLst/>
+                        <a:defRPr/>
+                      </a:pPr>
+                      <a:r>
+                        <a:rPr lang="en-US" baseline="-25000" dirty="0"/>
+                        <a:t>y</a:t>
+                      </a:r>
+                    </a:p>
+                  </a:txBody>
+                  <a:tcPr/>
+                </a:tc>
+                <a:extLst>
+                  <a:ext uri="{0D108BD9-81ED-4DB2-BD59-A6C34878D82A}">
+                    <a16:rowId xmlns:a16="http://schemas.microsoft.com/office/drawing/2014/main" xmlns="" val="10000"/>
+                  </a:ext>
+                </a:extLst>
+              </a:tr>
+              <a:tr h="370840">
+                <a:tc>
+                  <a:txBody>
+                    <a:bodyPr/>
+                    <a:lstStyle/>
+                    <a:p>
+                      <a:r>
+                        <a:rPr lang="en-US" dirty="0"/>
+                        <a:t>1</a:t>
+                      </a:r>
+                    </a:p>
+                  </a:txBody>
+                  <a:tcPr/>
+                </a:tc>
+                <a:tc>
+                  <a:txBody>
+                    <a:bodyPr/>
+                    <a:lstStyle/>
+                    <a:p>
+                      <a:r>
+                        <a:rPr lang="en-US" dirty="0"/>
+                        <a:t>0</a:t>
+                      </a:r>
+                    </a:p>
+                  </a:txBody>
+                  <a:tcPr/>
+                </a:tc>
+                <a:tc>
+                  <a:txBody>
+                    <a:bodyPr/>
+                    <a:lstStyle/>
+                    <a:p>
+                      <a:r>
+                        <a:rPr lang="en-US" dirty="0"/>
+                        <a:t>0</a:t>
+                      </a:r>
+                    </a:p>
+                  </a:txBody>
+                  <a:tcPr/>
+                </a:tc>
+                <a:extLst>
+                  <a:ext uri="{0D108BD9-81ED-4DB2-BD59-A6C34878D82A}">
+                    <a16:rowId xmlns:a16="http://schemas.microsoft.com/office/drawing/2014/main" xmlns="" val="10001"/>
+                  </a:ext>
+                </a:extLst>
+              </a:tr>
+              <a:tr h="370840">
+                <a:tc>
+                  <a:txBody>
+                    <a:bodyPr/>
+                    <a:lstStyle/>
+                    <a:p>
+                      <a:r>
+                        <a:rPr lang="en-US" dirty="0"/>
+                        <a:t>0</a:t>
+                      </a:r>
+                    </a:p>
+                  </a:txBody>
+                  <a:tcPr/>
+                </a:tc>
+                <a:tc>
+                  <a:txBody>
+                    <a:bodyPr/>
+                    <a:lstStyle/>
+                    <a:p>
+                      <a:r>
+                        <a:rPr lang="en-US" dirty="0"/>
+                        <a:t>1</a:t>
+                      </a:r>
+                    </a:p>
+                  </a:txBody>
+                  <a:tcPr/>
+                </a:tc>
+                <a:tc>
+                  <a:txBody>
+                    <a:bodyPr/>
+                    <a:lstStyle/>
+                    <a:p>
+                      <a:r>
+                        <a:rPr lang="en-US" dirty="0"/>
+                        <a:t>0</a:t>
+                      </a:r>
+                    </a:p>
+                  </a:txBody>
+                  <a:tcPr/>
+                </a:tc>
+                <a:extLst>
+                  <a:ext uri="{0D108BD9-81ED-4DB2-BD59-A6C34878D82A}">
+                    <a16:rowId xmlns:a16="http://schemas.microsoft.com/office/drawing/2014/main" xmlns="" val="10002"/>
+                  </a:ext>
+                </a:extLst>
+              </a:tr>
+              <a:tr h="370840">
+                <a:tc>
+                  <a:txBody>
+                    <a:bodyPr/>
+                    <a:lstStyle/>
+                    <a:p>
+                      <a:r>
+                        <a:rPr lang="en-US" dirty="0"/>
+                        <a:t>1</a:t>
+                      </a:r>
+                    </a:p>
+                  </a:txBody>
+                  <a:tcPr/>
+                </a:tc>
+                <a:tc>
+                  <a:txBody>
+                    <a:bodyPr/>
+                    <a:lstStyle/>
+                    <a:p>
+                      <a:r>
+                        <a:rPr lang="en-US" dirty="0"/>
+                        <a:t>1</a:t>
+                      </a:r>
+                    </a:p>
+                  </a:txBody>
+                  <a:tcPr/>
+                </a:tc>
+                <a:tc>
+                  <a:txBody>
+                    <a:bodyPr/>
+                    <a:lstStyle/>
+                    <a:p>
+                      <a:r>
+                        <a:rPr lang="en-US" dirty="0"/>
+                        <a:t>1</a:t>
+                      </a:r>
+                    </a:p>
+                  </a:txBody>
+                  <a:tcPr/>
+                </a:tc>
+                <a:extLst>
+                  <a:ext uri="{0D108BD9-81ED-4DB2-BD59-A6C34878D82A}">
+                    <a16:rowId xmlns:a16="http://schemas.microsoft.com/office/drawing/2014/main" xmlns="" val="10003"/>
+                  </a:ext>
+                </a:extLst>
+              </a:tr>
+            </a:tbl>
+          </a:graphicData>
+        </a:graphic>
+      </p:graphicFrame>
+      <mc:AlternateContent xmlns:mc="http://schemas.openxmlformats.org/markup-compatibility/2006">
+        <mc:Choice xmlns:a14="http://schemas.microsoft.com/office/drawing/2010/main" Requires="a14">
+          <p:graphicFrame>
+            <p:nvGraphicFramePr>
+              <p:cNvPr id="9" name="Table 8"/>
+              <p:cNvGraphicFramePr>
+                <a:graphicFrameLocks noGrp="1"/>
+              </p:cNvGraphicFramePr>
+              <p:nvPr>
+                <p:extLst>
+                  <p:ext uri="{D42A27DB-BD31-4B8C-83A1-F6EECF244321}">
+                    <p14:modId xmlns:p14="http://schemas.microsoft.com/office/powerpoint/2010/main" val="3431911579"/>
+                  </p:ext>
+                </p:extLst>
+              </p:nvPr>
+            </p:nvGraphicFramePr>
+            <p:xfrm>
+              <a:off x="381000" y="3615266"/>
+              <a:ext cx="5355921" cy="1969046"/>
+            </p:xfrm>
+            <a:graphic>
+              <a:graphicData uri="http://schemas.openxmlformats.org/drawingml/2006/table">
+                <a:tbl>
+                  <a:tblPr firstRow="1" bandRow="1">
+                    <a:tableStyleId>{17292A2E-F333-43FB-9621-5CBBE7FDCDCB}</a:tableStyleId>
+                  </a:tblPr>
+                  <a:tblGrid>
+                    <a:gridCol w="742406">
+                      <a:extLst>
+                        <a:ext uri="{9D8B030D-6E8A-4147-A177-3AD203B41FA5}">
+                          <a16:colId xmlns:a16="http://schemas.microsoft.com/office/drawing/2014/main" xmlns="" val="20000"/>
+                        </a:ext>
+                      </a:extLst>
+                    </a:gridCol>
+                    <a:gridCol w="888274">
+                      <a:extLst>
+                        <a:ext uri="{9D8B030D-6E8A-4147-A177-3AD203B41FA5}">
+                          <a16:colId xmlns:a16="http://schemas.microsoft.com/office/drawing/2014/main" xmlns="" val="20001"/>
+                        </a:ext>
+                      </a:extLst>
+                    </a:gridCol>
+                    <a:gridCol w="1058091">
+                      <a:extLst>
+                        <a:ext uri="{9D8B030D-6E8A-4147-A177-3AD203B41FA5}">
+                          <a16:colId xmlns:a16="http://schemas.microsoft.com/office/drawing/2014/main" xmlns="" val="20002"/>
+                        </a:ext>
+                      </a:extLst>
+                    </a:gridCol>
+                    <a:gridCol w="1201604">
+                      <a:extLst>
+                        <a:ext uri="{9D8B030D-6E8A-4147-A177-3AD203B41FA5}">
+                          <a16:colId xmlns:a16="http://schemas.microsoft.com/office/drawing/2014/main" xmlns="" val="20003"/>
+                        </a:ext>
+                      </a:extLst>
+                    </a:gridCol>
+                    <a:gridCol w="1465546">
+                      <a:extLst>
+                        <a:ext uri="{9D8B030D-6E8A-4147-A177-3AD203B41FA5}">
+                          <a16:colId xmlns:a16="http://schemas.microsoft.com/office/drawing/2014/main" xmlns="" val="20004"/>
+                        </a:ext>
+                      </a:extLst>
+                    </a:gridCol>
+                  </a:tblGrid>
+                  <a:tr h="856526">
+                    <a:tc>
+                      <a:txBody>
+                        <a:bodyPr/>
+                        <a:lstStyle/>
+                        <a:p>
+                          <a:r>
+                            <a:rPr lang="en-US" baseline="0" dirty="0" smtClean="0"/>
+                            <a:t>W</a:t>
+                          </a:r>
+                          <a:r>
+                            <a:rPr lang="en-US" baseline="-25000" dirty="0" smtClean="0"/>
+                            <a:t>1 = 1 x1. w1</a:t>
+                          </a:r>
+                          <a:endParaRPr lang="en-US" baseline="-25000" dirty="0"/>
+                        </a:p>
+                      </a:txBody>
+                      <a:tcPr/>
+                    </a:tc>
+                    <a:tc>
+                      <a:txBody>
+                        <a:bodyPr/>
+                        <a:lstStyle/>
+                        <a:p>
+                          <a:pPr marL="0" marR="0" lvl="0" indent="0" algn="l" defTabSz="914377" rtl="0" eaLnBrk="1" fontAlgn="auto" latinLnBrk="0" hangingPunct="1">
+                            <a:lnSpc>
+                              <a:spcPct val="100000"/>
+                            </a:lnSpc>
+                            <a:spcBef>
+                              <a:spcPts val="0"/>
+                            </a:spcBef>
+                            <a:spcAft>
+                              <a:spcPts val="0"/>
+                            </a:spcAft>
+                            <a:buClrTx/>
+                            <a:buSzTx/>
+                            <a:buFontTx/>
+                            <a:buNone/>
+                            <a:tabLst/>
+                            <a:defRPr/>
+                          </a:pPr>
+                          <a:r>
+                            <a:rPr lang="en-US" baseline="0" dirty="0" smtClean="0"/>
+                            <a:t>W</a:t>
+                          </a:r>
+                          <a:r>
+                            <a:rPr lang="en-US" baseline="-25000" dirty="0" smtClean="0"/>
+                            <a:t>2 = 1 x2. w2</a:t>
+                          </a:r>
+                          <a:endParaRPr lang="en-US" baseline="-25000" dirty="0"/>
+                        </a:p>
+                      </a:txBody>
+                      <a:tcPr/>
+                    </a:tc>
+                    <a:tc>
+                      <a:txBody>
+                        <a:bodyPr/>
+                        <a:lstStyle/>
+                        <a:p>
+                          <a:pPr marL="0" marR="0" lvl="0" indent="0" algn="l" defTabSz="914377" rtl="0" eaLnBrk="1" fontAlgn="auto" latinLnBrk="0" hangingPunct="1">
+                            <a:lnSpc>
+                              <a:spcPct val="100000"/>
+                            </a:lnSpc>
+                            <a:spcBef>
+                              <a:spcPts val="0"/>
+                            </a:spcBef>
+                            <a:spcAft>
+                              <a:spcPts val="0"/>
+                            </a:spcAft>
+                            <a:buClrTx/>
+                            <a:buSzTx/>
+                            <a:buFontTx/>
+                            <a:buNone/>
+                            <a:tabLst/>
+                            <a:defRPr/>
+                          </a:pPr>
+                          <a14:m>
+                            <m:oMathPara xmlns:m="http://schemas.openxmlformats.org/officeDocument/2006/math">
+                              <m:oMathParaPr>
+                                <m:jc m:val="centerGroup"/>
+                              </m:oMathParaPr>
+                              <m:oMath xmlns:m="http://schemas.openxmlformats.org/officeDocument/2006/math">
+                                <m:nary>
+                                  <m:naryPr>
+                                    <m:chr m:val="∑"/>
+                                    <m:ctrlPr>
+                                      <a:rPr lang="en-US" i="1" baseline="-25000" smtClean="0">
+                                        <a:latin typeface="Cambria Math" panose="02040503050406030204" pitchFamily="18" charset="0"/>
+                                      </a:rPr>
+                                    </m:ctrlPr>
+                                  </m:naryPr>
+                                  <m:sub>
+                                    <m:r>
+                                      <m:rPr>
+                                        <m:brk m:alnAt="23"/>
+                                      </m:rPr>
+                                      <a:rPr lang="en-US" b="1" i="1" baseline="-25000" smtClean="0">
+                                        <a:latin typeface="Cambria Math" panose="02040503050406030204" pitchFamily="18" charset="0"/>
+                                      </a:rPr>
+                                      <m:t>𝒊</m:t>
+                                    </m:r>
+                                    <m:r>
+                                      <a:rPr lang="en-US" b="1" i="1" baseline="-25000" smtClean="0">
+                                        <a:latin typeface="Cambria Math" panose="02040503050406030204" pitchFamily="18" charset="0"/>
+                                      </a:rPr>
+                                      <m:t>=</m:t>
+                                    </m:r>
+                                    <m:r>
+                                      <a:rPr lang="en-US" b="1" i="1" baseline="-25000" smtClean="0">
+                                        <a:latin typeface="Cambria Math" panose="02040503050406030204" pitchFamily="18" charset="0"/>
+                                      </a:rPr>
+                                      <m:t>𝟏</m:t>
+                                    </m:r>
+                                  </m:sub>
+                                  <m:sup>
+                                    <m:r>
+                                      <a:rPr lang="en-US" b="1" i="1" baseline="-25000" smtClean="0">
+                                        <a:latin typeface="Cambria Math" panose="02040503050406030204" pitchFamily="18" charset="0"/>
+                                      </a:rPr>
+                                      <m:t>𝒏</m:t>
+                                    </m:r>
+                                  </m:sup>
+                                  <m:e>
+                                    <m:r>
+                                      <a:rPr lang="en-US" b="1" i="1" baseline="-25000" smtClean="0">
+                                        <a:latin typeface="Cambria Math" panose="02040503050406030204" pitchFamily="18" charset="0"/>
+                                      </a:rPr>
+                                      <m:t>𝑿𝒊</m:t>
+                                    </m:r>
+                                    <m:r>
+                                      <a:rPr lang="en-US" b="1" i="1" baseline="-25000" smtClean="0">
+                                        <a:latin typeface="Cambria Math" panose="02040503050406030204" pitchFamily="18" charset="0"/>
+                                      </a:rPr>
+                                      <m:t>.</m:t>
+                                    </m:r>
+                                    <m:r>
+                                      <a:rPr lang="en-US" b="1" i="1" baseline="-25000" smtClean="0">
+                                        <a:latin typeface="Cambria Math" panose="02040503050406030204" pitchFamily="18" charset="0"/>
+                                      </a:rPr>
+                                      <m:t>𝒘𝒊</m:t>
+                                    </m:r>
+                                  </m:e>
+                                </m:nary>
+                              </m:oMath>
+                            </m:oMathPara>
+                          </a14:m>
+                          <a:endParaRPr lang="en-US" baseline="-25000" dirty="0"/>
+                        </a:p>
+                      </a:txBody>
+                      <a:tcPr/>
+                    </a:tc>
+                    <a:tc>
+                      <a:txBody>
+                        <a:bodyPr/>
+                        <a:lstStyle/>
+                        <a:p>
+                          <a:pPr marL="0" marR="0" lvl="0" indent="0" algn="l" defTabSz="914377" rtl="0" eaLnBrk="1" fontAlgn="auto" latinLnBrk="0" hangingPunct="1">
+                            <a:lnSpc>
+                              <a:spcPct val="100000"/>
+                            </a:lnSpc>
+                            <a:spcBef>
+                              <a:spcPts val="0"/>
+                            </a:spcBef>
+                            <a:spcAft>
+                              <a:spcPts val="0"/>
+                            </a:spcAft>
+                            <a:buClrTx/>
+                            <a:buSzTx/>
+                            <a:buFontTx/>
+                            <a:buNone/>
+                            <a:tabLst/>
+                            <a:defRPr/>
+                          </a:pPr>
+                          <a:r>
+                            <a:rPr lang="en-US" baseline="-25000" dirty="0" smtClean="0"/>
+                            <a:t>Threshold</a:t>
+                          </a:r>
+                          <a:endParaRPr lang="en-US" baseline="-25000" dirty="0"/>
+                        </a:p>
+                      </a:txBody>
+                      <a:tcPr/>
+                    </a:tc>
+                    <a:tc>
+                      <a:txBody>
+                        <a:bodyPr/>
+                        <a:lstStyle/>
+                        <a:p>
+                          <a:pPr marL="0" marR="0" lvl="0" indent="0" algn="l" defTabSz="914377" rtl="0" eaLnBrk="1" fontAlgn="auto" latinLnBrk="0" hangingPunct="1">
+                            <a:lnSpc>
+                              <a:spcPct val="100000"/>
+                            </a:lnSpc>
+                            <a:spcBef>
+                              <a:spcPts val="0"/>
+                            </a:spcBef>
+                            <a:spcAft>
+                              <a:spcPts val="0"/>
+                            </a:spcAft>
+                            <a:buClrTx/>
+                            <a:buSzTx/>
+                            <a:buFontTx/>
+                            <a:buNone/>
+                            <a:tabLst/>
+                            <a:defRPr/>
+                          </a:pPr>
+                          <a:r>
+                            <a:rPr lang="en-US" baseline="-25000" dirty="0" err="1"/>
+                            <a:t>Y_pred</a:t>
+                          </a:r>
+                          <a:endParaRPr lang="en-US" baseline="-25000" dirty="0"/>
+                        </a:p>
+                      </a:txBody>
+                      <a:tcPr/>
+                    </a:tc>
+                    <a:extLst>
+                      <a:ext uri="{0D108BD9-81ED-4DB2-BD59-A6C34878D82A}">
+                        <a16:rowId xmlns:a16="http://schemas.microsoft.com/office/drawing/2014/main" xmlns="" val="10000"/>
+                      </a:ext>
+                    </a:extLst>
+                  </a:tr>
+                  <a:tr h="370840">
+                    <a:tc>
+                      <a:txBody>
+                        <a:bodyPr/>
+                        <a:lstStyle/>
+                        <a:p>
+                          <a:r>
+                            <a:rPr lang="en-US" dirty="0"/>
+                            <a:t>1</a:t>
+                          </a:r>
+                        </a:p>
+                      </a:txBody>
+                      <a:tcPr/>
+                    </a:tc>
+                    <a:tc>
+                      <a:txBody>
+                        <a:bodyPr/>
+                        <a:lstStyle/>
+                        <a:p>
+                          <a:r>
+                            <a:rPr lang="en-US" dirty="0"/>
+                            <a:t>0</a:t>
+                          </a:r>
+                        </a:p>
+                      </a:txBody>
+                      <a:tcPr/>
+                    </a:tc>
+                    <a:tc>
+                      <a:txBody>
+                        <a:bodyPr/>
+                        <a:lstStyle/>
+                        <a:p>
+                          <a:r>
+                            <a:rPr lang="en-US" dirty="0"/>
+                            <a:t>1+0 = 1</a:t>
+                          </a:r>
+                        </a:p>
+                      </a:txBody>
+                      <a:tcPr/>
+                    </a:tc>
+                    <a:tc>
+                      <a:txBody>
+                        <a:bodyPr/>
+                        <a:lstStyle/>
+                        <a:p>
+                          <a:r>
+                            <a:rPr lang="en-US" dirty="0"/>
+                            <a:t>2</a:t>
+                          </a:r>
+                        </a:p>
+                      </a:txBody>
+                      <a:tcPr/>
+                    </a:tc>
+                    <a:tc>
+                      <a:txBody>
+                        <a:bodyPr/>
+                        <a:lstStyle/>
+                        <a:p>
+                          <a:r>
+                            <a:rPr lang="en-US" dirty="0"/>
+                            <a:t>0 &gt;=2</a:t>
+                          </a:r>
+                          <a:r>
+                            <a:rPr lang="en-US" baseline="0" dirty="0"/>
+                            <a:t> </a:t>
+                          </a:r>
+                          <a:r>
+                            <a:rPr lang="en-US" baseline="0" dirty="0">
+                              <a:sym typeface="Wingdings" panose="05000000000000000000" pitchFamily="2" charset="2"/>
+                            </a:rPr>
+                            <a:t>0</a:t>
+                          </a:r>
+                          <a:endParaRPr lang="en-US" dirty="0"/>
+                        </a:p>
+                      </a:txBody>
+                      <a:tcPr/>
+                    </a:tc>
+                    <a:extLst>
+                      <a:ext uri="{0D108BD9-81ED-4DB2-BD59-A6C34878D82A}">
+                        <a16:rowId xmlns:a16="http://schemas.microsoft.com/office/drawing/2014/main" xmlns="" val="10001"/>
+                      </a:ext>
+                    </a:extLst>
+                  </a:tr>
+                  <a:tr h="370840">
+                    <a:tc>
+                      <a:txBody>
+                        <a:bodyPr/>
+                        <a:lstStyle/>
+                        <a:p>
+                          <a:r>
+                            <a:rPr lang="en-US" dirty="0"/>
+                            <a:t>0</a:t>
+                          </a:r>
+                        </a:p>
+                      </a:txBody>
+                      <a:tcPr/>
+                    </a:tc>
+                    <a:tc>
+                      <a:txBody>
+                        <a:bodyPr/>
+                        <a:lstStyle/>
+                        <a:p>
+                          <a:r>
+                            <a:rPr lang="en-US" dirty="0"/>
+                            <a:t>1</a:t>
+                          </a:r>
+                        </a:p>
+                      </a:txBody>
+                      <a:tcPr/>
+                    </a:tc>
+                    <a:tc>
+                      <a:txBody>
+                        <a:bodyPr/>
+                        <a:lstStyle/>
+                        <a:p>
+                          <a:r>
+                            <a:rPr lang="en-US" dirty="0"/>
+                            <a:t>0+1 = 1</a:t>
+                          </a:r>
+                        </a:p>
+                      </a:txBody>
+                      <a:tcPr/>
+                    </a:tc>
+                    <a:tc>
+                      <a:txBody>
+                        <a:bodyPr/>
+                        <a:lstStyle/>
+                        <a:p>
+                          <a:r>
+                            <a:rPr lang="en-US" dirty="0"/>
+                            <a:t>2</a:t>
+                          </a:r>
+                        </a:p>
+                      </a:txBody>
+                      <a:tcPr/>
+                    </a:tc>
+                    <a:tc>
+                      <a:txBody>
+                        <a:bodyPr/>
+                        <a:lstStyle/>
+                        <a:p>
+                          <a:r>
+                            <a:rPr lang="en-US" dirty="0"/>
+                            <a:t>0 &gt;=2</a:t>
+                          </a:r>
+                          <a:r>
+                            <a:rPr lang="en-US" baseline="0" dirty="0"/>
+                            <a:t> </a:t>
+                          </a:r>
+                          <a:r>
+                            <a:rPr lang="en-US" baseline="0" dirty="0">
+                              <a:sym typeface="Wingdings" panose="05000000000000000000" pitchFamily="2" charset="2"/>
+                            </a:rPr>
+                            <a:t> 0</a:t>
+                          </a:r>
+                          <a:endParaRPr lang="en-US" dirty="0"/>
+                        </a:p>
+                      </a:txBody>
+                      <a:tcPr/>
+                    </a:tc>
+                    <a:extLst>
+                      <a:ext uri="{0D108BD9-81ED-4DB2-BD59-A6C34878D82A}">
+                        <a16:rowId xmlns:a16="http://schemas.microsoft.com/office/drawing/2014/main" xmlns="" val="10002"/>
+                      </a:ext>
+                    </a:extLst>
+                  </a:tr>
+                  <a:tr h="370840">
+                    <a:tc>
+                      <a:txBody>
+                        <a:bodyPr/>
+                        <a:lstStyle/>
+                        <a:p>
+                          <a:r>
+                            <a:rPr lang="en-US" dirty="0"/>
+                            <a:t>1</a:t>
+                          </a:r>
+                        </a:p>
+                      </a:txBody>
+                      <a:tcPr/>
+                    </a:tc>
+                    <a:tc>
+                      <a:txBody>
+                        <a:bodyPr/>
+                        <a:lstStyle/>
+                        <a:p>
+                          <a:r>
+                            <a:rPr lang="en-US" dirty="0"/>
+                            <a:t>1</a:t>
+                          </a:r>
+                        </a:p>
+                      </a:txBody>
+                      <a:tcPr/>
+                    </a:tc>
+                    <a:tc>
+                      <a:txBody>
+                        <a:bodyPr/>
+                        <a:lstStyle/>
+                        <a:p>
+                          <a:r>
+                            <a:rPr lang="en-US" dirty="0"/>
+                            <a:t>1+1 = 1</a:t>
+                          </a:r>
+                        </a:p>
+                      </a:txBody>
+                      <a:tcPr/>
+                    </a:tc>
+                    <a:tc>
+                      <a:txBody>
+                        <a:bodyPr/>
+                        <a:lstStyle/>
+                        <a:p>
+                          <a:r>
+                            <a:rPr lang="en-US" dirty="0"/>
+                            <a:t>2</a:t>
+                          </a:r>
+                        </a:p>
+                      </a:txBody>
+                      <a:tcPr/>
+                    </a:tc>
+                    <a:tc>
+                      <a:txBody>
+                        <a:bodyPr/>
+                        <a:lstStyle/>
+                        <a:p>
+                          <a:r>
+                            <a:rPr lang="en-US" dirty="0"/>
+                            <a:t>2 &gt;=2</a:t>
+                          </a:r>
+                          <a:r>
+                            <a:rPr lang="en-US" baseline="0" dirty="0"/>
+                            <a:t> </a:t>
+                          </a:r>
+                          <a:r>
+                            <a:rPr lang="en-US" baseline="0" dirty="0">
+                              <a:sym typeface="Wingdings" panose="05000000000000000000" pitchFamily="2" charset="2"/>
+                            </a:rPr>
+                            <a:t> </a:t>
+                          </a:r>
+                          <a:r>
+                            <a:rPr lang="en-US" b="1" baseline="0" dirty="0">
+                              <a:solidFill>
+                                <a:srgbClr val="FF0000"/>
+                              </a:solidFill>
+                              <a:sym typeface="Wingdings" panose="05000000000000000000" pitchFamily="2" charset="2"/>
+                            </a:rPr>
+                            <a:t>1</a:t>
+                          </a:r>
+                          <a:endParaRPr lang="en-US" b="1" dirty="0">
+                            <a:solidFill>
+                              <a:srgbClr val="FF0000"/>
+                            </a:solidFill>
+                          </a:endParaRPr>
+                        </a:p>
+                      </a:txBody>
+                      <a:tcPr/>
+                    </a:tc>
+                    <a:extLst>
+                      <a:ext uri="{0D108BD9-81ED-4DB2-BD59-A6C34878D82A}">
+                        <a16:rowId xmlns:a16="http://schemas.microsoft.com/office/drawing/2014/main" xmlns="" val="10003"/>
+                      </a:ext>
+                    </a:extLst>
+                  </a:tr>
+                </a:tbl>
+              </a:graphicData>
+            </a:graphic>
+          </p:graphicFrame>
+        </mc:Choice>
+        <mc:Fallback>
+          <p:graphicFrame>
+            <p:nvGraphicFramePr>
+              <p:cNvPr id="9" name="Table 8"/>
+              <p:cNvGraphicFramePr>
+                <a:graphicFrameLocks noGrp="1"/>
+              </p:cNvGraphicFramePr>
+              <p:nvPr>
+                <p:extLst>
+                  <p:ext uri="{D42A27DB-BD31-4B8C-83A1-F6EECF244321}">
+                    <p14:modId xmlns:p14="http://schemas.microsoft.com/office/powerpoint/2010/main" val="3431911579"/>
+                  </p:ext>
+                </p:extLst>
+              </p:nvPr>
+            </p:nvGraphicFramePr>
+            <p:xfrm>
+              <a:off x="381000" y="3615266"/>
+              <a:ext cx="5355921" cy="1969046"/>
+            </p:xfrm>
+            <a:graphic>
+              <a:graphicData uri="http://schemas.openxmlformats.org/drawingml/2006/table">
+                <a:tbl>
+                  <a:tblPr firstRow="1" bandRow="1">
+                    <a:tableStyleId>{17292A2E-F333-43FB-9621-5CBBE7FDCDCB}</a:tableStyleId>
+                  </a:tblPr>
+                  <a:tblGrid>
+                    <a:gridCol w="742406">
+                      <a:extLst>
+                        <a:ext uri="{9D8B030D-6E8A-4147-A177-3AD203B41FA5}">
+                          <a16:colId xmlns:a16="http://schemas.microsoft.com/office/drawing/2014/main" xmlns:a14="http://schemas.microsoft.com/office/drawing/2010/main" xmlns="" val="20000"/>
+                        </a:ext>
+                      </a:extLst>
+                    </a:gridCol>
+                    <a:gridCol w="888274">
+                      <a:extLst>
+                        <a:ext uri="{9D8B030D-6E8A-4147-A177-3AD203B41FA5}">
+                          <a16:colId xmlns:a16="http://schemas.microsoft.com/office/drawing/2014/main" xmlns:a14="http://schemas.microsoft.com/office/drawing/2010/main" xmlns="" val="20001"/>
+                        </a:ext>
+                      </a:extLst>
+                    </a:gridCol>
+                    <a:gridCol w="1058091">
+                      <a:extLst>
+                        <a:ext uri="{9D8B030D-6E8A-4147-A177-3AD203B41FA5}">
+                          <a16:colId xmlns:a16="http://schemas.microsoft.com/office/drawing/2014/main" xmlns:a14="http://schemas.microsoft.com/office/drawing/2010/main" xmlns="" val="20002"/>
+                        </a:ext>
+                      </a:extLst>
+                    </a:gridCol>
+                    <a:gridCol w="1201604">
+                      <a:extLst>
+                        <a:ext uri="{9D8B030D-6E8A-4147-A177-3AD203B41FA5}">
+                          <a16:colId xmlns:a16="http://schemas.microsoft.com/office/drawing/2014/main" xmlns:a14="http://schemas.microsoft.com/office/drawing/2010/main" xmlns="" val="20003"/>
+                        </a:ext>
+                      </a:extLst>
+                    </a:gridCol>
+                    <a:gridCol w="1465546">
+                      <a:extLst>
+                        <a:ext uri="{9D8B030D-6E8A-4147-A177-3AD203B41FA5}">
+                          <a16:colId xmlns:a16="http://schemas.microsoft.com/office/drawing/2014/main" xmlns:a14="http://schemas.microsoft.com/office/drawing/2010/main" xmlns="" val="20004"/>
+                        </a:ext>
+                      </a:extLst>
+                    </a:gridCol>
+                  </a:tblGrid>
+                  <a:tr h="856526">
+                    <a:tc>
+                      <a:txBody>
+                        <a:bodyPr/>
+                        <a:lstStyle/>
+                        <a:p>
+                          <a:r>
+                            <a:rPr lang="en-US" baseline="0" dirty="0" smtClean="0"/>
+                            <a:t>W</a:t>
+                          </a:r>
+                          <a:r>
+                            <a:rPr lang="en-US" baseline="-25000" dirty="0" smtClean="0"/>
+                            <a:t>1 = 1 x1. w1</a:t>
+                          </a:r>
+                          <a:endParaRPr lang="en-US" baseline="-25000" dirty="0"/>
+                        </a:p>
+                      </a:txBody>
+                      <a:tcPr/>
+                    </a:tc>
+                    <a:tc>
+                      <a:txBody>
+                        <a:bodyPr/>
+                        <a:lstStyle/>
+                        <a:p>
+                          <a:pPr marL="0" marR="0" lvl="0" indent="0" algn="l" defTabSz="914377" rtl="0" eaLnBrk="1" fontAlgn="auto" latinLnBrk="0" hangingPunct="1">
+                            <a:lnSpc>
+                              <a:spcPct val="100000"/>
+                            </a:lnSpc>
+                            <a:spcBef>
+                              <a:spcPts val="0"/>
+                            </a:spcBef>
+                            <a:spcAft>
+                              <a:spcPts val="0"/>
+                            </a:spcAft>
+                            <a:buClrTx/>
+                            <a:buSzTx/>
+                            <a:buFontTx/>
+                            <a:buNone/>
+                            <a:tabLst/>
+                            <a:defRPr/>
+                          </a:pPr>
+                          <a:r>
+                            <a:rPr lang="en-US" baseline="0" dirty="0" smtClean="0"/>
+                            <a:t>W</a:t>
+                          </a:r>
+                          <a:r>
+                            <a:rPr lang="en-US" baseline="-25000" dirty="0" smtClean="0"/>
+                            <a:t>2 = 1 x2. w2</a:t>
+                          </a:r>
+                          <a:endParaRPr lang="en-US" baseline="-25000" dirty="0"/>
+                        </a:p>
+                      </a:txBody>
+                      <a:tcPr/>
+                    </a:tc>
+                    <a:tc>
+                      <a:txBody>
+                        <a:bodyPr/>
+                        <a:lstStyle/>
+                        <a:p>
+                          <a:endParaRPr lang="en-US"/>
+                        </a:p>
+                      </a:txBody>
+                      <a:tcPr>
+                        <a:blipFill rotWithShape="0">
+                          <a:blip r:embed="rId2"/>
+                          <a:stretch>
+                            <a:fillRect l="-154598" t="-3546" r="-252299" b="-139716"/>
+                          </a:stretch>
+                        </a:blipFill>
+                      </a:tcPr>
+                    </a:tc>
+                    <a:tc>
+                      <a:txBody>
+                        <a:bodyPr/>
+                        <a:lstStyle/>
+                        <a:p>
+                          <a:pPr marL="0" marR="0" lvl="0" indent="0" algn="l" defTabSz="914377" rtl="0" eaLnBrk="1" fontAlgn="auto" latinLnBrk="0" hangingPunct="1">
+                            <a:lnSpc>
+                              <a:spcPct val="100000"/>
+                            </a:lnSpc>
+                            <a:spcBef>
+                              <a:spcPts val="0"/>
+                            </a:spcBef>
+                            <a:spcAft>
+                              <a:spcPts val="0"/>
+                            </a:spcAft>
+                            <a:buClrTx/>
+                            <a:buSzTx/>
+                            <a:buFontTx/>
+                            <a:buNone/>
+                            <a:tabLst/>
+                            <a:defRPr/>
+                          </a:pPr>
+                          <a:r>
+                            <a:rPr lang="en-US" baseline="-25000" dirty="0" smtClean="0"/>
+                            <a:t>Threshold</a:t>
+                          </a:r>
+                          <a:endParaRPr lang="en-US" baseline="-25000" dirty="0"/>
+                        </a:p>
+                      </a:txBody>
+                      <a:tcPr/>
+                    </a:tc>
+                    <a:tc>
+                      <a:txBody>
+                        <a:bodyPr/>
+                        <a:lstStyle/>
+                        <a:p>
+                          <a:pPr marL="0" marR="0" lvl="0" indent="0" algn="l" defTabSz="914377" rtl="0" eaLnBrk="1" fontAlgn="auto" latinLnBrk="0" hangingPunct="1">
+                            <a:lnSpc>
+                              <a:spcPct val="100000"/>
+                            </a:lnSpc>
+                            <a:spcBef>
+                              <a:spcPts val="0"/>
+                            </a:spcBef>
+                            <a:spcAft>
+                              <a:spcPts val="0"/>
+                            </a:spcAft>
+                            <a:buClrTx/>
+                            <a:buSzTx/>
+                            <a:buFontTx/>
+                            <a:buNone/>
+                            <a:tabLst/>
+                            <a:defRPr/>
+                          </a:pPr>
+                          <a:r>
+                            <a:rPr lang="en-US" baseline="-25000" dirty="0" err="1"/>
+                            <a:t>Y_pred</a:t>
+                          </a:r>
+                          <a:endParaRPr lang="en-US" baseline="-25000" dirty="0"/>
+                        </a:p>
+                      </a:txBody>
+                      <a:tcPr/>
+                    </a:tc>
+                    <a:extLst>
+                      <a:ext uri="{0D108BD9-81ED-4DB2-BD59-A6C34878D82A}">
+                        <a16:rowId xmlns:a16="http://schemas.microsoft.com/office/drawing/2014/main" xmlns:a14="http://schemas.microsoft.com/office/drawing/2010/main" xmlns="" val="10000"/>
+                      </a:ext>
+                    </a:extLst>
+                  </a:tr>
+                  <a:tr h="370840">
+                    <a:tc>
+                      <a:txBody>
+                        <a:bodyPr/>
+                        <a:lstStyle/>
+                        <a:p>
+                          <a:r>
+                            <a:rPr lang="en-US" dirty="0"/>
+                            <a:t>1</a:t>
+                          </a:r>
+                        </a:p>
+                      </a:txBody>
+                      <a:tcPr/>
+                    </a:tc>
+                    <a:tc>
+                      <a:txBody>
+                        <a:bodyPr/>
+                        <a:lstStyle/>
+                        <a:p>
+                          <a:r>
+                            <a:rPr lang="en-US" dirty="0"/>
+                            <a:t>0</a:t>
+                          </a:r>
+                        </a:p>
+                      </a:txBody>
+                      <a:tcPr/>
+                    </a:tc>
+                    <a:tc>
+                      <a:txBody>
+                        <a:bodyPr/>
+                        <a:lstStyle/>
+                        <a:p>
+                          <a:r>
+                            <a:rPr lang="en-US" dirty="0"/>
+                            <a:t>1+0 = 1</a:t>
+                          </a:r>
+                        </a:p>
+                      </a:txBody>
+                      <a:tcPr/>
+                    </a:tc>
+                    <a:tc>
+                      <a:txBody>
+                        <a:bodyPr/>
+                        <a:lstStyle/>
+                        <a:p>
+                          <a:r>
+                            <a:rPr lang="en-US" dirty="0"/>
+                            <a:t>2</a:t>
+                          </a:r>
+                        </a:p>
+                      </a:txBody>
+                      <a:tcPr/>
+                    </a:tc>
+                    <a:tc>
+                      <a:txBody>
+                        <a:bodyPr/>
+                        <a:lstStyle/>
+                        <a:p>
+                          <a:r>
+                            <a:rPr lang="en-US" dirty="0"/>
+                            <a:t>0 &gt;=2</a:t>
+                          </a:r>
+                          <a:r>
+                            <a:rPr lang="en-US" baseline="0" dirty="0"/>
+                            <a:t> </a:t>
+                          </a:r>
+                          <a:r>
+                            <a:rPr lang="en-US" baseline="0" dirty="0">
+                              <a:sym typeface="Wingdings" panose="05000000000000000000" pitchFamily="2" charset="2"/>
+                            </a:rPr>
+                            <a:t>0</a:t>
+                          </a:r>
+                          <a:endParaRPr lang="en-US" dirty="0"/>
+                        </a:p>
+                      </a:txBody>
+                      <a:tcPr/>
+                    </a:tc>
+                    <a:extLst>
+                      <a:ext uri="{0D108BD9-81ED-4DB2-BD59-A6C34878D82A}">
+                        <a16:rowId xmlns:a16="http://schemas.microsoft.com/office/drawing/2014/main" xmlns:a14="http://schemas.microsoft.com/office/drawing/2010/main" xmlns="" val="10001"/>
+                      </a:ext>
+                    </a:extLst>
+                  </a:tr>
+                  <a:tr h="370840">
+                    <a:tc>
+                      <a:txBody>
+                        <a:bodyPr/>
+                        <a:lstStyle/>
+                        <a:p>
+                          <a:r>
+                            <a:rPr lang="en-US" dirty="0"/>
+                            <a:t>0</a:t>
+                          </a:r>
+                        </a:p>
+                      </a:txBody>
+                      <a:tcPr/>
+                    </a:tc>
+                    <a:tc>
+                      <a:txBody>
+                        <a:bodyPr/>
+                        <a:lstStyle/>
+                        <a:p>
+                          <a:r>
+                            <a:rPr lang="en-US" dirty="0"/>
+                            <a:t>1</a:t>
+                          </a:r>
+                        </a:p>
+                      </a:txBody>
+                      <a:tcPr/>
+                    </a:tc>
+                    <a:tc>
+                      <a:txBody>
+                        <a:bodyPr/>
+                        <a:lstStyle/>
+                        <a:p>
+                          <a:r>
+                            <a:rPr lang="en-US" dirty="0"/>
+                            <a:t>0+1 = 1</a:t>
+                          </a:r>
+                        </a:p>
+                      </a:txBody>
+                      <a:tcPr/>
+                    </a:tc>
+                    <a:tc>
+                      <a:txBody>
+                        <a:bodyPr/>
+                        <a:lstStyle/>
+                        <a:p>
+                          <a:r>
+                            <a:rPr lang="en-US" dirty="0"/>
+                            <a:t>2</a:t>
+                          </a:r>
+                        </a:p>
+                      </a:txBody>
+                      <a:tcPr/>
+                    </a:tc>
+                    <a:tc>
+                      <a:txBody>
+                        <a:bodyPr/>
+                        <a:lstStyle/>
+                        <a:p>
+                          <a:r>
+                            <a:rPr lang="en-US" dirty="0"/>
+                            <a:t>0 &gt;=2</a:t>
+                          </a:r>
+                          <a:r>
+                            <a:rPr lang="en-US" baseline="0" dirty="0"/>
+                            <a:t> </a:t>
+                          </a:r>
+                          <a:r>
+                            <a:rPr lang="en-US" baseline="0" dirty="0">
+                              <a:sym typeface="Wingdings" panose="05000000000000000000" pitchFamily="2" charset="2"/>
+                            </a:rPr>
+                            <a:t> 0</a:t>
+                          </a:r>
+                          <a:endParaRPr lang="en-US" dirty="0"/>
+                        </a:p>
+                      </a:txBody>
+                      <a:tcPr/>
+                    </a:tc>
+                    <a:extLst>
+                      <a:ext uri="{0D108BD9-81ED-4DB2-BD59-A6C34878D82A}">
+                        <a16:rowId xmlns:a16="http://schemas.microsoft.com/office/drawing/2014/main" xmlns:a14="http://schemas.microsoft.com/office/drawing/2010/main" xmlns="" val="10002"/>
+                      </a:ext>
+                    </a:extLst>
+                  </a:tr>
+                  <a:tr h="370840">
+                    <a:tc>
+                      <a:txBody>
+                        <a:bodyPr/>
+                        <a:lstStyle/>
+                        <a:p>
+                          <a:r>
+                            <a:rPr lang="en-US" dirty="0"/>
+                            <a:t>1</a:t>
+                          </a:r>
+                        </a:p>
+                      </a:txBody>
+                      <a:tcPr/>
+                    </a:tc>
+                    <a:tc>
+                      <a:txBody>
+                        <a:bodyPr/>
+                        <a:lstStyle/>
+                        <a:p>
+                          <a:r>
+                            <a:rPr lang="en-US" dirty="0"/>
+                            <a:t>1</a:t>
+                          </a:r>
+                        </a:p>
+                      </a:txBody>
+                      <a:tcPr/>
+                    </a:tc>
+                    <a:tc>
+                      <a:txBody>
+                        <a:bodyPr/>
+                        <a:lstStyle/>
+                        <a:p>
+                          <a:r>
+                            <a:rPr lang="en-US" dirty="0"/>
+                            <a:t>1+1 = 1</a:t>
+                          </a:r>
+                        </a:p>
+                      </a:txBody>
+                      <a:tcPr/>
+                    </a:tc>
+                    <a:tc>
+                      <a:txBody>
+                        <a:bodyPr/>
+                        <a:lstStyle/>
+                        <a:p>
+                          <a:r>
+                            <a:rPr lang="en-US" dirty="0"/>
+                            <a:t>2</a:t>
+                          </a:r>
+                        </a:p>
+                      </a:txBody>
+                      <a:tcPr/>
+                    </a:tc>
+                    <a:tc>
+                      <a:txBody>
+                        <a:bodyPr/>
+                        <a:lstStyle/>
+                        <a:p>
+                          <a:r>
+                            <a:rPr lang="en-US" dirty="0"/>
+                            <a:t>2 &gt;=2</a:t>
+                          </a:r>
+                          <a:r>
+                            <a:rPr lang="en-US" baseline="0" dirty="0"/>
+                            <a:t> </a:t>
+                          </a:r>
+                          <a:r>
+                            <a:rPr lang="en-US" baseline="0" dirty="0">
+                              <a:sym typeface="Wingdings" panose="05000000000000000000" pitchFamily="2" charset="2"/>
+                            </a:rPr>
+                            <a:t> </a:t>
+                          </a:r>
+                          <a:r>
+                            <a:rPr lang="en-US" b="1" baseline="0" dirty="0">
+                              <a:solidFill>
+                                <a:srgbClr val="FF0000"/>
+                              </a:solidFill>
+                              <a:sym typeface="Wingdings" panose="05000000000000000000" pitchFamily="2" charset="2"/>
+                            </a:rPr>
+                            <a:t>1</a:t>
+                          </a:r>
+                          <a:endParaRPr lang="en-US" b="1" dirty="0">
+                            <a:solidFill>
+                              <a:srgbClr val="FF0000"/>
+                            </a:solidFill>
+                          </a:endParaRPr>
+                        </a:p>
+                      </a:txBody>
+                      <a:tcPr/>
+                    </a:tc>
+                    <a:extLst>
+                      <a:ext uri="{0D108BD9-81ED-4DB2-BD59-A6C34878D82A}">
+                        <a16:rowId xmlns:a16="http://schemas.microsoft.com/office/drawing/2014/main" xmlns:a14="http://schemas.microsoft.com/office/drawing/2010/main" xmlns="" val="10003"/>
+                      </a:ext>
+                    </a:extLst>
+                  </a:tr>
+                </a:tbl>
+              </a:graphicData>
+            </a:graphic>
+          </p:graphicFrame>
+        </mc:Fallback>
+      </mc:AlternateContent>
+      <p:sp>
+        <p:nvSpPr>
+          <p:cNvPr id="4" name="TextBox 3">
+            <a:extLst>
+              <a:ext uri="{FF2B5EF4-FFF2-40B4-BE49-F238E27FC236}">
+                <a16:creationId xmlns:a16="http://schemas.microsoft.com/office/drawing/2014/main" xmlns="" id="{B932D177-2A8A-4C0D-B2DF-7D2904660871}"/>
+              </a:ext>
+            </a:extLst>
+          </p:cNvPr>
+          <p:cNvSpPr txBox="1"/>
+          <p:nvPr/>
+        </p:nvSpPr>
+        <p:spPr>
+          <a:xfrm>
+            <a:off x="3620277" y="1350153"/>
+            <a:ext cx="4180632" cy="292388"/>
+          </a:xfrm>
+          <a:prstGeom prst="rect">
+            <a:avLst/>
+          </a:prstGeom>
+          <a:noFill/>
+        </p:spPr>
+        <p:txBody>
+          <a:bodyPr wrap="none" lIns="0" tIns="0" rIns="0" bIns="45720" rtlCol="0">
+            <a:spAutoFit/>
+          </a:bodyPr>
+          <a:lstStyle/>
+          <a:p>
+            <a:r>
+              <a:rPr lang="en-US" sz="1600" i="1" dirty="0">
+                <a:solidFill>
+                  <a:schemeClr val="tx2">
+                    <a:lumMod val="60000"/>
+                    <a:lumOff val="40000"/>
+                  </a:schemeClr>
+                </a:solidFill>
+              </a:rPr>
+              <a:t>Find the value of the threshold and weights</a:t>
+            </a:r>
+          </a:p>
+        </p:txBody>
+      </p:sp>
+      <p:sp>
+        <p:nvSpPr>
+          <p:cNvPr id="6" name="Rectangle 5">
+            <a:extLst>
+              <a:ext uri="{FF2B5EF4-FFF2-40B4-BE49-F238E27FC236}">
+                <a16:creationId xmlns:a16="http://schemas.microsoft.com/office/drawing/2014/main" xmlns="" id="{7EFDA8A4-B760-4B1A-8FF3-5484319A4E1B}"/>
+              </a:ext>
+            </a:extLst>
+          </p:cNvPr>
+          <p:cNvSpPr/>
+          <p:nvPr/>
+        </p:nvSpPr>
+        <p:spPr>
+          <a:xfrm>
+            <a:off x="381000" y="6037844"/>
+            <a:ext cx="6096000" cy="461665"/>
+          </a:xfrm>
+          <a:prstGeom prst="rect">
+            <a:avLst/>
+          </a:prstGeom>
+        </p:spPr>
+        <p:txBody>
+          <a:bodyPr>
+            <a:spAutoFit/>
+          </a:bodyPr>
+          <a:lstStyle/>
+          <a:p>
+            <a:r>
+              <a:rPr lang="en-US" sz="1200" b="1" i="1" dirty="0"/>
+              <a:t>Source</a:t>
+            </a:r>
+            <a:r>
+              <a:rPr lang="en-US" sz="1200" dirty="0"/>
+              <a:t>: based on Udacity course, GA-Tech </a:t>
+            </a:r>
+            <a:r>
+              <a:rPr lang="en-US" sz="1200" dirty="0" err="1"/>
+              <a:t>cs</a:t>
+            </a:r>
+            <a:r>
+              <a:rPr lang="en-US" sz="1200" dirty="0"/>
+              <a:t> 7641 </a:t>
+            </a:r>
+            <a:r>
+              <a:rPr lang="en-US" sz="1200" i="1" dirty="0"/>
+              <a:t>https://www.udacity.com/course/machine-learning--ud262</a:t>
+            </a:r>
+          </a:p>
+        </p:txBody>
+      </p:sp>
+      <p:graphicFrame>
+        <p:nvGraphicFramePr>
+          <p:cNvPr id="7" name="Table 6"/>
+          <p:cNvGraphicFramePr>
+            <a:graphicFrameLocks noGrp="1"/>
+          </p:cNvGraphicFramePr>
+          <p:nvPr>
+            <p:extLst>
+              <p:ext uri="{D42A27DB-BD31-4B8C-83A1-F6EECF244321}">
+                <p14:modId xmlns:p14="http://schemas.microsoft.com/office/powerpoint/2010/main" val="3720069964"/>
+              </p:ext>
+            </p:extLst>
+          </p:nvPr>
+        </p:nvGraphicFramePr>
+        <p:xfrm>
+          <a:off x="381000" y="3017660"/>
+          <a:ext cx="3511731" cy="370840"/>
+        </p:xfrm>
+        <a:graphic>
+          <a:graphicData uri="http://schemas.openxmlformats.org/drawingml/2006/table">
+            <a:tbl>
+              <a:tblPr firstRow="1" bandRow="1">
+                <a:tableStyleId>{7E9639D4-E3E2-4D34-9284-5A2195B3D0D7}</a:tableStyleId>
+              </a:tblPr>
+              <a:tblGrid>
+                <a:gridCol w="1170577"/>
+                <a:gridCol w="995680"/>
+                <a:gridCol w="1345474"/>
+              </a:tblGrid>
+              <a:tr h="370840">
+                <a:tc>
+                  <a:txBody>
+                    <a:bodyPr/>
+                    <a:lstStyle/>
+                    <a:p>
+                      <a:r>
+                        <a:rPr lang="en-US" dirty="0" smtClean="0"/>
+                        <a:t>W</a:t>
+                      </a:r>
+                      <a:r>
+                        <a:rPr lang="en-US" baseline="-25000" dirty="0" smtClean="0"/>
+                        <a:t>1  </a:t>
+                      </a:r>
+                      <a:r>
+                        <a:rPr lang="en-US" baseline="0" dirty="0" smtClean="0"/>
+                        <a:t>= ?</a:t>
+                      </a:r>
+                      <a:endParaRPr lang="en-US" baseline="0" dirty="0"/>
+                    </a:p>
+                  </a:txBody>
+                  <a:tcPr/>
+                </a:tc>
+                <a:tc>
+                  <a:txBody>
+                    <a:bodyPr/>
+                    <a:lstStyle/>
+                    <a:p>
+                      <a:r>
+                        <a:rPr lang="en-US" dirty="0" smtClean="0"/>
+                        <a:t>W</a:t>
+                      </a:r>
+                      <a:r>
+                        <a:rPr lang="en-US" baseline="-25000" dirty="0" smtClean="0"/>
+                        <a:t>2 </a:t>
+                      </a:r>
+                      <a:r>
+                        <a:rPr lang="en-US" baseline="0" dirty="0" smtClean="0"/>
+                        <a:t>= ?</a:t>
+                      </a:r>
+                      <a:r>
+                        <a:rPr lang="en-US" baseline="-25000" dirty="0" smtClean="0"/>
+                        <a:t> </a:t>
+                      </a:r>
+                      <a:endParaRPr lang="en-US" baseline="-25000" dirty="0"/>
+                    </a:p>
+                  </a:txBody>
+                  <a:tcPr/>
+                </a:tc>
+                <a:tc>
+                  <a:txBody>
+                    <a:bodyPr/>
+                    <a:lstStyle/>
+                    <a:p>
+                      <a:r>
+                        <a:rPr lang="en-US" baseline="-25000" dirty="0" smtClean="0"/>
+                        <a:t>Threshold= ?</a:t>
+                      </a:r>
+                      <a:endParaRPr lang="en-US" baseline="-25000" dirty="0"/>
+                    </a:p>
+                  </a:txBody>
+                  <a:tcPr/>
+                </a:tc>
+              </a:tr>
+            </a:tbl>
+          </a:graphicData>
+        </a:graphic>
+      </p:graphicFrame>
+      <p:pic>
+        <p:nvPicPr>
+          <p:cNvPr id="10" name="Picture 9"/>
+          <p:cNvPicPr>
+            <a:picLocks noChangeAspect="1"/>
+          </p:cNvPicPr>
+          <p:nvPr/>
+        </p:nvPicPr>
+        <p:blipFill>
+          <a:blip r:embed="rId3"/>
+          <a:stretch>
+            <a:fillRect/>
+          </a:stretch>
+        </p:blipFill>
+        <p:spPr>
+          <a:xfrm>
+            <a:off x="4147793" y="2701783"/>
+            <a:ext cx="2524125" cy="800100"/>
+          </a:xfrm>
+          <a:prstGeom prst="rect">
+            <a:avLst/>
+          </a:prstGeom>
+        </p:spPr>
+      </p:pic>
+    </p:spTree>
+    <p:extLst>
+      <p:ext uri="{BB962C8B-B14F-4D97-AF65-F5344CB8AC3E}">
+        <p14:creationId xmlns:p14="http://schemas.microsoft.com/office/powerpoint/2010/main" val="2140133751"/>
+      </p:ext>
+    </p:extLst>
+  </p:cSld>
+  <p:clrMapOvr>
+    <a:masterClrMapping/>
+  </p:clrMapOvr>
+  <p:timing>
+    <p:tnLst>
+      <p:par>
+        <p:cTn id="1" dur="indefinite" restart="never" nodeType="tmRoot">
+          <p:childTnLst>
+            <p:seq concurrent="1" nextAc="seek">
+              <p:cTn id="2" dur="indefinite" nodeType="mainSeq">
+                <p:childTnLst>
+                  <p:par>
+                    <p:cTn id="3" fill="hold">
+                      <p:stCondLst>
+                        <p:cond delay="indefinite"/>
+                      </p:stCondLst>
+                      <p:childTnLst>
+                        <p:par>
+                          <p:cTn id="4" fill="hold">
+                            <p:stCondLst>
+                              <p:cond delay="0"/>
+                            </p:stCondLst>
+                            <p:childTnLst>
+                              <p:par>
+                                <p:cTn id="5" presetID="10" presetClass="entr" presetSubtype="0" fill="hold" nodeType="clickEffect">
+                                  <p:stCondLst>
+                                    <p:cond delay="0"/>
+                                  </p:stCondLst>
+                                  <p:childTnLst>
+                                    <p:set>
+                                      <p:cBhvr>
+                                        <p:cTn id="6" dur="1" fill="hold">
+                                          <p:stCondLst>
+                                            <p:cond delay="0"/>
+                                          </p:stCondLst>
+                                        </p:cTn>
+                                        <p:tgtEl>
+                                          <p:spTgt spid="9"/>
+                                        </p:tgtEl>
+                                        <p:attrNameLst>
+                                          <p:attrName>style.visibility</p:attrName>
+                                        </p:attrNameLst>
+                                      </p:cBhvr>
+                                      <p:to>
+                                        <p:strVal val="visible"/>
+                                      </p:to>
+                                    </p:set>
+                                    <p:animEffect transition="in" filter="fade">
+                                      <p:cBhvr>
+                                        <p:cTn id="7" dur="3800"/>
+                                        <p:tgtEl>
+                                          <p:spTgt spid="9"/>
+                                        </p:tgtEl>
+                                      </p:cBhvr>
+                                    </p:animEffect>
+                                  </p:childTnLst>
+                                </p:cTn>
+                              </p:par>
+                            </p:childTnLst>
+                          </p:cTn>
+                        </p:par>
+                      </p:childTnLst>
+                    </p:cTn>
+                  </p:par>
+                </p:childTnLst>
+              </p:cTn>
+              <p:prevCondLst>
+                <p:cond evt="onPrev" delay="0">
+                  <p:tgtEl>
+                    <p:sldTgt/>
+                  </p:tgtEl>
+                </p:cond>
+              </p:prevCondLst>
+              <p:nextCondLst>
+                <p:cond evt="onNext" delay="0">
+                  <p:tgtEl>
+                    <p:sldTgt/>
+                  </p:tgtEl>
+                </p:cond>
+              </p:nextCondLst>
+            </p:seq>
+          </p:childTnLst>
+        </p:cTn>
+      </p:par>
+    </p:tnLst>
+  </p:timing>
+</p:sld>
+</file>
+
+<file path=ppt/slides/slide12.xml><?xml version="1.0" encoding="utf-8"?>
+<p:sld xmlns:a="http://schemas.openxmlformats.org/drawingml/2006/main" xmlns:r="http://schemas.openxmlformats.org/officeDocument/2006/relationships" xmlns:p="http://schemas.openxmlformats.org/presentationml/2006/main">
+  <p:cSld>
+    <p:spTree>
+      <p:nvGrpSpPr>
+        <p:cNvPr id="1" name=""/>
+        <p:cNvGrpSpPr/>
+        <p:nvPr/>
+      </p:nvGrpSpPr>
+      <p:grpSpPr>
+        <a:xfrm>
+          <a:off x="0" y="0"/>
+          <a:ext cx="0" cy="0"/>
+          <a:chOff x="0" y="0"/>
+          <a:chExt cx="0" cy="0"/>
+        </a:xfrm>
+      </p:grpSpPr>
+      <p:sp>
+        <p:nvSpPr>
           <p:cNvPr id="3" name="Footer Placeholder 2"/>
           <p:cNvSpPr>
             <a:spLocks noGrp="1"/>
@@ -3294,7 +5603,7 @@
             <a:fld id="{4F9AC08D-23A9-440E-BCB9-AA1E9877CC38}" type="slidenum">
               <a:rPr lang="en-US" smtClean="0"/>
               <a:pPr/>
-              <a:t>10</a:t>
+              <a:t>12</a:t>
             </a:fld>
             <a:endParaRPr lang="en-US" dirty="0"/>
           </a:p>
@@ -3561,10 +5870,28 @@
             <a:endParaRPr lang="en-US" dirty="0"/>
           </a:p>
           <a:p>
-            <a:pPr marL="342900" indent="-342900">
-              <a:buFont typeface="Arial" panose="020B0604020202020204" pitchFamily="34" charset="0"/>
-              <a:buChar char="•"/>
-            </a:pPr>
+            <a:r>
+              <a:rPr lang="en-US" i="1" dirty="0" smtClean="0"/>
+              <a:t>Objective</a:t>
+            </a:r>
+            <a:r>
+              <a:rPr lang="en-US" dirty="0" smtClean="0"/>
+              <a:t> = {</a:t>
+            </a:r>
+            <a:r>
+              <a:rPr lang="en-US" sz="1800" dirty="0" smtClean="0"/>
+              <a:t>weights such that error minimized</a:t>
+            </a:r>
+            <a:r>
+              <a:rPr lang="en-US" dirty="0" smtClean="0"/>
+              <a:t>}</a:t>
+            </a:r>
+          </a:p>
+          <a:p>
+            <a:r>
+              <a:rPr lang="en-US" dirty="0" smtClean="0"/>
+              <a:t>Type of problem: Optimization</a:t>
+            </a:r>
             <a:endParaRPr lang="en-US" dirty="0"/>
           </a:p>
           <a:p>
@@ -3618,10 +5945,17 @@
   <p:clrMapOvr>
     <a:masterClrMapping/>
   </p:clrMapOvr>
+  <p:timing>
+    <p:tnLst>
+      <p:par>
+        <p:cTn id="1" dur="indefinite" restart="never" nodeType="tmRoot"/>
+      </p:par>
+    </p:tnLst>
+  </p:timing>
 </p:sld>
 </file>
 
-<file path=ppt/slides/slide11.xml><?xml version="1.0" encoding="utf-8"?>
+<file path=ppt/slides/slide13.xml><?xml version="1.0" encoding="utf-8"?>
 <p:sld xmlns:a="http://schemas.openxmlformats.org/drawingml/2006/main" xmlns:r="http://schemas.openxmlformats.org/officeDocument/2006/relationships" xmlns:p="http://schemas.openxmlformats.org/presentationml/2006/main">
   <p:cSld>
     <p:spTree>
@@ -3701,7 +6035,7 @@
             <a:fld id="{4F9AC08D-23A9-440E-BCB9-AA1E9877CC38}" type="slidenum">
               <a:rPr lang="en-US" smtClean="0"/>
               <a:pPr/>
-              <a:t>11</a:t>
+              <a:t>13</a:t>
             </a:fld>
             <a:endParaRPr lang="en-US" dirty="0"/>
           </a:p>
@@ -3802,357 +6136,13 @@
   <p:clrMapOvr>
     <a:masterClrMapping/>
   </p:clrMapOvr>
-</p:sld>
-</file>
-
-<file path=ppt/slides/slide12.xml><?xml version="1.0" encoding="utf-8"?>
-<p:sld xmlns:a="http://schemas.openxmlformats.org/drawingml/2006/main" xmlns:r="http://schemas.openxmlformats.org/officeDocument/2006/relationships" xmlns:p="http://schemas.openxmlformats.org/presentationml/2006/main">
-  <p:cSld>
-    <p:spTree>
-      <p:nvGrpSpPr>
-        <p:cNvPr id="1" name=""/>
-        <p:cNvGrpSpPr/>
-        <p:nvPr/>
-      </p:nvGrpSpPr>
-      <p:grpSpPr>
-        <a:xfrm>
-          <a:off x="0" y="0"/>
-          <a:ext cx="0" cy="0"/>
-          <a:chOff x="0" y="0"/>
-          <a:chExt cx="0" cy="0"/>
-        </a:xfrm>
-      </p:grpSpPr>
-      <p:sp>
-        <p:nvSpPr>
-          <p:cNvPr id="2" name="Title 1"/>
-          <p:cNvSpPr>
-            <a:spLocks noGrp="1"/>
-          </p:cNvSpPr>
-          <p:nvPr>
-            <p:ph type="title"/>
-          </p:nvPr>
-        </p:nvSpPr>
-        <p:spPr/>
-        <p:txBody>
-          <a:bodyPr/>
-          <a:lstStyle/>
-          <a:p>
-            <a:r>
-              <a:rPr lang="en-US" dirty="0"/>
-              <a:t>Features of ANN</a:t>
-            </a:r>
-          </a:p>
-        </p:txBody>
-      </p:sp>
-      <p:sp>
-        <p:nvSpPr>
-          <p:cNvPr id="3" name="Footer Placeholder 2"/>
-          <p:cNvSpPr>
-            <a:spLocks noGrp="1"/>
-          </p:cNvSpPr>
-          <p:nvPr>
-            <p:ph type="ftr" sz="quarter" idx="10"/>
-          </p:nvPr>
-        </p:nvSpPr>
-        <p:spPr/>
-        <p:txBody>
-          <a:bodyPr/>
-          <a:lstStyle/>
-          <a:p>
-            <a:r>
-              <a:rPr lang="en-US"/>
-              <a:t>Copyright © 2018 Accenture. All rights reserved.</a:t>
-            </a:r>
-            <a:endParaRPr lang="en-US" dirty="0"/>
-          </a:p>
-        </p:txBody>
-      </p:sp>
-      <p:sp>
-        <p:nvSpPr>
-          <p:cNvPr id="4" name="Slide Number Placeholder 3"/>
-          <p:cNvSpPr>
-            <a:spLocks noGrp="1"/>
-          </p:cNvSpPr>
-          <p:nvPr>
-            <p:ph type="sldNum" sz="quarter" idx="11"/>
-          </p:nvPr>
-        </p:nvSpPr>
-        <p:spPr/>
-        <p:txBody>
-          <a:bodyPr/>
-          <a:lstStyle/>
-          <a:p>
-            <a:fld id="{4F9AC08D-23A9-440E-BCB9-AA1E9877CC38}" type="slidenum">
-              <a:rPr lang="en-US" smtClean="0"/>
-              <a:pPr/>
-              <a:t>12</a:t>
-            </a:fld>
-            <a:endParaRPr lang="en-US" dirty="0"/>
-          </a:p>
-        </p:txBody>
-      </p:sp>
-      <p:sp>
-        <p:nvSpPr>
-          <p:cNvPr id="5" name="Text Placeholder 4"/>
-          <p:cNvSpPr>
-            <a:spLocks noGrp="1"/>
-          </p:cNvSpPr>
-          <p:nvPr>
-            <p:ph type="body" sz="quarter" idx="12"/>
-          </p:nvPr>
-        </p:nvSpPr>
-        <p:spPr/>
-        <p:txBody>
-          <a:bodyPr/>
-          <a:lstStyle/>
-          <a:p>
-            <a:pPr marL="342900" indent="-342900">
-              <a:buFont typeface="Arial" panose="020B0604020202020204" pitchFamily="34" charset="0"/>
-              <a:buChar char="•"/>
-            </a:pPr>
-            <a:r>
-              <a:rPr lang="en-US" dirty="0"/>
-              <a:t>Longer training times</a:t>
-            </a:r>
-          </a:p>
-          <a:p>
-            <a:pPr marL="342900" indent="-342900">
-              <a:buFont typeface="Arial" panose="020B0604020202020204" pitchFamily="34" charset="0"/>
-              <a:buChar char="•"/>
-            </a:pPr>
-            <a:r>
-              <a:rPr lang="en-US" dirty="0"/>
-              <a:t>Fast evaluation or prediction</a:t>
-            </a:r>
-          </a:p>
-          <a:p>
-            <a:pPr marL="342900" indent="-342900">
-              <a:buFont typeface="Arial" panose="020B0604020202020204" pitchFamily="34" charset="0"/>
-              <a:buChar char="•"/>
-            </a:pPr>
-            <a:r>
-              <a:rPr lang="en-US" dirty="0"/>
-              <a:t>Discrete or real-valued output</a:t>
-            </a:r>
-          </a:p>
-          <a:p>
-            <a:pPr marL="342900" indent="-342900">
-              <a:buFont typeface="Arial" panose="020B0604020202020204" pitchFamily="34" charset="0"/>
-              <a:buChar char="•"/>
-            </a:pPr>
-            <a:r>
-              <a:rPr lang="en-US" dirty="0"/>
-              <a:t>Explanatory capability is not important.</a:t>
-            </a:r>
-          </a:p>
-        </p:txBody>
-      </p:sp>
-    </p:spTree>
-    <p:extLst>
-      <p:ext uri="{BB962C8B-B14F-4D97-AF65-F5344CB8AC3E}">
-        <p14:creationId xmlns:p14="http://schemas.microsoft.com/office/powerpoint/2010/main" val="3105826866"/>
-      </p:ext>
-    </p:extLst>
-  </p:cSld>
-  <p:clrMapOvr>
-    <a:masterClrMapping/>
-  </p:clrMapOvr>
-</p:sld>
-</file>
-
-<file path=ppt/slides/slide13.xml><?xml version="1.0" encoding="utf-8"?>
-<p:sld xmlns:a="http://schemas.openxmlformats.org/drawingml/2006/main" xmlns:r="http://schemas.openxmlformats.org/officeDocument/2006/relationships" xmlns:p="http://schemas.openxmlformats.org/presentationml/2006/main">
-  <p:cSld>
-    <p:spTree>
-      <p:nvGrpSpPr>
-        <p:cNvPr id="1" name=""/>
-        <p:cNvGrpSpPr/>
-        <p:nvPr/>
-      </p:nvGrpSpPr>
-      <p:grpSpPr>
-        <a:xfrm>
-          <a:off x="0" y="0"/>
-          <a:ext cx="0" cy="0"/>
-          <a:chOff x="0" y="0"/>
-          <a:chExt cx="0" cy="0"/>
-        </a:xfrm>
-      </p:grpSpPr>
-      <p:sp>
-        <p:nvSpPr>
-          <p:cNvPr id="2" name="Title 1">
-            <a:extLst>
-              <a:ext uri="{FF2B5EF4-FFF2-40B4-BE49-F238E27FC236}">
-                <a16:creationId xmlns:a16="http://schemas.microsoft.com/office/drawing/2014/main" id="{FFFCCBCC-01FF-45D9-9C9A-FBD0356EB13F}"/>
-              </a:ext>
-            </a:extLst>
-          </p:cNvPr>
-          <p:cNvSpPr>
-            <a:spLocks noGrp="1"/>
-          </p:cNvSpPr>
-          <p:nvPr>
-            <p:ph type="title"/>
-          </p:nvPr>
-        </p:nvSpPr>
-        <p:spPr/>
-        <p:txBody>
-          <a:bodyPr/>
-          <a:lstStyle/>
-          <a:p>
-            <a:r>
-              <a:rPr lang="en-US" dirty="0"/>
-              <a:t>dataset</a:t>
-            </a:r>
-          </a:p>
-        </p:txBody>
-      </p:sp>
-      <p:sp>
-        <p:nvSpPr>
-          <p:cNvPr id="3" name="Footer Placeholder 2">
-            <a:extLst>
-              <a:ext uri="{FF2B5EF4-FFF2-40B4-BE49-F238E27FC236}">
-                <a16:creationId xmlns:a16="http://schemas.microsoft.com/office/drawing/2014/main" id="{71D46D2E-E86B-47DF-9DB8-CB0788CE9695}"/>
-              </a:ext>
-            </a:extLst>
-          </p:cNvPr>
-          <p:cNvSpPr>
-            <a:spLocks noGrp="1"/>
-          </p:cNvSpPr>
-          <p:nvPr>
-            <p:ph type="ftr" sz="quarter" idx="10"/>
-          </p:nvPr>
-        </p:nvSpPr>
-        <p:spPr/>
-        <p:txBody>
-          <a:bodyPr/>
-          <a:lstStyle/>
-          <a:p>
-            <a:r>
-              <a:rPr lang="en-US"/>
-              <a:t>Copyright © 2018 Accenture. All rights reserved.</a:t>
-            </a:r>
-            <a:endParaRPr lang="en-US" dirty="0"/>
-          </a:p>
-        </p:txBody>
-      </p:sp>
-      <p:sp>
-        <p:nvSpPr>
-          <p:cNvPr id="4" name="Slide Number Placeholder 3">
-            <a:extLst>
-              <a:ext uri="{FF2B5EF4-FFF2-40B4-BE49-F238E27FC236}">
-                <a16:creationId xmlns:a16="http://schemas.microsoft.com/office/drawing/2014/main" id="{E14E4FC6-527C-4F1C-A090-8EFF90C177DD}"/>
-              </a:ext>
-            </a:extLst>
-          </p:cNvPr>
-          <p:cNvSpPr>
-            <a:spLocks noGrp="1"/>
-          </p:cNvSpPr>
-          <p:nvPr>
-            <p:ph type="sldNum" sz="quarter" idx="11"/>
-          </p:nvPr>
-        </p:nvSpPr>
-        <p:spPr/>
-        <p:txBody>
-          <a:bodyPr/>
-          <a:lstStyle/>
-          <a:p>
-            <a:fld id="{4F9AC08D-23A9-440E-BCB9-AA1E9877CC38}" type="slidenum">
-              <a:rPr lang="en-US" smtClean="0"/>
-              <a:pPr/>
-              <a:t>13</a:t>
-            </a:fld>
-            <a:endParaRPr lang="en-US" dirty="0"/>
-          </a:p>
-        </p:txBody>
-      </p:sp>
-      <p:sp>
-        <p:nvSpPr>
-          <p:cNvPr id="5" name="Text Placeholder 4">
-            <a:extLst>
-              <a:ext uri="{FF2B5EF4-FFF2-40B4-BE49-F238E27FC236}">
-                <a16:creationId xmlns:a16="http://schemas.microsoft.com/office/drawing/2014/main" id="{F4835EC4-ACB7-46BD-A0EF-77B164BB4043}"/>
-              </a:ext>
-            </a:extLst>
-          </p:cNvPr>
-          <p:cNvSpPr>
-            <a:spLocks noGrp="1"/>
-          </p:cNvSpPr>
-          <p:nvPr>
-            <p:ph type="body" sz="quarter" idx="12"/>
-          </p:nvPr>
-        </p:nvSpPr>
-        <p:spPr/>
-        <p:txBody>
-          <a:bodyPr/>
-          <a:lstStyle/>
-          <a:p>
-            <a:pPr marL="342900" indent="-342900">
-              <a:buFont typeface="Arial" panose="020B0604020202020204" pitchFamily="34" charset="0"/>
-              <a:buChar char="•"/>
-            </a:pPr>
-            <a:r>
-              <a:rPr lang="en-US" dirty="0"/>
-              <a:t>EEG and eye state detection</a:t>
-            </a:r>
-          </a:p>
-          <a:p>
-            <a:pPr marL="342900" indent="-342900">
-              <a:buFont typeface="Arial" panose="020B0604020202020204" pitchFamily="34" charset="0"/>
-              <a:buChar char="•"/>
-            </a:pPr>
-            <a:r>
-              <a:rPr lang="en-US" dirty="0"/>
-              <a:t>source: </a:t>
-            </a:r>
-            <a:r>
-              <a:rPr lang="en-US" dirty="0">
-                <a:hlinkClick r:id="rId2"/>
-              </a:rPr>
-              <a:t>https://archive.ics.uci.edu/ml/datasets/EEG+Eye+State</a:t>
-            </a:r>
-            <a:r>
-              <a:rPr lang="en-US" dirty="0"/>
-              <a:t> </a:t>
-            </a:r>
-          </a:p>
-          <a:p>
-            <a:pPr marL="342900" indent="-342900">
-              <a:buFont typeface="Arial" panose="020B0604020202020204" pitchFamily="34" charset="0"/>
-              <a:buChar char="•"/>
-            </a:pPr>
-            <a:r>
-              <a:rPr lang="en-US" dirty="0"/>
-              <a:t>14 fields and 1 label</a:t>
-            </a:r>
-          </a:p>
-          <a:p>
-            <a:pPr marL="342900" indent="-342900">
-              <a:buFont typeface="Arial" panose="020B0604020202020204" pitchFamily="34" charset="0"/>
-              <a:buChar char="•"/>
-            </a:pPr>
-            <a:r>
-              <a:rPr lang="en-US" dirty="0"/>
-              <a:t>binary classification</a:t>
-            </a:r>
-          </a:p>
-          <a:p>
-            <a:pPr marL="342900" indent="-342900">
-              <a:buFont typeface="Arial" panose="020B0604020202020204" pitchFamily="34" charset="0"/>
-              <a:buChar char="•"/>
-            </a:pPr>
-            <a:endParaRPr lang="en-US" dirty="0"/>
-          </a:p>
-        </p:txBody>
-      </p:sp>
-    </p:spTree>
-    <p:extLst>
-      <p:ext uri="{BB962C8B-B14F-4D97-AF65-F5344CB8AC3E}">
-        <p14:creationId xmlns:p14="http://schemas.microsoft.com/office/powerpoint/2010/main" val="2030747111"/>
-      </p:ext>
-    </p:extLst>
-  </p:cSld>
-  <p:clrMapOvr>
-    <a:masterClrMapping/>
-  </p:clrMapOvr>
+  <p:timing>
+    <p:tnLst>
+      <p:par>
+        <p:cTn id="1" dur="indefinite" restart="never" nodeType="tmRoot"/>
+      </p:par>
+    </p:tnLst>
+  </p:timing>
 </p:sld>
 </file>
 
@@ -4175,10 +6165,279 @@
       </p:grpSpPr>
       <p:sp>
         <p:nvSpPr>
+          <p:cNvPr id="2" name="Title 1"/>
+          <p:cNvSpPr>
+            <a:spLocks noGrp="1"/>
+          </p:cNvSpPr>
+          <p:nvPr>
+            <p:ph type="title"/>
+          </p:nvPr>
+        </p:nvSpPr>
+        <p:spPr/>
+        <p:txBody>
+          <a:bodyPr/>
+          <a:lstStyle/>
+          <a:p>
+            <a:r>
+              <a:rPr lang="en-US" dirty="0"/>
+              <a:t>Features of ANN</a:t>
+            </a:r>
+          </a:p>
+        </p:txBody>
+      </p:sp>
+      <p:sp>
+        <p:nvSpPr>
+          <p:cNvPr id="3" name="Footer Placeholder 2"/>
+          <p:cNvSpPr>
+            <a:spLocks noGrp="1"/>
+          </p:cNvSpPr>
+          <p:nvPr>
+            <p:ph type="ftr" sz="quarter" idx="10"/>
+          </p:nvPr>
+        </p:nvSpPr>
+        <p:spPr/>
+        <p:txBody>
+          <a:bodyPr/>
+          <a:lstStyle/>
+          <a:p>
+            <a:r>
+              <a:rPr lang="en-US"/>
+              <a:t>Copyright © 2018 Accenture. All rights reserved.</a:t>
+            </a:r>
+            <a:endParaRPr lang="en-US" dirty="0"/>
+          </a:p>
+        </p:txBody>
+      </p:sp>
+      <p:sp>
+        <p:nvSpPr>
+          <p:cNvPr id="4" name="Slide Number Placeholder 3"/>
+          <p:cNvSpPr>
+            <a:spLocks noGrp="1"/>
+          </p:cNvSpPr>
+          <p:nvPr>
+            <p:ph type="sldNum" sz="quarter" idx="11"/>
+          </p:nvPr>
+        </p:nvSpPr>
+        <p:spPr/>
+        <p:txBody>
+          <a:bodyPr/>
+          <a:lstStyle/>
+          <a:p>
+            <a:fld id="{4F9AC08D-23A9-440E-BCB9-AA1E9877CC38}" type="slidenum">
+              <a:rPr lang="en-US" smtClean="0"/>
+              <a:pPr/>
+              <a:t>14</a:t>
+            </a:fld>
+            <a:endParaRPr lang="en-US" dirty="0"/>
+          </a:p>
+        </p:txBody>
+      </p:sp>
+      <p:sp>
+        <p:nvSpPr>
+          <p:cNvPr id="5" name="Text Placeholder 4"/>
+          <p:cNvSpPr>
+            <a:spLocks noGrp="1"/>
+          </p:cNvSpPr>
+          <p:nvPr>
+            <p:ph type="body" sz="quarter" idx="12"/>
+          </p:nvPr>
+        </p:nvSpPr>
+        <p:spPr/>
+        <p:txBody>
+          <a:bodyPr/>
+          <a:lstStyle/>
+          <a:p>
+            <a:pPr marL="342900" indent="-342900">
+              <a:buFont typeface="Arial" panose="020B0604020202020204" pitchFamily="34" charset="0"/>
+              <a:buChar char="•"/>
+            </a:pPr>
+            <a:r>
+              <a:rPr lang="en-US" dirty="0"/>
+              <a:t>Longer training times</a:t>
+            </a:r>
+          </a:p>
+          <a:p>
+            <a:pPr marL="342900" indent="-342900">
+              <a:buFont typeface="Arial" panose="020B0604020202020204" pitchFamily="34" charset="0"/>
+              <a:buChar char="•"/>
+            </a:pPr>
+            <a:r>
+              <a:rPr lang="en-US" dirty="0"/>
+              <a:t>Fast evaluation or prediction</a:t>
+            </a:r>
+          </a:p>
+          <a:p>
+            <a:pPr marL="342900" indent="-342900">
+              <a:buFont typeface="Arial" panose="020B0604020202020204" pitchFamily="34" charset="0"/>
+              <a:buChar char="•"/>
+            </a:pPr>
+            <a:r>
+              <a:rPr lang="en-US" dirty="0"/>
+              <a:t>Discrete or real-valued output</a:t>
+            </a:r>
+          </a:p>
+          <a:p>
+            <a:pPr marL="342900" indent="-342900">
+              <a:buFont typeface="Arial" panose="020B0604020202020204" pitchFamily="34" charset="0"/>
+              <a:buChar char="•"/>
+            </a:pPr>
+            <a:r>
+              <a:rPr lang="en-US" dirty="0"/>
+              <a:t>Explanatory capability is not important.</a:t>
+            </a:r>
+          </a:p>
+        </p:txBody>
+      </p:sp>
+    </p:spTree>
+    <p:extLst>
+      <p:ext uri="{BB962C8B-B14F-4D97-AF65-F5344CB8AC3E}">
+        <p14:creationId xmlns:p14="http://schemas.microsoft.com/office/powerpoint/2010/main" val="3105826866"/>
+      </p:ext>
+    </p:extLst>
+  </p:cSld>
+  <p:clrMapOvr>
+    <a:masterClrMapping/>
+  </p:clrMapOvr>
+  <p:timing>
+    <p:tnLst>
+      <p:par>
+        <p:cTn id="1" dur="indefinite" restart="never" nodeType="tmRoot"/>
+      </p:par>
+    </p:tnLst>
+  </p:timing>
+</p:sld>
+</file>
+
+<file path=ppt/slides/slide15.xml><?xml version="1.0" encoding="utf-8"?>
+<p:sld xmlns:a="http://schemas.openxmlformats.org/drawingml/2006/main" xmlns:r="http://schemas.openxmlformats.org/officeDocument/2006/relationships" xmlns:p="http://schemas.openxmlformats.org/presentationml/2006/main">
+  <p:cSld>
+    <p:spTree>
+      <p:nvGrpSpPr>
+        <p:cNvPr id="1" name=""/>
+        <p:cNvGrpSpPr/>
+        <p:nvPr/>
+      </p:nvGrpSpPr>
+      <p:grpSpPr>
+        <a:xfrm>
+          <a:off x="0" y="0"/>
+          <a:ext cx="0" cy="0"/>
+          <a:chOff x="0" y="0"/>
+          <a:chExt cx="0" cy="0"/>
+        </a:xfrm>
+      </p:grpSpPr>
+      <p:sp>
+        <p:nvSpPr>
+          <p:cNvPr id="2" name="Title 1"/>
+          <p:cNvSpPr>
+            <a:spLocks noGrp="1"/>
+          </p:cNvSpPr>
+          <p:nvPr>
+            <p:ph type="title"/>
+          </p:nvPr>
+        </p:nvSpPr>
+        <p:spPr/>
+        <p:txBody>
+          <a:bodyPr/>
+          <a:lstStyle/>
+          <a:p>
+            <a:r>
+              <a:rPr lang="en-US" dirty="0" smtClean="0"/>
+              <a:t>Example NN in Python</a:t>
+            </a:r>
+            <a:endParaRPr lang="en-US" dirty="0"/>
+          </a:p>
+        </p:txBody>
+      </p:sp>
+      <p:sp>
+        <p:nvSpPr>
+          <p:cNvPr id="3" name="Footer Placeholder 2"/>
+          <p:cNvSpPr>
+            <a:spLocks noGrp="1"/>
+          </p:cNvSpPr>
+          <p:nvPr>
+            <p:ph type="ftr" sz="quarter" idx="10"/>
+          </p:nvPr>
+        </p:nvSpPr>
+        <p:spPr/>
+        <p:txBody>
+          <a:bodyPr/>
+          <a:lstStyle/>
+          <a:p>
+            <a:r>
+              <a:rPr lang="en-US" smtClean="0"/>
+              <a:t>Copyright © 2018 Accenture. All rights reserved.</a:t>
+            </a:r>
+            <a:endParaRPr lang="en-US" dirty="0"/>
+          </a:p>
+        </p:txBody>
+      </p:sp>
+      <p:sp>
+        <p:nvSpPr>
+          <p:cNvPr id="4" name="Slide Number Placeholder 3"/>
+          <p:cNvSpPr>
+            <a:spLocks noGrp="1"/>
+          </p:cNvSpPr>
+          <p:nvPr>
+            <p:ph type="sldNum" sz="quarter" idx="11"/>
+          </p:nvPr>
+        </p:nvSpPr>
+        <p:spPr/>
+        <p:txBody>
+          <a:bodyPr/>
+          <a:lstStyle/>
+          <a:p>
+            <a:fld id="{4F9AC08D-23A9-440E-BCB9-AA1E9877CC38}" type="slidenum">
+              <a:rPr lang="en-US" smtClean="0"/>
+              <a:pPr/>
+              <a:t>15</a:t>
+            </a:fld>
+            <a:endParaRPr lang="en-US" dirty="0"/>
+          </a:p>
+        </p:txBody>
+      </p:sp>
+    </p:spTree>
+    <p:extLst>
+      <p:ext uri="{BB962C8B-B14F-4D97-AF65-F5344CB8AC3E}">
+        <p14:creationId xmlns:p14="http://schemas.microsoft.com/office/powerpoint/2010/main" val="3748821549"/>
+      </p:ext>
+    </p:extLst>
+  </p:cSld>
+  <p:clrMapOvr>
+    <a:masterClrMapping/>
+  </p:clrMapOvr>
+  <p:timing>
+    <p:tnLst>
+      <p:par>
+        <p:cTn id="1" dur="indefinite" restart="never" nodeType="tmRoot"/>
+      </p:par>
+    </p:tnLst>
+  </p:timing>
+</p:sld>
+</file>
+
+<file path=ppt/slides/slide16.xml><?xml version="1.0" encoding="utf-8"?>
+<p:sld xmlns:a="http://schemas.openxmlformats.org/drawingml/2006/main" xmlns:r="http://schemas.openxmlformats.org/officeDocument/2006/relationships" xmlns:p="http://schemas.openxmlformats.org/presentationml/2006/main">
+  <p:cSld>
+    <p:spTree>
+      <p:nvGrpSpPr>
+        <p:cNvPr id="1" name=""/>
+        <p:cNvGrpSpPr/>
+        <p:nvPr/>
+      </p:nvGrpSpPr>
+      <p:grpSpPr>
+        <a:xfrm>
+          <a:off x="0" y="0"/>
+          <a:ext cx="0" cy="0"/>
+          <a:chOff x="0" y="0"/>
+          <a:chExt cx="0" cy="0"/>
+        </a:xfrm>
+      </p:grpSpPr>
+      <p:sp>
+        <p:nvSpPr>
           <p:cNvPr id="2" name="Title 1">
             <a:extLst>
               <a:ext uri="{FF2B5EF4-FFF2-40B4-BE49-F238E27FC236}">
-                <a16:creationId xmlns:a16="http://schemas.microsoft.com/office/drawing/2014/main" id="{167F1A95-7B75-4F88-B2D0-476C539701FC}"/>
+                <a16:creationId xmlns:a16="http://schemas.microsoft.com/office/drawing/2014/main" xmlns="" id="{FFFCCBCC-01FF-45D9-9C9A-FBD0356EB13F}"/>
               </a:ext>
             </a:extLst>
           </p:cNvPr>
@@ -4196,7 +6455,7 @@
           <a:p>
             <a:r>
               <a:rPr lang="en-US" dirty="0"/>
-              <a:t>prepare data</a:t>
+              <a:t>dataset</a:t>
             </a:r>
           </a:p>
         </p:txBody>
@@ -4206,7 +6465,7 @@
           <p:cNvPr id="3" name="Footer Placeholder 2">
             <a:extLst>
               <a:ext uri="{FF2B5EF4-FFF2-40B4-BE49-F238E27FC236}">
-                <a16:creationId xmlns:a16="http://schemas.microsoft.com/office/drawing/2014/main" id="{6255CF37-9B35-483A-9AD9-1A04DFB26524}"/>
+                <a16:creationId xmlns:a16="http://schemas.microsoft.com/office/drawing/2014/main" xmlns="" id="{71D46D2E-E86B-47DF-9DB8-CB0788CE9695}"/>
               </a:ext>
             </a:extLst>
           </p:cNvPr>
@@ -4235,7 +6494,7 @@
           <p:cNvPr id="4" name="Slide Number Placeholder 3">
             <a:extLst>
               <a:ext uri="{FF2B5EF4-FFF2-40B4-BE49-F238E27FC236}">
-                <a16:creationId xmlns:a16="http://schemas.microsoft.com/office/drawing/2014/main" id="{40CB5FE6-90B9-4485-95C3-FBA48D5580DE}"/>
+                <a16:creationId xmlns:a16="http://schemas.microsoft.com/office/drawing/2014/main" xmlns="" id="{E14E4FC6-527C-4F1C-A090-8EFF90C177DD}"/>
               </a:ext>
             </a:extLst>
           </p:cNvPr>
@@ -4254,7 +6513,7 @@
             <a:fld id="{4F9AC08D-23A9-440E-BCB9-AA1E9877CC38}" type="slidenum">
               <a:rPr lang="en-US" smtClean="0"/>
               <a:pPr/>
-              <a:t>14</a:t>
+              <a:t>16</a:t>
             </a:fld>
             <a:endParaRPr lang="en-US" dirty="0"/>
           </a:p>
@@ -4265,7 +6524,7 @@
           <p:cNvPr id="5" name="Text Placeholder 4">
             <a:extLst>
               <a:ext uri="{FF2B5EF4-FFF2-40B4-BE49-F238E27FC236}">
-                <a16:creationId xmlns:a16="http://schemas.microsoft.com/office/drawing/2014/main" id="{E7D60497-FC2E-4BC0-B8EE-B61836871667}"/>
+                <a16:creationId xmlns:a16="http://schemas.microsoft.com/office/drawing/2014/main" xmlns="" id="{F4835EC4-ACB7-46BD-A0EF-77B164BB4043}"/>
               </a:ext>
             </a:extLst>
           </p:cNvPr>
@@ -4276,6 +6535,289 @@
             <p:ph type="body" sz="quarter" idx="12"/>
           </p:nvPr>
         </p:nvSpPr>
+        <p:spPr/>
+        <p:txBody>
+          <a:bodyPr/>
+          <a:lstStyle/>
+          <a:p>
+            <a:pPr marL="342900" indent="-342900">
+              <a:buFont typeface="Arial" panose="020B0604020202020204" pitchFamily="34" charset="0"/>
+              <a:buChar char="•"/>
+            </a:pPr>
+            <a:r>
+              <a:rPr lang="en-US" dirty="0"/>
+              <a:t>EEG and eye state detection</a:t>
+            </a:r>
+          </a:p>
+          <a:p>
+            <a:pPr marL="342900" indent="-342900">
+              <a:buFont typeface="Arial" panose="020B0604020202020204" pitchFamily="34" charset="0"/>
+              <a:buChar char="•"/>
+            </a:pPr>
+            <a:r>
+              <a:rPr lang="en-US" dirty="0"/>
+              <a:t>source: </a:t>
+            </a:r>
+            <a:r>
+              <a:rPr lang="en-US" dirty="0">
+                <a:hlinkClick r:id="rId2"/>
+              </a:rPr>
+              <a:t>https://archive.ics.uci.edu/ml/datasets/EEG+Eye+State</a:t>
+            </a:r>
+            <a:r>
+              <a:rPr lang="en-US" dirty="0"/>
+              <a:t> </a:t>
+            </a:r>
+          </a:p>
+          <a:p>
+            <a:pPr marL="342900" indent="-342900">
+              <a:buFont typeface="Arial" panose="020B0604020202020204" pitchFamily="34" charset="0"/>
+              <a:buChar char="•"/>
+            </a:pPr>
+            <a:r>
+              <a:rPr lang="en-US" dirty="0"/>
+              <a:t>14 fields and 1 label</a:t>
+            </a:r>
+          </a:p>
+          <a:p>
+            <a:pPr marL="342900" indent="-342900">
+              <a:buFont typeface="Arial" panose="020B0604020202020204" pitchFamily="34" charset="0"/>
+              <a:buChar char="•"/>
+            </a:pPr>
+            <a:r>
+              <a:rPr lang="en-US" dirty="0"/>
+              <a:t>binary </a:t>
+            </a:r>
+            <a:r>
+              <a:rPr lang="en-US" dirty="0" smtClean="0"/>
+              <a:t>classification</a:t>
+            </a:r>
+          </a:p>
+          <a:p>
+            <a:pPr marL="342900" indent="-342900">
+              <a:buFont typeface="Arial" panose="020B0604020202020204" pitchFamily="34" charset="0"/>
+              <a:buChar char="•"/>
+            </a:pPr>
+            <a:endParaRPr lang="en-US" dirty="0"/>
+          </a:p>
+          <a:p>
+            <a:endParaRPr lang="en-US" dirty="0"/>
+          </a:p>
+          <a:p>
+            <a:pPr marL="342900" indent="-342900">
+              <a:buFont typeface="Arial" panose="020B0604020202020204" pitchFamily="34" charset="0"/>
+              <a:buChar char="•"/>
+            </a:pPr>
+            <a:endParaRPr lang="en-US" dirty="0"/>
+          </a:p>
+        </p:txBody>
+      </p:sp>
+      <p:pic>
+        <p:nvPicPr>
+          <p:cNvPr id="6" name="Picture 5"/>
+          <p:cNvPicPr>
+            <a:picLocks noChangeAspect="1"/>
+          </p:cNvPicPr>
+          <p:nvPr/>
+        </p:nvPicPr>
+        <p:blipFill>
+          <a:blip r:embed="rId3"/>
+          <a:stretch>
+            <a:fillRect/>
+          </a:stretch>
+        </p:blipFill>
+        <p:spPr>
+          <a:xfrm>
+            <a:off x="498430" y="2987146"/>
+            <a:ext cx="8932954" cy="3260729"/>
+          </a:xfrm>
+          <a:prstGeom prst="rect">
+            <a:avLst/>
+          </a:prstGeom>
+        </p:spPr>
+      </p:pic>
+      <p:sp>
+        <p:nvSpPr>
+          <p:cNvPr id="7" name="TextBox 6"/>
+          <p:cNvSpPr txBox="1"/>
+          <p:nvPr/>
+        </p:nvSpPr>
+        <p:spPr>
+          <a:xfrm>
+            <a:off x="5329646" y="2690949"/>
+            <a:ext cx="2458558" cy="292388"/>
+          </a:xfrm>
+          <a:prstGeom prst="rect">
+            <a:avLst/>
+          </a:prstGeom>
+          <a:noFill/>
+        </p:spPr>
+        <p:txBody>
+          <a:bodyPr wrap="none" lIns="0" tIns="0" rIns="0" bIns="45720" rtlCol="0">
+            <a:spAutoFit/>
+          </a:bodyPr>
+          <a:lstStyle/>
+          <a:p>
+            <a:r>
+              <a:rPr lang="en-US" sz="1600" b="1" i="1" dirty="0">
+                <a:hlinkClick r:id="rId4"/>
+              </a:rPr>
+              <a:t>https://www.emotiv.com</a:t>
+            </a:r>
+            <a:r>
+              <a:rPr lang="en-US" sz="1600" b="1" i="1" dirty="0" smtClean="0">
+                <a:hlinkClick r:id="rId4"/>
+              </a:rPr>
+              <a:t>/</a:t>
+            </a:r>
+            <a:r>
+              <a:rPr lang="en-US" sz="1600" b="1" i="1" dirty="0" smtClean="0"/>
+              <a:t> </a:t>
+            </a:r>
+            <a:endParaRPr lang="en-US" sz="1600" b="1" i="1" dirty="0" smtClean="0"/>
+          </a:p>
+        </p:txBody>
+      </p:sp>
+    </p:spTree>
+    <p:extLst>
+      <p:ext uri="{BB962C8B-B14F-4D97-AF65-F5344CB8AC3E}">
+        <p14:creationId xmlns:p14="http://schemas.microsoft.com/office/powerpoint/2010/main" val="2030747111"/>
+      </p:ext>
+    </p:extLst>
+  </p:cSld>
+  <p:clrMapOvr>
+    <a:masterClrMapping/>
+  </p:clrMapOvr>
+  <p:timing>
+    <p:tnLst>
+      <p:par>
+        <p:cTn id="1" dur="indefinite" restart="never" nodeType="tmRoot"/>
+      </p:par>
+    </p:tnLst>
+  </p:timing>
+</p:sld>
+</file>
+
+<file path=ppt/slides/slide17.xml><?xml version="1.0" encoding="utf-8"?>
+<p:sld xmlns:a="http://schemas.openxmlformats.org/drawingml/2006/main" xmlns:r="http://schemas.openxmlformats.org/officeDocument/2006/relationships" xmlns:p="http://schemas.openxmlformats.org/presentationml/2006/main">
+  <p:cSld>
+    <p:spTree>
+      <p:nvGrpSpPr>
+        <p:cNvPr id="1" name=""/>
+        <p:cNvGrpSpPr/>
+        <p:nvPr/>
+      </p:nvGrpSpPr>
+      <p:grpSpPr>
+        <a:xfrm>
+          <a:off x="0" y="0"/>
+          <a:ext cx="0" cy="0"/>
+          <a:chOff x="0" y="0"/>
+          <a:chExt cx="0" cy="0"/>
+        </a:xfrm>
+      </p:grpSpPr>
+      <p:sp>
+        <p:nvSpPr>
+          <p:cNvPr id="2" name="Title 1">
+            <a:extLst>
+              <a:ext uri="{FF2B5EF4-FFF2-40B4-BE49-F238E27FC236}">
+                <a16:creationId xmlns:a16="http://schemas.microsoft.com/office/drawing/2014/main" xmlns="" id="{167F1A95-7B75-4F88-B2D0-476C539701FC}"/>
+              </a:ext>
+            </a:extLst>
+          </p:cNvPr>
+          <p:cNvSpPr>
+            <a:spLocks noGrp="1"/>
+          </p:cNvSpPr>
+          <p:nvPr>
+            <p:ph type="title"/>
+          </p:nvPr>
+        </p:nvSpPr>
+        <p:spPr/>
+        <p:txBody>
+          <a:bodyPr/>
+          <a:lstStyle/>
+          <a:p>
+            <a:r>
+              <a:rPr lang="en-US" dirty="0"/>
+              <a:t>prepare data</a:t>
+            </a:r>
+          </a:p>
+        </p:txBody>
+      </p:sp>
+      <p:sp>
+        <p:nvSpPr>
+          <p:cNvPr id="3" name="Footer Placeholder 2">
+            <a:extLst>
+              <a:ext uri="{FF2B5EF4-FFF2-40B4-BE49-F238E27FC236}">
+                <a16:creationId xmlns:a16="http://schemas.microsoft.com/office/drawing/2014/main" xmlns="" id="{6255CF37-9B35-483A-9AD9-1A04DFB26524}"/>
+              </a:ext>
+            </a:extLst>
+          </p:cNvPr>
+          <p:cNvSpPr>
+            <a:spLocks noGrp="1"/>
+          </p:cNvSpPr>
+          <p:nvPr>
+            <p:ph type="ftr" sz="quarter" idx="10"/>
+          </p:nvPr>
+        </p:nvSpPr>
+        <p:spPr/>
+        <p:txBody>
+          <a:bodyPr/>
+          <a:lstStyle/>
+          <a:p>
+            <a:r>
+              <a:rPr lang="en-US"/>
+              <a:t>Copyright © 2018 Accenture. All rights reserved.</a:t>
+            </a:r>
+            <a:endParaRPr lang="en-US" dirty="0"/>
+          </a:p>
+        </p:txBody>
+      </p:sp>
+      <p:sp>
+        <p:nvSpPr>
+          <p:cNvPr id="4" name="Slide Number Placeholder 3">
+            <a:extLst>
+              <a:ext uri="{FF2B5EF4-FFF2-40B4-BE49-F238E27FC236}">
+                <a16:creationId xmlns:a16="http://schemas.microsoft.com/office/drawing/2014/main" xmlns="" id="{40CB5FE6-90B9-4485-95C3-FBA48D5580DE}"/>
+              </a:ext>
+            </a:extLst>
+          </p:cNvPr>
+          <p:cNvSpPr>
+            <a:spLocks noGrp="1"/>
+          </p:cNvSpPr>
+          <p:nvPr>
+            <p:ph type="sldNum" sz="quarter" idx="11"/>
+          </p:nvPr>
+        </p:nvSpPr>
+        <p:spPr/>
+        <p:txBody>
+          <a:bodyPr/>
+          <a:lstStyle/>
+          <a:p>
+            <a:fld id="{4F9AC08D-23A9-440E-BCB9-AA1E9877CC38}" type="slidenum">
+              <a:rPr lang="en-US" smtClean="0"/>
+              <a:pPr/>
+              <a:t>17</a:t>
+            </a:fld>
+            <a:endParaRPr lang="en-US" dirty="0"/>
+          </a:p>
+        </p:txBody>
+      </p:sp>
+      <p:sp>
+        <p:nvSpPr>
+          <p:cNvPr id="5" name="Text Placeholder 4">
+            <a:extLst>
+              <a:ext uri="{FF2B5EF4-FFF2-40B4-BE49-F238E27FC236}">
+                <a16:creationId xmlns:a16="http://schemas.microsoft.com/office/drawing/2014/main" xmlns="" id="{E7D60497-FC2E-4BC0-B8EE-B61836871667}"/>
+              </a:ext>
+            </a:extLst>
+          </p:cNvPr>
+          <p:cNvSpPr>
+            <a:spLocks noGrp="1"/>
+          </p:cNvSpPr>
+          <p:nvPr>
+            <p:ph type="body" sz="quarter" idx="12"/>
+          </p:nvPr>
+        </p:nvSpPr>
         <p:spPr>
           <a:xfrm>
             <a:off x="381000" y="1152000"/>
@@ -4363,7 +6905,7 @@
           <p:cNvPr id="6" name="Rectangle 1">
             <a:extLst>
               <a:ext uri="{FF2B5EF4-FFF2-40B4-BE49-F238E27FC236}">
-                <a16:creationId xmlns:a16="http://schemas.microsoft.com/office/drawing/2014/main" id="{9A0208C9-622B-47D7-BDE7-6CC9599DB640}"/>
+                <a16:creationId xmlns:a16="http://schemas.microsoft.com/office/drawing/2014/main" xmlns="" id="{9A0208C9-622B-47D7-BDE7-6CC9599DB640}"/>
               </a:ext>
             </a:extLst>
           </p:cNvPr>
@@ -4551,7 +7093,7 @@
           <p:cNvPr id="7" name="Rectangle 2">
             <a:extLst>
               <a:ext uri="{FF2B5EF4-FFF2-40B4-BE49-F238E27FC236}">
-                <a16:creationId xmlns:a16="http://schemas.microsoft.com/office/drawing/2014/main" id="{0BB43122-50FF-44F8-AA19-ACF500506683}"/>
+                <a16:creationId xmlns:a16="http://schemas.microsoft.com/office/drawing/2014/main" xmlns="" id="{0BB43122-50FF-44F8-AA19-ACF500506683}"/>
               </a:ext>
             </a:extLst>
           </p:cNvPr>
@@ -4751,7 +7293,7 @@
           <p:cNvPr id="8" name="Rectangle 3">
             <a:extLst>
               <a:ext uri="{FF2B5EF4-FFF2-40B4-BE49-F238E27FC236}">
-                <a16:creationId xmlns:a16="http://schemas.microsoft.com/office/drawing/2014/main" id="{0C8EFD8A-29C7-438C-994D-628DD3120D1D}"/>
+                <a16:creationId xmlns:a16="http://schemas.microsoft.com/office/drawing/2014/main" xmlns="" id="{0C8EFD8A-29C7-438C-994D-628DD3120D1D}"/>
               </a:ext>
             </a:extLst>
           </p:cNvPr>
@@ -4839,10 +7381,17 @@
   <p:clrMapOvr>
     <a:masterClrMapping/>
   </p:clrMapOvr>
+  <p:timing>
+    <p:tnLst>
+      <p:par>
+        <p:cTn id="1" dur="indefinite" restart="never" nodeType="tmRoot"/>
+      </p:par>
+    </p:tnLst>
+  </p:timing>
 </p:sld>
 </file>
 
-<file path=ppt/slides/slide15.xml><?xml version="1.0" encoding="utf-8"?>
+<file path=ppt/slides/slide18.xml><?xml version="1.0" encoding="utf-8"?>
 <p:sld xmlns:a="http://schemas.openxmlformats.org/drawingml/2006/main" xmlns:r="http://schemas.openxmlformats.org/officeDocument/2006/relationships" xmlns:p="http://schemas.openxmlformats.org/presentationml/2006/main">
   <p:cSld>
     <p:spTree>
@@ -4864,7 +7413,7 @@
           <p:cNvPr id="2" name="Title 1">
             <a:extLst>
               <a:ext uri="{FF2B5EF4-FFF2-40B4-BE49-F238E27FC236}">
-                <a16:creationId xmlns:a16="http://schemas.microsoft.com/office/drawing/2014/main" id="{4354C437-4F2C-470C-992C-50FB35C61679}"/>
+                <a16:creationId xmlns:a16="http://schemas.microsoft.com/office/drawing/2014/main" xmlns="" id="{4354C437-4F2C-470C-992C-50FB35C61679}"/>
               </a:ext>
             </a:extLst>
           </p:cNvPr>
@@ -4892,7 +7441,7 @@
           <p:cNvPr id="3" name="Footer Placeholder 2">
             <a:extLst>
               <a:ext uri="{FF2B5EF4-FFF2-40B4-BE49-F238E27FC236}">
-                <a16:creationId xmlns:a16="http://schemas.microsoft.com/office/drawing/2014/main" id="{2F0707AB-3E74-4B0E-99D8-190AC3CE5C94}"/>
+                <a16:creationId xmlns:a16="http://schemas.microsoft.com/office/drawing/2014/main" xmlns="" id="{2F0707AB-3E74-4B0E-99D8-190AC3CE5C94}"/>
               </a:ext>
             </a:extLst>
           </p:cNvPr>
@@ -4921,7 +7470,7 @@
           <p:cNvPr id="4" name="Slide Number Placeholder 3">
             <a:extLst>
               <a:ext uri="{FF2B5EF4-FFF2-40B4-BE49-F238E27FC236}">
-                <a16:creationId xmlns:a16="http://schemas.microsoft.com/office/drawing/2014/main" id="{81C9012A-F828-4B68-A404-EEA2A4EFB1C8}"/>
+                <a16:creationId xmlns:a16="http://schemas.microsoft.com/office/drawing/2014/main" xmlns="" id="{81C9012A-F828-4B68-A404-EEA2A4EFB1C8}"/>
               </a:ext>
             </a:extLst>
           </p:cNvPr>
@@ -4940,7 +7489,7 @@
             <a:fld id="{4F9AC08D-23A9-440E-BCB9-AA1E9877CC38}" type="slidenum">
               <a:rPr lang="en-US" smtClean="0"/>
               <a:pPr/>
-              <a:t>15</a:t>
+              <a:t>18</a:t>
             </a:fld>
             <a:endParaRPr lang="en-US" dirty="0"/>
           </a:p>
@@ -4951,7 +7500,7 @@
           <p:cNvPr id="5" name="Text Placeholder 4">
             <a:extLst>
               <a:ext uri="{FF2B5EF4-FFF2-40B4-BE49-F238E27FC236}">
-                <a16:creationId xmlns:a16="http://schemas.microsoft.com/office/drawing/2014/main" id="{2F72B0DD-FBAD-4783-8A83-B77888AC3C82}"/>
+                <a16:creationId xmlns:a16="http://schemas.microsoft.com/office/drawing/2014/main" xmlns="" id="{2F72B0DD-FBAD-4783-8A83-B77888AC3C82}"/>
               </a:ext>
             </a:extLst>
           </p:cNvPr>
@@ -5065,7 +7614,7 @@
           <p:cNvPr id="7" name="Rectangle 2">
             <a:extLst>
               <a:ext uri="{FF2B5EF4-FFF2-40B4-BE49-F238E27FC236}">
-                <a16:creationId xmlns:a16="http://schemas.microsoft.com/office/drawing/2014/main" id="{B76E2C5E-28F1-4C9C-B9E1-AE2A804C8983}"/>
+                <a16:creationId xmlns:a16="http://schemas.microsoft.com/office/drawing/2014/main" xmlns="" id="{B76E2C5E-28F1-4C9C-B9E1-AE2A804C8983}"/>
               </a:ext>
             </a:extLst>
           </p:cNvPr>
@@ -5515,7 +8064,7 @@
           <p:cNvPr id="10" name="Rectangle 5">
             <a:extLst>
               <a:ext uri="{FF2B5EF4-FFF2-40B4-BE49-F238E27FC236}">
-                <a16:creationId xmlns:a16="http://schemas.microsoft.com/office/drawing/2014/main" id="{302BE80F-0711-4A93-84F6-C4BD6316D43F}"/>
+                <a16:creationId xmlns:a16="http://schemas.microsoft.com/office/drawing/2014/main" xmlns="" id="{302BE80F-0711-4A93-84F6-C4BD6316D43F}"/>
               </a:ext>
             </a:extLst>
           </p:cNvPr>
@@ -5603,10 +8152,17 @@
   <p:clrMapOvr>
     <a:masterClrMapping/>
   </p:clrMapOvr>
+  <p:timing>
+    <p:tnLst>
+      <p:par>
+        <p:cTn id="1" dur="indefinite" restart="never" nodeType="tmRoot"/>
+      </p:par>
+    </p:tnLst>
+  </p:timing>
 </p:sld>
 </file>
 
-<file path=ppt/slides/slide16.xml><?xml version="1.0" encoding="utf-8"?>
+<file path=ppt/slides/slide19.xml><?xml version="1.0" encoding="utf-8"?>
 <p:sld xmlns:a="http://schemas.openxmlformats.org/drawingml/2006/main" xmlns:r="http://schemas.openxmlformats.org/officeDocument/2006/relationships" xmlns:p="http://schemas.openxmlformats.org/presentationml/2006/main">
   <p:cSld>
     <p:spTree>
@@ -5628,7 +8184,7 @@
           <p:cNvPr id="2" name="Title 1">
             <a:extLst>
               <a:ext uri="{FF2B5EF4-FFF2-40B4-BE49-F238E27FC236}">
-                <a16:creationId xmlns:a16="http://schemas.microsoft.com/office/drawing/2014/main" id="{DBEBF523-A6A7-4A03-B6F2-324764951D65}"/>
+                <a16:creationId xmlns:a16="http://schemas.microsoft.com/office/drawing/2014/main" xmlns="" id="{DBEBF523-A6A7-4A03-B6F2-324764951D65}"/>
               </a:ext>
             </a:extLst>
           </p:cNvPr>
@@ -5641,13 +8197,19 @@
         </p:nvSpPr>
         <p:spPr/>
         <p:txBody>
-          <a:bodyPr/>
+          <a:bodyPr>
+            <a:normAutofit fontScale="90000"/>
+          </a:bodyPr>
           <a:lstStyle/>
           <a:p>
             <a:r>
               <a:rPr lang="en-US" dirty="0"/>
-              <a:t>visualize</a:t>
-            </a:r>
+              <a:t>confusion matrix: </a:t>
+            </a:r>
+            <a:br>
+              <a:rPr lang="en-US" dirty="0"/>
+            </a:br>
+            <a:endParaRPr lang="en-US" dirty="0"/>
           </a:p>
         </p:txBody>
       </p:sp>
@@ -5656,7 +8218,7 @@
           <p:cNvPr id="3" name="Footer Placeholder 2">
             <a:extLst>
               <a:ext uri="{FF2B5EF4-FFF2-40B4-BE49-F238E27FC236}">
-                <a16:creationId xmlns:a16="http://schemas.microsoft.com/office/drawing/2014/main" id="{B7C9E023-764A-41C9-B87C-73F4A25EE6EC}"/>
+                <a16:creationId xmlns:a16="http://schemas.microsoft.com/office/drawing/2014/main" xmlns="" id="{B7C9E023-764A-41C9-B87C-73F4A25EE6EC}"/>
               </a:ext>
             </a:extLst>
           </p:cNvPr>
@@ -5685,7 +8247,7 @@
           <p:cNvPr id="4" name="Slide Number Placeholder 3">
             <a:extLst>
               <a:ext uri="{FF2B5EF4-FFF2-40B4-BE49-F238E27FC236}">
-                <a16:creationId xmlns:a16="http://schemas.microsoft.com/office/drawing/2014/main" id="{A2CC1F1C-563A-492F-971B-52BB3740C3BA}"/>
+                <a16:creationId xmlns:a16="http://schemas.microsoft.com/office/drawing/2014/main" xmlns="" id="{A2CC1F1C-563A-492F-971B-52BB3740C3BA}"/>
               </a:ext>
             </a:extLst>
           </p:cNvPr>
@@ -5704,44 +8266,8 @@
             <a:fld id="{4F9AC08D-23A9-440E-BCB9-AA1E9877CC38}" type="slidenum">
               <a:rPr lang="en-US" smtClean="0"/>
               <a:pPr/>
-              <a:t>16</a:t>
+              <a:t>19</a:t>
             </a:fld>
-            <a:endParaRPr lang="en-US" dirty="0"/>
-          </a:p>
-        </p:txBody>
-      </p:sp>
-      <p:sp>
-        <p:nvSpPr>
-          <p:cNvPr id="5" name="Text Placeholder 4">
-            <a:extLst>
-              <a:ext uri="{FF2B5EF4-FFF2-40B4-BE49-F238E27FC236}">
-                <a16:creationId xmlns:a16="http://schemas.microsoft.com/office/drawing/2014/main" id="{17422642-AF87-4F3A-87A8-987D909A51BC}"/>
-              </a:ext>
-            </a:extLst>
-          </p:cNvPr>
-          <p:cNvSpPr>
-            <a:spLocks noGrp="1"/>
-          </p:cNvSpPr>
-          <p:nvPr>
-            <p:ph type="body" sz="quarter" idx="12"/>
-          </p:nvPr>
-        </p:nvSpPr>
-        <p:spPr>
-          <a:xfrm>
-            <a:off x="530290" y="1028999"/>
-            <a:ext cx="11409000" cy="5095875"/>
-          </a:xfrm>
-        </p:spPr>
-        <p:txBody>
-          <a:bodyPr/>
-          <a:lstStyle/>
-          <a:p>
-            <a:r>
-              <a:rPr lang="en-US" dirty="0"/>
-              <a:t>confusion matrix: </a:t>
-            </a:r>
-          </a:p>
-          <a:p>
             <a:endParaRPr lang="en-US" dirty="0"/>
           </a:p>
         </p:txBody>
@@ -5751,7 +8277,7 @@
           <p:cNvPr id="3074" name="Picture 2" descr="https://rasbt.github.io/mlxtend/user_guide/evaluate/confusion_matrix_files/confusion_matrix_1.png">
             <a:extLst>
               <a:ext uri="{FF2B5EF4-FFF2-40B4-BE49-F238E27FC236}">
-                <a16:creationId xmlns:a16="http://schemas.microsoft.com/office/drawing/2014/main" id="{9B6C934D-6B65-4056-BD77-90EE762EFAA3}"/>
+                <a16:creationId xmlns:a16="http://schemas.microsoft.com/office/drawing/2014/main" xmlns="" id="{9B6C934D-6B65-4056-BD77-90EE762EFAA3}"/>
               </a:ext>
             </a:extLst>
           </p:cNvPr>
@@ -5761,7 +8287,7 @@
           <p:nvPr/>
         </p:nvPicPr>
         <p:blipFill>
-          <a:blip r:embed="rId2">
+          <a:blip r:embed="rId3">
             <a:extLst>
               <a:ext uri="{28A0092B-C50C-407E-A947-70E740481C1C}">
                 <a14:useLocalDpi xmlns:a14="http://schemas.microsoft.com/office/drawing/2010/main" val="0"/>
@@ -5775,8 +8301,8 @@
         </p:blipFill>
         <p:spPr bwMode="auto">
           <a:xfrm>
-            <a:off x="468086" y="1708000"/>
-            <a:ext cx="2381642" cy="2066003"/>
+            <a:off x="1755761" y="1475753"/>
+            <a:ext cx="4056104" cy="3518549"/>
           </a:xfrm>
           <a:prstGeom prst="rect">
             <a:avLst/>
@@ -5798,7 +8324,7 @@
           <p:cNvPr id="6" name="TextBox 5">
             <a:extLst>
               <a:ext uri="{FF2B5EF4-FFF2-40B4-BE49-F238E27FC236}">
-                <a16:creationId xmlns:a16="http://schemas.microsoft.com/office/drawing/2014/main" id="{F9D26286-998A-42F7-911D-5A8C25A92BF3}"/>
+                <a16:creationId xmlns:a16="http://schemas.microsoft.com/office/drawing/2014/main" xmlns="" id="{F9D26286-998A-42F7-911D-5A8C25A92BF3}"/>
               </a:ext>
             </a:extLst>
           </p:cNvPr>
@@ -5807,7 +8333,7 @@
         </p:nvSpPr>
         <p:spPr>
           <a:xfrm>
-            <a:off x="737882" y="3952694"/>
+            <a:off x="7424039" y="5967998"/>
             <a:ext cx="4664541" cy="353943"/>
           </a:xfrm>
           <a:prstGeom prst="rect">
@@ -5838,36 +8364,6 @@
           </a:p>
         </p:txBody>
       </p:sp>
-      <p:pic>
-        <p:nvPicPr>
-          <p:cNvPr id="8" name="Picture 7">
-            <a:extLst>
-              <a:ext uri="{FF2B5EF4-FFF2-40B4-BE49-F238E27FC236}">
-                <a16:creationId xmlns:a16="http://schemas.microsoft.com/office/drawing/2014/main" id="{40CDD472-A219-4D78-AF30-3178A17FC048}"/>
-              </a:ext>
-            </a:extLst>
-          </p:cNvPr>
-          <p:cNvPicPr>
-            <a:picLocks noChangeAspect="1"/>
-          </p:cNvPicPr>
-          <p:nvPr/>
-        </p:nvPicPr>
-        <p:blipFill>
-          <a:blip r:embed="rId3"/>
-          <a:stretch>
-            <a:fillRect/>
-          </a:stretch>
-        </p:blipFill>
-        <p:spPr>
-          <a:xfrm>
-            <a:off x="5530559" y="1028999"/>
-            <a:ext cx="5852172" cy="4389129"/>
-          </a:xfrm>
-          <a:prstGeom prst="rect">
-            <a:avLst/>
-          </a:prstGeom>
-        </p:spPr>
-      </p:pic>
     </p:spTree>
     <p:extLst>
       <p:ext uri="{BB962C8B-B14F-4D97-AF65-F5344CB8AC3E}">
@@ -5878,10 +8374,17 @@
   <p:clrMapOvr>
     <a:masterClrMapping/>
   </p:clrMapOvr>
+  <p:timing>
+    <p:tnLst>
+      <p:par>
+        <p:cTn id="1" dur="indefinite" restart="never" nodeType="tmRoot"/>
+      </p:par>
+    </p:tnLst>
+  </p:timing>
 </p:sld>
 </file>
 
-<file path=ppt/slides/slide17.xml><?xml version="1.0" encoding="utf-8"?>
+<file path=ppt/slides/slide2.xml><?xml version="1.0" encoding="utf-8"?>
 <p:sld xmlns:a="http://schemas.openxmlformats.org/drawingml/2006/main" xmlns:r="http://schemas.openxmlformats.org/officeDocument/2006/relationships" xmlns:p="http://schemas.openxmlformats.org/presentationml/2006/main">
   <p:cSld>
     <p:spTree>
@@ -5900,10 +8403,138 @@
       </p:grpSpPr>
       <p:sp>
         <p:nvSpPr>
+          <p:cNvPr id="5" name="Footer Placeholder 1">
+            <a:extLst>
+              <a:ext uri="{FF2B5EF4-FFF2-40B4-BE49-F238E27FC236}">
+                <a16:creationId xmlns:a16="http://schemas.microsoft.com/office/drawing/2014/main" xmlns="" id="{0780ADAA-7604-49D6-B19C-5737BAFE50BB}"/>
+              </a:ext>
+            </a:extLst>
+          </p:cNvPr>
+          <p:cNvSpPr>
+            <a:spLocks noGrp="1"/>
+          </p:cNvSpPr>
+          <p:nvPr>
+            <p:ph type="ftr" sz="quarter" idx="16"/>
+          </p:nvPr>
+        </p:nvSpPr>
+        <p:spPr/>
+        <p:txBody>
+          <a:bodyPr/>
+          <a:lstStyle/>
+          <a:p>
+            <a:r>
+              <a:rPr lang="en-US"/>
+              <a:t>Copyright © 2018 Accenture. All rights reserved.</a:t>
+            </a:r>
+            <a:endParaRPr lang="en-US" dirty="0"/>
+          </a:p>
+        </p:txBody>
+      </p:sp>
+      <p:sp>
+        <p:nvSpPr>
+          <p:cNvPr id="6" name="Slide Number Placeholder 2">
+            <a:extLst>
+              <a:ext uri="{FF2B5EF4-FFF2-40B4-BE49-F238E27FC236}">
+                <a16:creationId xmlns:a16="http://schemas.microsoft.com/office/drawing/2014/main" xmlns="" id="{A33C9000-BE3F-4ED0-87EE-D1875CFA7488}"/>
+              </a:ext>
+            </a:extLst>
+          </p:cNvPr>
+          <p:cNvSpPr>
+            <a:spLocks noGrp="1"/>
+          </p:cNvSpPr>
+          <p:nvPr>
+            <p:ph type="sldNum" sz="quarter" idx="17"/>
+          </p:nvPr>
+        </p:nvSpPr>
+        <p:spPr/>
+        <p:txBody>
+          <a:bodyPr/>
+          <a:lstStyle/>
+          <a:p>
+            <a:fld id="{4F9AC08D-23A9-440E-BCB9-AA1E9877CC38}" type="slidenum">
+              <a:rPr lang="en-US" smtClean="0"/>
+              <a:pPr/>
+              <a:t>2</a:t>
+            </a:fld>
+            <a:endParaRPr lang="en-US"/>
+          </a:p>
+        </p:txBody>
+      </p:sp>
+      <p:sp>
+        <p:nvSpPr>
+          <p:cNvPr id="3" name="Text Placeholder 2">
+            <a:extLst>
+              <a:ext uri="{FF2B5EF4-FFF2-40B4-BE49-F238E27FC236}">
+                <a16:creationId xmlns:a16="http://schemas.microsoft.com/office/drawing/2014/main" xmlns="" id="{A4A6F94B-8757-4946-9A1B-A656AE6365F8}"/>
+              </a:ext>
+            </a:extLst>
+          </p:cNvPr>
+          <p:cNvSpPr>
+            <a:spLocks noGrp="1"/>
+          </p:cNvSpPr>
+          <p:nvPr>
+            <p:ph sz="quarter" idx="18"/>
+          </p:nvPr>
+        </p:nvSpPr>
+        <p:spPr/>
+        <p:txBody>
+          <a:bodyPr>
+            <a:normAutofit/>
+          </a:bodyPr>
+          <a:lstStyle/>
+          <a:p>
+            <a:r>
+              <a:rPr lang="en-GB" dirty="0"/>
+              <a:t>Introduction of machine learning</a:t>
+            </a:r>
+          </a:p>
+          <a:p>
+            <a:r>
+              <a:rPr lang="en-GB" dirty="0"/>
+              <a:t>software installation</a:t>
+            </a:r>
+          </a:p>
+          <a:p>
+            <a:r>
+              <a:rPr lang="en-CA" dirty="0"/>
+              <a:t>Neural networks - background</a:t>
+            </a:r>
+          </a:p>
+          <a:p>
+            <a:r>
+              <a:rPr lang="en-CA" dirty="0"/>
+              <a:t>NN – inner workings</a:t>
+            </a:r>
+            <a:endParaRPr lang="en-CA" i="1" dirty="0"/>
+          </a:p>
+          <a:p>
+            <a:r>
+              <a:rPr lang="en-CA" dirty="0"/>
+              <a:t>working session</a:t>
+            </a:r>
+          </a:p>
+          <a:p>
+            <a:r>
+              <a:rPr lang="en-CA" dirty="0"/>
+              <a:t>visualization</a:t>
+            </a:r>
+            <a:endParaRPr lang="en-CA" i="1" dirty="0"/>
+          </a:p>
+          <a:p>
+            <a:r>
+              <a:rPr lang="en-CA" dirty="0"/>
+              <a:t>Questions &amp; Follow-up</a:t>
+            </a:r>
+            <a:endParaRPr lang="en-CA" i="1" dirty="0"/>
+          </a:p>
+        </p:txBody>
+      </p:sp>
+      <p:sp>
+        <p:nvSpPr>
           <p:cNvPr id="2" name="Title 1">
             <a:extLst>
               <a:ext uri="{FF2B5EF4-FFF2-40B4-BE49-F238E27FC236}">
-                <a16:creationId xmlns:a16="http://schemas.microsoft.com/office/drawing/2014/main" id="{24D87BD2-2860-4509-AC31-876EDB085743}"/>
+                <a16:creationId xmlns:a16="http://schemas.microsoft.com/office/drawing/2014/main" xmlns="" id="{5E6C144A-99B4-9243-880A-590C09A5B1FF}"/>
               </a:ext>
             </a:extLst>
           </p:cNvPr>
@@ -5920,6 +8551,283 @@
           <a:lstStyle/>
           <a:p>
             <a:r>
+              <a:rPr lang="en-GB" dirty="0"/>
+              <a:t>agenda</a:t>
+            </a:r>
+          </a:p>
+        </p:txBody>
+      </p:sp>
+      <p:sp>
+        <p:nvSpPr>
+          <p:cNvPr id="4" name="Rectangle 3">
+            <a:extLst>
+              <a:ext uri="{FF2B5EF4-FFF2-40B4-BE49-F238E27FC236}">
+                <a16:creationId xmlns:a16="http://schemas.microsoft.com/office/drawing/2014/main" xmlns="" id="{D1414BF5-852E-8045-B425-93EE7A48892C}"/>
+              </a:ext>
+            </a:extLst>
+          </p:cNvPr>
+          <p:cNvSpPr/>
+          <p:nvPr/>
+        </p:nvSpPr>
+        <p:spPr>
+          <a:xfrm>
+            <a:off x="319087" y="1171575"/>
+            <a:ext cx="5505451" cy="552450"/>
+          </a:xfrm>
+          <a:prstGeom prst="rect">
+            <a:avLst/>
+          </a:prstGeom>
+          <a:noFill/>
+          <a:ln w="57150">
+            <a:solidFill>
+              <a:srgbClr val="7500C0"/>
+            </a:solidFill>
+          </a:ln>
+        </p:spPr>
+        <p:style>
+          <a:lnRef idx="2">
+            <a:schemeClr val="accent1">
+              <a:shade val="50000"/>
+            </a:schemeClr>
+          </a:lnRef>
+          <a:fillRef idx="1">
+            <a:schemeClr val="accent1"/>
+          </a:fillRef>
+          <a:effectRef idx="0">
+            <a:schemeClr val="accent1"/>
+          </a:effectRef>
+          <a:fontRef idx="minor">
+            <a:schemeClr val="lt1"/>
+          </a:fontRef>
+        </p:style>
+        <p:txBody>
+          <a:bodyPr rtlCol="0" anchor="ctr"/>
+          <a:lstStyle/>
+          <a:p>
+            <a:pPr algn="ctr"/>
+            <a:endParaRPr lang="en-GB"/>
+          </a:p>
+        </p:txBody>
+      </p:sp>
+    </p:spTree>
+    <p:extLst>
+      <p:ext uri="{BB962C8B-B14F-4D97-AF65-F5344CB8AC3E}">
+        <p14:creationId xmlns:p14="http://schemas.microsoft.com/office/powerpoint/2010/main" val="3360244807"/>
+      </p:ext>
+    </p:extLst>
+  </p:cSld>
+  <p:clrMapOvr>
+    <a:masterClrMapping/>
+  </p:clrMapOvr>
+  <p:timing>
+    <p:tnLst>
+      <p:par>
+        <p:cTn id="1" dur="indefinite" restart="never" nodeType="tmRoot"/>
+      </p:par>
+    </p:tnLst>
+  </p:timing>
+</p:sld>
+</file>
+
+<file path=ppt/slides/slide20.xml><?xml version="1.0" encoding="utf-8"?>
+<p:sld xmlns:a="http://schemas.openxmlformats.org/drawingml/2006/main" xmlns:r="http://schemas.openxmlformats.org/officeDocument/2006/relationships" xmlns:p="http://schemas.openxmlformats.org/presentationml/2006/main">
+  <p:cSld>
+    <p:spTree>
+      <p:nvGrpSpPr>
+        <p:cNvPr id="1" name=""/>
+        <p:cNvGrpSpPr/>
+        <p:nvPr/>
+      </p:nvGrpSpPr>
+      <p:grpSpPr>
+        <a:xfrm>
+          <a:off x="0" y="0"/>
+          <a:ext cx="0" cy="0"/>
+          <a:chOff x="0" y="0"/>
+          <a:chExt cx="0" cy="0"/>
+        </a:xfrm>
+      </p:grpSpPr>
+      <p:sp>
+        <p:nvSpPr>
+          <p:cNvPr id="2" name="Title 1"/>
+          <p:cNvSpPr>
+            <a:spLocks noGrp="1"/>
+          </p:cNvSpPr>
+          <p:nvPr>
+            <p:ph type="title"/>
+          </p:nvPr>
+        </p:nvSpPr>
+        <p:spPr/>
+        <p:txBody>
+          <a:bodyPr/>
+          <a:lstStyle/>
+          <a:p>
+            <a:r>
+              <a:rPr lang="en-US" dirty="0" smtClean="0"/>
+              <a:t>scaling</a:t>
+            </a:r>
+            <a:endParaRPr lang="en-US" dirty="0"/>
+          </a:p>
+        </p:txBody>
+      </p:sp>
+      <p:sp>
+        <p:nvSpPr>
+          <p:cNvPr id="3" name="Footer Placeholder 2"/>
+          <p:cNvSpPr>
+            <a:spLocks noGrp="1"/>
+          </p:cNvSpPr>
+          <p:nvPr>
+            <p:ph type="ftr" sz="quarter" idx="10"/>
+          </p:nvPr>
+        </p:nvSpPr>
+        <p:spPr/>
+        <p:txBody>
+          <a:bodyPr/>
+          <a:lstStyle/>
+          <a:p>
+            <a:r>
+              <a:rPr lang="en-US" smtClean="0"/>
+              <a:t>Copyright © 2018 Accenture. All rights reserved.</a:t>
+            </a:r>
+            <a:endParaRPr lang="en-US" dirty="0"/>
+          </a:p>
+        </p:txBody>
+      </p:sp>
+      <p:sp>
+        <p:nvSpPr>
+          <p:cNvPr id="4" name="Slide Number Placeholder 3"/>
+          <p:cNvSpPr>
+            <a:spLocks noGrp="1"/>
+          </p:cNvSpPr>
+          <p:nvPr>
+            <p:ph type="sldNum" sz="quarter" idx="11"/>
+          </p:nvPr>
+        </p:nvSpPr>
+        <p:spPr/>
+        <p:txBody>
+          <a:bodyPr/>
+          <a:lstStyle/>
+          <a:p>
+            <a:fld id="{4F9AC08D-23A9-440E-BCB9-AA1E9877CC38}" type="slidenum">
+              <a:rPr lang="en-US" smtClean="0"/>
+              <a:pPr/>
+              <a:t>20</a:t>
+            </a:fld>
+            <a:endParaRPr lang="en-US" dirty="0"/>
+          </a:p>
+        </p:txBody>
+      </p:sp>
+      <p:sp>
+        <p:nvSpPr>
+          <p:cNvPr id="5" name="Text Placeholder 4"/>
+          <p:cNvSpPr>
+            <a:spLocks noGrp="1"/>
+          </p:cNvSpPr>
+          <p:nvPr>
+            <p:ph type="body" sz="quarter" idx="12"/>
+          </p:nvPr>
+        </p:nvSpPr>
+        <p:spPr/>
+        <p:txBody>
+          <a:bodyPr/>
+          <a:lstStyle/>
+          <a:p>
+            <a:r>
+              <a:rPr lang="en-US" dirty="0" smtClean="0"/>
+              <a:t>Normalize the data</a:t>
+            </a:r>
+            <a:endParaRPr lang="en-US" dirty="0"/>
+          </a:p>
+        </p:txBody>
+      </p:sp>
+      <p:pic>
+        <p:nvPicPr>
+          <p:cNvPr id="6" name="Picture 5"/>
+          <p:cNvPicPr>
+            <a:picLocks noChangeAspect="1"/>
+          </p:cNvPicPr>
+          <p:nvPr/>
+        </p:nvPicPr>
+        <p:blipFill>
+          <a:blip r:embed="rId2">
+            <a:extLst>
+              <a:ext uri="{28A0092B-C50C-407E-A947-70E740481C1C}">
+                <a14:useLocalDpi xmlns:a14="http://schemas.microsoft.com/office/drawing/2010/main" val="0"/>
+              </a:ext>
+            </a:extLst>
+          </a:blip>
+          <a:stretch>
+            <a:fillRect/>
+          </a:stretch>
+        </p:blipFill>
+        <p:spPr>
+          <a:xfrm>
+            <a:off x="4189700" y="1786174"/>
+            <a:ext cx="5739547" cy="4304660"/>
+          </a:xfrm>
+          <a:prstGeom prst="rect">
+            <a:avLst/>
+          </a:prstGeom>
+        </p:spPr>
+      </p:pic>
+    </p:spTree>
+    <p:extLst>
+      <p:ext uri="{BB962C8B-B14F-4D97-AF65-F5344CB8AC3E}">
+        <p14:creationId xmlns:p14="http://schemas.microsoft.com/office/powerpoint/2010/main" val="2084278881"/>
+      </p:ext>
+    </p:extLst>
+  </p:cSld>
+  <p:clrMapOvr>
+    <a:masterClrMapping/>
+  </p:clrMapOvr>
+  <p:timing>
+    <p:tnLst>
+      <p:par>
+        <p:cTn id="1" dur="indefinite" restart="never" nodeType="tmRoot"/>
+      </p:par>
+    </p:tnLst>
+  </p:timing>
+</p:sld>
+</file>
+
+<file path=ppt/slides/slide21.xml><?xml version="1.0" encoding="utf-8"?>
+<p:sld xmlns:a="http://schemas.openxmlformats.org/drawingml/2006/main" xmlns:r="http://schemas.openxmlformats.org/officeDocument/2006/relationships" xmlns:p="http://schemas.openxmlformats.org/presentationml/2006/main">
+  <p:cSld>
+    <p:spTree>
+      <p:nvGrpSpPr>
+        <p:cNvPr id="1" name=""/>
+        <p:cNvGrpSpPr/>
+        <p:nvPr/>
+      </p:nvGrpSpPr>
+      <p:grpSpPr>
+        <a:xfrm>
+          <a:off x="0" y="0"/>
+          <a:ext cx="0" cy="0"/>
+          <a:chOff x="0" y="0"/>
+          <a:chExt cx="0" cy="0"/>
+        </a:xfrm>
+      </p:grpSpPr>
+      <p:sp>
+        <p:nvSpPr>
+          <p:cNvPr id="2" name="Title 1">
+            <a:extLst>
+              <a:ext uri="{FF2B5EF4-FFF2-40B4-BE49-F238E27FC236}">
+                <a16:creationId xmlns:a16="http://schemas.microsoft.com/office/drawing/2014/main" xmlns="" id="{24D87BD2-2860-4509-AC31-876EDB085743}"/>
+              </a:ext>
+            </a:extLst>
+          </p:cNvPr>
+          <p:cNvSpPr>
+            <a:spLocks noGrp="1"/>
+          </p:cNvSpPr>
+          <p:nvPr>
+            <p:ph type="title"/>
+          </p:nvPr>
+        </p:nvSpPr>
+        <p:spPr/>
+        <p:txBody>
+          <a:bodyPr/>
+          <a:lstStyle/>
+          <a:p>
+            <a:r>
               <a:rPr lang="en-US" dirty="0"/>
               <a:t>test/train errors</a:t>
             </a:r>
@@ -5931,7 +8839,7 @@
           <p:cNvPr id="3" name="Footer Placeholder 2">
             <a:extLst>
               <a:ext uri="{FF2B5EF4-FFF2-40B4-BE49-F238E27FC236}">
-                <a16:creationId xmlns:a16="http://schemas.microsoft.com/office/drawing/2014/main" id="{5A5D9197-4001-4D7E-A26A-4A2E9888B224}"/>
+                <a16:creationId xmlns:a16="http://schemas.microsoft.com/office/drawing/2014/main" xmlns="" id="{5A5D9197-4001-4D7E-A26A-4A2E9888B224}"/>
               </a:ext>
             </a:extLst>
           </p:cNvPr>
@@ -5960,7 +8868,7 @@
           <p:cNvPr id="4" name="Slide Number Placeholder 3">
             <a:extLst>
               <a:ext uri="{FF2B5EF4-FFF2-40B4-BE49-F238E27FC236}">
-                <a16:creationId xmlns:a16="http://schemas.microsoft.com/office/drawing/2014/main" id="{E3111649-4137-4FAE-9EF3-35F1272E057C}"/>
+                <a16:creationId xmlns:a16="http://schemas.microsoft.com/office/drawing/2014/main" xmlns="" id="{E3111649-4137-4FAE-9EF3-35F1272E057C}"/>
               </a:ext>
             </a:extLst>
           </p:cNvPr>
@@ -5979,7 +8887,7 @@
             <a:fld id="{4F9AC08D-23A9-440E-BCB9-AA1E9877CC38}" type="slidenum">
               <a:rPr lang="en-US" smtClean="0"/>
               <a:pPr/>
-              <a:t>17</a:t>
+              <a:t>21</a:t>
             </a:fld>
             <a:endParaRPr lang="en-US" dirty="0"/>
           </a:p>
@@ -5990,7 +8898,7 @@
           <p:cNvPr id="5" name="Text Placeholder 4">
             <a:extLst>
               <a:ext uri="{FF2B5EF4-FFF2-40B4-BE49-F238E27FC236}">
-                <a16:creationId xmlns:a16="http://schemas.microsoft.com/office/drawing/2014/main" id="{32C1A1DF-C52A-4DB4-AE65-B806CB3FD512}"/>
+                <a16:creationId xmlns:a16="http://schemas.microsoft.com/office/drawing/2014/main" xmlns="" id="{32C1A1DF-C52A-4DB4-AE65-B806CB3FD512}"/>
               </a:ext>
             </a:extLst>
           </p:cNvPr>
@@ -6032,7 +8940,7 @@
           <p:cNvPr id="7" name="Picture 6">
             <a:extLst>
               <a:ext uri="{FF2B5EF4-FFF2-40B4-BE49-F238E27FC236}">
-                <a16:creationId xmlns:a16="http://schemas.microsoft.com/office/drawing/2014/main" id="{1909D228-9903-46D7-9149-E4143687711F}"/>
+                <a16:creationId xmlns:a16="http://schemas.microsoft.com/office/drawing/2014/main" xmlns="" id="{1909D228-9903-46D7-9149-E4143687711F}"/>
               </a:ext>
             </a:extLst>
           </p:cNvPr>
@@ -6067,10 +8975,17 @@
   <p:clrMapOvr>
     <a:masterClrMapping/>
   </p:clrMapOvr>
+  <p:timing>
+    <p:tnLst>
+      <p:par>
+        <p:cTn id="1" dur="indefinite" restart="never" nodeType="tmRoot"/>
+      </p:par>
+    </p:tnLst>
+  </p:timing>
 </p:sld>
 </file>
 
-<file path=ppt/slides/slide18.xml><?xml version="1.0" encoding="utf-8"?>
+<file path=ppt/slides/slide22.xml><?xml version="1.0" encoding="utf-8"?>
 <p:sld xmlns:a="http://schemas.openxmlformats.org/drawingml/2006/main" xmlns:r="http://schemas.openxmlformats.org/officeDocument/2006/relationships" xmlns:p="http://schemas.openxmlformats.org/presentationml/2006/main">
   <p:cSld>
     <p:spTree>
@@ -6092,7 +9007,7 @@
           <p:cNvPr id="2" name="Footer Placeholder 1">
             <a:extLst>
               <a:ext uri="{FF2B5EF4-FFF2-40B4-BE49-F238E27FC236}">
-                <a16:creationId xmlns:a16="http://schemas.microsoft.com/office/drawing/2014/main" id="{862DC1BE-C23E-446B-AD7F-61DE2B058F5B}"/>
+                <a16:creationId xmlns:a16="http://schemas.microsoft.com/office/drawing/2014/main" xmlns="" id="{862DC1BE-C23E-446B-AD7F-61DE2B058F5B}"/>
               </a:ext>
             </a:extLst>
           </p:cNvPr>
@@ -6121,7 +9036,7 @@
           <p:cNvPr id="3" name="Slide Number Placeholder 2">
             <a:extLst>
               <a:ext uri="{FF2B5EF4-FFF2-40B4-BE49-F238E27FC236}">
-                <a16:creationId xmlns:a16="http://schemas.microsoft.com/office/drawing/2014/main" id="{A694BF8F-6E10-4C6A-B54A-72DD6D32E347}"/>
+                <a16:creationId xmlns:a16="http://schemas.microsoft.com/office/drawing/2014/main" xmlns="" id="{A694BF8F-6E10-4C6A-B54A-72DD6D32E347}"/>
               </a:ext>
             </a:extLst>
           </p:cNvPr>
@@ -6140,7 +9055,7 @@
             <a:fld id="{4F9AC08D-23A9-440E-BCB9-AA1E9877CC38}" type="slidenum">
               <a:rPr lang="en-US" smtClean="0"/>
               <a:pPr/>
-              <a:t>18</a:t>
+              <a:t>22</a:t>
             </a:fld>
             <a:endParaRPr lang="en-US"/>
           </a:p>
@@ -6151,7 +9066,7 @@
           <p:cNvPr id="6" name="Title 5">
             <a:extLst>
               <a:ext uri="{FF2B5EF4-FFF2-40B4-BE49-F238E27FC236}">
-                <a16:creationId xmlns:a16="http://schemas.microsoft.com/office/drawing/2014/main" id="{52445C88-A802-4F5A-8AAE-920F21D7A1D9}"/>
+                <a16:creationId xmlns:a16="http://schemas.microsoft.com/office/drawing/2014/main" xmlns="" id="{52445C88-A802-4F5A-8AAE-920F21D7A1D9}"/>
               </a:ext>
             </a:extLst>
           </p:cNvPr>
@@ -6184,10 +9099,17 @@
   <p:clrMapOvr>
     <a:masterClrMapping/>
   </p:clrMapOvr>
+  <p:timing>
+    <p:tnLst>
+      <p:par>
+        <p:cTn id="1" dur="indefinite" restart="never" nodeType="tmRoot"/>
+      </p:par>
+    </p:tnLst>
+  </p:timing>
 </p:sld>
 </file>
 
-<file path=ppt/slides/slide19.xml><?xml version="1.0" encoding="utf-8"?>
+<file path=ppt/slides/slide23.xml><?xml version="1.0" encoding="utf-8"?>
 <p:sld xmlns:a="http://schemas.openxmlformats.org/drawingml/2006/main" xmlns:r="http://schemas.openxmlformats.org/officeDocument/2006/relationships" xmlns:p="http://schemas.openxmlformats.org/presentationml/2006/main" show="0">
   <p:cSld>
     <p:spTree>
@@ -6209,7 +9131,7 @@
           <p:cNvPr id="5" name="Title 4">
             <a:extLst>
               <a:ext uri="{FF2B5EF4-FFF2-40B4-BE49-F238E27FC236}">
-                <a16:creationId xmlns:a16="http://schemas.microsoft.com/office/drawing/2014/main" id="{96A76E32-3259-4B91-AD7C-D27EC596E813}"/>
+                <a16:creationId xmlns:a16="http://schemas.microsoft.com/office/drawing/2014/main" xmlns="" id="{96A76E32-3259-4B91-AD7C-D27EC596E813}"/>
               </a:ext>
             </a:extLst>
           </p:cNvPr>
@@ -6237,7 +9159,7 @@
           <p:cNvPr id="2" name="Footer Placeholder 1">
             <a:extLst>
               <a:ext uri="{FF2B5EF4-FFF2-40B4-BE49-F238E27FC236}">
-                <a16:creationId xmlns:a16="http://schemas.microsoft.com/office/drawing/2014/main" id="{2112AAEE-533D-422B-9EB1-E0927B71CC07}"/>
+                <a16:creationId xmlns:a16="http://schemas.microsoft.com/office/drawing/2014/main" xmlns="" id="{2112AAEE-533D-422B-9EB1-E0927B71CC07}"/>
               </a:ext>
             </a:extLst>
           </p:cNvPr>
@@ -6266,7 +9188,7 @@
           <p:cNvPr id="3" name="Slide Number Placeholder 2">
             <a:extLst>
               <a:ext uri="{FF2B5EF4-FFF2-40B4-BE49-F238E27FC236}">
-                <a16:creationId xmlns:a16="http://schemas.microsoft.com/office/drawing/2014/main" id="{294F3DFF-1CBB-42B0-8F34-FD1C3258023C}"/>
+                <a16:creationId xmlns:a16="http://schemas.microsoft.com/office/drawing/2014/main" xmlns="" id="{294F3DFF-1CBB-42B0-8F34-FD1C3258023C}"/>
               </a:ext>
             </a:extLst>
           </p:cNvPr>
@@ -6285,7 +9207,7 @@
             <a:fld id="{4F9AC08D-23A9-440E-BCB9-AA1E9877CC38}" type="slidenum">
               <a:rPr lang="en-US" smtClean="0"/>
               <a:pPr/>
-              <a:t>19</a:t>
+              <a:t>23</a:t>
             </a:fld>
             <a:endParaRPr lang="en-US"/>
           </a:p>
@@ -6301,248 +9223,25 @@
   <p:clrMapOvr>
     <a:masterClrMapping/>
   </p:clrMapOvr>
+  <mc:AlternateContent xmlns:mc="http://schemas.openxmlformats.org/markup-compatibility/2006">
+    <mc:Choice xmlns:p14="http://schemas.microsoft.com/office/powerpoint/2010/main" Requires="p14">
+      <p:transition spd="slow" p14:dur="2000"/>
+    </mc:Choice>
+    <mc:Fallback>
+      <p:transition spd="slow"/>
+    </mc:Fallback>
+  </mc:AlternateContent>
+  <p:timing>
+    <p:tnLst>
+      <p:par>
+        <p:cTn id="1" dur="indefinite" restart="never" nodeType="tmRoot"/>
+      </p:par>
+    </p:tnLst>
+  </p:timing>
 </p:sld>
 </file>
 
-<file path=ppt/slides/slide2.xml><?xml version="1.0" encoding="utf-8"?>
-<p:sld xmlns:a="http://schemas.openxmlformats.org/drawingml/2006/main" xmlns:r="http://schemas.openxmlformats.org/officeDocument/2006/relationships" xmlns:p="http://schemas.openxmlformats.org/presentationml/2006/main">
-  <p:cSld>
-    <p:spTree>
-      <p:nvGrpSpPr>
-        <p:cNvPr id="1" name=""/>
-        <p:cNvGrpSpPr/>
-        <p:nvPr/>
-      </p:nvGrpSpPr>
-      <p:grpSpPr>
-        <a:xfrm>
-          <a:off x="0" y="0"/>
-          <a:ext cx="0" cy="0"/>
-          <a:chOff x="0" y="0"/>
-          <a:chExt cx="0" cy="0"/>
-        </a:xfrm>
-      </p:grpSpPr>
-      <p:sp>
-        <p:nvSpPr>
-          <p:cNvPr id="5" name="Footer Placeholder 1">
-            <a:extLst>
-              <a:ext uri="{FF2B5EF4-FFF2-40B4-BE49-F238E27FC236}">
-                <a16:creationId xmlns:a16="http://schemas.microsoft.com/office/drawing/2014/main" id="{0780ADAA-7604-49D6-B19C-5737BAFE50BB}"/>
-              </a:ext>
-            </a:extLst>
-          </p:cNvPr>
-          <p:cNvSpPr>
-            <a:spLocks noGrp="1"/>
-          </p:cNvSpPr>
-          <p:nvPr>
-            <p:ph type="ftr" sz="quarter" idx="16"/>
-          </p:nvPr>
-        </p:nvSpPr>
-        <p:spPr/>
-        <p:txBody>
-          <a:bodyPr/>
-          <a:lstStyle/>
-          <a:p>
-            <a:r>
-              <a:rPr lang="en-US"/>
-              <a:t>Copyright © 2018 Accenture. All rights reserved.</a:t>
-            </a:r>
-            <a:endParaRPr lang="en-US" dirty="0"/>
-          </a:p>
-        </p:txBody>
-      </p:sp>
-      <p:sp>
-        <p:nvSpPr>
-          <p:cNvPr id="6" name="Slide Number Placeholder 2">
-            <a:extLst>
-              <a:ext uri="{FF2B5EF4-FFF2-40B4-BE49-F238E27FC236}">
-                <a16:creationId xmlns:a16="http://schemas.microsoft.com/office/drawing/2014/main" id="{A33C9000-BE3F-4ED0-87EE-D1875CFA7488}"/>
-              </a:ext>
-            </a:extLst>
-          </p:cNvPr>
-          <p:cNvSpPr>
-            <a:spLocks noGrp="1"/>
-          </p:cNvSpPr>
-          <p:nvPr>
-            <p:ph type="sldNum" sz="quarter" idx="17"/>
-          </p:nvPr>
-        </p:nvSpPr>
-        <p:spPr/>
-        <p:txBody>
-          <a:bodyPr/>
-          <a:lstStyle/>
-          <a:p>
-            <a:fld id="{4F9AC08D-23A9-440E-BCB9-AA1E9877CC38}" type="slidenum">
-              <a:rPr lang="en-US" smtClean="0"/>
-              <a:pPr/>
-              <a:t>2</a:t>
-            </a:fld>
-            <a:endParaRPr lang="en-US"/>
-          </a:p>
-        </p:txBody>
-      </p:sp>
-      <p:sp>
-        <p:nvSpPr>
-          <p:cNvPr id="3" name="Text Placeholder 2">
-            <a:extLst>
-              <a:ext uri="{FF2B5EF4-FFF2-40B4-BE49-F238E27FC236}">
-                <a16:creationId xmlns:a16="http://schemas.microsoft.com/office/drawing/2014/main" id="{A4A6F94B-8757-4946-9A1B-A656AE6365F8}"/>
-              </a:ext>
-            </a:extLst>
-          </p:cNvPr>
-          <p:cNvSpPr>
-            <a:spLocks noGrp="1"/>
-          </p:cNvSpPr>
-          <p:nvPr>
-            <p:ph sz="quarter" idx="18"/>
-          </p:nvPr>
-        </p:nvSpPr>
-        <p:spPr/>
-        <p:txBody>
-          <a:bodyPr>
-            <a:normAutofit/>
-          </a:bodyPr>
-          <a:lstStyle/>
-          <a:p>
-            <a:r>
-              <a:rPr lang="en-GB" dirty="0"/>
-              <a:t>Introduction of machine learning</a:t>
-            </a:r>
-          </a:p>
-          <a:p>
-            <a:r>
-              <a:rPr lang="en-GB" dirty="0"/>
-              <a:t>software installation</a:t>
-            </a:r>
-          </a:p>
-          <a:p>
-            <a:r>
-              <a:rPr lang="en-CA" dirty="0"/>
-              <a:t>Neural networks - background</a:t>
-            </a:r>
-          </a:p>
-          <a:p>
-            <a:r>
-              <a:rPr lang="en-CA" dirty="0"/>
-              <a:t>NN – inner workings</a:t>
-            </a:r>
-            <a:endParaRPr lang="en-CA" i="1" dirty="0"/>
-          </a:p>
-          <a:p>
-            <a:r>
-              <a:rPr lang="en-CA" dirty="0"/>
-              <a:t>working session</a:t>
-            </a:r>
-          </a:p>
-          <a:p>
-            <a:r>
-              <a:rPr lang="en-CA" dirty="0"/>
-              <a:t>visualization</a:t>
-            </a:r>
-            <a:endParaRPr lang="en-CA" i="1" dirty="0"/>
-          </a:p>
-          <a:p>
-            <a:r>
-              <a:rPr lang="en-CA" dirty="0"/>
-              <a:t>Questions &amp; Follow-up</a:t>
-            </a:r>
-            <a:endParaRPr lang="en-CA" i="1" dirty="0"/>
-          </a:p>
-        </p:txBody>
-      </p:sp>
-      <p:sp>
-        <p:nvSpPr>
-          <p:cNvPr id="2" name="Title 1">
-            <a:extLst>
-              <a:ext uri="{FF2B5EF4-FFF2-40B4-BE49-F238E27FC236}">
-                <a16:creationId xmlns:a16="http://schemas.microsoft.com/office/drawing/2014/main" id="{5E6C144A-99B4-9243-880A-590C09A5B1FF}"/>
-              </a:ext>
-            </a:extLst>
-          </p:cNvPr>
-          <p:cNvSpPr>
-            <a:spLocks noGrp="1"/>
-          </p:cNvSpPr>
-          <p:nvPr>
-            <p:ph type="title"/>
-          </p:nvPr>
-        </p:nvSpPr>
-        <p:spPr/>
-        <p:txBody>
-          <a:bodyPr/>
-          <a:lstStyle/>
-          <a:p>
-            <a:r>
-              <a:rPr lang="en-GB" dirty="0"/>
-              <a:t>agenda</a:t>
-            </a:r>
-          </a:p>
-        </p:txBody>
-      </p:sp>
-      <p:sp>
-        <p:nvSpPr>
-          <p:cNvPr id="4" name="Rectangle 3">
-            <a:extLst>
-              <a:ext uri="{FF2B5EF4-FFF2-40B4-BE49-F238E27FC236}">
-                <a16:creationId xmlns:a16="http://schemas.microsoft.com/office/drawing/2014/main" id="{D1414BF5-852E-8045-B425-93EE7A48892C}"/>
-              </a:ext>
-            </a:extLst>
-          </p:cNvPr>
-          <p:cNvSpPr/>
-          <p:nvPr/>
-        </p:nvSpPr>
-        <p:spPr>
-          <a:xfrm>
-            <a:off x="319087" y="1171575"/>
-            <a:ext cx="5505451" cy="552450"/>
-          </a:xfrm>
-          <a:prstGeom prst="rect">
-            <a:avLst/>
-          </a:prstGeom>
-          <a:noFill/>
-          <a:ln w="57150">
-            <a:solidFill>
-              <a:srgbClr val="7500C0"/>
-            </a:solidFill>
-          </a:ln>
-        </p:spPr>
-        <p:style>
-          <a:lnRef idx="2">
-            <a:schemeClr val="accent1">
-              <a:shade val="50000"/>
-            </a:schemeClr>
-          </a:lnRef>
-          <a:fillRef idx="1">
-            <a:schemeClr val="accent1"/>
-          </a:fillRef>
-          <a:effectRef idx="0">
-            <a:schemeClr val="accent1"/>
-          </a:effectRef>
-          <a:fontRef idx="minor">
-            <a:schemeClr val="lt1"/>
-          </a:fontRef>
-        </p:style>
-        <p:txBody>
-          <a:bodyPr rtlCol="0" anchor="ctr"/>
-          <a:lstStyle/>
-          <a:p>
-            <a:pPr algn="ctr"/>
-            <a:endParaRPr lang="en-GB"/>
-          </a:p>
-        </p:txBody>
-      </p:sp>
-    </p:spTree>
-    <p:extLst>
-      <p:ext uri="{BB962C8B-B14F-4D97-AF65-F5344CB8AC3E}">
-        <p14:creationId xmlns:p14="http://schemas.microsoft.com/office/powerpoint/2010/main" val="3360244807"/>
-      </p:ext>
-    </p:extLst>
-  </p:cSld>
-  <p:clrMapOvr>
-    <a:masterClrMapping/>
-  </p:clrMapOvr>
-</p:sld>
-</file>
-
-<file path=ppt/slides/slide20.xml><?xml version="1.0" encoding="utf-8"?>
+<file path=ppt/slides/slide24.xml><?xml version="1.0" encoding="utf-8"?>
 <p:sld xmlns:a="http://schemas.openxmlformats.org/drawingml/2006/main" xmlns:r="http://schemas.openxmlformats.org/officeDocument/2006/relationships" xmlns:p="http://schemas.openxmlformats.org/presentationml/2006/main" show="0">
   <p:cSld>
     <p:spTree>
@@ -6622,7 +9321,7 @@
             <a:fld id="{4F9AC08D-23A9-440E-BCB9-AA1E9877CC38}" type="slidenum">
               <a:rPr lang="en-US" smtClean="0"/>
               <a:pPr/>
-              <a:t>20</a:t>
+              <a:t>24</a:t>
             </a:fld>
             <a:endParaRPr lang="en-US" dirty="0"/>
           </a:p>
@@ -6884,10 +9583,18 @@
   <p:clrMapOvr>
     <a:masterClrMapping/>
   </p:clrMapOvr>
+  <mc:AlternateContent xmlns:mc="http://schemas.openxmlformats.org/markup-compatibility/2006">
+    <mc:Choice xmlns:p14="http://schemas.microsoft.com/office/powerpoint/2010/main" Requires="p14">
+      <p:transition spd="slow" p14:dur="2000"/>
+    </mc:Choice>
+    <mc:Fallback>
+      <p:transition spd="slow"/>
+    </mc:Fallback>
+  </mc:AlternateContent>
 </p:sld>
 </file>
 
-<file path=ppt/slides/slide21.xml><?xml version="1.0" encoding="utf-8"?>
+<file path=ppt/slides/slide25.xml><?xml version="1.0" encoding="utf-8"?>
 <p:sld xmlns:a="http://schemas.openxmlformats.org/drawingml/2006/main" xmlns:r="http://schemas.openxmlformats.org/officeDocument/2006/relationships" xmlns:p="http://schemas.openxmlformats.org/presentationml/2006/main" show="0">
   <p:cSld>
     <p:spTree>
@@ -6909,7 +9616,7 @@
           <p:cNvPr id="5" name="Title 4">
             <a:extLst>
               <a:ext uri="{FF2B5EF4-FFF2-40B4-BE49-F238E27FC236}">
-                <a16:creationId xmlns:a16="http://schemas.microsoft.com/office/drawing/2014/main" id="{9852DB47-F381-433D-B3E5-C84DB7FC16E4}"/>
+                <a16:creationId xmlns:a16="http://schemas.microsoft.com/office/drawing/2014/main" xmlns="" id="{9852DB47-F381-433D-B3E5-C84DB7FC16E4}"/>
               </a:ext>
             </a:extLst>
           </p:cNvPr>
@@ -6937,7 +9644,7 @@
           <p:cNvPr id="2" name="Footer Placeholder 1">
             <a:extLst>
               <a:ext uri="{FF2B5EF4-FFF2-40B4-BE49-F238E27FC236}">
-                <a16:creationId xmlns:a16="http://schemas.microsoft.com/office/drawing/2014/main" id="{371459CC-F14C-4C7D-9D36-0AF707B8ACF3}"/>
+                <a16:creationId xmlns:a16="http://schemas.microsoft.com/office/drawing/2014/main" xmlns="" id="{371459CC-F14C-4C7D-9D36-0AF707B8ACF3}"/>
               </a:ext>
             </a:extLst>
           </p:cNvPr>
@@ -6966,7 +9673,7 @@
           <p:cNvPr id="3" name="Slide Number Placeholder 2">
             <a:extLst>
               <a:ext uri="{FF2B5EF4-FFF2-40B4-BE49-F238E27FC236}">
-                <a16:creationId xmlns:a16="http://schemas.microsoft.com/office/drawing/2014/main" id="{327884E6-781D-4D36-9C19-42B3A965BCA4}"/>
+                <a16:creationId xmlns:a16="http://schemas.microsoft.com/office/drawing/2014/main" xmlns="" id="{327884E6-781D-4D36-9C19-42B3A965BCA4}"/>
               </a:ext>
             </a:extLst>
           </p:cNvPr>
@@ -6985,7 +9692,7 @@
             <a:fld id="{4F9AC08D-23A9-440E-BCB9-AA1E9877CC38}" type="slidenum">
               <a:rPr lang="en-US" smtClean="0"/>
               <a:pPr/>
-              <a:t>21</a:t>
+              <a:t>25</a:t>
             </a:fld>
             <a:endParaRPr lang="en-US"/>
           </a:p>
@@ -6996,7 +9703,7 @@
           <p:cNvPr id="7" name="Text Placeholder 6">
             <a:extLst>
               <a:ext uri="{FF2B5EF4-FFF2-40B4-BE49-F238E27FC236}">
-                <a16:creationId xmlns:a16="http://schemas.microsoft.com/office/drawing/2014/main" id="{8E7C8F70-228B-426A-A021-8A487E65DB5C}"/>
+                <a16:creationId xmlns:a16="http://schemas.microsoft.com/office/drawing/2014/main" xmlns="" id="{8E7C8F70-228B-426A-A021-8A487E65DB5C}"/>
               </a:ext>
             </a:extLst>
           </p:cNvPr>
@@ -7090,6 +9797,14 @@
   <p:clrMapOvr>
     <a:masterClrMapping/>
   </p:clrMapOvr>
+  <mc:AlternateContent xmlns:mc="http://schemas.openxmlformats.org/markup-compatibility/2006">
+    <mc:Choice xmlns:p14="http://schemas.microsoft.com/office/powerpoint/2010/main" Requires="p14">
+      <p:transition spd="slow" p14:dur="2000"/>
+    </mc:Choice>
+    <mc:Fallback>
+      <p:transition spd="slow"/>
+    </mc:Fallback>
+  </mc:AlternateContent>
 </p:sld>
 </file>
 
@@ -7115,7 +9830,7 @@
           <p:cNvPr id="2" name="Footer Placeholder 1">
             <a:extLst>
               <a:ext uri="{FF2B5EF4-FFF2-40B4-BE49-F238E27FC236}">
-                <a16:creationId xmlns:a16="http://schemas.microsoft.com/office/drawing/2014/main" id="{30B09AB4-E1B5-461F-82F2-31816011A798}"/>
+                <a16:creationId xmlns:a16="http://schemas.microsoft.com/office/drawing/2014/main" xmlns="" id="{30B09AB4-E1B5-461F-82F2-31816011A798}"/>
               </a:ext>
             </a:extLst>
           </p:cNvPr>
@@ -7144,7 +9859,7 @@
           <p:cNvPr id="3" name="Slide Number Placeholder 2">
             <a:extLst>
               <a:ext uri="{FF2B5EF4-FFF2-40B4-BE49-F238E27FC236}">
-                <a16:creationId xmlns:a16="http://schemas.microsoft.com/office/drawing/2014/main" id="{0B112692-A164-4F88-A0BE-01F14A578415}"/>
+                <a16:creationId xmlns:a16="http://schemas.microsoft.com/office/drawing/2014/main" xmlns="" id="{0B112692-A164-4F88-A0BE-01F14A578415}"/>
               </a:ext>
             </a:extLst>
           </p:cNvPr>
@@ -7174,7 +9889,7 @@
           <p:cNvPr id="4" name="Content Placeholder 3">
             <a:extLst>
               <a:ext uri="{FF2B5EF4-FFF2-40B4-BE49-F238E27FC236}">
-                <a16:creationId xmlns:a16="http://schemas.microsoft.com/office/drawing/2014/main" id="{981FD6C5-00BF-4469-A752-01D06F5ECEA2}"/>
+                <a16:creationId xmlns:a16="http://schemas.microsoft.com/office/drawing/2014/main" xmlns="" id="{981FD6C5-00BF-4469-A752-01D06F5ECEA2}"/>
               </a:ext>
             </a:extLst>
           </p:cNvPr>
@@ -7208,7 +9923,7 @@
           <p:cNvPr id="5" name="Title 4">
             <a:extLst>
               <a:ext uri="{FF2B5EF4-FFF2-40B4-BE49-F238E27FC236}">
-                <a16:creationId xmlns:a16="http://schemas.microsoft.com/office/drawing/2014/main" id="{735EAC67-43A5-46BA-9C26-F7AA50CDFB3C}"/>
+                <a16:creationId xmlns:a16="http://schemas.microsoft.com/office/drawing/2014/main" xmlns="" id="{735EAC67-43A5-46BA-9C26-F7AA50CDFB3C}"/>
               </a:ext>
             </a:extLst>
           </p:cNvPr>
@@ -7241,6 +9956,13 @@
   <p:clrMapOvr>
     <a:masterClrMapping/>
   </p:clrMapOvr>
+  <p:timing>
+    <p:tnLst>
+      <p:par>
+        <p:cTn id="1" dur="indefinite" restart="never" nodeType="tmRoot"/>
+      </p:par>
+    </p:tnLst>
+  </p:timing>
 </p:sld>
 </file>
 
@@ -7266,7 +9988,7 @@
           <p:cNvPr id="5" name="Title 4">
             <a:extLst>
               <a:ext uri="{FF2B5EF4-FFF2-40B4-BE49-F238E27FC236}">
-                <a16:creationId xmlns:a16="http://schemas.microsoft.com/office/drawing/2014/main" id="{FECF4542-7012-4459-8FA2-0B53E8915305}"/>
+                <a16:creationId xmlns:a16="http://schemas.microsoft.com/office/drawing/2014/main" xmlns="" id="{FECF4542-7012-4459-8FA2-0B53E8915305}"/>
               </a:ext>
             </a:extLst>
           </p:cNvPr>
@@ -7294,7 +10016,7 @@
           <p:cNvPr id="2" name="Footer Placeholder 1">
             <a:extLst>
               <a:ext uri="{FF2B5EF4-FFF2-40B4-BE49-F238E27FC236}">
-                <a16:creationId xmlns:a16="http://schemas.microsoft.com/office/drawing/2014/main" id="{D1C74A52-5173-4262-BE81-1A55B76D25B8}"/>
+                <a16:creationId xmlns:a16="http://schemas.microsoft.com/office/drawing/2014/main" xmlns="" id="{D1C74A52-5173-4262-BE81-1A55B76D25B8}"/>
               </a:ext>
             </a:extLst>
           </p:cNvPr>
@@ -7323,7 +10045,7 @@
           <p:cNvPr id="3" name="Slide Number Placeholder 2">
             <a:extLst>
               <a:ext uri="{FF2B5EF4-FFF2-40B4-BE49-F238E27FC236}">
-                <a16:creationId xmlns:a16="http://schemas.microsoft.com/office/drawing/2014/main" id="{786D1A07-AF94-41A7-A7BD-F66B03C17110}"/>
+                <a16:creationId xmlns:a16="http://schemas.microsoft.com/office/drawing/2014/main" xmlns="" id="{786D1A07-AF94-41A7-A7BD-F66B03C17110}"/>
               </a:ext>
             </a:extLst>
           </p:cNvPr>
@@ -7353,7 +10075,7 @@
           <p:cNvPr id="4" name="Content Placeholder 3">
             <a:extLst>
               <a:ext uri="{FF2B5EF4-FFF2-40B4-BE49-F238E27FC236}">
-                <a16:creationId xmlns:a16="http://schemas.microsoft.com/office/drawing/2014/main" id="{B6D4C15F-F688-4861-AD14-3F5E067D1AC0}"/>
+                <a16:creationId xmlns:a16="http://schemas.microsoft.com/office/drawing/2014/main" xmlns="" id="{B6D4C15F-F688-4861-AD14-3F5E067D1AC0}"/>
               </a:ext>
             </a:extLst>
           </p:cNvPr>
@@ -7364,13 +10086,18 @@
             <p:ph type="body" sz="quarter" idx="12"/>
           </p:nvPr>
         </p:nvSpPr>
-        <p:spPr/>
+        <p:spPr>
+          <a:xfrm>
+            <a:off x="381000" y="1152000"/>
+            <a:ext cx="11409000" cy="5367009"/>
+          </a:xfrm>
+        </p:spPr>
         <p:txBody>
           <a:bodyPr/>
           <a:lstStyle/>
           <a:p>
             <a:r>
-              <a:rPr lang="en-US" dirty="0"/>
+              <a:rPr lang="en-US" sz="2000" dirty="0"/>
               <a:t>Anaconda-3</a:t>
             </a:r>
           </a:p>
@@ -7380,20 +10107,20 @@
               <a:buChar char="•"/>
             </a:pPr>
             <a:r>
-              <a:rPr lang="en-US" dirty="0">
+              <a:rPr lang="en-US" sz="2000" dirty="0">
                 <a:hlinkClick r:id="rId2"/>
               </a:rPr>
               <a:t>https://www.anaconda.com/download/</a:t>
             </a:r>
             <a:r>
-              <a:rPr lang="en-US" dirty="0"/>
+              <a:rPr lang="en-US" sz="2000" dirty="0"/>
               <a:t> install 64-bit windows</a:t>
             </a:r>
           </a:p>
           <a:p>
             <a:pPr marL="628644" lvl="1" indent="-342900"/>
             <a:r>
-              <a:rPr lang="en-US" dirty="0"/>
+              <a:rPr lang="en-US" sz="2000" dirty="0"/>
               <a:t>python 3.7 version</a:t>
             </a:r>
           </a:p>
@@ -7403,54 +10130,46 @@
               <a:buChar char="•"/>
             </a:pPr>
             <a:r>
-              <a:rPr lang="en-US" dirty="0"/>
+              <a:rPr lang="en-US" sz="2000" dirty="0"/>
               <a:t>downgrade python – </a:t>
             </a:r>
             <a:r>
-              <a:rPr lang="en-US" dirty="0" err="1"/>
+              <a:rPr lang="en-US" sz="2000" dirty="0" err="1"/>
               <a:t>tensorflow</a:t>
             </a:r>
             <a:r>
-              <a:rPr lang="en-US" dirty="0"/>
+              <a:rPr lang="en-US" sz="2000" dirty="0"/>
               <a:t> only works with 3.5</a:t>
             </a:r>
           </a:p>
           <a:p>
             <a:pPr marL="628644" lvl="1" indent="-342900"/>
             <a:r>
-              <a:rPr lang="en-US" dirty="0" err="1"/>
+              <a:rPr lang="en-US" sz="2000" dirty="0" err="1"/>
               <a:t>conda</a:t>
             </a:r>
             <a:r>
-              <a:rPr lang="en-US" dirty="0"/>
+              <a:rPr lang="en-US" sz="2000" dirty="0"/>
               <a:t> install python=3.5</a:t>
             </a:r>
           </a:p>
           <a:p>
             <a:pPr marL="628644" lvl="1" indent="-342900"/>
             <a:r>
-              <a:rPr lang="en-US" dirty="0"/>
+              <a:rPr lang="en-US" sz="2000" dirty="0"/>
               <a:t>open navigator and start command prompt with python</a:t>
             </a:r>
           </a:p>
           <a:p>
             <a:pPr marL="628644" lvl="1" indent="-342900"/>
             <a:r>
-              <a:rPr lang="en-US" dirty="0"/>
-              <a:t>confirm – python –V =&gt; 3.5.6</a:t>
-            </a:r>
-          </a:p>
-          <a:p>
-            <a:pPr marL="628644" lvl="1" indent="-342900"/>
-            <a:r>
-              <a:rPr lang="en-US" strike="sngStrike" dirty="0"/>
-              <a:t>pip install </a:t>
-            </a:r>
-            <a:r>
-              <a:rPr lang="en-US" strike="sngStrike" dirty="0" err="1"/>
-              <a:t>tensorflow</a:t>
-            </a:r>
-            <a:endParaRPr lang="en-US" strike="sngStrike" dirty="0"/>
+              <a:rPr lang="en-US" sz="2000" dirty="0"/>
+              <a:t>confirm – python –V =&gt; </a:t>
+            </a:r>
+            <a:r>
+              <a:rPr lang="en-US" sz="2000" dirty="0" smtClean="0"/>
+              <a:t>3.5.6</a:t>
+            </a:r>
           </a:p>
           <a:p>
             <a:pPr marL="342900" indent="-342900">
@@ -7458,29 +10177,43 @@
               <a:buChar char="•"/>
             </a:pPr>
             <a:r>
-              <a:rPr lang="en-US" dirty="0" err="1"/>
-              <a:t>conda</a:t>
-            </a:r>
-            <a:r>
-              <a:rPr lang="en-US" dirty="0"/>
-              <a:t> install </a:t>
-            </a:r>
-            <a:r>
-              <a:rPr lang="en-US" dirty="0" err="1"/>
-              <a:t>keras</a:t>
-            </a:r>
-            <a:r>
-              <a:rPr lang="en-US" dirty="0"/>
-              <a:t> =&gt; This installs </a:t>
-            </a:r>
-            <a:r>
-              <a:rPr lang="en-US" dirty="0" err="1"/>
-              <a:t>tensorflow</a:t>
-            </a:r>
-            <a:r>
-              <a:rPr lang="en-US" dirty="0"/>
-              <a:t> as well.</a:t>
-            </a:r>
+              <a:rPr lang="en-US" sz="2000" dirty="0" smtClean="0"/>
+              <a:t>Alternate: anaconda 4.2.0 </a:t>
+            </a:r>
+            <a:r>
+              <a:rPr lang="en-US" sz="2000" dirty="0"/>
+              <a:t>from archives</a:t>
+            </a:r>
+            <a:r>
+              <a:rPr lang="en-US" sz="2000" dirty="0" smtClean="0"/>
+              <a:t>:</a:t>
+            </a:r>
+          </a:p>
+          <a:p>
+            <a:pPr marL="628644" lvl="1" indent="-342900"/>
+            <a:r>
+              <a:rPr lang="en-US" sz="1800" dirty="0" smtClean="0">
+                <a:hlinkClick r:id="rId3"/>
+              </a:rPr>
+              <a:t>https</a:t>
+            </a:r>
+            <a:r>
+              <a:rPr lang="en-US" sz="1800" dirty="0">
+                <a:hlinkClick r:id="rId3"/>
+              </a:rPr>
+              <a:t>://</a:t>
+            </a:r>
+            <a:r>
+              <a:rPr lang="en-US" sz="1800" dirty="0" smtClean="0">
+                <a:hlinkClick r:id="rId3"/>
+              </a:rPr>
+              <a:t>repo.continuum.io/archive/Anaconda2-4.2.0-Windows-x86_64.exe</a:t>
+            </a:r>
+            <a:r>
+              <a:rPr lang="en-US" sz="1800" dirty="0" smtClean="0"/>
+              <a:t> </a:t>
+            </a:r>
+            <a:endParaRPr lang="en-US" sz="1800" dirty="0"/>
           </a:p>
           <a:p>
             <a:pPr marL="342900" indent="-342900">
@@ -7488,32 +10221,77 @@
               <a:buChar char="•"/>
             </a:pPr>
             <a:r>
-              <a:rPr lang="en-US" dirty="0"/>
+              <a:rPr lang="en-US" sz="2000" b="0" i="1" strike="sngStrike" dirty="0"/>
+              <a:t>pip install </a:t>
+            </a:r>
+            <a:r>
+              <a:rPr lang="en-US" sz="2000" b="0" i="1" strike="sngStrike" dirty="0" err="1"/>
+              <a:t>tensorflow</a:t>
+            </a:r>
+            <a:endParaRPr lang="en-US" sz="2000" b="0" i="1" strike="sngStrike" dirty="0"/>
+          </a:p>
+          <a:p>
+            <a:pPr marL="342900" indent="-342900">
+              <a:buFont typeface="Arial" panose="020B0604020202020204" pitchFamily="34" charset="0"/>
+              <a:buChar char="•"/>
+            </a:pPr>
+            <a:r>
+              <a:rPr lang="en-US" sz="2000" dirty="0" err="1"/>
+              <a:t>conda</a:t>
+            </a:r>
+            <a:r>
+              <a:rPr lang="en-US" sz="2000" dirty="0"/>
+              <a:t> install </a:t>
+            </a:r>
+            <a:r>
+              <a:rPr lang="en-US" sz="2000" dirty="0" err="1"/>
+              <a:t>keras</a:t>
+            </a:r>
+            <a:r>
+              <a:rPr lang="en-US" sz="2000" dirty="0"/>
+              <a:t> =&gt; This installs </a:t>
+            </a:r>
+            <a:r>
+              <a:rPr lang="en-US" sz="2000" dirty="0" err="1"/>
+              <a:t>tensorflow</a:t>
+            </a:r>
+            <a:r>
+              <a:rPr lang="en-US" sz="2000" dirty="0"/>
+              <a:t> as well.</a:t>
+            </a:r>
+          </a:p>
+          <a:p>
+            <a:pPr marL="342900" indent="-342900">
+              <a:buFont typeface="Arial" panose="020B0604020202020204" pitchFamily="34" charset="0"/>
+              <a:buChar char="•"/>
+            </a:pPr>
+            <a:r>
+              <a:rPr lang="en-US" sz="2000" dirty="0"/>
               <a:t>confirmation : open python prompt</a:t>
             </a:r>
           </a:p>
           <a:p>
             <a:pPr marL="628644" lvl="1" indent="-342900"/>
             <a:r>
-              <a:rPr lang="en-US" dirty="0"/>
+              <a:rPr lang="en-US" sz="2000" dirty="0"/>
               <a:t>python </a:t>
             </a:r>
           </a:p>
           <a:p>
             <a:pPr marL="857238" lvl="2" indent="-342900"/>
             <a:r>
-              <a:rPr lang="en-US" dirty="0"/>
+              <a:rPr lang="en-US" sz="2000" dirty="0"/>
               <a:t>import </a:t>
             </a:r>
             <a:r>
-              <a:rPr lang="en-US" dirty="0" err="1"/>
+              <a:rPr lang="en-US" sz="2000" dirty="0" smtClean="0"/>
               <a:t>keras</a:t>
             </a:r>
-            <a:endParaRPr lang="en-US" dirty="0"/>
+            <a:endParaRPr lang="en-US" sz="2000" dirty="0"/>
           </a:p>
           <a:p>
             <a:pPr marL="342900" indent="-342900"/>
-            <a:endParaRPr lang="en-US" dirty="0"/>
+            <a:endParaRPr lang="en-US" sz="2000" dirty="0"/>
           </a:p>
         </p:txBody>
       </p:sp>
@@ -7527,6 +10305,13 @@
   <p:clrMapOvr>
     <a:masterClrMapping/>
   </p:clrMapOvr>
+  <p:timing>
+    <p:tnLst>
+      <p:par>
+        <p:cTn id="1" dur="indefinite" restart="never" nodeType="tmRoot"/>
+      </p:par>
+    </p:tnLst>
+  </p:timing>
 </p:sld>
 </file>
 
@@ -7552,7 +10337,7 @@
           <p:cNvPr id="2" name="Title 1">
             <a:extLst>
               <a:ext uri="{FF2B5EF4-FFF2-40B4-BE49-F238E27FC236}">
-                <a16:creationId xmlns:a16="http://schemas.microsoft.com/office/drawing/2014/main" id="{D8A56FC5-60A9-42D7-9EE8-DA1BAE527C88}"/>
+                <a16:creationId xmlns:a16="http://schemas.microsoft.com/office/drawing/2014/main" xmlns="" id="{D8A56FC5-60A9-42D7-9EE8-DA1BAE527C88}"/>
               </a:ext>
             </a:extLst>
           </p:cNvPr>
@@ -7580,7 +10365,7 @@
           <p:cNvPr id="3" name="Footer Placeholder 2">
             <a:extLst>
               <a:ext uri="{FF2B5EF4-FFF2-40B4-BE49-F238E27FC236}">
-                <a16:creationId xmlns:a16="http://schemas.microsoft.com/office/drawing/2014/main" id="{D5200FC9-D39D-4478-A54F-795747DFD934}"/>
+                <a16:creationId xmlns:a16="http://schemas.microsoft.com/office/drawing/2014/main" xmlns="" id="{D5200FC9-D39D-4478-A54F-795747DFD934}"/>
               </a:ext>
             </a:extLst>
           </p:cNvPr>
@@ -7609,7 +10394,7 @@
           <p:cNvPr id="4" name="Slide Number Placeholder 3">
             <a:extLst>
               <a:ext uri="{FF2B5EF4-FFF2-40B4-BE49-F238E27FC236}">
-                <a16:creationId xmlns:a16="http://schemas.microsoft.com/office/drawing/2014/main" id="{CD08F597-AE46-47E4-8FE7-86F26313BCF8}"/>
+                <a16:creationId xmlns:a16="http://schemas.microsoft.com/office/drawing/2014/main" xmlns="" id="{CD08F597-AE46-47E4-8FE7-86F26313BCF8}"/>
               </a:ext>
             </a:extLst>
           </p:cNvPr>
@@ -7639,7 +10424,7 @@
           <p:cNvPr id="5" name="Text Placeholder 4">
             <a:extLst>
               <a:ext uri="{FF2B5EF4-FFF2-40B4-BE49-F238E27FC236}">
-                <a16:creationId xmlns:a16="http://schemas.microsoft.com/office/drawing/2014/main" id="{A0F6EB94-2B4E-4A05-BD06-C9E3280EA15C}"/>
+                <a16:creationId xmlns:a16="http://schemas.microsoft.com/office/drawing/2014/main" xmlns="" id="{A0F6EB94-2B4E-4A05-BD06-C9E3280EA15C}"/>
               </a:ext>
             </a:extLst>
           </p:cNvPr>
@@ -7744,6 +10529,13 @@
   <p:clrMapOvr>
     <a:masterClrMapping/>
   </p:clrMapOvr>
+  <p:timing>
+    <p:tnLst>
+      <p:par>
+        <p:cTn id="1" dur="indefinite" restart="never" nodeType="tmRoot"/>
+      </p:par>
+    </p:tnLst>
+  </p:timing>
 </p:sld>
 </file>
 
@@ -7769,7 +10561,7 @@
           <p:cNvPr id="2" name="Title 1">
             <a:extLst>
               <a:ext uri="{FF2B5EF4-FFF2-40B4-BE49-F238E27FC236}">
-                <a16:creationId xmlns:a16="http://schemas.microsoft.com/office/drawing/2014/main" id="{A830AF34-093F-4782-93BE-39591427FA89}"/>
+                <a16:creationId xmlns:a16="http://schemas.microsoft.com/office/drawing/2014/main" xmlns="" id="{A830AF34-093F-4782-93BE-39591427FA89}"/>
               </a:ext>
             </a:extLst>
           </p:cNvPr>
@@ -7797,7 +10589,7 @@
           <p:cNvPr id="3" name="Footer Placeholder 2">
             <a:extLst>
               <a:ext uri="{FF2B5EF4-FFF2-40B4-BE49-F238E27FC236}">
-                <a16:creationId xmlns:a16="http://schemas.microsoft.com/office/drawing/2014/main" id="{325DCE18-6DB8-4B48-98D4-32A5CBF2D703}"/>
+                <a16:creationId xmlns:a16="http://schemas.microsoft.com/office/drawing/2014/main" xmlns="" id="{325DCE18-6DB8-4B48-98D4-32A5CBF2D703}"/>
               </a:ext>
             </a:extLst>
           </p:cNvPr>
@@ -7826,7 +10618,7 @@
           <p:cNvPr id="4" name="Slide Number Placeholder 3">
             <a:extLst>
               <a:ext uri="{FF2B5EF4-FFF2-40B4-BE49-F238E27FC236}">
-                <a16:creationId xmlns:a16="http://schemas.microsoft.com/office/drawing/2014/main" id="{ACBE4D86-8DCE-46E2-AAC9-3F1829B35A8B}"/>
+                <a16:creationId xmlns:a16="http://schemas.microsoft.com/office/drawing/2014/main" xmlns="" id="{ACBE4D86-8DCE-46E2-AAC9-3F1829B35A8B}"/>
               </a:ext>
             </a:extLst>
           </p:cNvPr>
@@ -7856,7 +10648,7 @@
           <p:cNvPr id="8" name="Rectangle 7">
             <a:extLst>
               <a:ext uri="{FF2B5EF4-FFF2-40B4-BE49-F238E27FC236}">
-                <a16:creationId xmlns:a16="http://schemas.microsoft.com/office/drawing/2014/main" id="{724E1D2C-110F-45D7-82CD-8DAB81361B22}"/>
+                <a16:creationId xmlns:a16="http://schemas.microsoft.com/office/drawing/2014/main" xmlns="" id="{724E1D2C-110F-45D7-82CD-8DAB81361B22}"/>
               </a:ext>
             </a:extLst>
           </p:cNvPr>
@@ -7904,7 +10696,7 @@
           <p:cNvPr id="9" name="Rectangle 8">
             <a:extLst>
               <a:ext uri="{FF2B5EF4-FFF2-40B4-BE49-F238E27FC236}">
-                <a16:creationId xmlns:a16="http://schemas.microsoft.com/office/drawing/2014/main" id="{B30A52FF-39EB-4701-A649-4EE8D3A0B937}"/>
+                <a16:creationId xmlns:a16="http://schemas.microsoft.com/office/drawing/2014/main" xmlns="" id="{B30A52FF-39EB-4701-A649-4EE8D3A0B937}"/>
               </a:ext>
             </a:extLst>
           </p:cNvPr>
@@ -7952,7 +10744,7 @@
           <p:cNvPr id="10" name="Rectangle 9">
             <a:extLst>
               <a:ext uri="{FF2B5EF4-FFF2-40B4-BE49-F238E27FC236}">
-                <a16:creationId xmlns:a16="http://schemas.microsoft.com/office/drawing/2014/main" id="{9E5C81A6-ED5D-4462-8C33-C69406846F48}"/>
+                <a16:creationId xmlns:a16="http://schemas.microsoft.com/office/drawing/2014/main" xmlns="" id="{9E5C81A6-ED5D-4462-8C33-C69406846F48}"/>
               </a:ext>
             </a:extLst>
           </p:cNvPr>
@@ -8000,7 +10792,7 @@
           <p:cNvPr id="11" name="Rectangle 10">
             <a:extLst>
               <a:ext uri="{FF2B5EF4-FFF2-40B4-BE49-F238E27FC236}">
-                <a16:creationId xmlns:a16="http://schemas.microsoft.com/office/drawing/2014/main" id="{964F7933-5940-442C-9D97-704DA9B8A7A0}"/>
+                <a16:creationId xmlns:a16="http://schemas.microsoft.com/office/drawing/2014/main" xmlns="" id="{964F7933-5940-442C-9D97-704DA9B8A7A0}"/>
               </a:ext>
             </a:extLst>
           </p:cNvPr>
@@ -8048,7 +10840,7 @@
           <p:cNvPr id="12" name="Rectangle 11">
             <a:extLst>
               <a:ext uri="{FF2B5EF4-FFF2-40B4-BE49-F238E27FC236}">
-                <a16:creationId xmlns:a16="http://schemas.microsoft.com/office/drawing/2014/main" id="{BECF7D07-22B4-4C12-8F3C-1D4B8B49B47D}"/>
+                <a16:creationId xmlns:a16="http://schemas.microsoft.com/office/drawing/2014/main" xmlns="" id="{BECF7D07-22B4-4C12-8F3C-1D4B8B49B47D}"/>
               </a:ext>
             </a:extLst>
           </p:cNvPr>
@@ -8096,7 +10888,7 @@
           <p:cNvPr id="13" name="Rectangle 12">
             <a:extLst>
               <a:ext uri="{FF2B5EF4-FFF2-40B4-BE49-F238E27FC236}">
-                <a16:creationId xmlns:a16="http://schemas.microsoft.com/office/drawing/2014/main" id="{CE43A588-9111-43C6-9519-F42E08B35DEC}"/>
+                <a16:creationId xmlns:a16="http://schemas.microsoft.com/office/drawing/2014/main" xmlns="" id="{CE43A588-9111-43C6-9519-F42E08B35DEC}"/>
               </a:ext>
             </a:extLst>
           </p:cNvPr>
@@ -8147,7 +10939,7 @@
           <p:cNvPr id="14" name="Rectangle 13">
             <a:extLst>
               <a:ext uri="{FF2B5EF4-FFF2-40B4-BE49-F238E27FC236}">
-                <a16:creationId xmlns:a16="http://schemas.microsoft.com/office/drawing/2014/main" id="{FCE63C43-74F6-44D8-AE99-80659D5FF4E8}"/>
+                <a16:creationId xmlns:a16="http://schemas.microsoft.com/office/drawing/2014/main" xmlns="" id="{FCE63C43-74F6-44D8-AE99-80659D5FF4E8}"/>
               </a:ext>
             </a:extLst>
           </p:cNvPr>
@@ -8195,7 +10987,7 @@
           <p:cNvPr id="15" name="Rectangle 14">
             <a:extLst>
               <a:ext uri="{FF2B5EF4-FFF2-40B4-BE49-F238E27FC236}">
-                <a16:creationId xmlns:a16="http://schemas.microsoft.com/office/drawing/2014/main" id="{7F2E344D-9232-440D-90E5-D6D672FC2DD9}"/>
+                <a16:creationId xmlns:a16="http://schemas.microsoft.com/office/drawing/2014/main" xmlns="" id="{7F2E344D-9232-440D-90E5-D6D672FC2DD9}"/>
               </a:ext>
             </a:extLst>
           </p:cNvPr>
@@ -8243,7 +11035,7 @@
           <p:cNvPr id="17" name="Connector: Elbow 16">
             <a:extLst>
               <a:ext uri="{FF2B5EF4-FFF2-40B4-BE49-F238E27FC236}">
-                <a16:creationId xmlns:a16="http://schemas.microsoft.com/office/drawing/2014/main" id="{283640C1-8921-4740-9324-BBF6B1C55D19}"/>
+                <a16:creationId xmlns:a16="http://schemas.microsoft.com/office/drawing/2014/main" xmlns="" id="{283640C1-8921-4740-9324-BBF6B1C55D19}"/>
               </a:ext>
             </a:extLst>
           </p:cNvPr>
@@ -8285,7 +11077,7 @@
           <p:cNvPr id="19" name="Connector: Elbow 18">
             <a:extLst>
               <a:ext uri="{FF2B5EF4-FFF2-40B4-BE49-F238E27FC236}">
-                <a16:creationId xmlns:a16="http://schemas.microsoft.com/office/drawing/2014/main" id="{97B16BB7-EF75-4761-A433-2EBC53B0E066}"/>
+                <a16:creationId xmlns:a16="http://schemas.microsoft.com/office/drawing/2014/main" xmlns="" id="{97B16BB7-EF75-4761-A433-2EBC53B0E066}"/>
               </a:ext>
             </a:extLst>
           </p:cNvPr>
@@ -8327,7 +11119,7 @@
           <p:cNvPr id="21" name="Connector: Elbow 20">
             <a:extLst>
               <a:ext uri="{FF2B5EF4-FFF2-40B4-BE49-F238E27FC236}">
-                <a16:creationId xmlns:a16="http://schemas.microsoft.com/office/drawing/2014/main" id="{FC6BB8AB-B790-4983-81B6-F1ECD321EEA6}"/>
+                <a16:creationId xmlns:a16="http://schemas.microsoft.com/office/drawing/2014/main" xmlns="" id="{FC6BB8AB-B790-4983-81B6-F1ECD321EEA6}"/>
               </a:ext>
             </a:extLst>
           </p:cNvPr>
@@ -8372,7 +11164,7 @@
           <p:cNvPr id="23" name="Connector: Elbow 22">
             <a:extLst>
               <a:ext uri="{FF2B5EF4-FFF2-40B4-BE49-F238E27FC236}">
-                <a16:creationId xmlns:a16="http://schemas.microsoft.com/office/drawing/2014/main" id="{921BD3B3-4C59-4803-A342-46E827F58CE5}"/>
+                <a16:creationId xmlns:a16="http://schemas.microsoft.com/office/drawing/2014/main" xmlns="" id="{921BD3B3-4C59-4803-A342-46E827F58CE5}"/>
               </a:ext>
             </a:extLst>
           </p:cNvPr>
@@ -8418,7 +11210,7 @@
           <p:cNvPr id="25" name="Connector: Elbow 24">
             <a:extLst>
               <a:ext uri="{FF2B5EF4-FFF2-40B4-BE49-F238E27FC236}">
-                <a16:creationId xmlns:a16="http://schemas.microsoft.com/office/drawing/2014/main" id="{A3FFF047-2202-415B-9D74-CD2A3E5EABFE}"/>
+                <a16:creationId xmlns:a16="http://schemas.microsoft.com/office/drawing/2014/main" xmlns="" id="{A3FFF047-2202-415B-9D74-CD2A3E5EABFE}"/>
               </a:ext>
             </a:extLst>
           </p:cNvPr>
@@ -8463,7 +11255,7 @@
           <p:cNvPr id="27" name="Connector: Elbow 26">
             <a:extLst>
               <a:ext uri="{FF2B5EF4-FFF2-40B4-BE49-F238E27FC236}">
-                <a16:creationId xmlns:a16="http://schemas.microsoft.com/office/drawing/2014/main" id="{E12BFD37-EEC7-4497-9063-64BF4371C1FF}"/>
+                <a16:creationId xmlns:a16="http://schemas.microsoft.com/office/drawing/2014/main" xmlns="" id="{E12BFD37-EEC7-4497-9063-64BF4371C1FF}"/>
               </a:ext>
             </a:extLst>
           </p:cNvPr>
@@ -8508,7 +11300,7 @@
           <p:cNvPr id="29" name="Connector: Elbow 28">
             <a:extLst>
               <a:ext uri="{FF2B5EF4-FFF2-40B4-BE49-F238E27FC236}">
-                <a16:creationId xmlns:a16="http://schemas.microsoft.com/office/drawing/2014/main" id="{5B3E66FC-5F80-407D-87DF-A248DD84535E}"/>
+                <a16:creationId xmlns:a16="http://schemas.microsoft.com/office/drawing/2014/main" xmlns="" id="{5B3E66FC-5F80-407D-87DF-A248DD84535E}"/>
               </a:ext>
             </a:extLst>
           </p:cNvPr>
@@ -8548,6 +11340,248 @@
           </a:fontRef>
         </p:style>
       </p:cxnSp>
+      <p:sp>
+        <p:nvSpPr>
+          <p:cNvPr id="5" name="TextBox 4"/>
+          <p:cNvSpPr txBox="1"/>
+          <p:nvPr/>
+        </p:nvSpPr>
+        <p:spPr>
+          <a:xfrm>
+            <a:off x="7855741" y="5790687"/>
+            <a:ext cx="936154" cy="292388"/>
+          </a:xfrm>
+          <a:prstGeom prst="rect">
+            <a:avLst/>
+          </a:prstGeom>
+          <a:noFill/>
+        </p:spPr>
+        <p:txBody>
+          <a:bodyPr wrap="none" lIns="0" tIns="0" rIns="0" bIns="45720" rtlCol="0">
+            <a:spAutoFit/>
+          </a:bodyPr>
+          <a:lstStyle/>
+          <a:p>
+            <a:r>
+              <a:rPr lang="en-US" sz="1600" b="1" i="1" dirty="0" smtClean="0">
+                <a:effectLst>
+                  <a:outerShdw blurRad="38100" dist="38100" dir="2700000" algn="tl">
+                    <a:srgbClr val="000000">
+                      <a:alpha val="43137"/>
+                    </a:srgbClr>
+                  </a:outerShdw>
+                </a:effectLst>
+              </a:rPr>
+              <a:t>algorithm</a:t>
+            </a:r>
+            <a:endParaRPr lang="en-US" sz="1600" b="1" i="1" dirty="0" smtClean="0">
+              <a:effectLst>
+                <a:outerShdw blurRad="38100" dist="38100" dir="2700000" algn="tl">
+                  <a:srgbClr val="000000">
+                    <a:alpha val="43137"/>
+                  </a:srgbClr>
+                </a:outerShdw>
+              </a:effectLst>
+            </a:endParaRPr>
+          </a:p>
+        </p:txBody>
+      </p:sp>
+      <p:cxnSp>
+        <p:nvCxnSpPr>
+          <p:cNvPr id="7" name="Straight Arrow Connector 6"/>
+          <p:cNvCxnSpPr/>
+          <p:nvPr/>
+        </p:nvCxnSpPr>
+        <p:spPr>
+          <a:xfrm flipH="1">
+            <a:off x="7328079" y="5936881"/>
+            <a:ext cx="364947" cy="0"/>
+          </a:xfrm>
+          <a:prstGeom prst="straightConnector1">
+            <a:avLst/>
+          </a:prstGeom>
+          <a:ln w="12700">
+            <a:solidFill>
+              <a:schemeClr val="tx1"/>
+            </a:solidFill>
+            <a:tailEnd type="triangle"/>
+          </a:ln>
+        </p:spPr>
+        <p:style>
+          <a:lnRef idx="1">
+            <a:schemeClr val="accent1"/>
+          </a:lnRef>
+          <a:fillRef idx="0">
+            <a:schemeClr val="accent1"/>
+          </a:fillRef>
+          <a:effectRef idx="0">
+            <a:schemeClr val="accent1"/>
+          </a:effectRef>
+          <a:fontRef idx="minor">
+            <a:schemeClr val="tx1"/>
+          </a:fontRef>
+        </p:style>
+      </p:cxnSp>
+      <p:sp>
+        <p:nvSpPr>
+          <p:cNvPr id="24" name="TextBox 23"/>
+          <p:cNvSpPr txBox="1"/>
+          <p:nvPr/>
+        </p:nvSpPr>
+        <p:spPr>
+          <a:xfrm>
+            <a:off x="10135038" y="4217318"/>
+            <a:ext cx="524182" cy="292388"/>
+          </a:xfrm>
+          <a:prstGeom prst="rect">
+            <a:avLst/>
+          </a:prstGeom>
+          <a:noFill/>
+        </p:spPr>
+        <p:txBody>
+          <a:bodyPr wrap="none" lIns="0" tIns="0" rIns="0" bIns="45720" rtlCol="0">
+            <a:spAutoFit/>
+          </a:bodyPr>
+          <a:lstStyle/>
+          <a:p>
+            <a:r>
+              <a:rPr lang="en-US" sz="1600" b="1" i="1" dirty="0" smtClean="0">
+                <a:effectLst>
+                  <a:outerShdw blurRad="38100" dist="38100" dir="2700000" algn="tl">
+                    <a:srgbClr val="000000">
+                      <a:alpha val="43137"/>
+                    </a:srgbClr>
+                  </a:outerShdw>
+                </a:effectLst>
+              </a:rPr>
+              <a:t>tasks</a:t>
+            </a:r>
+            <a:endParaRPr lang="en-US" sz="1600" b="1" i="1" dirty="0" smtClean="0">
+              <a:effectLst>
+                <a:outerShdw blurRad="38100" dist="38100" dir="2700000" algn="tl">
+                  <a:srgbClr val="000000">
+                    <a:alpha val="43137"/>
+                  </a:srgbClr>
+                </a:outerShdw>
+              </a:effectLst>
+            </a:endParaRPr>
+          </a:p>
+        </p:txBody>
+      </p:sp>
+      <p:cxnSp>
+        <p:nvCxnSpPr>
+          <p:cNvPr id="26" name="Straight Arrow Connector 25"/>
+          <p:cNvCxnSpPr/>
+          <p:nvPr/>
+        </p:nvCxnSpPr>
+        <p:spPr>
+          <a:xfrm flipH="1">
+            <a:off x="9607376" y="4363512"/>
+            <a:ext cx="364947" cy="0"/>
+          </a:xfrm>
+          <a:prstGeom prst="straightConnector1">
+            <a:avLst/>
+          </a:prstGeom>
+          <a:ln w="12700">
+            <a:solidFill>
+              <a:schemeClr val="tx1"/>
+            </a:solidFill>
+            <a:tailEnd type="triangle"/>
+          </a:ln>
+        </p:spPr>
+        <p:style>
+          <a:lnRef idx="1">
+            <a:schemeClr val="accent1"/>
+          </a:lnRef>
+          <a:fillRef idx="0">
+            <a:schemeClr val="accent1"/>
+          </a:fillRef>
+          <a:effectRef idx="0">
+            <a:schemeClr val="accent1"/>
+          </a:effectRef>
+          <a:fontRef idx="minor">
+            <a:schemeClr val="tx1"/>
+          </a:fontRef>
+        </p:style>
+      </p:cxnSp>
+      <p:sp>
+        <p:nvSpPr>
+          <p:cNvPr id="16" name="Right Brace 15"/>
+          <p:cNvSpPr/>
+          <p:nvPr/>
+        </p:nvSpPr>
+        <p:spPr>
+          <a:xfrm>
+            <a:off x="9268408" y="3861236"/>
+            <a:ext cx="204646" cy="1004552"/>
+          </a:xfrm>
+          <a:prstGeom prst="rightBrace">
+            <a:avLst/>
+          </a:prstGeom>
+          <a:ln w="28575"/>
+        </p:spPr>
+        <p:style>
+          <a:lnRef idx="3">
+            <a:schemeClr val="dk1"/>
+          </a:lnRef>
+          <a:fillRef idx="0">
+            <a:schemeClr val="dk1"/>
+          </a:fillRef>
+          <a:effectRef idx="2">
+            <a:schemeClr val="dk1"/>
+          </a:effectRef>
+          <a:fontRef idx="minor">
+            <a:schemeClr val="tx1"/>
+          </a:fontRef>
+        </p:style>
+        <p:txBody>
+          <a:bodyPr rtlCol="0" anchor="ctr"/>
+          <a:lstStyle/>
+          <a:p>
+            <a:pPr algn="ctr"/>
+            <a:endParaRPr lang="en-US"/>
+          </a:p>
+        </p:txBody>
+      </p:sp>
+      <p:sp>
+        <p:nvSpPr>
+          <p:cNvPr id="28" name="Right Brace 27"/>
+          <p:cNvSpPr/>
+          <p:nvPr/>
+        </p:nvSpPr>
+        <p:spPr>
+          <a:xfrm>
+            <a:off x="7094908" y="5434605"/>
+            <a:ext cx="204646" cy="1004552"/>
+          </a:xfrm>
+          <a:prstGeom prst="rightBrace">
+            <a:avLst/>
+          </a:prstGeom>
+          <a:ln w="28575"/>
+        </p:spPr>
+        <p:style>
+          <a:lnRef idx="3">
+            <a:schemeClr val="dk1"/>
+          </a:lnRef>
+          <a:fillRef idx="0">
+            <a:schemeClr val="dk1"/>
+          </a:fillRef>
+          <a:effectRef idx="2">
+            <a:schemeClr val="dk1"/>
+          </a:effectRef>
+          <a:fontRef idx="minor">
+            <a:schemeClr val="tx1"/>
+          </a:fontRef>
+        </p:style>
+        <p:txBody>
+          <a:bodyPr rtlCol="0" anchor="ctr"/>
+          <a:lstStyle/>
+          <a:p>
+            <a:pPr algn="ctr"/>
+            <a:endParaRPr lang="en-US"/>
+          </a:p>
+        </p:txBody>
+      </p:sp>
     </p:spTree>
     <p:extLst>
       <p:ext uri="{BB962C8B-B14F-4D97-AF65-F5344CB8AC3E}">
@@ -8558,6 +11592,13 @@
   <p:clrMapOvr>
     <a:masterClrMapping/>
   </p:clrMapOvr>
+  <p:timing>
+    <p:tnLst>
+      <p:par>
+        <p:cTn id="1" dur="indefinite" restart="never" nodeType="tmRoot"/>
+      </p:par>
+    </p:tnLst>
+  </p:timing>
 </p:sld>
 </file>
 
@@ -8583,7 +11624,7 @@
           <p:cNvPr id="2" name="Footer Placeholder 1">
             <a:extLst>
               <a:ext uri="{FF2B5EF4-FFF2-40B4-BE49-F238E27FC236}">
-                <a16:creationId xmlns:a16="http://schemas.microsoft.com/office/drawing/2014/main" id="{4C256D2E-8DB0-914F-8CA7-5726C741DD9B}"/>
+                <a16:creationId xmlns:a16="http://schemas.microsoft.com/office/drawing/2014/main" xmlns="" id="{4C256D2E-8DB0-914F-8CA7-5726C741DD9B}"/>
               </a:ext>
             </a:extLst>
           </p:cNvPr>
@@ -8612,7 +11653,7 @@
           <p:cNvPr id="3" name="Slide Number Placeholder 2">
             <a:extLst>
               <a:ext uri="{FF2B5EF4-FFF2-40B4-BE49-F238E27FC236}">
-                <a16:creationId xmlns:a16="http://schemas.microsoft.com/office/drawing/2014/main" id="{9D42F73E-49A9-0D4E-AB03-5D89013744AC}"/>
+                <a16:creationId xmlns:a16="http://schemas.microsoft.com/office/drawing/2014/main" xmlns="" id="{9D42F73E-49A9-0D4E-AB03-5D89013744AC}"/>
               </a:ext>
             </a:extLst>
           </p:cNvPr>
@@ -9004,7 +12045,7 @@
           <p:cNvPr id="5" name="Title 4">
             <a:extLst>
               <a:ext uri="{FF2B5EF4-FFF2-40B4-BE49-F238E27FC236}">
-                <a16:creationId xmlns:a16="http://schemas.microsoft.com/office/drawing/2014/main" id="{67DB217E-4880-7A48-8D2E-DA6229AED36A}"/>
+                <a16:creationId xmlns:a16="http://schemas.microsoft.com/office/drawing/2014/main" xmlns="" id="{67DB217E-4880-7A48-8D2E-DA6229AED36A}"/>
               </a:ext>
             </a:extLst>
           </p:cNvPr>
@@ -9058,7 +12099,7 @@
           <p:cNvPr id="4" name="Oval 3">
             <a:extLst>
               <a:ext uri="{FF2B5EF4-FFF2-40B4-BE49-F238E27FC236}">
-                <a16:creationId xmlns:a16="http://schemas.microsoft.com/office/drawing/2014/main" id="{5373C289-D68D-4422-AD1C-23B18107DF12}"/>
+                <a16:creationId xmlns:a16="http://schemas.microsoft.com/office/drawing/2014/main" xmlns="" id="{5373C289-D68D-4422-AD1C-23B18107DF12}"/>
               </a:ext>
             </a:extLst>
           </p:cNvPr>
@@ -9226,118 +12267,6 @@
       </p:grpSpPr>
       <p:sp>
         <p:nvSpPr>
-          <p:cNvPr id="2" name="Footer Placeholder 1"/>
-          <p:cNvSpPr>
-            <a:spLocks noGrp="1"/>
-          </p:cNvSpPr>
-          <p:nvPr>
-            <p:ph type="ftr" sz="quarter" idx="16"/>
-          </p:nvPr>
-        </p:nvSpPr>
-        <p:spPr/>
-        <p:txBody>
-          <a:bodyPr/>
-          <a:lstStyle/>
-          <a:p>
-            <a:r>
-              <a:rPr lang="en-US"/>
-              <a:t>Copyright © 2018 Accenture. All rights reserved.</a:t>
-            </a:r>
-            <a:endParaRPr lang="en-US" dirty="0"/>
-          </a:p>
-        </p:txBody>
-      </p:sp>
-      <p:sp>
-        <p:nvSpPr>
-          <p:cNvPr id="3" name="Slide Number Placeholder 2"/>
-          <p:cNvSpPr>
-            <a:spLocks noGrp="1"/>
-          </p:cNvSpPr>
-          <p:nvPr>
-            <p:ph type="sldNum" sz="quarter" idx="17"/>
-          </p:nvPr>
-        </p:nvSpPr>
-        <p:spPr/>
-        <p:txBody>
-          <a:bodyPr/>
-          <a:lstStyle/>
-          <a:p>
-            <a:fld id="{4F9AC08D-23A9-440E-BCB9-AA1E9877CC38}" type="slidenum">
-              <a:rPr lang="en-US" smtClean="0"/>
-              <a:pPr/>
-              <a:t>8</a:t>
-            </a:fld>
-            <a:endParaRPr lang="en-US"/>
-          </a:p>
-        </p:txBody>
-      </p:sp>
-      <p:sp>
-        <p:nvSpPr>
-          <p:cNvPr id="4" name="Content Placeholder 3"/>
-          <p:cNvSpPr>
-            <a:spLocks noGrp="1"/>
-          </p:cNvSpPr>
-          <p:nvPr>
-            <p:ph sz="quarter" idx="18"/>
-          </p:nvPr>
-        </p:nvSpPr>
-        <p:spPr/>
-        <p:txBody>
-          <a:bodyPr/>
-          <a:lstStyle/>
-          <a:p>
-            <a:r>
-              <a:rPr lang="en-US" dirty="0"/>
-              <a:t>Perceptron</a:t>
-            </a:r>
-          </a:p>
-          <a:p>
-            <a:pPr marL="457200" indent="-457200">
-              <a:buFont typeface="Arial" panose="020B0604020202020204" pitchFamily="34" charset="0"/>
-              <a:buChar char="•"/>
-            </a:pPr>
-            <a:r>
-              <a:rPr lang="en-US" dirty="0"/>
-              <a:t>Input layer</a:t>
-            </a:r>
-          </a:p>
-          <a:p>
-            <a:pPr marL="457200" indent="-457200">
-              <a:buFont typeface="Arial" panose="020B0604020202020204" pitchFamily="34" charset="0"/>
-              <a:buChar char="•"/>
-            </a:pPr>
-            <a:r>
-              <a:rPr lang="en-US" dirty="0"/>
-              <a:t>Weights</a:t>
-            </a:r>
-          </a:p>
-          <a:p>
-            <a:pPr marL="457200" indent="-457200">
-              <a:buFont typeface="Arial" panose="020B0604020202020204" pitchFamily="34" charset="0"/>
-              <a:buChar char="•"/>
-            </a:pPr>
-            <a:r>
-              <a:rPr lang="en-US" dirty="0"/>
-              <a:t>Threshold, theta</a:t>
-            </a:r>
-          </a:p>
-          <a:p>
-            <a:pPr marL="457200" indent="-457200">
-              <a:buFont typeface="Arial" panose="020B0604020202020204" pitchFamily="34" charset="0"/>
-              <a:buChar char="•"/>
-            </a:pPr>
-            <a:r>
-              <a:rPr lang="en-US" dirty="0"/>
-              <a:t>Predicted value</a:t>
-            </a:r>
-          </a:p>
-          <a:p>
-            <a:endParaRPr lang="en-US" dirty="0"/>
-          </a:p>
-        </p:txBody>
-      </p:sp>
-      <p:sp>
-        <p:nvSpPr>
           <p:cNvPr id="5" name="Title 4"/>
           <p:cNvSpPr>
             <a:spLocks noGrp="1"/>
@@ -9352,173 +12281,239 @@
           <a:lstStyle/>
           <a:p>
             <a:r>
-              <a:rPr lang="en-US" dirty="0"/>
-              <a:t>Artificial Neuron</a:t>
-            </a:r>
-          </a:p>
-        </p:txBody>
-      </p:sp>
-      <p:sp>
-        <p:nvSpPr>
-          <p:cNvPr id="7" name="Oval 6"/>
-          <p:cNvSpPr/>
+              <a:rPr lang="en-US" dirty="0" smtClean="0"/>
+              <a:t>Objective behind “prediction”</a:t>
+            </a:r>
+            <a:endParaRPr lang="en-US" dirty="0"/>
+          </a:p>
+        </p:txBody>
+      </p:sp>
+      <p:sp>
+        <p:nvSpPr>
+          <p:cNvPr id="2" name="Footer Placeholder 1"/>
+          <p:cNvSpPr>
+            <a:spLocks noGrp="1"/>
+          </p:cNvSpPr>
+          <p:nvPr>
+            <p:ph type="ftr" sz="quarter" idx="10"/>
+          </p:nvPr>
+        </p:nvSpPr>
+        <p:spPr/>
+        <p:txBody>
+          <a:bodyPr/>
+          <a:lstStyle/>
+          <a:p>
+            <a:r>
+              <a:rPr lang="en-US" smtClean="0"/>
+              <a:t>Copyright © 2018 Accenture. All rights reserved.</a:t>
+            </a:r>
+            <a:endParaRPr lang="en-US" dirty="0"/>
+          </a:p>
+        </p:txBody>
+      </p:sp>
+      <p:sp>
+        <p:nvSpPr>
+          <p:cNvPr id="3" name="Slide Number Placeholder 2"/>
+          <p:cNvSpPr>
+            <a:spLocks noGrp="1"/>
+          </p:cNvSpPr>
+          <p:nvPr>
+            <p:ph type="sldNum" sz="quarter" idx="11"/>
+          </p:nvPr>
+        </p:nvSpPr>
+        <p:spPr/>
+        <p:txBody>
+          <a:bodyPr/>
+          <a:lstStyle/>
+          <a:p>
+            <a:fld id="{4F9AC08D-23A9-440E-BCB9-AA1E9877CC38}" type="slidenum">
+              <a:rPr lang="en-US" smtClean="0"/>
+              <a:pPr/>
+              <a:t>8</a:t>
+            </a:fld>
+            <a:endParaRPr lang="en-US"/>
+          </a:p>
+        </p:txBody>
+      </p:sp>
+      <p:pic>
+        <p:nvPicPr>
+          <p:cNvPr id="9" name="Picture 8"/>
+          <p:cNvPicPr>
+            <a:picLocks noChangeAspect="1"/>
+          </p:cNvPicPr>
           <p:nvPr/>
-        </p:nvSpPr>
+        </p:nvPicPr>
+        <p:blipFill>
+          <a:blip r:embed="rId2"/>
+          <a:stretch>
+            <a:fillRect/>
+          </a:stretch>
+        </p:blipFill>
         <p:spPr>
           <a:xfrm>
-            <a:off x="6601216" y="1841326"/>
-            <a:ext cx="501042" cy="526093"/>
+            <a:off x="1022398" y="2280165"/>
+            <a:ext cx="1763802" cy="1763802"/>
           </a:xfrm>
-          <a:prstGeom prst="ellipse">
+          <a:prstGeom prst="rect">
             <a:avLst/>
           </a:prstGeom>
-          <a:ln>
-            <a:noFill/>
-          </a:ln>
         </p:spPr>
-        <p:style>
-          <a:lnRef idx="2">
-            <a:schemeClr val="accent1">
-              <a:shade val="50000"/>
-            </a:schemeClr>
-          </a:lnRef>
-          <a:fillRef idx="1">
-            <a:schemeClr val="accent1"/>
-          </a:fillRef>
-          <a:effectRef idx="0">
-            <a:schemeClr val="accent1"/>
-          </a:effectRef>
-          <a:fontRef idx="minor">
-            <a:schemeClr val="lt1"/>
-          </a:fontRef>
-        </p:style>
-        <p:txBody>
-          <a:bodyPr rtlCol="0" anchor="ctr"/>
-          <a:lstStyle/>
-          <a:p>
-            <a:pPr algn="ctr"/>
-            <a:r>
-              <a:rPr lang="en-US" sz="1200" b="1" dirty="0"/>
-              <a:t>x</a:t>
-            </a:r>
-            <a:r>
-              <a:rPr lang="en-US" sz="1200" b="1" baseline="-25000" dirty="0"/>
-              <a:t>1</a:t>
-            </a:r>
-          </a:p>
-        </p:txBody>
-      </p:sp>
-      <p:sp>
-        <p:nvSpPr>
-          <p:cNvPr id="8" name="Oval 7"/>
-          <p:cNvSpPr/>
+      </p:pic>
+      <p:sp>
+        <p:nvSpPr>
+          <p:cNvPr id="10" name="TextBox 9"/>
+          <p:cNvSpPr txBox="1"/>
           <p:nvPr/>
         </p:nvSpPr>
         <p:spPr>
           <a:xfrm>
-            <a:off x="6601216" y="2984864"/>
-            <a:ext cx="501042" cy="526093"/>
+            <a:off x="888642" y="4250028"/>
+            <a:ext cx="3100208" cy="292388"/>
           </a:xfrm>
-          <a:prstGeom prst="ellipse">
+          <a:prstGeom prst="rect">
             <a:avLst/>
           </a:prstGeom>
-          <a:ln>
-            <a:noFill/>
-          </a:ln>
+          <a:noFill/>
         </p:spPr>
-        <p:style>
-          <a:lnRef idx="2">
-            <a:schemeClr val="accent1">
-              <a:shade val="50000"/>
-            </a:schemeClr>
-          </a:lnRef>
-          <a:fillRef idx="1">
-            <a:schemeClr val="accent1"/>
-          </a:fillRef>
-          <a:effectRef idx="0">
-            <a:schemeClr val="accent1"/>
-          </a:effectRef>
-          <a:fontRef idx="minor">
-            <a:schemeClr val="lt1"/>
-          </a:fontRef>
-        </p:style>
-        <p:txBody>
-          <a:bodyPr rtlCol="0" anchor="ctr"/>
+        <p:txBody>
+          <a:bodyPr wrap="none" lIns="0" tIns="0" rIns="0" bIns="45720" rtlCol="0">
+            <a:spAutoFit/>
+          </a:bodyPr>
           <a:lstStyle/>
           <a:p>
-            <a:pPr algn="ctr"/>
-            <a:r>
-              <a:rPr lang="en-US" sz="1200" b="1" dirty="0"/>
-              <a:t>x</a:t>
-            </a:r>
-            <a:r>
-              <a:rPr lang="en-US" sz="1200" b="1" baseline="-25000" dirty="0"/>
-              <a:t>2</a:t>
-            </a:r>
-          </a:p>
-        </p:txBody>
-      </p:sp>
-      <p:sp>
-        <p:nvSpPr>
-          <p:cNvPr id="9" name="Oval 8"/>
-          <p:cNvSpPr/>
+            <a:r>
+              <a:rPr lang="en-US" sz="1600" i="1" dirty="0" smtClean="0">
+                <a:effectLst>
+                  <a:outerShdw blurRad="38100" dist="38100" dir="2700000" algn="tl">
+                    <a:srgbClr val="000000">
+                      <a:alpha val="43137"/>
+                    </a:srgbClr>
+                  </a:outerShdw>
+                </a:effectLst>
+              </a:rPr>
+              <a:t>Complex Process or phenomenon</a:t>
+            </a:r>
+            <a:endParaRPr lang="en-US" sz="1600" i="1" dirty="0" smtClean="0">
+              <a:effectLst>
+                <a:outerShdw blurRad="38100" dist="38100" dir="2700000" algn="tl">
+                  <a:srgbClr val="000000">
+                    <a:alpha val="43137"/>
+                  </a:srgbClr>
+                </a:outerShdw>
+              </a:effectLst>
+            </a:endParaRPr>
+          </a:p>
+        </p:txBody>
+      </p:sp>
+      <p:pic>
+        <p:nvPicPr>
+          <p:cNvPr id="12" name="Picture 11"/>
+          <p:cNvPicPr>
+            <a:picLocks noChangeAspect="1"/>
+          </p:cNvPicPr>
           <p:nvPr/>
-        </p:nvSpPr>
+        </p:nvPicPr>
+        <p:blipFill>
+          <a:blip r:embed="rId3"/>
+          <a:stretch>
+            <a:fillRect/>
+          </a:stretch>
+        </p:blipFill>
         <p:spPr>
           <a:xfrm>
-            <a:off x="8093901" y="2367419"/>
-            <a:ext cx="501042" cy="526093"/>
+            <a:off x="4136480" y="1710174"/>
+            <a:ext cx="1671892" cy="1139981"/>
           </a:xfrm>
-          <a:prstGeom prst="ellipse">
+          <a:prstGeom prst="rect">
             <a:avLst/>
           </a:prstGeom>
-          <a:ln/>
         </p:spPr>
-        <p:style>
-          <a:lnRef idx="0">
-            <a:schemeClr val="accent4"/>
-          </a:lnRef>
-          <a:fillRef idx="3">
-            <a:schemeClr val="accent4"/>
-          </a:fillRef>
-          <a:effectRef idx="3">
-            <a:schemeClr val="accent4"/>
-          </a:effectRef>
-          <a:fontRef idx="minor">
-            <a:schemeClr val="lt1"/>
-          </a:fontRef>
-        </p:style>
-        <p:txBody>
-          <a:bodyPr rtlCol="0" anchor="ctr"/>
+      </p:pic>
+      <p:pic>
+        <p:nvPicPr>
+          <p:cNvPr id="14" name="Picture 13"/>
+          <p:cNvPicPr>
+            <a:picLocks noChangeAspect="1"/>
+          </p:cNvPicPr>
+          <p:nvPr/>
+        </p:nvPicPr>
+        <p:blipFill>
+          <a:blip r:embed="rId4"/>
+          <a:stretch>
+            <a:fillRect/>
+          </a:stretch>
+        </p:blipFill>
+        <p:spPr>
+          <a:xfrm>
+            <a:off x="6956268" y="1823568"/>
+            <a:ext cx="2143125" cy="2143125"/>
+          </a:xfrm>
+          <a:prstGeom prst="rect">
+            <a:avLst/>
+          </a:prstGeom>
+        </p:spPr>
+      </p:pic>
+      <p:sp>
+        <p:nvSpPr>
+          <p:cNvPr id="15" name="TextBox 14"/>
+          <p:cNvSpPr txBox="1"/>
+          <p:nvPr/>
+        </p:nvSpPr>
+        <p:spPr>
+          <a:xfrm>
+            <a:off x="7319302" y="4250028"/>
+            <a:ext cx="1417055" cy="292388"/>
+          </a:xfrm>
+          <a:prstGeom prst="rect">
+            <a:avLst/>
+          </a:prstGeom>
+          <a:noFill/>
+        </p:spPr>
+        <p:txBody>
+          <a:bodyPr wrap="none" lIns="0" tIns="0" rIns="0" bIns="45720" rtlCol="0">
+            <a:spAutoFit/>
+          </a:bodyPr>
           <a:lstStyle/>
           <a:p>
-            <a:pPr algn="ctr"/>
-            <a:r>
-              <a:rPr lang="en-US" sz="1200" b="1" dirty="0"/>
-              <a:t>y</a:t>
-            </a:r>
-            <a:endParaRPr lang="en-US" sz="1200" b="1" baseline="-25000" dirty="0"/>
+            <a:r>
+              <a:rPr lang="en-US" sz="1600" i="1" dirty="0" smtClean="0">
+                <a:effectLst>
+                  <a:outerShdw blurRad="38100" dist="38100" dir="2700000" algn="tl">
+                    <a:srgbClr val="000000">
+                      <a:alpha val="43137"/>
+                    </a:srgbClr>
+                  </a:outerShdw>
+                </a:effectLst>
+              </a:rPr>
+              <a:t>Output or result</a:t>
+            </a:r>
+            <a:endParaRPr lang="en-US" sz="1600" i="1" dirty="0" smtClean="0">
+              <a:effectLst>
+                <a:outerShdw blurRad="38100" dist="38100" dir="2700000" algn="tl">
+                  <a:srgbClr val="000000">
+                    <a:alpha val="43137"/>
+                  </a:srgbClr>
+                </a:outerShdw>
+              </a:effectLst>
+            </a:endParaRPr>
           </a:p>
         </p:txBody>
       </p:sp>
       <p:cxnSp>
         <p:nvCxnSpPr>
-          <p:cNvPr id="11" name="Straight Arrow Connector 10"/>
-          <p:cNvCxnSpPr>
-            <a:stCxn id="8" idx="6"/>
-            <a:endCxn id="9" idx="3"/>
-          </p:cNvCxnSpPr>
+          <p:cNvPr id="17" name="Straight Arrow Connector 16"/>
+          <p:cNvCxnSpPr/>
           <p:nvPr/>
         </p:nvCxnSpPr>
         <p:spPr>
-          <a:xfrm flipV="1">
-            <a:off x="7102258" y="2816467"/>
-            <a:ext cx="1065019" cy="431444"/>
+          <a:xfrm>
+            <a:off x="4424109" y="3162066"/>
+            <a:ext cx="1384263" cy="0"/>
           </a:xfrm>
           <a:prstGeom prst="straightConnector1">
             <a:avLst/>
           </a:prstGeom>
-          <a:ln>
+          <a:ln w="57150">
             <a:tailEnd type="triangle"/>
           </a:ln>
         </p:spPr>
@@ -9537,52 +12532,16 @@
           </a:fontRef>
         </p:style>
       </p:cxnSp>
-      <p:cxnSp>
-        <p:nvCxnSpPr>
-          <p:cNvPr id="13" name="Straight Arrow Connector 12"/>
-          <p:cNvCxnSpPr>
-            <a:stCxn id="7" idx="6"/>
-            <a:endCxn id="9" idx="1"/>
-          </p:cNvCxnSpPr>
+      <p:sp>
+        <p:nvSpPr>
+          <p:cNvPr id="18" name="TextBox 17"/>
+          <p:cNvSpPr txBox="1"/>
           <p:nvPr/>
-        </p:nvCxnSpPr>
+        </p:nvSpPr>
         <p:spPr>
           <a:xfrm>
-            <a:off x="7102258" y="2104373"/>
-            <a:ext cx="1065019" cy="340091"/>
-          </a:xfrm>
-          <a:prstGeom prst="straightConnector1">
-            <a:avLst/>
-          </a:prstGeom>
-          <a:ln>
-            <a:tailEnd type="triangle"/>
-          </a:ln>
-        </p:spPr>
-        <p:style>
-          <a:lnRef idx="3">
-            <a:schemeClr val="dk1"/>
-          </a:lnRef>
-          <a:fillRef idx="0">
-            <a:schemeClr val="dk1"/>
-          </a:fillRef>
-          <a:effectRef idx="2">
-            <a:schemeClr val="dk1"/>
-          </a:effectRef>
-          <a:fontRef idx="minor">
-            <a:schemeClr val="tx1"/>
-          </a:fontRef>
-        </p:style>
-      </p:cxnSp>
-      <p:sp>
-        <p:nvSpPr>
-          <p:cNvPr id="14" name="TextBox 13"/>
-          <p:cNvSpPr txBox="1"/>
-          <p:nvPr/>
-        </p:nvSpPr>
-        <p:spPr>
-          <a:xfrm>
-            <a:off x="7634767" y="1966586"/>
-            <a:ext cx="197170" cy="261610"/>
+            <a:off x="4631331" y="1358069"/>
+            <a:ext cx="969817" cy="292388"/>
           </a:xfrm>
           <a:prstGeom prst="rect">
             <a:avLst/>
@@ -9596,1568 +12555,33 @@
           <a:lstStyle/>
           <a:p>
             <a:r>
-              <a:rPr lang="en-US" sz="1400" dirty="0">
-                <a:ln w="0"/>
-                <a:solidFill>
-                  <a:schemeClr val="accent1"/>
-                </a:solidFill>
+              <a:rPr lang="en-US" sz="1600" i="1" dirty="0" smtClean="0">
                 <a:effectLst>
-                  <a:outerShdw blurRad="38100" dist="25400" dir="5400000" algn="ctr" rotWithShape="0">
-                    <a:srgbClr val="6E747A">
-                      <a:alpha val="43000"/>
+                  <a:outerShdw blurRad="38100" dist="38100" dir="2700000" algn="tl">
+                    <a:srgbClr val="000000">
+                      <a:alpha val="43137"/>
                     </a:srgbClr>
                   </a:outerShdw>
                 </a:effectLst>
               </a:rPr>
-              <a:t>w</a:t>
-            </a:r>
-            <a:r>
-              <a:rPr lang="en-US" sz="1400" baseline="-25000" dirty="0">
-                <a:ln w="0"/>
-                <a:solidFill>
-                  <a:schemeClr val="accent1"/>
-                </a:solidFill>
-                <a:effectLst>
-                  <a:outerShdw blurRad="38100" dist="25400" dir="5400000" algn="ctr" rotWithShape="0">
-                    <a:srgbClr val="6E747A">
-                      <a:alpha val="43000"/>
-                    </a:srgbClr>
-                  </a:outerShdw>
-                </a:effectLst>
-              </a:rPr>
-              <a:t>1</a:t>
-            </a:r>
-          </a:p>
-        </p:txBody>
-      </p:sp>
-      <p:sp>
-        <p:nvSpPr>
-          <p:cNvPr id="15" name="TextBox 14"/>
-          <p:cNvSpPr txBox="1"/>
-          <p:nvPr/>
-        </p:nvSpPr>
-        <p:spPr>
-          <a:xfrm>
-            <a:off x="7634767" y="3032189"/>
-            <a:ext cx="197170" cy="261610"/>
-          </a:xfrm>
-          <a:prstGeom prst="rect">
-            <a:avLst/>
-          </a:prstGeom>
-          <a:noFill/>
-        </p:spPr>
-        <p:txBody>
-          <a:bodyPr wrap="none" lIns="0" tIns="0" rIns="0" bIns="45720" rtlCol="0">
-            <a:spAutoFit/>
-          </a:bodyPr>
-          <a:lstStyle/>
-          <a:p>
-            <a:r>
-              <a:rPr lang="en-US" sz="1400" dirty="0">
-                <a:ln w="0"/>
-                <a:solidFill>
-                  <a:schemeClr val="accent1"/>
-                </a:solidFill>
-                <a:effectLst>
-                  <a:outerShdw blurRad="38100" dist="25400" dir="5400000" algn="ctr" rotWithShape="0">
-                    <a:srgbClr val="6E747A">
-                      <a:alpha val="43000"/>
-                    </a:srgbClr>
-                  </a:outerShdw>
-                </a:effectLst>
-              </a:rPr>
-              <a:t>w</a:t>
-            </a:r>
-            <a:r>
-              <a:rPr lang="en-US" sz="1400" baseline="-25000" dirty="0">
-                <a:ln w="0"/>
-                <a:solidFill>
-                  <a:schemeClr val="accent1"/>
-                </a:solidFill>
-                <a:effectLst>
-                  <a:outerShdw blurRad="38100" dist="25400" dir="5400000" algn="ctr" rotWithShape="0">
-                    <a:srgbClr val="6E747A">
-                      <a:alpha val="43000"/>
-                    </a:srgbClr>
-                  </a:outerShdw>
-                </a:effectLst>
-              </a:rPr>
-              <a:t>2</a:t>
-            </a:r>
-          </a:p>
-        </p:txBody>
-      </p:sp>
-      <p:pic>
-        <p:nvPicPr>
-          <p:cNvPr id="20" name="Picture 19"/>
-          <p:cNvPicPr>
-            <a:picLocks noChangeAspect="1"/>
-          </p:cNvPicPr>
-          <p:nvPr/>
-        </p:nvPicPr>
-        <p:blipFill>
-          <a:blip r:embed="rId2"/>
-          <a:stretch>
-            <a:fillRect/>
-          </a:stretch>
-        </p:blipFill>
-        <p:spPr>
-          <a:xfrm>
-            <a:off x="8654478" y="2192104"/>
-            <a:ext cx="2524125" cy="800100"/>
-          </a:xfrm>
-          <a:prstGeom prst="rect">
-            <a:avLst/>
-          </a:prstGeom>
-        </p:spPr>
-      </p:pic>
+              <a:t>Secret key</a:t>
+            </a:r>
+            <a:endParaRPr lang="en-US" sz="1600" i="1" dirty="0" smtClean="0">
+              <a:effectLst>
+                <a:outerShdw blurRad="38100" dist="38100" dir="2700000" algn="tl">
+                  <a:srgbClr val="000000">
+                    <a:alpha val="43137"/>
+                  </a:srgbClr>
+                </a:outerShdw>
+              </a:effectLst>
+            </a:endParaRPr>
+          </a:p>
+        </p:txBody>
+      </p:sp>
     </p:spTree>
     <p:extLst>
       <p:ext uri="{BB962C8B-B14F-4D97-AF65-F5344CB8AC3E}">
-        <p14:creationId xmlns:p14="http://schemas.microsoft.com/office/powerpoint/2010/main" val="306615634"/>
-      </p:ext>
-    </p:extLst>
-  </p:cSld>
-  <p:clrMapOvr>
-    <a:masterClrMapping/>
-  </p:clrMapOvr>
-</p:sld>
-</file>
-
-<file path=ppt/slides/slide9.xml><?xml version="1.0" encoding="utf-8"?>
-<p:sld xmlns:a="http://schemas.openxmlformats.org/drawingml/2006/main" xmlns:r="http://schemas.openxmlformats.org/officeDocument/2006/relationships" xmlns:p="http://schemas.openxmlformats.org/presentationml/2006/main">
-  <p:cSld>
-    <p:spTree>
-      <p:nvGrpSpPr>
-        <p:cNvPr id="1" name=""/>
-        <p:cNvGrpSpPr/>
-        <p:nvPr/>
-      </p:nvGrpSpPr>
-      <p:grpSpPr>
-        <a:xfrm>
-          <a:off x="0" y="0"/>
-          <a:ext cx="0" cy="0"/>
-          <a:chOff x="0" y="0"/>
-          <a:chExt cx="0" cy="0"/>
-        </a:xfrm>
-      </p:grpSpPr>
-      <p:sp>
-        <p:nvSpPr>
-          <p:cNvPr id="5" name="Title 4"/>
-          <p:cNvSpPr>
-            <a:spLocks noGrp="1"/>
-          </p:cNvSpPr>
-          <p:nvPr>
-            <p:ph type="title"/>
-          </p:nvPr>
-        </p:nvSpPr>
-        <p:spPr/>
-        <p:txBody>
-          <a:bodyPr/>
-          <a:lstStyle/>
-          <a:p>
-            <a:r>
-              <a:rPr lang="en-US" dirty="0"/>
-              <a:t>Boolean Function: AND</a:t>
-            </a:r>
-          </a:p>
-        </p:txBody>
-      </p:sp>
-      <p:sp>
-        <p:nvSpPr>
-          <p:cNvPr id="2" name="Footer Placeholder 1"/>
-          <p:cNvSpPr>
-            <a:spLocks noGrp="1"/>
-          </p:cNvSpPr>
-          <p:nvPr>
-            <p:ph type="ftr" sz="quarter" idx="10"/>
-          </p:nvPr>
-        </p:nvSpPr>
-        <p:spPr/>
-        <p:txBody>
-          <a:bodyPr/>
-          <a:lstStyle/>
-          <a:p>
-            <a:r>
-              <a:rPr lang="en-US"/>
-              <a:t>Copyright © 2018 Accenture. All rights reserved.</a:t>
-            </a:r>
-            <a:endParaRPr lang="en-US" dirty="0"/>
-          </a:p>
-        </p:txBody>
-      </p:sp>
-      <p:sp>
-        <p:nvSpPr>
-          <p:cNvPr id="3" name="Slide Number Placeholder 2"/>
-          <p:cNvSpPr>
-            <a:spLocks noGrp="1"/>
-          </p:cNvSpPr>
-          <p:nvPr>
-            <p:ph type="sldNum" sz="quarter" idx="11"/>
-          </p:nvPr>
-        </p:nvSpPr>
-        <p:spPr/>
-        <p:txBody>
-          <a:bodyPr/>
-          <a:lstStyle/>
-          <a:p>
-            <a:fld id="{4F9AC08D-23A9-440E-BCB9-AA1E9877CC38}" type="slidenum">
-              <a:rPr lang="en-US" smtClean="0"/>
-              <a:pPr/>
-              <a:t>9</a:t>
-            </a:fld>
-            <a:endParaRPr lang="en-US"/>
-          </a:p>
-        </p:txBody>
-      </p:sp>
-      <p:graphicFrame>
-        <p:nvGraphicFramePr>
-          <p:cNvPr id="8" name="Table 7"/>
-          <p:cNvGraphicFramePr>
-            <a:graphicFrameLocks noGrp="1"/>
-          </p:cNvGraphicFramePr>
-          <p:nvPr>
-            <p:extLst>
-              <p:ext uri="{D42A27DB-BD31-4B8C-83A1-F6EECF244321}">
-                <p14:modId xmlns:p14="http://schemas.microsoft.com/office/powerpoint/2010/main" val="4289345735"/>
-              </p:ext>
-            </p:extLst>
-          </p:nvPr>
-        </p:nvGraphicFramePr>
-        <p:xfrm>
-          <a:off x="381000" y="1320915"/>
-          <a:ext cx="3076184" cy="1483360"/>
-        </p:xfrm>
-        <a:graphic>
-          <a:graphicData uri="http://schemas.openxmlformats.org/drawingml/2006/table">
-            <a:tbl>
-              <a:tblPr firstRow="1" bandRow="1">
-                <a:tableStyleId>{69012ECD-51FC-41F1-AA8D-1B2483CD663E}</a:tableStyleId>
-              </a:tblPr>
-              <a:tblGrid>
-                <a:gridCol w="1021915">
-                  <a:extLst>
-                    <a:ext uri="{9D8B030D-6E8A-4147-A177-3AD203B41FA5}">
-                      <a16:colId xmlns:a16="http://schemas.microsoft.com/office/drawing/2014/main" val="20000"/>
-                    </a:ext>
-                  </a:extLst>
-                </a:gridCol>
-                <a:gridCol w="939452">
-                  <a:extLst>
-                    <a:ext uri="{9D8B030D-6E8A-4147-A177-3AD203B41FA5}">
-                      <a16:colId xmlns:a16="http://schemas.microsoft.com/office/drawing/2014/main" val="20001"/>
-                    </a:ext>
-                  </a:extLst>
-                </a:gridCol>
-                <a:gridCol w="1114817">
-                  <a:extLst>
-                    <a:ext uri="{9D8B030D-6E8A-4147-A177-3AD203B41FA5}">
-                      <a16:colId xmlns:a16="http://schemas.microsoft.com/office/drawing/2014/main" val="20002"/>
-                    </a:ext>
-                  </a:extLst>
-                </a:gridCol>
-              </a:tblGrid>
-              <a:tr h="370840">
-                <a:tc>
-                  <a:txBody>
-                    <a:bodyPr/>
-                    <a:lstStyle/>
-                    <a:p>
-                      <a:r>
-                        <a:rPr lang="en-US" dirty="0"/>
-                        <a:t>X</a:t>
-                      </a:r>
-                      <a:r>
-                        <a:rPr lang="en-US" baseline="-25000" dirty="0"/>
-                        <a:t>1</a:t>
-                      </a:r>
-                    </a:p>
-                  </a:txBody>
-                  <a:tcPr/>
-                </a:tc>
-                <a:tc>
-                  <a:txBody>
-                    <a:bodyPr/>
-                    <a:lstStyle/>
-                    <a:p>
-                      <a:pPr marL="0" marR="0" lvl="0" indent="0" algn="l" defTabSz="914377" rtl="0" eaLnBrk="1" fontAlgn="auto" latinLnBrk="0" hangingPunct="1">
-                        <a:lnSpc>
-                          <a:spcPct val="100000"/>
-                        </a:lnSpc>
-                        <a:spcBef>
-                          <a:spcPts val="0"/>
-                        </a:spcBef>
-                        <a:spcAft>
-                          <a:spcPts val="0"/>
-                        </a:spcAft>
-                        <a:buClrTx/>
-                        <a:buSzTx/>
-                        <a:buFontTx/>
-                        <a:buNone/>
-                        <a:tabLst/>
-                        <a:defRPr/>
-                      </a:pPr>
-                      <a:r>
-                        <a:rPr lang="en-US" dirty="0"/>
-                        <a:t>X</a:t>
-                      </a:r>
-                      <a:r>
-                        <a:rPr lang="en-US" baseline="-25000" dirty="0"/>
-                        <a:t>2</a:t>
-                      </a:r>
-                    </a:p>
-                  </a:txBody>
-                  <a:tcPr/>
-                </a:tc>
-                <a:tc>
-                  <a:txBody>
-                    <a:bodyPr/>
-                    <a:lstStyle/>
-                    <a:p>
-                      <a:pPr marL="0" marR="0" lvl="0" indent="0" algn="l" defTabSz="914377" rtl="0" eaLnBrk="1" fontAlgn="auto" latinLnBrk="0" hangingPunct="1">
-                        <a:lnSpc>
-                          <a:spcPct val="100000"/>
-                        </a:lnSpc>
-                        <a:spcBef>
-                          <a:spcPts val="0"/>
-                        </a:spcBef>
-                        <a:spcAft>
-                          <a:spcPts val="0"/>
-                        </a:spcAft>
-                        <a:buClrTx/>
-                        <a:buSzTx/>
-                        <a:buFontTx/>
-                        <a:buNone/>
-                        <a:tabLst/>
-                        <a:defRPr/>
-                      </a:pPr>
-                      <a:r>
-                        <a:rPr lang="en-US" baseline="-25000" dirty="0"/>
-                        <a:t>y</a:t>
-                      </a:r>
-                    </a:p>
-                  </a:txBody>
-                  <a:tcPr/>
-                </a:tc>
-                <a:extLst>
-                  <a:ext uri="{0D108BD9-81ED-4DB2-BD59-A6C34878D82A}">
-                    <a16:rowId xmlns:a16="http://schemas.microsoft.com/office/drawing/2014/main" val="10000"/>
-                  </a:ext>
-                </a:extLst>
-              </a:tr>
-              <a:tr h="370840">
-                <a:tc>
-                  <a:txBody>
-                    <a:bodyPr/>
-                    <a:lstStyle/>
-                    <a:p>
-                      <a:r>
-                        <a:rPr lang="en-US" dirty="0"/>
-                        <a:t>1</a:t>
-                      </a:r>
-                    </a:p>
-                  </a:txBody>
-                  <a:tcPr/>
-                </a:tc>
-                <a:tc>
-                  <a:txBody>
-                    <a:bodyPr/>
-                    <a:lstStyle/>
-                    <a:p>
-                      <a:r>
-                        <a:rPr lang="en-US" dirty="0"/>
-                        <a:t>0</a:t>
-                      </a:r>
-                    </a:p>
-                  </a:txBody>
-                  <a:tcPr/>
-                </a:tc>
-                <a:tc>
-                  <a:txBody>
-                    <a:bodyPr/>
-                    <a:lstStyle/>
-                    <a:p>
-                      <a:r>
-                        <a:rPr lang="en-US" dirty="0"/>
-                        <a:t>0</a:t>
-                      </a:r>
-                    </a:p>
-                  </a:txBody>
-                  <a:tcPr/>
-                </a:tc>
-                <a:extLst>
-                  <a:ext uri="{0D108BD9-81ED-4DB2-BD59-A6C34878D82A}">
-                    <a16:rowId xmlns:a16="http://schemas.microsoft.com/office/drawing/2014/main" val="10001"/>
-                  </a:ext>
-                </a:extLst>
-              </a:tr>
-              <a:tr h="370840">
-                <a:tc>
-                  <a:txBody>
-                    <a:bodyPr/>
-                    <a:lstStyle/>
-                    <a:p>
-                      <a:r>
-                        <a:rPr lang="en-US" dirty="0"/>
-                        <a:t>0</a:t>
-                      </a:r>
-                    </a:p>
-                  </a:txBody>
-                  <a:tcPr/>
-                </a:tc>
-                <a:tc>
-                  <a:txBody>
-                    <a:bodyPr/>
-                    <a:lstStyle/>
-                    <a:p>
-                      <a:r>
-                        <a:rPr lang="en-US" dirty="0"/>
-                        <a:t>1</a:t>
-                      </a:r>
-                    </a:p>
-                  </a:txBody>
-                  <a:tcPr/>
-                </a:tc>
-                <a:tc>
-                  <a:txBody>
-                    <a:bodyPr/>
-                    <a:lstStyle/>
-                    <a:p>
-                      <a:r>
-                        <a:rPr lang="en-US" dirty="0"/>
-                        <a:t>0</a:t>
-                      </a:r>
-                    </a:p>
-                  </a:txBody>
-                  <a:tcPr/>
-                </a:tc>
-                <a:extLst>
-                  <a:ext uri="{0D108BD9-81ED-4DB2-BD59-A6C34878D82A}">
-                    <a16:rowId xmlns:a16="http://schemas.microsoft.com/office/drawing/2014/main" val="10002"/>
-                  </a:ext>
-                </a:extLst>
-              </a:tr>
-              <a:tr h="370840">
-                <a:tc>
-                  <a:txBody>
-                    <a:bodyPr/>
-                    <a:lstStyle/>
-                    <a:p>
-                      <a:r>
-                        <a:rPr lang="en-US" dirty="0"/>
-                        <a:t>1</a:t>
-                      </a:r>
-                    </a:p>
-                  </a:txBody>
-                  <a:tcPr/>
-                </a:tc>
-                <a:tc>
-                  <a:txBody>
-                    <a:bodyPr/>
-                    <a:lstStyle/>
-                    <a:p>
-                      <a:r>
-                        <a:rPr lang="en-US" dirty="0"/>
-                        <a:t>1</a:t>
-                      </a:r>
-                    </a:p>
-                  </a:txBody>
-                  <a:tcPr/>
-                </a:tc>
-                <a:tc>
-                  <a:txBody>
-                    <a:bodyPr/>
-                    <a:lstStyle/>
-                    <a:p>
-                      <a:r>
-                        <a:rPr lang="en-US" dirty="0"/>
-                        <a:t>1</a:t>
-                      </a:r>
-                    </a:p>
-                  </a:txBody>
-                  <a:tcPr/>
-                </a:tc>
-                <a:extLst>
-                  <a:ext uri="{0D108BD9-81ED-4DB2-BD59-A6C34878D82A}">
-                    <a16:rowId xmlns:a16="http://schemas.microsoft.com/office/drawing/2014/main" val="10003"/>
-                  </a:ext>
-                </a:extLst>
-              </a:tr>
-            </a:tbl>
-          </a:graphicData>
-        </a:graphic>
-      </p:graphicFrame>
-      <mc:AlternateContent xmlns:mc="http://schemas.openxmlformats.org/markup-compatibility/2006" xmlns:a14="http://schemas.microsoft.com/office/drawing/2010/main">
-        <mc:Choice Requires="a14">
-          <p:graphicFrame>
-            <p:nvGraphicFramePr>
-              <p:cNvPr id="9" name="Table 8"/>
-              <p:cNvGraphicFramePr>
-                <a:graphicFrameLocks noGrp="1"/>
-              </p:cNvGraphicFramePr>
-              <p:nvPr>
-                <p:extLst>
-                  <p:ext uri="{D42A27DB-BD31-4B8C-83A1-F6EECF244321}">
-                    <p14:modId xmlns:p14="http://schemas.microsoft.com/office/powerpoint/2010/main" val="3489979799"/>
-                  </p:ext>
-                </p:extLst>
-              </p:nvPr>
-            </p:nvGraphicFramePr>
-            <p:xfrm>
-              <a:off x="381000" y="3615266"/>
-              <a:ext cx="5355921" cy="1969046"/>
-            </p:xfrm>
-            <a:graphic>
-              <a:graphicData uri="http://schemas.openxmlformats.org/drawingml/2006/table">
-                <a:tbl>
-                  <a:tblPr firstRow="1" bandRow="1">
-                    <a:tableStyleId>{17292A2E-F333-43FB-9621-5CBBE7FDCDCB}</a:tableStyleId>
-                  </a:tblPr>
-                  <a:tblGrid>
-                    <a:gridCol w="601694">
-                      <a:extLst>
-                        <a:ext uri="{9D8B030D-6E8A-4147-A177-3AD203B41FA5}">
-                          <a16:colId xmlns:a16="http://schemas.microsoft.com/office/drawing/2014/main" val="20000"/>
-                        </a:ext>
-                      </a:extLst>
-                    </a:gridCol>
-                    <a:gridCol w="553140">
-                      <a:extLst>
-                        <a:ext uri="{9D8B030D-6E8A-4147-A177-3AD203B41FA5}">
-                          <a16:colId xmlns:a16="http://schemas.microsoft.com/office/drawing/2014/main" val="20001"/>
-                        </a:ext>
-                      </a:extLst>
-                    </a:gridCol>
-                    <a:gridCol w="1258181">
-                      <a:extLst>
-                        <a:ext uri="{9D8B030D-6E8A-4147-A177-3AD203B41FA5}">
-                          <a16:colId xmlns:a16="http://schemas.microsoft.com/office/drawing/2014/main" val="20002"/>
-                        </a:ext>
-                      </a:extLst>
-                    </a:gridCol>
-                    <a:gridCol w="1477360">
-                      <a:extLst>
-                        <a:ext uri="{9D8B030D-6E8A-4147-A177-3AD203B41FA5}">
-                          <a16:colId xmlns:a16="http://schemas.microsoft.com/office/drawing/2014/main" val="20003"/>
-                        </a:ext>
-                      </a:extLst>
-                    </a:gridCol>
-                    <a:gridCol w="1465546">
-                      <a:extLst>
-                        <a:ext uri="{9D8B030D-6E8A-4147-A177-3AD203B41FA5}">
-                          <a16:colId xmlns:a16="http://schemas.microsoft.com/office/drawing/2014/main" val="20004"/>
-                        </a:ext>
-                      </a:extLst>
-                    </a:gridCol>
-                  </a:tblGrid>
-                  <a:tr h="856526">
-                    <a:tc>
-                      <a:txBody>
-                        <a:bodyPr/>
-                        <a:lstStyle/>
-                        <a:p>
-                          <a:r>
-                            <a:rPr lang="en-US" baseline="0" dirty="0"/>
-                            <a:t>w</a:t>
-                          </a:r>
-                          <a:r>
-                            <a:rPr lang="en-US" baseline="-25000" dirty="0"/>
-                            <a:t>1</a:t>
-                          </a:r>
-                        </a:p>
-                      </a:txBody>
-                      <a:tcPr/>
-                    </a:tc>
-                    <a:tc>
-                      <a:txBody>
-                        <a:bodyPr/>
-                        <a:lstStyle/>
-                        <a:p>
-                          <a:pPr marL="0" marR="0" lvl="0" indent="0" algn="l" defTabSz="914377" rtl="0" eaLnBrk="1" fontAlgn="auto" latinLnBrk="0" hangingPunct="1">
-                            <a:lnSpc>
-                              <a:spcPct val="100000"/>
-                            </a:lnSpc>
-                            <a:spcBef>
-                              <a:spcPts val="0"/>
-                            </a:spcBef>
-                            <a:spcAft>
-                              <a:spcPts val="0"/>
-                            </a:spcAft>
-                            <a:buClrTx/>
-                            <a:buSzTx/>
-                            <a:buFontTx/>
-                            <a:buNone/>
-                            <a:tabLst/>
-                            <a:defRPr/>
-                          </a:pPr>
-                          <a:r>
-                            <a:rPr lang="en-US" baseline="0" dirty="0"/>
-                            <a:t>w</a:t>
-                          </a:r>
-                          <a:r>
-                            <a:rPr lang="en-US" baseline="-25000" dirty="0"/>
-                            <a:t>2</a:t>
-                          </a:r>
-                        </a:p>
-                      </a:txBody>
-                      <a:tcPr/>
-                    </a:tc>
-                    <a:tc>
-                      <a:txBody>
-                        <a:bodyPr/>
-                        <a:lstStyle/>
-                        <a:p>
-                          <a:pPr marL="0" marR="0" lvl="0" indent="0" algn="l" defTabSz="914377" rtl="0" eaLnBrk="1" fontAlgn="auto" latinLnBrk="0" hangingPunct="1">
-                            <a:lnSpc>
-                              <a:spcPct val="100000"/>
-                            </a:lnSpc>
-                            <a:spcBef>
-                              <a:spcPts val="0"/>
-                            </a:spcBef>
-                            <a:spcAft>
-                              <a:spcPts val="0"/>
-                            </a:spcAft>
-                            <a:buClrTx/>
-                            <a:buSzTx/>
-                            <a:buFontTx/>
-                            <a:buNone/>
-                            <a:tabLst/>
-                            <a:defRPr/>
-                          </a:pPr>
-                          <a14:m>
-                            <m:oMathPara xmlns:m="http://schemas.openxmlformats.org/officeDocument/2006/math">
-                              <m:oMathParaPr>
-                                <m:jc m:val="centerGroup"/>
-                              </m:oMathParaPr>
-                              <m:oMath xmlns:m="http://schemas.openxmlformats.org/officeDocument/2006/math">
-                                <m:nary>
-                                  <m:naryPr>
-                                    <m:chr m:val="∑"/>
-                                    <m:ctrlPr>
-                                      <a:rPr lang="en-US" i="1" baseline="-25000" smtClean="0">
-                                        <a:latin typeface="Cambria Math" panose="02040503050406030204" pitchFamily="18" charset="0"/>
-                                      </a:rPr>
-                                    </m:ctrlPr>
-                                  </m:naryPr>
-                                  <m:sub>
-                                    <m:r>
-                                      <m:rPr>
-                                        <m:brk m:alnAt="23"/>
-                                      </m:rPr>
-                                      <a:rPr lang="en-US" b="1" i="1" baseline="-25000" smtClean="0">
-                                        <a:latin typeface="Cambria Math" panose="02040503050406030204" pitchFamily="18" charset="0"/>
-                                      </a:rPr>
-                                      <m:t>𝒊</m:t>
-                                    </m:r>
-                                    <m:r>
-                                      <a:rPr lang="en-US" b="1" i="1" baseline="-25000" smtClean="0">
-                                        <a:latin typeface="Cambria Math" panose="02040503050406030204" pitchFamily="18" charset="0"/>
-                                      </a:rPr>
-                                      <m:t>=</m:t>
-                                    </m:r>
-                                    <m:r>
-                                      <a:rPr lang="en-US" b="1" i="1" baseline="-25000" smtClean="0">
-                                        <a:latin typeface="Cambria Math" panose="02040503050406030204" pitchFamily="18" charset="0"/>
-                                      </a:rPr>
-                                      <m:t>𝟏</m:t>
-                                    </m:r>
-                                  </m:sub>
-                                  <m:sup>
-                                    <m:r>
-                                      <a:rPr lang="en-US" b="1" i="1" baseline="-25000" smtClean="0">
-                                        <a:latin typeface="Cambria Math" panose="02040503050406030204" pitchFamily="18" charset="0"/>
-                                      </a:rPr>
-                                      <m:t>𝒏</m:t>
-                                    </m:r>
-                                  </m:sup>
-                                  <m:e>
-                                    <m:r>
-                                      <a:rPr lang="en-US" b="1" i="1" baseline="-25000" smtClean="0">
-                                        <a:latin typeface="Cambria Math" panose="02040503050406030204" pitchFamily="18" charset="0"/>
-                                      </a:rPr>
-                                      <m:t>𝑿𝒊</m:t>
-                                    </m:r>
-                                    <m:r>
-                                      <a:rPr lang="en-US" b="1" i="1" baseline="-25000" smtClean="0">
-                                        <a:latin typeface="Cambria Math" panose="02040503050406030204" pitchFamily="18" charset="0"/>
-                                      </a:rPr>
-                                      <m:t>.</m:t>
-                                    </m:r>
-                                    <m:r>
-                                      <a:rPr lang="en-US" b="1" i="1" baseline="-25000" smtClean="0">
-                                        <a:latin typeface="Cambria Math" panose="02040503050406030204" pitchFamily="18" charset="0"/>
-                                      </a:rPr>
-                                      <m:t>𝒘𝒊</m:t>
-                                    </m:r>
-                                  </m:e>
-                                </m:nary>
-                              </m:oMath>
-                            </m:oMathPara>
-                          </a14:m>
-                          <a:endParaRPr lang="en-US" baseline="-25000" dirty="0"/>
-                        </a:p>
-                      </a:txBody>
-                      <a:tcPr/>
-                    </a:tc>
-                    <a:tc>
-                      <a:txBody>
-                        <a:bodyPr/>
-                        <a:lstStyle/>
-                        <a:p>
-                          <a:pPr marL="0" marR="0" lvl="0" indent="0" algn="l" defTabSz="914377" rtl="0" eaLnBrk="1" fontAlgn="auto" latinLnBrk="0" hangingPunct="1">
-                            <a:lnSpc>
-                              <a:spcPct val="100000"/>
-                            </a:lnSpc>
-                            <a:spcBef>
-                              <a:spcPts val="0"/>
-                            </a:spcBef>
-                            <a:spcAft>
-                              <a:spcPts val="0"/>
-                            </a:spcAft>
-                            <a:buClrTx/>
-                            <a:buSzTx/>
-                            <a:buFontTx/>
-                            <a:buNone/>
-                            <a:tabLst/>
-                            <a:defRPr/>
-                          </a:pPr>
-                          <a:r>
-                            <a:rPr lang="en-US" baseline="-25000" dirty="0"/>
-                            <a:t>Threshold[theta]</a:t>
-                          </a:r>
-                        </a:p>
-                      </a:txBody>
-                      <a:tcPr/>
-                    </a:tc>
-                    <a:tc>
-                      <a:txBody>
-                        <a:bodyPr/>
-                        <a:lstStyle/>
-                        <a:p>
-                          <a:pPr marL="0" marR="0" lvl="0" indent="0" algn="l" defTabSz="914377" rtl="0" eaLnBrk="1" fontAlgn="auto" latinLnBrk="0" hangingPunct="1">
-                            <a:lnSpc>
-                              <a:spcPct val="100000"/>
-                            </a:lnSpc>
-                            <a:spcBef>
-                              <a:spcPts val="0"/>
-                            </a:spcBef>
-                            <a:spcAft>
-                              <a:spcPts val="0"/>
-                            </a:spcAft>
-                            <a:buClrTx/>
-                            <a:buSzTx/>
-                            <a:buFontTx/>
-                            <a:buNone/>
-                            <a:tabLst/>
-                            <a:defRPr/>
-                          </a:pPr>
-                          <a:r>
-                            <a:rPr lang="en-US" baseline="-25000" dirty="0" err="1"/>
-                            <a:t>Y_pred</a:t>
-                          </a:r>
-                          <a:endParaRPr lang="en-US" baseline="-25000" dirty="0"/>
-                        </a:p>
-                      </a:txBody>
-                      <a:tcPr/>
-                    </a:tc>
-                    <a:extLst>
-                      <a:ext uri="{0D108BD9-81ED-4DB2-BD59-A6C34878D82A}">
-                        <a16:rowId xmlns:a16="http://schemas.microsoft.com/office/drawing/2014/main" val="10000"/>
-                      </a:ext>
-                    </a:extLst>
-                  </a:tr>
-                  <a:tr h="370840">
-                    <a:tc>
-                      <a:txBody>
-                        <a:bodyPr/>
-                        <a:lstStyle/>
-                        <a:p>
-                          <a:r>
-                            <a:rPr lang="en-US" dirty="0"/>
-                            <a:t>1</a:t>
-                          </a:r>
-                        </a:p>
-                      </a:txBody>
-                      <a:tcPr/>
-                    </a:tc>
-                    <a:tc>
-                      <a:txBody>
-                        <a:bodyPr/>
-                        <a:lstStyle/>
-                        <a:p>
-                          <a:r>
-                            <a:rPr lang="en-US" dirty="0"/>
-                            <a:t>0</a:t>
-                          </a:r>
-                        </a:p>
-                      </a:txBody>
-                      <a:tcPr/>
-                    </a:tc>
-                    <a:tc>
-                      <a:txBody>
-                        <a:bodyPr/>
-                        <a:lstStyle/>
-                        <a:p>
-                          <a:r>
-                            <a:rPr lang="en-US" dirty="0"/>
-                            <a:t>1+0 = 1</a:t>
-                          </a:r>
-                        </a:p>
-                      </a:txBody>
-                      <a:tcPr/>
-                    </a:tc>
-                    <a:tc>
-                      <a:txBody>
-                        <a:bodyPr/>
-                        <a:lstStyle/>
-                        <a:p>
-                          <a:r>
-                            <a:rPr lang="en-US" dirty="0"/>
-                            <a:t>2</a:t>
-                          </a:r>
-                        </a:p>
-                      </a:txBody>
-                      <a:tcPr/>
-                    </a:tc>
-                    <a:tc>
-                      <a:txBody>
-                        <a:bodyPr/>
-                        <a:lstStyle/>
-                        <a:p>
-                          <a:r>
-                            <a:rPr lang="en-US" dirty="0"/>
-                            <a:t>0 &gt;=2</a:t>
-                          </a:r>
-                          <a:r>
-                            <a:rPr lang="en-US" baseline="0" dirty="0"/>
-                            <a:t> </a:t>
-                          </a:r>
-                          <a:r>
-                            <a:rPr lang="en-US" baseline="0" dirty="0">
-                              <a:sym typeface="Wingdings" panose="05000000000000000000" pitchFamily="2" charset="2"/>
-                            </a:rPr>
-                            <a:t>0</a:t>
-                          </a:r>
-                          <a:endParaRPr lang="en-US" dirty="0"/>
-                        </a:p>
-                      </a:txBody>
-                      <a:tcPr/>
-                    </a:tc>
-                    <a:extLst>
-                      <a:ext uri="{0D108BD9-81ED-4DB2-BD59-A6C34878D82A}">
-                        <a16:rowId xmlns:a16="http://schemas.microsoft.com/office/drawing/2014/main" val="10001"/>
-                      </a:ext>
-                    </a:extLst>
-                  </a:tr>
-                  <a:tr h="370840">
-                    <a:tc>
-                      <a:txBody>
-                        <a:bodyPr/>
-                        <a:lstStyle/>
-                        <a:p>
-                          <a:r>
-                            <a:rPr lang="en-US" dirty="0"/>
-                            <a:t>0</a:t>
-                          </a:r>
-                        </a:p>
-                      </a:txBody>
-                      <a:tcPr/>
-                    </a:tc>
-                    <a:tc>
-                      <a:txBody>
-                        <a:bodyPr/>
-                        <a:lstStyle/>
-                        <a:p>
-                          <a:r>
-                            <a:rPr lang="en-US" dirty="0"/>
-                            <a:t>1</a:t>
-                          </a:r>
-                        </a:p>
-                      </a:txBody>
-                      <a:tcPr/>
-                    </a:tc>
-                    <a:tc>
-                      <a:txBody>
-                        <a:bodyPr/>
-                        <a:lstStyle/>
-                        <a:p>
-                          <a:r>
-                            <a:rPr lang="en-US" dirty="0"/>
-                            <a:t>0+1 = 1</a:t>
-                          </a:r>
-                        </a:p>
-                      </a:txBody>
-                      <a:tcPr/>
-                    </a:tc>
-                    <a:tc>
-                      <a:txBody>
-                        <a:bodyPr/>
-                        <a:lstStyle/>
-                        <a:p>
-                          <a:r>
-                            <a:rPr lang="en-US" dirty="0"/>
-                            <a:t>2</a:t>
-                          </a:r>
-                        </a:p>
-                      </a:txBody>
-                      <a:tcPr/>
-                    </a:tc>
-                    <a:tc>
-                      <a:txBody>
-                        <a:bodyPr/>
-                        <a:lstStyle/>
-                        <a:p>
-                          <a:r>
-                            <a:rPr lang="en-US" dirty="0"/>
-                            <a:t>0 &gt;=2</a:t>
-                          </a:r>
-                          <a:r>
-                            <a:rPr lang="en-US" baseline="0" dirty="0"/>
-                            <a:t> </a:t>
-                          </a:r>
-                          <a:r>
-                            <a:rPr lang="en-US" baseline="0" dirty="0">
-                              <a:sym typeface="Wingdings" panose="05000000000000000000" pitchFamily="2" charset="2"/>
-                            </a:rPr>
-                            <a:t> 0</a:t>
-                          </a:r>
-                          <a:endParaRPr lang="en-US" dirty="0"/>
-                        </a:p>
-                      </a:txBody>
-                      <a:tcPr/>
-                    </a:tc>
-                    <a:extLst>
-                      <a:ext uri="{0D108BD9-81ED-4DB2-BD59-A6C34878D82A}">
-                        <a16:rowId xmlns:a16="http://schemas.microsoft.com/office/drawing/2014/main" val="10002"/>
-                      </a:ext>
-                    </a:extLst>
-                  </a:tr>
-                  <a:tr h="370840">
-                    <a:tc>
-                      <a:txBody>
-                        <a:bodyPr/>
-                        <a:lstStyle/>
-                        <a:p>
-                          <a:r>
-                            <a:rPr lang="en-US" dirty="0"/>
-                            <a:t>1</a:t>
-                          </a:r>
-                        </a:p>
-                      </a:txBody>
-                      <a:tcPr/>
-                    </a:tc>
-                    <a:tc>
-                      <a:txBody>
-                        <a:bodyPr/>
-                        <a:lstStyle/>
-                        <a:p>
-                          <a:r>
-                            <a:rPr lang="en-US" dirty="0"/>
-                            <a:t>1</a:t>
-                          </a:r>
-                        </a:p>
-                      </a:txBody>
-                      <a:tcPr/>
-                    </a:tc>
-                    <a:tc>
-                      <a:txBody>
-                        <a:bodyPr/>
-                        <a:lstStyle/>
-                        <a:p>
-                          <a:r>
-                            <a:rPr lang="en-US" dirty="0"/>
-                            <a:t>1+1 = 1</a:t>
-                          </a:r>
-                        </a:p>
-                      </a:txBody>
-                      <a:tcPr/>
-                    </a:tc>
-                    <a:tc>
-                      <a:txBody>
-                        <a:bodyPr/>
-                        <a:lstStyle/>
-                        <a:p>
-                          <a:r>
-                            <a:rPr lang="en-US" dirty="0"/>
-                            <a:t>2</a:t>
-                          </a:r>
-                        </a:p>
-                      </a:txBody>
-                      <a:tcPr/>
-                    </a:tc>
-                    <a:tc>
-                      <a:txBody>
-                        <a:bodyPr/>
-                        <a:lstStyle/>
-                        <a:p>
-                          <a:r>
-                            <a:rPr lang="en-US" dirty="0"/>
-                            <a:t>2 &gt;=2</a:t>
-                          </a:r>
-                          <a:r>
-                            <a:rPr lang="en-US" baseline="0" dirty="0"/>
-                            <a:t> </a:t>
-                          </a:r>
-                          <a:r>
-                            <a:rPr lang="en-US" baseline="0" dirty="0">
-                              <a:sym typeface="Wingdings" panose="05000000000000000000" pitchFamily="2" charset="2"/>
-                            </a:rPr>
-                            <a:t> </a:t>
-                          </a:r>
-                          <a:r>
-                            <a:rPr lang="en-US" b="1" baseline="0" dirty="0">
-                              <a:solidFill>
-                                <a:srgbClr val="FF0000"/>
-                              </a:solidFill>
-                              <a:sym typeface="Wingdings" panose="05000000000000000000" pitchFamily="2" charset="2"/>
-                            </a:rPr>
-                            <a:t>1</a:t>
-                          </a:r>
-                          <a:endParaRPr lang="en-US" b="1" dirty="0">
-                            <a:solidFill>
-                              <a:srgbClr val="FF0000"/>
-                            </a:solidFill>
-                          </a:endParaRPr>
-                        </a:p>
-                      </a:txBody>
-                      <a:tcPr/>
-                    </a:tc>
-                    <a:extLst>
-                      <a:ext uri="{0D108BD9-81ED-4DB2-BD59-A6C34878D82A}">
-                        <a16:rowId xmlns:a16="http://schemas.microsoft.com/office/drawing/2014/main" val="10003"/>
-                      </a:ext>
-                    </a:extLst>
-                  </a:tr>
-                </a:tbl>
-              </a:graphicData>
-            </a:graphic>
-          </p:graphicFrame>
-        </mc:Choice>
-        <mc:Fallback xmlns="">
-          <p:graphicFrame>
-            <p:nvGraphicFramePr>
-              <p:cNvPr id="9" name="Table 8"/>
-              <p:cNvGraphicFramePr>
-                <a:graphicFrameLocks noGrp="1"/>
-              </p:cNvGraphicFramePr>
-              <p:nvPr>
-                <p:extLst>
-                  <p:ext uri="{D42A27DB-BD31-4B8C-83A1-F6EECF244321}">
-                    <p14:modId xmlns:p14="http://schemas.microsoft.com/office/powerpoint/2010/main" val="3489979799"/>
-                  </p:ext>
-                </p:extLst>
-              </p:nvPr>
-            </p:nvGraphicFramePr>
-            <p:xfrm>
-              <a:off x="381000" y="3615266"/>
-              <a:ext cx="5355921" cy="1969046"/>
-            </p:xfrm>
-            <a:graphic>
-              <a:graphicData uri="http://schemas.openxmlformats.org/drawingml/2006/table">
-                <a:tbl>
-                  <a:tblPr firstRow="1" bandRow="1">
-                    <a:tableStyleId>{17292A2E-F333-43FB-9621-5CBBE7FDCDCB}</a:tableStyleId>
-                  </a:tblPr>
-                  <a:tblGrid>
-                    <a:gridCol w="601694"/>
-                    <a:gridCol w="553140"/>
-                    <a:gridCol w="1258181"/>
-                    <a:gridCol w="1477360"/>
-                    <a:gridCol w="1465546"/>
-                  </a:tblGrid>
-                  <a:tr h="856526">
-                    <a:tc>
-                      <a:txBody>
-                        <a:bodyPr/>
-                        <a:lstStyle/>
-                        <a:p>
-                          <a:r>
-                            <a:rPr lang="en-US" baseline="0" dirty="0" smtClean="0"/>
-                            <a:t>w</a:t>
-                          </a:r>
-                          <a:r>
-                            <a:rPr lang="en-US" baseline="-25000" dirty="0" smtClean="0"/>
-                            <a:t>1</a:t>
-                          </a:r>
-                          <a:endParaRPr lang="en-US" baseline="-25000" dirty="0"/>
-                        </a:p>
-                      </a:txBody>
-                      <a:tcPr/>
-                    </a:tc>
-                    <a:tc>
-                      <a:txBody>
-                        <a:bodyPr/>
-                        <a:lstStyle/>
-                        <a:p>
-                          <a:pPr marL="0" marR="0" lvl="0" indent="0" algn="l" defTabSz="914377" rtl="0" eaLnBrk="1" fontAlgn="auto" latinLnBrk="0" hangingPunct="1">
-                            <a:lnSpc>
-                              <a:spcPct val="100000"/>
-                            </a:lnSpc>
-                            <a:spcBef>
-                              <a:spcPts val="0"/>
-                            </a:spcBef>
-                            <a:spcAft>
-                              <a:spcPts val="0"/>
-                            </a:spcAft>
-                            <a:buClrTx/>
-                            <a:buSzTx/>
-                            <a:buFontTx/>
-                            <a:buNone/>
-                            <a:tabLst/>
-                            <a:defRPr/>
-                          </a:pPr>
-                          <a:r>
-                            <a:rPr lang="en-US" baseline="0" dirty="0" smtClean="0"/>
-                            <a:t>w</a:t>
-                          </a:r>
-                          <a:r>
-                            <a:rPr lang="en-US" baseline="-25000" dirty="0" smtClean="0"/>
-                            <a:t>2</a:t>
-                          </a:r>
-                        </a:p>
-                      </a:txBody>
-                      <a:tcPr/>
-                    </a:tc>
-                    <a:tc>
-                      <a:txBody>
-                        <a:bodyPr/>
-                        <a:lstStyle/>
-                        <a:p>
-                          <a:endParaRPr lang="en-US"/>
-                        </a:p>
-                      </a:txBody>
-                      <a:tcPr>
-                        <a:blipFill rotWithShape="0">
-                          <a:blip r:embed="rId2"/>
-                          <a:stretch>
-                            <a:fillRect l="-92718" t="-3546" r="-235437" b="-139716"/>
-                          </a:stretch>
-                        </a:blipFill>
-                      </a:tcPr>
-                    </a:tc>
-                    <a:tc>
-                      <a:txBody>
-                        <a:bodyPr/>
-                        <a:lstStyle/>
-                        <a:p>
-                          <a:pPr marL="0" marR="0" lvl="0" indent="0" algn="l" defTabSz="914377" rtl="0" eaLnBrk="1" fontAlgn="auto" latinLnBrk="0" hangingPunct="1">
-                            <a:lnSpc>
-                              <a:spcPct val="100000"/>
-                            </a:lnSpc>
-                            <a:spcBef>
-                              <a:spcPts val="0"/>
-                            </a:spcBef>
-                            <a:spcAft>
-                              <a:spcPts val="0"/>
-                            </a:spcAft>
-                            <a:buClrTx/>
-                            <a:buSzTx/>
-                            <a:buFontTx/>
-                            <a:buNone/>
-                            <a:tabLst/>
-                            <a:defRPr/>
-                          </a:pPr>
-                          <a:r>
-                            <a:rPr lang="en-US" baseline="-25000" dirty="0" smtClean="0"/>
-                            <a:t>Threshold[theta]</a:t>
-                          </a:r>
-                        </a:p>
-                      </a:txBody>
-                      <a:tcPr/>
-                    </a:tc>
-                    <a:tc>
-                      <a:txBody>
-                        <a:bodyPr/>
-                        <a:lstStyle/>
-                        <a:p>
-                          <a:pPr marL="0" marR="0" lvl="0" indent="0" algn="l" defTabSz="914377" rtl="0" eaLnBrk="1" fontAlgn="auto" latinLnBrk="0" hangingPunct="1">
-                            <a:lnSpc>
-                              <a:spcPct val="100000"/>
-                            </a:lnSpc>
-                            <a:spcBef>
-                              <a:spcPts val="0"/>
-                            </a:spcBef>
-                            <a:spcAft>
-                              <a:spcPts val="0"/>
-                            </a:spcAft>
-                            <a:buClrTx/>
-                            <a:buSzTx/>
-                            <a:buFontTx/>
-                            <a:buNone/>
-                            <a:tabLst/>
-                            <a:defRPr/>
-                          </a:pPr>
-                          <a:r>
-                            <a:rPr lang="en-US" baseline="-25000" dirty="0" err="1" smtClean="0"/>
-                            <a:t>Y_pred</a:t>
-                          </a:r>
-                          <a:endParaRPr lang="en-US" baseline="-25000" dirty="0" smtClean="0"/>
-                        </a:p>
-                      </a:txBody>
-                      <a:tcPr/>
-                    </a:tc>
-                  </a:tr>
-                  <a:tr h="370840">
-                    <a:tc>
-                      <a:txBody>
-                        <a:bodyPr/>
-                        <a:lstStyle/>
-                        <a:p>
-                          <a:r>
-                            <a:rPr lang="en-US" dirty="0" smtClean="0"/>
-                            <a:t>1</a:t>
-                          </a:r>
-                          <a:endParaRPr lang="en-US" dirty="0"/>
-                        </a:p>
-                      </a:txBody>
-                      <a:tcPr/>
-                    </a:tc>
-                    <a:tc>
-                      <a:txBody>
-                        <a:bodyPr/>
-                        <a:lstStyle/>
-                        <a:p>
-                          <a:r>
-                            <a:rPr lang="en-US" dirty="0" smtClean="0"/>
-                            <a:t>0</a:t>
-                          </a:r>
-                          <a:endParaRPr lang="en-US" dirty="0"/>
-                        </a:p>
-                      </a:txBody>
-                      <a:tcPr/>
-                    </a:tc>
-                    <a:tc>
-                      <a:txBody>
-                        <a:bodyPr/>
-                        <a:lstStyle/>
-                        <a:p>
-                          <a:r>
-                            <a:rPr lang="en-US" dirty="0" smtClean="0"/>
-                            <a:t>1+0 = 1</a:t>
-                          </a:r>
-                          <a:endParaRPr lang="en-US" dirty="0"/>
-                        </a:p>
-                      </a:txBody>
-                      <a:tcPr/>
-                    </a:tc>
-                    <a:tc>
-                      <a:txBody>
-                        <a:bodyPr/>
-                        <a:lstStyle/>
-                        <a:p>
-                          <a:r>
-                            <a:rPr lang="en-US" dirty="0" smtClean="0"/>
-                            <a:t>2</a:t>
-                          </a:r>
-                          <a:endParaRPr lang="en-US" dirty="0"/>
-                        </a:p>
-                      </a:txBody>
-                      <a:tcPr/>
-                    </a:tc>
-                    <a:tc>
-                      <a:txBody>
-                        <a:bodyPr/>
-                        <a:lstStyle/>
-                        <a:p>
-                          <a:r>
-                            <a:rPr lang="en-US" dirty="0" smtClean="0"/>
-                            <a:t>0 &gt;=2</a:t>
-                          </a:r>
-                          <a:r>
-                            <a:rPr lang="en-US" baseline="0" dirty="0" smtClean="0"/>
-                            <a:t> </a:t>
-                          </a:r>
-                          <a:r>
-                            <a:rPr lang="en-US" baseline="0" dirty="0" smtClean="0">
-                              <a:sym typeface="Wingdings" panose="05000000000000000000" pitchFamily="2" charset="2"/>
-                            </a:rPr>
-                            <a:t>0</a:t>
-                          </a:r>
-                          <a:endParaRPr lang="en-US" dirty="0"/>
-                        </a:p>
-                      </a:txBody>
-                      <a:tcPr/>
-                    </a:tc>
-                  </a:tr>
-                  <a:tr h="370840">
-                    <a:tc>
-                      <a:txBody>
-                        <a:bodyPr/>
-                        <a:lstStyle/>
-                        <a:p>
-                          <a:r>
-                            <a:rPr lang="en-US" dirty="0" smtClean="0"/>
-                            <a:t>0</a:t>
-                          </a:r>
-                          <a:endParaRPr lang="en-US" dirty="0"/>
-                        </a:p>
-                      </a:txBody>
-                      <a:tcPr/>
-                    </a:tc>
-                    <a:tc>
-                      <a:txBody>
-                        <a:bodyPr/>
-                        <a:lstStyle/>
-                        <a:p>
-                          <a:r>
-                            <a:rPr lang="en-US" dirty="0" smtClean="0"/>
-                            <a:t>1</a:t>
-                          </a:r>
-                          <a:endParaRPr lang="en-US" dirty="0"/>
-                        </a:p>
-                      </a:txBody>
-                      <a:tcPr/>
-                    </a:tc>
-                    <a:tc>
-                      <a:txBody>
-                        <a:bodyPr/>
-                        <a:lstStyle/>
-                        <a:p>
-                          <a:r>
-                            <a:rPr lang="en-US" dirty="0" smtClean="0"/>
-                            <a:t>0+1 = 1</a:t>
-                          </a:r>
-                          <a:endParaRPr lang="en-US" dirty="0"/>
-                        </a:p>
-                      </a:txBody>
-                      <a:tcPr/>
-                    </a:tc>
-                    <a:tc>
-                      <a:txBody>
-                        <a:bodyPr/>
-                        <a:lstStyle/>
-                        <a:p>
-                          <a:r>
-                            <a:rPr lang="en-US" dirty="0" smtClean="0"/>
-                            <a:t>2</a:t>
-                          </a:r>
-                          <a:endParaRPr lang="en-US" dirty="0"/>
-                        </a:p>
-                      </a:txBody>
-                      <a:tcPr/>
-                    </a:tc>
-                    <a:tc>
-                      <a:txBody>
-                        <a:bodyPr/>
-                        <a:lstStyle/>
-                        <a:p>
-                          <a:r>
-                            <a:rPr lang="en-US" dirty="0" smtClean="0"/>
-                            <a:t>0 &gt;=2</a:t>
-                          </a:r>
-                          <a:r>
-                            <a:rPr lang="en-US" baseline="0" dirty="0" smtClean="0"/>
-                            <a:t> </a:t>
-                          </a:r>
-                          <a:r>
-                            <a:rPr lang="en-US" baseline="0" dirty="0" smtClean="0">
-                              <a:sym typeface="Wingdings" panose="05000000000000000000" pitchFamily="2" charset="2"/>
-                            </a:rPr>
-                            <a:t> 0</a:t>
-                          </a:r>
-                          <a:endParaRPr lang="en-US" dirty="0"/>
-                        </a:p>
-                      </a:txBody>
-                      <a:tcPr/>
-                    </a:tc>
-                  </a:tr>
-                  <a:tr h="370840">
-                    <a:tc>
-                      <a:txBody>
-                        <a:bodyPr/>
-                        <a:lstStyle/>
-                        <a:p>
-                          <a:r>
-                            <a:rPr lang="en-US" dirty="0" smtClean="0"/>
-                            <a:t>1</a:t>
-                          </a:r>
-                          <a:endParaRPr lang="en-US" dirty="0"/>
-                        </a:p>
-                      </a:txBody>
-                      <a:tcPr/>
-                    </a:tc>
-                    <a:tc>
-                      <a:txBody>
-                        <a:bodyPr/>
-                        <a:lstStyle/>
-                        <a:p>
-                          <a:r>
-                            <a:rPr lang="en-US" dirty="0" smtClean="0"/>
-                            <a:t>1</a:t>
-                          </a:r>
-                          <a:endParaRPr lang="en-US" dirty="0"/>
-                        </a:p>
-                      </a:txBody>
-                      <a:tcPr/>
-                    </a:tc>
-                    <a:tc>
-                      <a:txBody>
-                        <a:bodyPr/>
-                        <a:lstStyle/>
-                        <a:p>
-                          <a:r>
-                            <a:rPr lang="en-US" dirty="0" smtClean="0"/>
-                            <a:t>1+1 = 1</a:t>
-                          </a:r>
-                          <a:endParaRPr lang="en-US" dirty="0"/>
-                        </a:p>
-                      </a:txBody>
-                      <a:tcPr/>
-                    </a:tc>
-                    <a:tc>
-                      <a:txBody>
-                        <a:bodyPr/>
-                        <a:lstStyle/>
-                        <a:p>
-                          <a:r>
-                            <a:rPr lang="en-US" dirty="0" smtClean="0"/>
-                            <a:t>2</a:t>
-                          </a:r>
-                          <a:endParaRPr lang="en-US" dirty="0"/>
-                        </a:p>
-                      </a:txBody>
-                      <a:tcPr/>
-                    </a:tc>
-                    <a:tc>
-                      <a:txBody>
-                        <a:bodyPr/>
-                        <a:lstStyle/>
-                        <a:p>
-                          <a:r>
-                            <a:rPr lang="en-US" dirty="0" smtClean="0"/>
-                            <a:t>2 &gt;=2</a:t>
-                          </a:r>
-                          <a:r>
-                            <a:rPr lang="en-US" baseline="0" dirty="0" smtClean="0"/>
-                            <a:t> </a:t>
-                          </a:r>
-                          <a:r>
-                            <a:rPr lang="en-US" baseline="0" dirty="0" smtClean="0">
-                              <a:sym typeface="Wingdings" panose="05000000000000000000" pitchFamily="2" charset="2"/>
-                            </a:rPr>
-                            <a:t> </a:t>
-                          </a:r>
-                          <a:r>
-                            <a:rPr lang="en-US" b="1" baseline="0" dirty="0" smtClean="0">
-                              <a:solidFill>
-                                <a:srgbClr val="FF0000"/>
-                              </a:solidFill>
-                              <a:sym typeface="Wingdings" panose="05000000000000000000" pitchFamily="2" charset="2"/>
-                            </a:rPr>
-                            <a:t>1</a:t>
-                          </a:r>
-                          <a:endParaRPr lang="en-US" b="1" dirty="0">
-                            <a:solidFill>
-                              <a:srgbClr val="FF0000"/>
-                            </a:solidFill>
-                          </a:endParaRPr>
-                        </a:p>
-                      </a:txBody>
-                      <a:tcPr/>
-                    </a:tc>
-                  </a:tr>
-                </a:tbl>
-              </a:graphicData>
-            </a:graphic>
-          </p:graphicFrame>
-        </mc:Fallback>
-      </mc:AlternateContent>
-      <p:sp>
-        <p:nvSpPr>
-          <p:cNvPr id="4" name="TextBox 3">
-            <a:extLst>
-              <a:ext uri="{FF2B5EF4-FFF2-40B4-BE49-F238E27FC236}">
-                <a16:creationId xmlns:a16="http://schemas.microsoft.com/office/drawing/2014/main" id="{B932D177-2A8A-4C0D-B2DF-7D2904660871}"/>
-              </a:ext>
-            </a:extLst>
-          </p:cNvPr>
-          <p:cNvSpPr txBox="1"/>
-          <p:nvPr/>
-        </p:nvSpPr>
-        <p:spPr>
-          <a:xfrm>
-            <a:off x="3620277" y="1350153"/>
-            <a:ext cx="4180632" cy="292388"/>
-          </a:xfrm>
-          <a:prstGeom prst="rect">
-            <a:avLst/>
-          </a:prstGeom>
-          <a:noFill/>
-        </p:spPr>
-        <p:txBody>
-          <a:bodyPr wrap="none" lIns="0" tIns="0" rIns="0" bIns="45720" rtlCol="0">
-            <a:spAutoFit/>
-          </a:bodyPr>
-          <a:lstStyle/>
-          <a:p>
-            <a:r>
-              <a:rPr lang="en-US" sz="1600" i="1" dirty="0">
-                <a:solidFill>
-                  <a:schemeClr val="tx2">
-                    <a:lumMod val="60000"/>
-                    <a:lumOff val="40000"/>
-                  </a:schemeClr>
-                </a:solidFill>
-              </a:rPr>
-              <a:t>Find the value of the threshold and weights</a:t>
-            </a:r>
-          </a:p>
-        </p:txBody>
-      </p:sp>
-      <p:sp>
-        <p:nvSpPr>
-          <p:cNvPr id="6" name="Rectangle 5">
-            <a:extLst>
-              <a:ext uri="{FF2B5EF4-FFF2-40B4-BE49-F238E27FC236}">
-                <a16:creationId xmlns:a16="http://schemas.microsoft.com/office/drawing/2014/main" id="{7EFDA8A4-B760-4B1A-8FF3-5484319A4E1B}"/>
-              </a:ext>
-            </a:extLst>
-          </p:cNvPr>
-          <p:cNvSpPr/>
-          <p:nvPr/>
-        </p:nvSpPr>
-        <p:spPr>
-          <a:xfrm>
-            <a:off x="381000" y="6037844"/>
-            <a:ext cx="6096000" cy="461665"/>
-          </a:xfrm>
-          <a:prstGeom prst="rect">
-            <a:avLst/>
-          </a:prstGeom>
-        </p:spPr>
-        <p:txBody>
-          <a:bodyPr>
-            <a:spAutoFit/>
-          </a:bodyPr>
-          <a:lstStyle/>
-          <a:p>
-            <a:r>
-              <a:rPr lang="en-US" sz="1200" b="1" i="1" dirty="0"/>
-              <a:t>Source</a:t>
-            </a:r>
-            <a:r>
-              <a:rPr lang="en-US" sz="1200" dirty="0"/>
-              <a:t>: based on Udacity course, GA-Tech </a:t>
-            </a:r>
-            <a:r>
-              <a:rPr lang="en-US" sz="1200" dirty="0" err="1"/>
-              <a:t>cs</a:t>
-            </a:r>
-            <a:r>
-              <a:rPr lang="en-US" sz="1200" dirty="0"/>
-              <a:t> 7641 </a:t>
-            </a:r>
-            <a:r>
-              <a:rPr lang="en-US" sz="1200" i="1" dirty="0"/>
-              <a:t>https://www.udacity.com/course/machine-learning--ud262</a:t>
-            </a:r>
-          </a:p>
-        </p:txBody>
-      </p:sp>
-    </p:spTree>
-    <p:extLst>
-      <p:ext uri="{BB962C8B-B14F-4D97-AF65-F5344CB8AC3E}">
-        <p14:creationId xmlns:p14="http://schemas.microsoft.com/office/powerpoint/2010/main" val="2140133751"/>
+        <p14:creationId xmlns:p14="http://schemas.microsoft.com/office/powerpoint/2010/main" val="3183747920"/>
       </p:ext>
     </p:extLst>
   </p:cSld>
@@ -11198,7 +12622,7 @@
                                           </p:stCondLst>
                                         </p:cTn>
                                         <p:tgtEl>
-                                          <p:spTgt spid="9"/>
+                                          <p:spTgt spid="12"/>
                                         </p:tgtEl>
                                         <p:attrNameLst>
                                           <p:attrName>style.visibility</p:attrName>
@@ -11210,9 +12634,44 @@
                                     </p:set>
                                     <p:animEffect transition="in" filter="fade">
                                       <p:cBhvr>
-                                        <p:cTn id="7" dur="500"/>
+                                        <p:cTn id="7" dur="1250"/>
                                         <p:tgtEl>
-                                          <p:spTgt spid="9"/>
+                                          <p:spTgt spid="12"/>
+                                        </p:tgtEl>
+                                      </p:cBhvr>
+                                    </p:animEffect>
+                                  </p:childTnLst>
+                                </p:cTn>
+                              </p:par>
+                              <p:par>
+                                <p:cTn id="8" presetID="10" presetClass="entr" presetSubtype="0" fill="hold" grpId="0" nodeType="withEffect">
+                                  <p:stCondLst>
+                                    <p:cond delay="0"/>
+                                  </p:stCondLst>
+                                  <p:childTnLst>
+                                    <p:set>
+                                      <p:cBhvr>
+                                        <p:cTn id="9" dur="1" fill="hold">
+                                          <p:stCondLst>
+                                            <p:cond delay="0"/>
+                                          </p:stCondLst>
+                                        </p:cTn>
+                                        <p:tgtEl>
+                                          <p:spTgt spid="18"/>
+                                        </p:tgtEl>
+                                        <p:attrNameLst>
+                                          <p:attrName>style.visibility</p:attrName>
+                                        </p:attrNameLst>
+                                      </p:cBhvr>
+                                      <p:to>
+                                        <p:strVal val="visible"/>
+                                      </p:to>
+                                    </p:set>
+                                    <p:animEffect transition="in" filter="fade">
+                                      <p:cBhvr>
+                                        <p:cTn id="10" dur="500"/>
+                                        <p:tgtEl>
+                                          <p:spTgt spid="18"/>
                                         </p:tgtEl>
                                       </p:cBhvr>
                                     </p:animEffect>
@@ -11246,6 +12705,892 @@
         </p:cTn>
       </p:par>
     </p:tnLst>
+    <p:bldLst>
+      <p:bldP spid="18" grpId="0"/>
+    </p:bldLst>
+  </p:timing>
+</p:sld>
+</file>
+
+<file path=ppt/slides/slide9.xml><?xml version="1.0" encoding="utf-8"?>
+<p:sld xmlns:a="http://schemas.openxmlformats.org/drawingml/2006/main" xmlns:r="http://schemas.openxmlformats.org/officeDocument/2006/relationships" xmlns:p="http://schemas.openxmlformats.org/presentationml/2006/main">
+  <p:cSld>
+    <p:spTree>
+      <p:nvGrpSpPr>
+        <p:cNvPr id="1" name=""/>
+        <p:cNvGrpSpPr/>
+        <p:nvPr/>
+      </p:nvGrpSpPr>
+      <p:grpSpPr>
+        <a:xfrm>
+          <a:off x="0" y="0"/>
+          <a:ext cx="0" cy="0"/>
+          <a:chOff x="0" y="0"/>
+          <a:chExt cx="0" cy="0"/>
+        </a:xfrm>
+      </p:grpSpPr>
+      <p:sp>
+        <p:nvSpPr>
+          <p:cNvPr id="2" name="Title 1"/>
+          <p:cNvSpPr>
+            <a:spLocks noGrp="1"/>
+          </p:cNvSpPr>
+          <p:nvPr>
+            <p:ph type="title"/>
+          </p:nvPr>
+        </p:nvSpPr>
+        <p:spPr/>
+        <p:txBody>
+          <a:bodyPr/>
+          <a:lstStyle/>
+          <a:p>
+            <a:r>
+              <a:rPr lang="en-US" dirty="0" smtClean="0"/>
+              <a:t>Real-life process</a:t>
+            </a:r>
+            <a:endParaRPr lang="en-US" dirty="0"/>
+          </a:p>
+        </p:txBody>
+      </p:sp>
+      <p:sp>
+        <p:nvSpPr>
+          <p:cNvPr id="3" name="Footer Placeholder 2"/>
+          <p:cNvSpPr>
+            <a:spLocks noGrp="1"/>
+          </p:cNvSpPr>
+          <p:nvPr>
+            <p:ph type="ftr" sz="quarter" idx="10"/>
+          </p:nvPr>
+        </p:nvSpPr>
+        <p:spPr/>
+        <p:txBody>
+          <a:bodyPr/>
+          <a:lstStyle/>
+          <a:p>
+            <a:r>
+              <a:rPr lang="en-US" smtClean="0"/>
+              <a:t>Copyright © 2018 Accenture. All rights reserved.</a:t>
+            </a:r>
+            <a:endParaRPr lang="en-US" dirty="0"/>
+          </a:p>
+        </p:txBody>
+      </p:sp>
+      <p:sp>
+        <p:nvSpPr>
+          <p:cNvPr id="4" name="Slide Number Placeholder 3"/>
+          <p:cNvSpPr>
+            <a:spLocks noGrp="1"/>
+          </p:cNvSpPr>
+          <p:nvPr>
+            <p:ph type="sldNum" sz="quarter" idx="11"/>
+          </p:nvPr>
+        </p:nvSpPr>
+        <p:spPr/>
+        <p:txBody>
+          <a:bodyPr/>
+          <a:lstStyle/>
+          <a:p>
+            <a:fld id="{4F9AC08D-23A9-440E-BCB9-AA1E9877CC38}" type="slidenum">
+              <a:rPr lang="en-US" smtClean="0"/>
+              <a:pPr/>
+              <a:t>9</a:t>
+            </a:fld>
+            <a:endParaRPr lang="en-US" dirty="0"/>
+          </a:p>
+        </p:txBody>
+      </p:sp>
+      <p:pic>
+        <p:nvPicPr>
+          <p:cNvPr id="7" name="Picture 6"/>
+          <p:cNvPicPr>
+            <a:picLocks noChangeAspect="1"/>
+          </p:cNvPicPr>
+          <p:nvPr/>
+        </p:nvPicPr>
+        <p:blipFill>
+          <a:blip r:embed="rId2"/>
+          <a:stretch>
+            <a:fillRect/>
+          </a:stretch>
+        </p:blipFill>
+        <p:spPr>
+          <a:xfrm>
+            <a:off x="1262335" y="1508353"/>
+            <a:ext cx="1104220" cy="1104220"/>
+          </a:xfrm>
+          <a:prstGeom prst="rect">
+            <a:avLst/>
+          </a:prstGeom>
+        </p:spPr>
+      </p:pic>
+      <p:pic>
+        <p:nvPicPr>
+          <p:cNvPr id="11" name="Picture 10"/>
+          <p:cNvPicPr>
+            <a:picLocks noChangeAspect="1"/>
+          </p:cNvPicPr>
+          <p:nvPr/>
+        </p:nvPicPr>
+        <p:blipFill>
+          <a:blip r:embed="rId3"/>
+          <a:stretch>
+            <a:fillRect/>
+          </a:stretch>
+        </p:blipFill>
+        <p:spPr>
+          <a:xfrm>
+            <a:off x="1101907" y="3589571"/>
+            <a:ext cx="1264648" cy="1345864"/>
+          </a:xfrm>
+          <a:prstGeom prst="rect">
+            <a:avLst/>
+          </a:prstGeom>
+        </p:spPr>
+      </p:pic>
+      <p:sp>
+        <p:nvSpPr>
+          <p:cNvPr id="12" name="TextBox 11"/>
+          <p:cNvSpPr txBox="1"/>
+          <p:nvPr/>
+        </p:nvSpPr>
+        <p:spPr>
+          <a:xfrm>
+            <a:off x="908748" y="2662490"/>
+            <a:ext cx="1811393" cy="292388"/>
+          </a:xfrm>
+          <a:prstGeom prst="rect">
+            <a:avLst/>
+          </a:prstGeom>
+          <a:noFill/>
+        </p:spPr>
+        <p:txBody>
+          <a:bodyPr wrap="none" lIns="0" tIns="0" rIns="0" bIns="45720" rtlCol="0">
+            <a:spAutoFit/>
+          </a:bodyPr>
+          <a:lstStyle/>
+          <a:p>
+            <a:r>
+              <a:rPr lang="en-US" sz="1600" dirty="0" smtClean="0">
+                <a:latin typeface="Comic Sans MS" panose="030F0702030302020204" pitchFamily="66" charset="0"/>
+              </a:rPr>
+              <a:t>Ate cookie ? {Y, N}</a:t>
+            </a:r>
+            <a:endParaRPr lang="en-US" sz="1600" dirty="0" smtClean="0">
+              <a:latin typeface="Comic Sans MS" panose="030F0702030302020204" pitchFamily="66" charset="0"/>
+            </a:endParaRPr>
+          </a:p>
+        </p:txBody>
+      </p:sp>
+      <p:sp>
+        <p:nvSpPr>
+          <p:cNvPr id="13" name="TextBox 12"/>
+          <p:cNvSpPr txBox="1"/>
+          <p:nvPr/>
+        </p:nvSpPr>
+        <p:spPr>
+          <a:xfrm>
+            <a:off x="908748" y="5153141"/>
+            <a:ext cx="1950855" cy="292388"/>
+          </a:xfrm>
+          <a:prstGeom prst="rect">
+            <a:avLst/>
+          </a:prstGeom>
+          <a:noFill/>
+        </p:spPr>
+        <p:txBody>
+          <a:bodyPr wrap="none" lIns="0" tIns="0" rIns="0" bIns="45720" rtlCol="0">
+            <a:spAutoFit/>
+          </a:bodyPr>
+          <a:lstStyle/>
+          <a:p>
+            <a:r>
+              <a:rPr lang="en-US" sz="1600" dirty="0" smtClean="0">
+                <a:latin typeface="Comic Sans MS" panose="030F0702030302020204" pitchFamily="66" charset="0"/>
+              </a:rPr>
+              <a:t>Before lunch? {Y, N}</a:t>
+            </a:r>
+            <a:endParaRPr lang="en-US" sz="1600" dirty="0" smtClean="0">
+              <a:latin typeface="Comic Sans MS" panose="030F0702030302020204" pitchFamily="66" charset="0"/>
+            </a:endParaRPr>
+          </a:p>
+        </p:txBody>
+      </p:sp>
+      <p:cxnSp>
+        <p:nvCxnSpPr>
+          <p:cNvPr id="15" name="Straight Connector 14"/>
+          <p:cNvCxnSpPr/>
+          <p:nvPr/>
+        </p:nvCxnSpPr>
+        <p:spPr>
+          <a:xfrm>
+            <a:off x="3866606" y="1672046"/>
+            <a:ext cx="0" cy="3627289"/>
+          </a:xfrm>
+          <a:prstGeom prst="line">
+            <a:avLst/>
+          </a:prstGeom>
+          <a:ln w="38100"/>
+        </p:spPr>
+        <p:style>
+          <a:lnRef idx="3">
+            <a:schemeClr val="dk1"/>
+          </a:lnRef>
+          <a:fillRef idx="0">
+            <a:schemeClr val="dk1"/>
+          </a:fillRef>
+          <a:effectRef idx="2">
+            <a:schemeClr val="dk1"/>
+          </a:effectRef>
+          <a:fontRef idx="minor">
+            <a:schemeClr val="tx1"/>
+          </a:fontRef>
+        </p:style>
+      </p:cxnSp>
+      <p:pic>
+        <p:nvPicPr>
+          <p:cNvPr id="17" name="Picture 16"/>
+          <p:cNvPicPr>
+            <a:picLocks noChangeAspect="1"/>
+          </p:cNvPicPr>
+          <p:nvPr/>
+        </p:nvPicPr>
+        <p:blipFill>
+          <a:blip r:embed="rId4"/>
+          <a:stretch>
+            <a:fillRect/>
+          </a:stretch>
+        </p:blipFill>
+        <p:spPr>
+          <a:xfrm>
+            <a:off x="5612810" y="2381385"/>
+            <a:ext cx="1273175" cy="1955484"/>
+          </a:xfrm>
+          <a:prstGeom prst="rect">
+            <a:avLst/>
+          </a:prstGeom>
+        </p:spPr>
+      </p:pic>
+      <p:cxnSp>
+        <p:nvCxnSpPr>
+          <p:cNvPr id="19" name="Straight Arrow Connector 18"/>
+          <p:cNvCxnSpPr/>
+          <p:nvPr/>
+        </p:nvCxnSpPr>
+        <p:spPr>
+          <a:xfrm>
+            <a:off x="2720141" y="2194560"/>
+            <a:ext cx="2374373" cy="1071154"/>
+          </a:xfrm>
+          <a:prstGeom prst="straightConnector1">
+            <a:avLst/>
+          </a:prstGeom>
+          <a:ln w="38100">
+            <a:solidFill>
+              <a:schemeClr val="tx1"/>
+            </a:solidFill>
+            <a:tailEnd type="triangle"/>
+          </a:ln>
+        </p:spPr>
+        <p:style>
+          <a:lnRef idx="1">
+            <a:schemeClr val="accent1"/>
+          </a:lnRef>
+          <a:fillRef idx="0">
+            <a:schemeClr val="accent1"/>
+          </a:fillRef>
+          <a:effectRef idx="0">
+            <a:schemeClr val="accent1"/>
+          </a:effectRef>
+          <a:fontRef idx="minor">
+            <a:schemeClr val="tx1"/>
+          </a:fontRef>
+        </p:style>
+      </p:cxnSp>
+      <p:cxnSp>
+        <p:nvCxnSpPr>
+          <p:cNvPr id="21" name="Straight Arrow Connector 20"/>
+          <p:cNvCxnSpPr/>
+          <p:nvPr/>
+        </p:nvCxnSpPr>
+        <p:spPr>
+          <a:xfrm flipV="1">
+            <a:off x="2366555" y="3735977"/>
+            <a:ext cx="2741022" cy="772734"/>
+          </a:xfrm>
+          <a:prstGeom prst="straightConnector1">
+            <a:avLst/>
+          </a:prstGeom>
+          <a:ln w="38100">
+            <a:solidFill>
+              <a:schemeClr val="tx1"/>
+            </a:solidFill>
+            <a:tailEnd type="triangle"/>
+          </a:ln>
+        </p:spPr>
+        <p:style>
+          <a:lnRef idx="1">
+            <a:schemeClr val="accent1"/>
+          </a:lnRef>
+          <a:fillRef idx="0">
+            <a:schemeClr val="accent1"/>
+          </a:fillRef>
+          <a:effectRef idx="0">
+            <a:schemeClr val="accent1"/>
+          </a:effectRef>
+          <a:fontRef idx="minor">
+            <a:schemeClr val="tx1"/>
+          </a:fontRef>
+        </p:style>
+      </p:cxnSp>
+      <p:sp>
+        <p:nvSpPr>
+          <p:cNvPr id="22" name="TextBox 21"/>
+          <p:cNvSpPr txBox="1"/>
+          <p:nvPr/>
+        </p:nvSpPr>
+        <p:spPr>
+          <a:xfrm>
+            <a:off x="5642055" y="4590404"/>
+            <a:ext cx="1243930" cy="292388"/>
+          </a:xfrm>
+          <a:prstGeom prst="rect">
+            <a:avLst/>
+          </a:prstGeom>
+          <a:noFill/>
+        </p:spPr>
+        <p:txBody>
+          <a:bodyPr wrap="none" lIns="0" tIns="0" rIns="0" bIns="45720" rtlCol="0">
+            <a:spAutoFit/>
+          </a:bodyPr>
+          <a:lstStyle/>
+          <a:p>
+            <a:r>
+              <a:rPr lang="en-US" sz="1600" dirty="0" smtClean="0">
+                <a:latin typeface="Comic Sans MS" panose="030F0702030302020204" pitchFamily="66" charset="0"/>
+              </a:rPr>
+              <a:t>SLAP? {Y, N}</a:t>
+            </a:r>
+            <a:endParaRPr lang="en-US" sz="1600" dirty="0" smtClean="0">
+              <a:latin typeface="Comic Sans MS" panose="030F0702030302020204" pitchFamily="66" charset="0"/>
+            </a:endParaRPr>
+          </a:p>
+        </p:txBody>
+      </p:sp>
+      <mc:AlternateContent xmlns:mc="http://schemas.openxmlformats.org/markup-compatibility/2006">
+        <mc:Choice xmlns:a14="http://schemas.microsoft.com/office/drawing/2010/main" Requires="a14">
+          <p:sp>
+            <p:nvSpPr>
+              <p:cNvPr id="23" name="TextBox 22"/>
+              <p:cNvSpPr txBox="1"/>
+              <p:nvPr/>
+            </p:nvSpPr>
+            <p:spPr>
+              <a:xfrm>
+                <a:off x="8632188" y="2950948"/>
+                <a:ext cx="347275" cy="314766"/>
+              </a:xfrm>
+              <a:prstGeom prst="rect">
+                <a:avLst/>
+              </a:prstGeom>
+              <a:noFill/>
+            </p:spPr>
+            <p:txBody>
+              <a:bodyPr wrap="none" lIns="0" tIns="0" rIns="0" bIns="0" rtlCol="0">
+                <a:spAutoFit/>
+              </a:bodyPr>
+              <a:lstStyle/>
+              <a:p>
+                <a14:m>
+                  <m:oMathPara xmlns:m="http://schemas.openxmlformats.org/officeDocument/2006/math">
+                    <m:oMathParaPr>
+                      <m:jc m:val="centerGroup"/>
+                    </m:oMathParaPr>
+                    <m:oMath xmlns:m="http://schemas.openxmlformats.org/officeDocument/2006/math">
+                      <m:sSup>
+                        <m:sSupPr>
+                          <m:ctrlPr>
+                            <a:rPr lang="en-US" sz="2000" b="1" i="1" smtClean="0">
+                              <a:latin typeface="Cambria Math" panose="02040503050406030204" pitchFamily="18" charset="0"/>
+                            </a:rPr>
+                          </m:ctrlPr>
+                        </m:sSupPr>
+                        <m:e>
+                          <m:r>
+                            <a:rPr lang="en-US" sz="2000" b="1" i="1" smtClean="0">
+                              <a:latin typeface="Cambria Math" panose="02040503050406030204" pitchFamily="18" charset="0"/>
+                            </a:rPr>
+                            <m:t>𝟐</m:t>
+                          </m:r>
+                        </m:e>
+                        <m:sup>
+                          <m:r>
+                            <a:rPr lang="en-US" sz="2000" b="1" i="1" smtClean="0">
+                              <a:latin typeface="Cambria Math" panose="02040503050406030204" pitchFamily="18" charset="0"/>
+                            </a:rPr>
+                            <m:t>𝟐</m:t>
+                          </m:r>
+                        </m:sup>
+                      </m:sSup>
+                    </m:oMath>
+                  </m:oMathPara>
+                </a14:m>
+                <a:endParaRPr lang="en-US" sz="2000" b="1" dirty="0" smtClean="0"/>
+              </a:p>
+            </p:txBody>
+          </p:sp>
+        </mc:Choice>
+        <mc:Fallback>
+          <p:sp>
+            <p:nvSpPr>
+              <p:cNvPr id="23" name="TextBox 22"/>
+              <p:cNvSpPr txBox="1">
+                <a:spLocks noRot="1" noChangeAspect="1" noMove="1" noResize="1" noEditPoints="1" noAdjustHandles="1" noChangeArrowheads="1" noChangeShapeType="1" noTextEdit="1"/>
+              </p:cNvSpPr>
+              <p:nvPr/>
+            </p:nvSpPr>
+            <p:spPr>
+              <a:xfrm>
+                <a:off x="8632188" y="2950948"/>
+                <a:ext cx="347275" cy="314766"/>
+              </a:xfrm>
+              <a:prstGeom prst="rect">
+                <a:avLst/>
+              </a:prstGeom>
+              <a:blipFill rotWithShape="0">
+                <a:blip r:embed="rId5"/>
+                <a:stretch>
+                  <a:fillRect l="-14035" r="-7018" b="-9615"/>
+                </a:stretch>
+              </a:blipFill>
+            </p:spPr>
+            <p:txBody>
+              <a:bodyPr/>
+              <a:lstStyle/>
+              <a:p>
+                <a:r>
+                  <a:rPr lang="en-US">
+                    <a:noFill/>
+                  </a:rPr>
+                  <a:t> </a:t>
+                </a:r>
+              </a:p>
+            </p:txBody>
+          </p:sp>
+        </mc:Fallback>
+      </mc:AlternateContent>
+    </p:spTree>
+    <p:extLst>
+      <p:ext uri="{BB962C8B-B14F-4D97-AF65-F5344CB8AC3E}">
+        <p14:creationId xmlns:p14="http://schemas.microsoft.com/office/powerpoint/2010/main" val="2882953391"/>
+      </p:ext>
+    </p:extLst>
+  </p:cSld>
+  <p:clrMapOvr>
+    <a:masterClrMapping/>
+  </p:clrMapOvr>
+  <p:timing>
+    <p:tnLst>
+      <p:par>
+        <p:cTn id="1" dur="indefinite" restart="never" nodeType="tmRoot">
+          <p:childTnLst>
+            <p:seq concurrent="1" nextAc="seek">
+              <p:cTn id="2" dur="indefinite" nodeType="mainSeq">
+                <p:childTnLst>
+                  <p:par>
+                    <p:cTn id="3" fill="hold">
+                      <p:stCondLst>
+                        <p:cond delay="indefinite"/>
+                      </p:stCondLst>
+                      <p:childTnLst>
+                        <p:par>
+                          <p:cTn id="4" fill="hold">
+                            <p:stCondLst>
+                              <p:cond delay="0"/>
+                            </p:stCondLst>
+                            <p:childTnLst>
+                              <p:par>
+                                <p:cTn id="5" presetID="10" presetClass="entr" presetSubtype="0" fill="hold" nodeType="clickEffect">
+                                  <p:stCondLst>
+                                    <p:cond delay="0"/>
+                                  </p:stCondLst>
+                                  <p:childTnLst>
+                                    <p:set>
+                                      <p:cBhvr>
+                                        <p:cTn id="6" dur="1" fill="hold">
+                                          <p:stCondLst>
+                                            <p:cond delay="0"/>
+                                          </p:stCondLst>
+                                        </p:cTn>
+                                        <p:tgtEl>
+                                          <p:spTgt spid="7"/>
+                                        </p:tgtEl>
+                                        <p:attrNameLst>
+                                          <p:attrName>style.visibility</p:attrName>
+                                        </p:attrNameLst>
+                                      </p:cBhvr>
+                                      <p:to>
+                                        <p:strVal val="visible"/>
+                                      </p:to>
+                                    </p:set>
+                                    <p:animEffect transition="in" filter="fade">
+                                      <p:cBhvr>
+                                        <p:cTn id="7" dur="2250"/>
+                                        <p:tgtEl>
+                                          <p:spTgt spid="7"/>
+                                        </p:tgtEl>
+                                      </p:cBhvr>
+                                    </p:animEffect>
+                                  </p:childTnLst>
+                                </p:cTn>
+                              </p:par>
+                              <p:par>
+                                <p:cTn id="8" presetID="10" presetClass="entr" presetSubtype="0" fill="hold" nodeType="withEffect">
+                                  <p:stCondLst>
+                                    <p:cond delay="0"/>
+                                  </p:stCondLst>
+                                  <p:childTnLst>
+                                    <p:set>
+                                      <p:cBhvr>
+                                        <p:cTn id="9" dur="1" fill="hold">
+                                          <p:stCondLst>
+                                            <p:cond delay="0"/>
+                                          </p:stCondLst>
+                                        </p:cTn>
+                                        <p:tgtEl>
+                                          <p:spTgt spid="11"/>
+                                        </p:tgtEl>
+                                        <p:attrNameLst>
+                                          <p:attrName>style.visibility</p:attrName>
+                                        </p:attrNameLst>
+                                      </p:cBhvr>
+                                      <p:to>
+                                        <p:strVal val="visible"/>
+                                      </p:to>
+                                    </p:set>
+                                    <p:animEffect transition="in" filter="fade">
+                                      <p:cBhvr>
+                                        <p:cTn id="10" dur="2250"/>
+                                        <p:tgtEl>
+                                          <p:spTgt spid="11"/>
+                                        </p:tgtEl>
+                                      </p:cBhvr>
+                                    </p:animEffect>
+                                  </p:childTnLst>
+                                </p:cTn>
+                              </p:par>
+                              <p:par>
+                                <p:cTn id="11" presetID="10" presetClass="entr" presetSubtype="0" fill="hold" grpId="0" nodeType="withEffect">
+                                  <p:stCondLst>
+                                    <p:cond delay="0"/>
+                                  </p:stCondLst>
+                                  <p:childTnLst>
+                                    <p:set>
+                                      <p:cBhvr>
+                                        <p:cTn id="12" dur="1" fill="hold">
+                                          <p:stCondLst>
+                                            <p:cond delay="0"/>
+                                          </p:stCondLst>
+                                        </p:cTn>
+                                        <p:tgtEl>
+                                          <p:spTgt spid="12"/>
+                                        </p:tgtEl>
+                                        <p:attrNameLst>
+                                          <p:attrName>style.visibility</p:attrName>
+                                        </p:attrNameLst>
+                                      </p:cBhvr>
+                                      <p:to>
+                                        <p:strVal val="visible"/>
+                                      </p:to>
+                                    </p:set>
+                                    <p:animEffect transition="in" filter="fade">
+                                      <p:cBhvr>
+                                        <p:cTn id="13" dur="2250"/>
+                                        <p:tgtEl>
+                                          <p:spTgt spid="12"/>
+                                        </p:tgtEl>
+                                      </p:cBhvr>
+                                    </p:animEffect>
+                                  </p:childTnLst>
+                                </p:cTn>
+                              </p:par>
+                              <p:par>
+                                <p:cTn id="14" presetID="10" presetClass="entr" presetSubtype="0" fill="hold" grpId="0" nodeType="withEffect">
+                                  <p:stCondLst>
+                                    <p:cond delay="0"/>
+                                  </p:stCondLst>
+                                  <p:childTnLst>
+                                    <p:set>
+                                      <p:cBhvr>
+                                        <p:cTn id="15" dur="1" fill="hold">
+                                          <p:stCondLst>
+                                            <p:cond delay="0"/>
+                                          </p:stCondLst>
+                                        </p:cTn>
+                                        <p:tgtEl>
+                                          <p:spTgt spid="13"/>
+                                        </p:tgtEl>
+                                        <p:attrNameLst>
+                                          <p:attrName>style.visibility</p:attrName>
+                                        </p:attrNameLst>
+                                      </p:cBhvr>
+                                      <p:to>
+                                        <p:strVal val="visible"/>
+                                      </p:to>
+                                    </p:set>
+                                    <p:animEffect transition="in" filter="fade">
+                                      <p:cBhvr>
+                                        <p:cTn id="16" dur="2250"/>
+                                        <p:tgtEl>
+                                          <p:spTgt spid="13"/>
+                                        </p:tgtEl>
+                                      </p:cBhvr>
+                                    </p:animEffect>
+                                  </p:childTnLst>
+                                </p:cTn>
+                              </p:par>
+                              <p:par>
+                                <p:cTn id="17" presetID="10" presetClass="entr" presetSubtype="0" fill="hold" nodeType="withEffect">
+                                  <p:stCondLst>
+                                    <p:cond delay="0"/>
+                                  </p:stCondLst>
+                                  <p:childTnLst>
+                                    <p:set>
+                                      <p:cBhvr>
+                                        <p:cTn id="18" dur="1" fill="hold">
+                                          <p:stCondLst>
+                                            <p:cond delay="0"/>
+                                          </p:stCondLst>
+                                        </p:cTn>
+                                        <p:tgtEl>
+                                          <p:spTgt spid="15"/>
+                                        </p:tgtEl>
+                                        <p:attrNameLst>
+                                          <p:attrName>style.visibility</p:attrName>
+                                        </p:attrNameLst>
+                                      </p:cBhvr>
+                                      <p:to>
+                                        <p:strVal val="visible"/>
+                                      </p:to>
+                                    </p:set>
+                                    <p:animEffect transition="in" filter="fade">
+                                      <p:cBhvr>
+                                        <p:cTn id="19" dur="2250"/>
+                                        <p:tgtEl>
+                                          <p:spTgt spid="15"/>
+                                        </p:tgtEl>
+                                      </p:cBhvr>
+                                    </p:animEffect>
+                                  </p:childTnLst>
+                                </p:cTn>
+                              </p:par>
+                              <p:par>
+                                <p:cTn id="20" presetID="10" presetClass="entr" presetSubtype="0" fill="hold" nodeType="withEffect">
+                                  <p:stCondLst>
+                                    <p:cond delay="0"/>
+                                  </p:stCondLst>
+                                  <p:childTnLst>
+                                    <p:set>
+                                      <p:cBhvr>
+                                        <p:cTn id="21" dur="1" fill="hold">
+                                          <p:stCondLst>
+                                            <p:cond delay="0"/>
+                                          </p:stCondLst>
+                                        </p:cTn>
+                                        <p:tgtEl>
+                                          <p:spTgt spid="17"/>
+                                        </p:tgtEl>
+                                        <p:attrNameLst>
+                                          <p:attrName>style.visibility</p:attrName>
+                                        </p:attrNameLst>
+                                      </p:cBhvr>
+                                      <p:to>
+                                        <p:strVal val="visible"/>
+                                      </p:to>
+                                    </p:set>
+                                    <p:animEffect transition="in" filter="fade">
+                                      <p:cBhvr>
+                                        <p:cTn id="22" dur="2250"/>
+                                        <p:tgtEl>
+                                          <p:spTgt spid="17"/>
+                                        </p:tgtEl>
+                                      </p:cBhvr>
+                                    </p:animEffect>
+                                  </p:childTnLst>
+                                </p:cTn>
+                              </p:par>
+                              <p:par>
+                                <p:cTn id="23" presetID="10" presetClass="entr" presetSubtype="0" fill="hold" nodeType="withEffect">
+                                  <p:stCondLst>
+                                    <p:cond delay="0"/>
+                                  </p:stCondLst>
+                                  <p:childTnLst>
+                                    <p:set>
+                                      <p:cBhvr>
+                                        <p:cTn id="24" dur="1" fill="hold">
+                                          <p:stCondLst>
+                                            <p:cond delay="0"/>
+                                          </p:stCondLst>
+                                        </p:cTn>
+                                        <p:tgtEl>
+                                          <p:spTgt spid="19"/>
+                                        </p:tgtEl>
+                                        <p:attrNameLst>
+                                          <p:attrName>style.visibility</p:attrName>
+                                        </p:attrNameLst>
+                                      </p:cBhvr>
+                                      <p:to>
+                                        <p:strVal val="visible"/>
+                                      </p:to>
+                                    </p:set>
+                                    <p:animEffect transition="in" filter="fade">
+                                      <p:cBhvr>
+                                        <p:cTn id="25" dur="2250"/>
+                                        <p:tgtEl>
+                                          <p:spTgt spid="19"/>
+                                        </p:tgtEl>
+                                      </p:cBhvr>
+                                    </p:animEffect>
+                                  </p:childTnLst>
+                                </p:cTn>
+                              </p:par>
+                              <p:par>
+                                <p:cTn id="26" presetID="10" presetClass="entr" presetSubtype="0" fill="hold" nodeType="withEffect">
+                                  <p:stCondLst>
+                                    <p:cond delay="0"/>
+                                  </p:stCondLst>
+                                  <p:childTnLst>
+                                    <p:set>
+                                      <p:cBhvr>
+                                        <p:cTn id="27" dur="1" fill="hold">
+                                          <p:stCondLst>
+                                            <p:cond delay="0"/>
+                                          </p:stCondLst>
+                                        </p:cTn>
+                                        <p:tgtEl>
+                                          <p:spTgt spid="21"/>
+                                        </p:tgtEl>
+                                        <p:attrNameLst>
+                                          <p:attrName>style.visibility</p:attrName>
+                                        </p:attrNameLst>
+                                      </p:cBhvr>
+                                      <p:to>
+                                        <p:strVal val="visible"/>
+                                      </p:to>
+                                    </p:set>
+                                    <p:animEffect transition="in" filter="fade">
+                                      <p:cBhvr>
+                                        <p:cTn id="28" dur="2250"/>
+                                        <p:tgtEl>
+                                          <p:spTgt spid="21"/>
+                                        </p:tgtEl>
+                                      </p:cBhvr>
+                                    </p:animEffect>
+                                  </p:childTnLst>
+                                </p:cTn>
+                              </p:par>
+                              <p:par>
+                                <p:cTn id="29" presetID="10" presetClass="entr" presetSubtype="0" fill="hold" grpId="0" nodeType="withEffect">
+                                  <p:stCondLst>
+                                    <p:cond delay="0"/>
+                                  </p:stCondLst>
+                                  <p:childTnLst>
+                                    <p:set>
+                                      <p:cBhvr>
+                                        <p:cTn id="30" dur="1" fill="hold">
+                                          <p:stCondLst>
+                                            <p:cond delay="0"/>
+                                          </p:stCondLst>
+                                        </p:cTn>
+                                        <p:tgtEl>
+                                          <p:spTgt spid="22"/>
+                                        </p:tgtEl>
+                                        <p:attrNameLst>
+                                          <p:attrName>style.visibility</p:attrName>
+                                        </p:attrNameLst>
+                                      </p:cBhvr>
+                                      <p:to>
+                                        <p:strVal val="visible"/>
+                                      </p:to>
+                                    </p:set>
+                                    <p:animEffect transition="in" filter="fade">
+                                      <p:cBhvr>
+                                        <p:cTn id="31" dur="2250"/>
+                                        <p:tgtEl>
+                                          <p:spTgt spid="22"/>
+                                        </p:tgtEl>
+                                      </p:cBhvr>
+                                    </p:animEffect>
+                                  </p:childTnLst>
+                                </p:cTn>
+                              </p:par>
+                              <p:par>
+                                <p:cTn id="32" presetID="10" presetClass="entr" presetSubtype="0" fill="hold" grpId="0" nodeType="withEffect">
+                                  <p:stCondLst>
+                                    <p:cond delay="0"/>
+                                  </p:stCondLst>
+                                  <p:childTnLst>
+                                    <p:set>
+                                      <p:cBhvr>
+                                        <p:cTn id="33" dur="1" fill="hold">
+                                          <p:stCondLst>
+                                            <p:cond delay="0"/>
+                                          </p:stCondLst>
+                                        </p:cTn>
+                                        <p:tgtEl>
+                                          <p:spTgt spid="23"/>
+                                        </p:tgtEl>
+                                        <p:attrNameLst>
+                                          <p:attrName>style.visibility</p:attrName>
+                                        </p:attrNameLst>
+                                      </p:cBhvr>
+                                      <p:to>
+                                        <p:strVal val="visible"/>
+                                      </p:to>
+                                    </p:set>
+                                    <p:animEffect transition="in" filter="fade">
+                                      <p:cBhvr>
+                                        <p:cTn id="34" dur="2200"/>
+                                        <p:tgtEl>
+                                          <p:spTgt spid="23"/>
+                                        </p:tgtEl>
+                                      </p:cBhvr>
+                                    </p:animEffect>
+                                  </p:childTnLst>
+                                </p:cTn>
+                              </p:par>
+                            </p:childTnLst>
+                          </p:cTn>
+                        </p:par>
+                      </p:childTnLst>
+                    </p:cTn>
+                  </p:par>
+                </p:childTnLst>
+              </p:cTn>
+              <p:prevCondLst>
+                <p:cond evt="onPrev" delay="0">
+                  <p:tgtEl>
+                    <p:sldTgt/>
+                  </p:tgtEl>
+                </p:cond>
+              </p:prevCondLst>
+              <p:nextCondLst>
+                <p:cond evt="onNext" delay="0">
+                  <p:tgtEl>
+                    <p:sldTgt/>
+                  </p:tgtEl>
+                </p:cond>
+              </p:nextCondLst>
+            </p:seq>
+          </p:childTnLst>
+        </p:cTn>
+      </p:par>
+    </p:tnLst>
+    <p:bldLst>
+      <p:bldP spid="12" grpId="0"/>
+      <p:bldP spid="13" grpId="0"/>
+      <p:bldP spid="22" grpId="0"/>
+      <p:bldP spid="23" grpId="0"/>
+    </p:bldLst>
   </p:timing>
 </p:sld>
 </file>
@@ -12014,15 +14359,6 @@
 </file>
 
 <file path=customXml/item1.xml><?xml version="1.0" encoding="utf-8"?>
-<?mso-contentType ?>
-<FormTemplates xmlns="http://schemas.microsoft.com/sharepoint/v3/contenttype/forms">
-  <Display>DocumentLibraryForm</Display>
-  <Edit>DocumentLibraryForm</Edit>
-  <New>DocumentLibraryForm</New>
-</FormTemplates>
-</file>
-
-<file path=customXml/item2.xml><?xml version="1.0" encoding="utf-8"?>
 <ct:contentTypeSchema xmlns:ct="http://schemas.microsoft.com/office/2006/metadata/contentType" xmlns:ma="http://schemas.microsoft.com/office/2006/metadata/properties/metaAttributes" ct:_="" ma:_="" ma:contentTypeName="Document" ma:contentTypeID="0x010100C4D9499608C47647917799D4E22F9B21" ma:contentTypeVersion="6" ma:contentTypeDescription="Create a new document." ma:contentTypeScope="" ma:versionID="1481f75dda54c839def1c8ea2ae0f2ea">
   <xsd:schema xmlns:xsd="http://www.w3.org/2001/XMLSchema" xmlns:xs="http://www.w3.org/2001/XMLSchema" xmlns:p="http://schemas.microsoft.com/office/2006/metadata/properties" xmlns:ns2="d927918d-a70a-4e37-bca2-2bc768f8ccde" xmlns:ns3="37b0d389-0b2b-4e15-a823-52abbd762844" targetNamespace="http://schemas.microsoft.com/office/2006/metadata/properties" ma:root="true" ma:fieldsID="bb28cb4a00270ef9f6bff9be493d1302" ns2:_="" ns3:_="">
     <xsd:import namespace="d927918d-a70a-4e37-bca2-2bc768f8ccde"/>
@@ -12201,6 +14537,15 @@
 </ct:contentTypeSchema>
 </file>
 
+<file path=customXml/item2.xml><?xml version="1.0" encoding="utf-8"?>
+<?mso-contentType ?>
+<FormTemplates xmlns="http://schemas.microsoft.com/sharepoint/v3/contenttype/forms">
+  <Display>DocumentLibraryForm</Display>
+  <Edit>DocumentLibraryForm</Edit>
+  <New>DocumentLibraryForm</New>
+</FormTemplates>
+</file>
+
 <file path=customXml/item3.xml><?xml version="1.0" encoding="utf-8"?>
 <p:properties xmlns:p="http://schemas.microsoft.com/office/2006/metadata/properties" xmlns:xsi="http://www.w3.org/2001/XMLSchema-instance" xmlns:pc="http://schemas.microsoft.com/office/infopath/2007/PartnerControls">
   <documentManagement/>
@@ -12208,14 +14553,6 @@
 </file>
 
 <file path=customXml/itemProps1.xml><?xml version="1.0" encoding="utf-8"?>
-<ds:datastoreItem xmlns:ds="http://schemas.openxmlformats.org/officeDocument/2006/customXml" ds:itemID="{61D95524-A27C-482A-8CFD-2BC6356689D0}">
-  <ds:schemaRefs>
-    <ds:schemaRef ds:uri="http://schemas.microsoft.com/sharepoint/v3/contenttype/forms"/>
-  </ds:schemaRefs>
-</ds:datastoreItem>
-</file>
-
-<file path=customXml/itemProps2.xml><?xml version="1.0" encoding="utf-8"?>
 <ds:datastoreItem xmlns:ds="http://schemas.openxmlformats.org/officeDocument/2006/customXml" ds:itemID="{233B3776-60C8-40AF-B337-0364326BC278}">
   <ds:schemaRefs>
     <ds:schemaRef ds:uri="http://schemas.microsoft.com/office/2006/metadata/contentType"/>
@@ -12230,6 +14567,14 @@
     <ds:schemaRef ds:uri="http://purl.org/dc/elements/1.1/"/>
     <ds:schemaRef ds:uri="http://purl.org/dc/terms/"/>
     <ds:schemaRef ds:uri="http://schemas.microsoft.com/internal/obd"/>
+  </ds:schemaRefs>
+</ds:datastoreItem>
+</file>
+
+<file path=customXml/itemProps2.xml><?xml version="1.0" encoding="utf-8"?>
+<ds:datastoreItem xmlns:ds="http://schemas.openxmlformats.org/officeDocument/2006/customXml" ds:itemID="{61D95524-A27C-482A-8CFD-2BC6356689D0}">
+  <ds:schemaRefs>
+    <ds:schemaRef ds:uri="http://schemas.microsoft.com/sharepoint/v3/contenttype/forms"/>
   </ds:schemaRefs>
 </ds:datastoreItem>
 </file>

--- a/FY19 NA-LA.pptx
+++ b/FY19 NA-LA.pptx
@@ -5,37 +5,39 @@
     <p:sldMasterId id="2147483658" r:id="rId4"/>
   </p:sldMasterIdLst>
   <p:notesMasterIdLst>
-    <p:notesMasterId r:id="rId30"/>
+    <p:notesMasterId r:id="rId32"/>
   </p:notesMasterIdLst>
   <p:handoutMasterIdLst>
-    <p:handoutMasterId r:id="rId31"/>
+    <p:handoutMasterId r:id="rId33"/>
   </p:handoutMasterIdLst>
   <p:sldIdLst>
     <p:sldId id="309" r:id="rId5"/>
     <p:sldId id="359" r:id="rId6"/>
     <p:sldId id="378" r:id="rId7"/>
-    <p:sldId id="367" r:id="rId8"/>
-    <p:sldId id="371" r:id="rId9"/>
-    <p:sldId id="377" r:id="rId10"/>
-    <p:sldId id="356" r:id="rId11"/>
-    <p:sldId id="379" r:id="rId12"/>
-    <p:sldId id="380" r:id="rId13"/>
-    <p:sldId id="361" r:id="rId14"/>
-    <p:sldId id="362" r:id="rId15"/>
-    <p:sldId id="363" r:id="rId16"/>
-    <p:sldId id="364" r:id="rId17"/>
-    <p:sldId id="365" r:id="rId18"/>
-    <p:sldId id="381" r:id="rId19"/>
-    <p:sldId id="368" r:id="rId20"/>
-    <p:sldId id="373" r:id="rId21"/>
-    <p:sldId id="374" r:id="rId22"/>
-    <p:sldId id="375" r:id="rId23"/>
-    <p:sldId id="382" r:id="rId24"/>
-    <p:sldId id="376" r:id="rId25"/>
-    <p:sldId id="358" r:id="rId26"/>
-    <p:sldId id="372" r:id="rId27"/>
-    <p:sldId id="366" r:id="rId28"/>
-    <p:sldId id="369" r:id="rId29"/>
+    <p:sldId id="383" r:id="rId8"/>
+    <p:sldId id="367" r:id="rId9"/>
+    <p:sldId id="371" r:id="rId10"/>
+    <p:sldId id="377" r:id="rId11"/>
+    <p:sldId id="356" r:id="rId12"/>
+    <p:sldId id="379" r:id="rId13"/>
+    <p:sldId id="380" r:id="rId14"/>
+    <p:sldId id="361" r:id="rId15"/>
+    <p:sldId id="362" r:id="rId16"/>
+    <p:sldId id="384" r:id="rId17"/>
+    <p:sldId id="363" r:id="rId18"/>
+    <p:sldId id="364" r:id="rId19"/>
+    <p:sldId id="365" r:id="rId20"/>
+    <p:sldId id="381" r:id="rId21"/>
+    <p:sldId id="368" r:id="rId22"/>
+    <p:sldId id="373" r:id="rId23"/>
+    <p:sldId id="374" r:id="rId24"/>
+    <p:sldId id="375" r:id="rId25"/>
+    <p:sldId id="382" r:id="rId26"/>
+    <p:sldId id="376" r:id="rId27"/>
+    <p:sldId id="358" r:id="rId28"/>
+    <p:sldId id="372" r:id="rId29"/>
+    <p:sldId id="366" r:id="rId30"/>
+    <p:sldId id="369" r:id="rId31"/>
   </p:sldIdLst>
   <p:sldSz cx="12192000" cy="6858000"/>
   <p:notesSz cx="6858000" cy="9144000"/>
@@ -227,7 +229,7 @@
           <a:p>
             <a:fld id="{DFBD7333-DD87-4773-BED3-E2892A4094EE}" type="datetimeFigureOut">
               <a:rPr lang="en-US" smtClean="0"/>
-              <a:t>10/11/2018</a:t>
+              <a:t>10/12/2018</a:t>
             </a:fld>
             <a:endParaRPr lang="en-US"/>
           </a:p>
@@ -392,7 +394,7 @@
           <a:p>
             <a:fld id="{D39D084F-DC83-4EB0-8CED-52E9AA3ECA1C}" type="datetimeFigureOut">
               <a:rPr lang="en-US" smtClean="0"/>
-              <a:t>10/11/2018</a:t>
+              <a:t>10/12/2018</a:t>
             </a:fld>
             <a:endParaRPr lang="en-US"/>
           </a:p>
@@ -1216,7 +1218,7 @@
           <a:p>
             <a:fld id="{AC157E0A-F321-48DC-AF94-681D4DCF344D}" type="slidenum">
               <a:rPr lang="en-US" smtClean="0"/>
-              <a:t>19</a:t>
+              <a:t>21</a:t>
             </a:fld>
             <a:endParaRPr lang="en-US" dirty="0"/>
           </a:p>
@@ -1265,7 +1267,7 @@
           <p:cNvPr id="4" name="Picture 3">
             <a:extLst>
               <a:ext uri="{FF2B5EF4-FFF2-40B4-BE49-F238E27FC236}">
-                <a16:creationId xmlns:a16="http://schemas.microsoft.com/office/drawing/2014/main" xmlns="" id="{A1E43A4C-B64A-406B-8BC7-21B0A8DCD424}"/>
+                <a16:creationId xmlns="" xmlns:a16="http://schemas.microsoft.com/office/drawing/2014/main" id="{A1E43A4C-B64A-406B-8BC7-21B0A8DCD424}"/>
               </a:ext>
             </a:extLst>
           </p:cNvPr>
@@ -1608,7 +1610,7 @@
           <p:cNvPr id="10" name="Text Placeholder 3">
             <a:extLst>
               <a:ext uri="{FF2B5EF4-FFF2-40B4-BE49-F238E27FC236}">
-                <a16:creationId xmlns:a16="http://schemas.microsoft.com/office/drawing/2014/main" xmlns="" id="{9B2E4451-6399-C14C-9364-9E1623484785}"/>
+                <a16:creationId xmlns="" xmlns:a16="http://schemas.microsoft.com/office/drawing/2014/main" id="{9B2E4451-6399-C14C-9364-9E1623484785}"/>
               </a:ext>
             </a:extLst>
           </p:cNvPr>
@@ -1697,7 +1699,7 @@
           <p:cNvPr id="2" name="Title 1">
             <a:extLst>
               <a:ext uri="{FF2B5EF4-FFF2-40B4-BE49-F238E27FC236}">
-                <a16:creationId xmlns:a16="http://schemas.microsoft.com/office/drawing/2014/main" xmlns="" id="{FA91734F-0153-4648-8C24-1FCCA145329A}"/>
+                <a16:creationId xmlns="" xmlns:a16="http://schemas.microsoft.com/office/drawing/2014/main" id="{FA91734F-0153-4648-8C24-1FCCA145329A}"/>
               </a:ext>
             </a:extLst>
           </p:cNvPr>
@@ -1738,7 +1740,7 @@
           <p:cNvPr id="3" name="Footer Placeholder 2">
             <a:extLst>
               <a:ext uri="{FF2B5EF4-FFF2-40B4-BE49-F238E27FC236}">
-                <a16:creationId xmlns:a16="http://schemas.microsoft.com/office/drawing/2014/main" xmlns="" id="{2EC717A1-9491-405B-8FE4-1A2CFA0C6BAB}"/>
+                <a16:creationId xmlns="" xmlns:a16="http://schemas.microsoft.com/office/drawing/2014/main" id="{2EC717A1-9491-405B-8FE4-1A2CFA0C6BAB}"/>
               </a:ext>
             </a:extLst>
           </p:cNvPr>
@@ -1767,7 +1769,7 @@
           <p:cNvPr id="4" name="Slide Number Placeholder 3">
             <a:extLst>
               <a:ext uri="{FF2B5EF4-FFF2-40B4-BE49-F238E27FC236}">
-                <a16:creationId xmlns:a16="http://schemas.microsoft.com/office/drawing/2014/main" xmlns="" id="{C08338BE-28A3-4E13-BB9C-1D55929C5C65}"/>
+                <a16:creationId xmlns="" xmlns:a16="http://schemas.microsoft.com/office/drawing/2014/main" id="{C08338BE-28A3-4E13-BB9C-1D55929C5C65}"/>
               </a:ext>
             </a:extLst>
           </p:cNvPr>
@@ -1797,7 +1799,7 @@
           <p:cNvPr id="7" name="Text Placeholder 6">
             <a:extLst>
               <a:ext uri="{FF2B5EF4-FFF2-40B4-BE49-F238E27FC236}">
-                <a16:creationId xmlns:a16="http://schemas.microsoft.com/office/drawing/2014/main" xmlns="" id="{90A31350-F3C6-4EFF-BD62-A85A14BB3177}"/>
+                <a16:creationId xmlns="" xmlns:a16="http://schemas.microsoft.com/office/drawing/2014/main" id="{90A31350-F3C6-4EFF-BD62-A85A14BB3177}"/>
               </a:ext>
             </a:extLst>
           </p:cNvPr>
@@ -2203,7 +2205,7 @@
           <p:cNvPr id="8" name="Picture 7">
             <a:extLst>
               <a:ext uri="{FF2B5EF4-FFF2-40B4-BE49-F238E27FC236}">
-                <a16:creationId xmlns:a16="http://schemas.microsoft.com/office/drawing/2014/main" xmlns="" id="{C68FE6CB-FD85-40DB-85A8-736A482E009A}"/>
+                <a16:creationId xmlns="" xmlns:a16="http://schemas.microsoft.com/office/drawing/2014/main" id="{C68FE6CB-FD85-40DB-85A8-736A482E009A}"/>
               </a:ext>
             </a:extLst>
           </p:cNvPr>
@@ -2422,7 +2424,7 @@
           <p:cNvPr id="8" name="Picture 7">
             <a:extLst>
               <a:ext uri="{FF2B5EF4-FFF2-40B4-BE49-F238E27FC236}">
-                <a16:creationId xmlns:a16="http://schemas.microsoft.com/office/drawing/2014/main" xmlns="" id="{88B412C7-9CE4-4972-B171-4BFF6A98270C}"/>
+                <a16:creationId xmlns="" xmlns:a16="http://schemas.microsoft.com/office/drawing/2014/main" id="{88B412C7-9CE4-4972-B171-4BFF6A98270C}"/>
               </a:ext>
             </a:extLst>
           </p:cNvPr>
@@ -3281,7 +3283,7 @@
           <p:cNvPr id="4" name="Text Placeholder 3">
             <a:extLst>
               <a:ext uri="{FF2B5EF4-FFF2-40B4-BE49-F238E27FC236}">
-                <a16:creationId xmlns:a16="http://schemas.microsoft.com/office/drawing/2014/main" xmlns="" id="{84E7BDCB-2116-B14C-A81B-0B1235048A79}"/>
+                <a16:creationId xmlns="" xmlns:a16="http://schemas.microsoft.com/office/drawing/2014/main" id="{84E7BDCB-2116-B14C-A81B-0B1235048A79}"/>
               </a:ext>
             </a:extLst>
           </p:cNvPr>
@@ -3351,6 +3353,881 @@
       </p:grpSpPr>
       <p:sp>
         <p:nvSpPr>
+          <p:cNvPr id="2" name="Title 1"/>
+          <p:cNvSpPr>
+            <a:spLocks noGrp="1"/>
+          </p:cNvSpPr>
+          <p:nvPr>
+            <p:ph type="title"/>
+          </p:nvPr>
+        </p:nvSpPr>
+        <p:spPr/>
+        <p:txBody>
+          <a:bodyPr/>
+          <a:lstStyle/>
+          <a:p>
+            <a:r>
+              <a:rPr lang="en-US" dirty="0" smtClean="0"/>
+              <a:t>Real-life process</a:t>
+            </a:r>
+            <a:endParaRPr lang="en-US" dirty="0"/>
+          </a:p>
+        </p:txBody>
+      </p:sp>
+      <p:sp>
+        <p:nvSpPr>
+          <p:cNvPr id="3" name="Footer Placeholder 2"/>
+          <p:cNvSpPr>
+            <a:spLocks noGrp="1"/>
+          </p:cNvSpPr>
+          <p:nvPr>
+            <p:ph type="ftr" sz="quarter" idx="10"/>
+          </p:nvPr>
+        </p:nvSpPr>
+        <p:spPr/>
+        <p:txBody>
+          <a:bodyPr/>
+          <a:lstStyle/>
+          <a:p>
+            <a:r>
+              <a:rPr lang="en-US" smtClean="0"/>
+              <a:t>Copyright © 2018 Accenture. All rights reserved.</a:t>
+            </a:r>
+            <a:endParaRPr lang="en-US" dirty="0"/>
+          </a:p>
+        </p:txBody>
+      </p:sp>
+      <p:sp>
+        <p:nvSpPr>
+          <p:cNvPr id="4" name="Slide Number Placeholder 3"/>
+          <p:cNvSpPr>
+            <a:spLocks noGrp="1"/>
+          </p:cNvSpPr>
+          <p:nvPr>
+            <p:ph type="sldNum" sz="quarter" idx="11"/>
+          </p:nvPr>
+        </p:nvSpPr>
+        <p:spPr/>
+        <p:txBody>
+          <a:bodyPr/>
+          <a:lstStyle/>
+          <a:p>
+            <a:fld id="{4F9AC08D-23A9-440E-BCB9-AA1E9877CC38}" type="slidenum">
+              <a:rPr lang="en-US" smtClean="0"/>
+              <a:pPr/>
+              <a:t>10</a:t>
+            </a:fld>
+            <a:endParaRPr lang="en-US" dirty="0"/>
+          </a:p>
+        </p:txBody>
+      </p:sp>
+      <p:pic>
+        <p:nvPicPr>
+          <p:cNvPr id="7" name="Picture 6"/>
+          <p:cNvPicPr>
+            <a:picLocks noChangeAspect="1"/>
+          </p:cNvPicPr>
+          <p:nvPr/>
+        </p:nvPicPr>
+        <p:blipFill>
+          <a:blip r:embed="rId2"/>
+          <a:stretch>
+            <a:fillRect/>
+          </a:stretch>
+        </p:blipFill>
+        <p:spPr>
+          <a:xfrm>
+            <a:off x="1262335" y="1508353"/>
+            <a:ext cx="1104220" cy="1104220"/>
+          </a:xfrm>
+          <a:prstGeom prst="rect">
+            <a:avLst/>
+          </a:prstGeom>
+        </p:spPr>
+      </p:pic>
+      <p:pic>
+        <p:nvPicPr>
+          <p:cNvPr id="11" name="Picture 10"/>
+          <p:cNvPicPr>
+            <a:picLocks noChangeAspect="1"/>
+          </p:cNvPicPr>
+          <p:nvPr/>
+        </p:nvPicPr>
+        <p:blipFill>
+          <a:blip r:embed="rId3"/>
+          <a:stretch>
+            <a:fillRect/>
+          </a:stretch>
+        </p:blipFill>
+        <p:spPr>
+          <a:xfrm>
+            <a:off x="1101907" y="3589571"/>
+            <a:ext cx="1264648" cy="1345864"/>
+          </a:xfrm>
+          <a:prstGeom prst="rect">
+            <a:avLst/>
+          </a:prstGeom>
+        </p:spPr>
+      </p:pic>
+      <p:sp>
+        <p:nvSpPr>
+          <p:cNvPr id="12" name="TextBox 11"/>
+          <p:cNvSpPr txBox="1"/>
+          <p:nvPr/>
+        </p:nvSpPr>
+        <p:spPr>
+          <a:xfrm>
+            <a:off x="908748" y="2662490"/>
+            <a:ext cx="1811393" cy="292388"/>
+          </a:xfrm>
+          <a:prstGeom prst="rect">
+            <a:avLst/>
+          </a:prstGeom>
+          <a:noFill/>
+        </p:spPr>
+        <p:txBody>
+          <a:bodyPr wrap="none" lIns="0" tIns="0" rIns="0" bIns="45720" rtlCol="0">
+            <a:spAutoFit/>
+          </a:bodyPr>
+          <a:lstStyle/>
+          <a:p>
+            <a:r>
+              <a:rPr lang="en-US" sz="1600" dirty="0" smtClean="0">
+                <a:latin typeface="Comic Sans MS" panose="030F0702030302020204" pitchFamily="66" charset="0"/>
+              </a:rPr>
+              <a:t>Ate cookie ? {Y, N}</a:t>
+            </a:r>
+          </a:p>
+        </p:txBody>
+      </p:sp>
+      <p:sp>
+        <p:nvSpPr>
+          <p:cNvPr id="13" name="TextBox 12"/>
+          <p:cNvSpPr txBox="1"/>
+          <p:nvPr/>
+        </p:nvSpPr>
+        <p:spPr>
+          <a:xfrm>
+            <a:off x="908748" y="5153141"/>
+            <a:ext cx="1950855" cy="292388"/>
+          </a:xfrm>
+          <a:prstGeom prst="rect">
+            <a:avLst/>
+          </a:prstGeom>
+          <a:noFill/>
+        </p:spPr>
+        <p:txBody>
+          <a:bodyPr wrap="none" lIns="0" tIns="0" rIns="0" bIns="45720" rtlCol="0">
+            <a:spAutoFit/>
+          </a:bodyPr>
+          <a:lstStyle/>
+          <a:p>
+            <a:r>
+              <a:rPr lang="en-US" sz="1600" dirty="0" smtClean="0">
+                <a:latin typeface="Comic Sans MS" panose="030F0702030302020204" pitchFamily="66" charset="0"/>
+              </a:rPr>
+              <a:t>Before lunch? {Y, N}</a:t>
+            </a:r>
+          </a:p>
+        </p:txBody>
+      </p:sp>
+      <p:cxnSp>
+        <p:nvCxnSpPr>
+          <p:cNvPr id="15" name="Straight Connector 14"/>
+          <p:cNvCxnSpPr/>
+          <p:nvPr/>
+        </p:nvCxnSpPr>
+        <p:spPr>
+          <a:xfrm>
+            <a:off x="3866606" y="1672046"/>
+            <a:ext cx="0" cy="3627289"/>
+          </a:xfrm>
+          <a:prstGeom prst="line">
+            <a:avLst/>
+          </a:prstGeom>
+          <a:ln w="38100"/>
+        </p:spPr>
+        <p:style>
+          <a:lnRef idx="3">
+            <a:schemeClr val="dk1"/>
+          </a:lnRef>
+          <a:fillRef idx="0">
+            <a:schemeClr val="dk1"/>
+          </a:fillRef>
+          <a:effectRef idx="2">
+            <a:schemeClr val="dk1"/>
+          </a:effectRef>
+          <a:fontRef idx="minor">
+            <a:schemeClr val="tx1"/>
+          </a:fontRef>
+        </p:style>
+      </p:cxnSp>
+      <p:pic>
+        <p:nvPicPr>
+          <p:cNvPr id="17" name="Picture 16"/>
+          <p:cNvPicPr>
+            <a:picLocks noChangeAspect="1"/>
+          </p:cNvPicPr>
+          <p:nvPr/>
+        </p:nvPicPr>
+        <p:blipFill>
+          <a:blip r:embed="rId4"/>
+          <a:stretch>
+            <a:fillRect/>
+          </a:stretch>
+        </p:blipFill>
+        <p:spPr>
+          <a:xfrm>
+            <a:off x="5612810" y="2381385"/>
+            <a:ext cx="1273175" cy="1955484"/>
+          </a:xfrm>
+          <a:prstGeom prst="rect">
+            <a:avLst/>
+          </a:prstGeom>
+        </p:spPr>
+      </p:pic>
+      <p:cxnSp>
+        <p:nvCxnSpPr>
+          <p:cNvPr id="19" name="Straight Arrow Connector 18"/>
+          <p:cNvCxnSpPr/>
+          <p:nvPr/>
+        </p:nvCxnSpPr>
+        <p:spPr>
+          <a:xfrm>
+            <a:off x="2720141" y="2194560"/>
+            <a:ext cx="2374373" cy="1071154"/>
+          </a:xfrm>
+          <a:prstGeom prst="straightConnector1">
+            <a:avLst/>
+          </a:prstGeom>
+          <a:ln w="38100">
+            <a:solidFill>
+              <a:schemeClr val="tx1"/>
+            </a:solidFill>
+            <a:tailEnd type="triangle"/>
+          </a:ln>
+        </p:spPr>
+        <p:style>
+          <a:lnRef idx="1">
+            <a:schemeClr val="accent1"/>
+          </a:lnRef>
+          <a:fillRef idx="0">
+            <a:schemeClr val="accent1"/>
+          </a:fillRef>
+          <a:effectRef idx="0">
+            <a:schemeClr val="accent1"/>
+          </a:effectRef>
+          <a:fontRef idx="minor">
+            <a:schemeClr val="tx1"/>
+          </a:fontRef>
+        </p:style>
+      </p:cxnSp>
+      <p:cxnSp>
+        <p:nvCxnSpPr>
+          <p:cNvPr id="21" name="Straight Arrow Connector 20"/>
+          <p:cNvCxnSpPr/>
+          <p:nvPr/>
+        </p:nvCxnSpPr>
+        <p:spPr>
+          <a:xfrm flipV="1">
+            <a:off x="2366555" y="3735977"/>
+            <a:ext cx="2741022" cy="772734"/>
+          </a:xfrm>
+          <a:prstGeom prst="straightConnector1">
+            <a:avLst/>
+          </a:prstGeom>
+          <a:ln w="38100">
+            <a:solidFill>
+              <a:schemeClr val="tx1"/>
+            </a:solidFill>
+            <a:tailEnd type="triangle"/>
+          </a:ln>
+        </p:spPr>
+        <p:style>
+          <a:lnRef idx="1">
+            <a:schemeClr val="accent1"/>
+          </a:lnRef>
+          <a:fillRef idx="0">
+            <a:schemeClr val="accent1"/>
+          </a:fillRef>
+          <a:effectRef idx="0">
+            <a:schemeClr val="accent1"/>
+          </a:effectRef>
+          <a:fontRef idx="minor">
+            <a:schemeClr val="tx1"/>
+          </a:fontRef>
+        </p:style>
+      </p:cxnSp>
+      <p:sp>
+        <p:nvSpPr>
+          <p:cNvPr id="22" name="TextBox 21"/>
+          <p:cNvSpPr txBox="1"/>
+          <p:nvPr/>
+        </p:nvSpPr>
+        <p:spPr>
+          <a:xfrm>
+            <a:off x="5642055" y="4590404"/>
+            <a:ext cx="1243930" cy="292388"/>
+          </a:xfrm>
+          <a:prstGeom prst="rect">
+            <a:avLst/>
+          </a:prstGeom>
+          <a:noFill/>
+        </p:spPr>
+        <p:txBody>
+          <a:bodyPr wrap="none" lIns="0" tIns="0" rIns="0" bIns="45720" rtlCol="0">
+            <a:spAutoFit/>
+          </a:bodyPr>
+          <a:lstStyle/>
+          <a:p>
+            <a:r>
+              <a:rPr lang="en-US" sz="1600" dirty="0" smtClean="0">
+                <a:latin typeface="Comic Sans MS" panose="030F0702030302020204" pitchFamily="66" charset="0"/>
+              </a:rPr>
+              <a:t>SLAP? {Y, N}</a:t>
+            </a:r>
+          </a:p>
+        </p:txBody>
+      </p:sp>
+      <mc:AlternateContent xmlns:mc="http://schemas.openxmlformats.org/markup-compatibility/2006">
+        <mc:Choice xmlns:a14="http://schemas.microsoft.com/office/drawing/2010/main" Requires="a14">
+          <p:sp>
+            <p:nvSpPr>
+              <p:cNvPr id="23" name="TextBox 22"/>
+              <p:cNvSpPr txBox="1"/>
+              <p:nvPr/>
+            </p:nvSpPr>
+            <p:spPr>
+              <a:xfrm>
+                <a:off x="1578446" y="3160216"/>
+                <a:ext cx="347275" cy="314766"/>
+              </a:xfrm>
+              <a:prstGeom prst="rect">
+                <a:avLst/>
+              </a:prstGeom>
+              <a:noFill/>
+            </p:spPr>
+            <p:txBody>
+              <a:bodyPr wrap="none" lIns="0" tIns="0" rIns="0" bIns="0" rtlCol="0">
+                <a:spAutoFit/>
+              </a:bodyPr>
+              <a:lstStyle/>
+              <a:p>
+                <a:pPr/>
+                <a14:m>
+                  <m:oMathPara xmlns:m="http://schemas.openxmlformats.org/officeDocument/2006/math">
+                    <m:oMathParaPr>
+                      <m:jc m:val="centerGroup"/>
+                    </m:oMathParaPr>
+                    <m:oMath xmlns:m="http://schemas.openxmlformats.org/officeDocument/2006/math">
+                      <m:sSup>
+                        <m:sSupPr>
+                          <m:ctrlPr>
+                            <a:rPr lang="en-US" sz="2000" b="1" i="1" smtClean="0">
+                              <a:latin typeface="Cambria Math" panose="02040503050406030204" pitchFamily="18" charset="0"/>
+                            </a:rPr>
+                          </m:ctrlPr>
+                        </m:sSupPr>
+                        <m:e>
+                          <m:r>
+                            <a:rPr lang="en-US" sz="2000" b="1" i="1" smtClean="0">
+                              <a:latin typeface="Cambria Math" panose="02040503050406030204" pitchFamily="18" charset="0"/>
+                            </a:rPr>
+                            <m:t>𝟐</m:t>
+                          </m:r>
+                        </m:e>
+                        <m:sup>
+                          <m:r>
+                            <a:rPr lang="en-US" sz="2000" b="1" i="1" smtClean="0">
+                              <a:latin typeface="Cambria Math" panose="02040503050406030204" pitchFamily="18" charset="0"/>
+                            </a:rPr>
+                            <m:t>𝟐</m:t>
+                          </m:r>
+                        </m:sup>
+                      </m:sSup>
+                    </m:oMath>
+                  </m:oMathPara>
+                </a14:m>
+                <a:endParaRPr lang="en-US" sz="2000" b="1" dirty="0" smtClean="0"/>
+              </a:p>
+            </p:txBody>
+          </p:sp>
+        </mc:Choice>
+        <mc:Fallback>
+          <p:sp>
+            <p:nvSpPr>
+              <p:cNvPr id="23" name="TextBox 22"/>
+              <p:cNvSpPr txBox="1">
+                <a:spLocks noRot="1" noChangeAspect="1" noMove="1" noResize="1" noEditPoints="1" noAdjustHandles="1" noChangeArrowheads="1" noChangeShapeType="1" noTextEdit="1"/>
+              </p:cNvSpPr>
+              <p:nvPr/>
+            </p:nvSpPr>
+            <p:spPr>
+              <a:xfrm>
+                <a:off x="1578446" y="3160216"/>
+                <a:ext cx="347275" cy="314766"/>
+              </a:xfrm>
+              <a:prstGeom prst="rect">
+                <a:avLst/>
+              </a:prstGeom>
+              <a:blipFill rotWithShape="0">
+                <a:blip r:embed="rId5"/>
+                <a:stretch>
+                  <a:fillRect l="-15789" r="-7018" b="-9615"/>
+                </a:stretch>
+              </a:blipFill>
+            </p:spPr>
+            <p:txBody>
+              <a:bodyPr/>
+              <a:lstStyle/>
+              <a:p>
+                <a:r>
+                  <a:rPr lang="en-US">
+                    <a:noFill/>
+                  </a:rPr>
+                  <a:t> </a:t>
+                </a:r>
+              </a:p>
+            </p:txBody>
+          </p:sp>
+        </mc:Fallback>
+      </mc:AlternateContent>
+    </p:spTree>
+    <p:extLst>
+      <p:ext uri="{BB962C8B-B14F-4D97-AF65-F5344CB8AC3E}">
+        <p14:creationId xmlns:p14="http://schemas.microsoft.com/office/powerpoint/2010/main" val="2882953391"/>
+      </p:ext>
+    </p:extLst>
+  </p:cSld>
+  <p:clrMapOvr>
+    <a:masterClrMapping/>
+  </p:clrMapOvr>
+  <p:timing>
+    <p:tnLst>
+      <p:par>
+        <p:cTn id="1" dur="indefinite" restart="never" nodeType="tmRoot">
+          <p:childTnLst>
+            <p:seq concurrent="1" nextAc="seek">
+              <p:cTn id="2" dur="indefinite" nodeType="mainSeq">
+                <p:childTnLst>
+                  <p:par>
+                    <p:cTn id="3" fill="hold">
+                      <p:stCondLst>
+                        <p:cond delay="indefinite"/>
+                      </p:stCondLst>
+                      <p:childTnLst>
+                        <p:par>
+                          <p:cTn id="4" fill="hold">
+                            <p:stCondLst>
+                              <p:cond delay="0"/>
+                            </p:stCondLst>
+                            <p:childTnLst>
+                              <p:par>
+                                <p:cTn id="5" presetID="10" presetClass="entr" presetSubtype="0" fill="hold" nodeType="clickEffect">
+                                  <p:stCondLst>
+                                    <p:cond delay="0"/>
+                                  </p:stCondLst>
+                                  <p:childTnLst>
+                                    <p:set>
+                                      <p:cBhvr>
+                                        <p:cTn id="6" dur="1" fill="hold">
+                                          <p:stCondLst>
+                                            <p:cond delay="0"/>
+                                          </p:stCondLst>
+                                        </p:cTn>
+                                        <p:tgtEl>
+                                          <p:spTgt spid="7"/>
+                                        </p:tgtEl>
+                                        <p:attrNameLst>
+                                          <p:attrName>style.visibility</p:attrName>
+                                        </p:attrNameLst>
+                                      </p:cBhvr>
+                                      <p:to>
+                                        <p:strVal val="visible"/>
+                                      </p:to>
+                                    </p:set>
+                                    <p:animEffect transition="in" filter="fade">
+                                      <p:cBhvr>
+                                        <p:cTn id="7" dur="2250"/>
+                                        <p:tgtEl>
+                                          <p:spTgt spid="7"/>
+                                        </p:tgtEl>
+                                      </p:cBhvr>
+                                    </p:animEffect>
+                                  </p:childTnLst>
+                                </p:cTn>
+                              </p:par>
+                              <p:par>
+                                <p:cTn id="8" presetID="10" presetClass="entr" presetSubtype="0" fill="hold" nodeType="withEffect">
+                                  <p:stCondLst>
+                                    <p:cond delay="0"/>
+                                  </p:stCondLst>
+                                  <p:childTnLst>
+                                    <p:set>
+                                      <p:cBhvr>
+                                        <p:cTn id="9" dur="1" fill="hold">
+                                          <p:stCondLst>
+                                            <p:cond delay="0"/>
+                                          </p:stCondLst>
+                                        </p:cTn>
+                                        <p:tgtEl>
+                                          <p:spTgt spid="11"/>
+                                        </p:tgtEl>
+                                        <p:attrNameLst>
+                                          <p:attrName>style.visibility</p:attrName>
+                                        </p:attrNameLst>
+                                      </p:cBhvr>
+                                      <p:to>
+                                        <p:strVal val="visible"/>
+                                      </p:to>
+                                    </p:set>
+                                    <p:animEffect transition="in" filter="fade">
+                                      <p:cBhvr>
+                                        <p:cTn id="10" dur="2250"/>
+                                        <p:tgtEl>
+                                          <p:spTgt spid="11"/>
+                                        </p:tgtEl>
+                                      </p:cBhvr>
+                                    </p:animEffect>
+                                  </p:childTnLst>
+                                </p:cTn>
+                              </p:par>
+                              <p:par>
+                                <p:cTn id="11" presetID="10" presetClass="entr" presetSubtype="0" fill="hold" grpId="0" nodeType="withEffect">
+                                  <p:stCondLst>
+                                    <p:cond delay="0"/>
+                                  </p:stCondLst>
+                                  <p:childTnLst>
+                                    <p:set>
+                                      <p:cBhvr>
+                                        <p:cTn id="12" dur="1" fill="hold">
+                                          <p:stCondLst>
+                                            <p:cond delay="0"/>
+                                          </p:stCondLst>
+                                        </p:cTn>
+                                        <p:tgtEl>
+                                          <p:spTgt spid="12"/>
+                                        </p:tgtEl>
+                                        <p:attrNameLst>
+                                          <p:attrName>style.visibility</p:attrName>
+                                        </p:attrNameLst>
+                                      </p:cBhvr>
+                                      <p:to>
+                                        <p:strVal val="visible"/>
+                                      </p:to>
+                                    </p:set>
+                                    <p:animEffect transition="in" filter="fade">
+                                      <p:cBhvr>
+                                        <p:cTn id="13" dur="2250"/>
+                                        <p:tgtEl>
+                                          <p:spTgt spid="12"/>
+                                        </p:tgtEl>
+                                      </p:cBhvr>
+                                    </p:animEffect>
+                                  </p:childTnLst>
+                                </p:cTn>
+                              </p:par>
+                              <p:par>
+                                <p:cTn id="14" presetID="10" presetClass="entr" presetSubtype="0" fill="hold" grpId="0" nodeType="withEffect">
+                                  <p:stCondLst>
+                                    <p:cond delay="0"/>
+                                  </p:stCondLst>
+                                  <p:childTnLst>
+                                    <p:set>
+                                      <p:cBhvr>
+                                        <p:cTn id="15" dur="1" fill="hold">
+                                          <p:stCondLst>
+                                            <p:cond delay="0"/>
+                                          </p:stCondLst>
+                                        </p:cTn>
+                                        <p:tgtEl>
+                                          <p:spTgt spid="13"/>
+                                        </p:tgtEl>
+                                        <p:attrNameLst>
+                                          <p:attrName>style.visibility</p:attrName>
+                                        </p:attrNameLst>
+                                      </p:cBhvr>
+                                      <p:to>
+                                        <p:strVal val="visible"/>
+                                      </p:to>
+                                    </p:set>
+                                    <p:animEffect transition="in" filter="fade">
+                                      <p:cBhvr>
+                                        <p:cTn id="16" dur="2250"/>
+                                        <p:tgtEl>
+                                          <p:spTgt spid="13"/>
+                                        </p:tgtEl>
+                                      </p:cBhvr>
+                                    </p:animEffect>
+                                  </p:childTnLst>
+                                </p:cTn>
+                              </p:par>
+                              <p:par>
+                                <p:cTn id="17" presetID="10" presetClass="entr" presetSubtype="0" fill="hold" nodeType="withEffect">
+                                  <p:stCondLst>
+                                    <p:cond delay="0"/>
+                                  </p:stCondLst>
+                                  <p:childTnLst>
+                                    <p:set>
+                                      <p:cBhvr>
+                                        <p:cTn id="18" dur="1" fill="hold">
+                                          <p:stCondLst>
+                                            <p:cond delay="0"/>
+                                          </p:stCondLst>
+                                        </p:cTn>
+                                        <p:tgtEl>
+                                          <p:spTgt spid="15"/>
+                                        </p:tgtEl>
+                                        <p:attrNameLst>
+                                          <p:attrName>style.visibility</p:attrName>
+                                        </p:attrNameLst>
+                                      </p:cBhvr>
+                                      <p:to>
+                                        <p:strVal val="visible"/>
+                                      </p:to>
+                                    </p:set>
+                                    <p:animEffect transition="in" filter="fade">
+                                      <p:cBhvr>
+                                        <p:cTn id="19" dur="2250"/>
+                                        <p:tgtEl>
+                                          <p:spTgt spid="15"/>
+                                        </p:tgtEl>
+                                      </p:cBhvr>
+                                    </p:animEffect>
+                                  </p:childTnLst>
+                                </p:cTn>
+                              </p:par>
+                              <p:par>
+                                <p:cTn id="20" presetID="10" presetClass="entr" presetSubtype="0" fill="hold" nodeType="withEffect">
+                                  <p:stCondLst>
+                                    <p:cond delay="0"/>
+                                  </p:stCondLst>
+                                  <p:childTnLst>
+                                    <p:set>
+                                      <p:cBhvr>
+                                        <p:cTn id="21" dur="1" fill="hold">
+                                          <p:stCondLst>
+                                            <p:cond delay="0"/>
+                                          </p:stCondLst>
+                                        </p:cTn>
+                                        <p:tgtEl>
+                                          <p:spTgt spid="17"/>
+                                        </p:tgtEl>
+                                        <p:attrNameLst>
+                                          <p:attrName>style.visibility</p:attrName>
+                                        </p:attrNameLst>
+                                      </p:cBhvr>
+                                      <p:to>
+                                        <p:strVal val="visible"/>
+                                      </p:to>
+                                    </p:set>
+                                    <p:animEffect transition="in" filter="fade">
+                                      <p:cBhvr>
+                                        <p:cTn id="22" dur="2250"/>
+                                        <p:tgtEl>
+                                          <p:spTgt spid="17"/>
+                                        </p:tgtEl>
+                                      </p:cBhvr>
+                                    </p:animEffect>
+                                  </p:childTnLst>
+                                </p:cTn>
+                              </p:par>
+                              <p:par>
+                                <p:cTn id="23" presetID="10" presetClass="entr" presetSubtype="0" fill="hold" nodeType="withEffect">
+                                  <p:stCondLst>
+                                    <p:cond delay="0"/>
+                                  </p:stCondLst>
+                                  <p:childTnLst>
+                                    <p:set>
+                                      <p:cBhvr>
+                                        <p:cTn id="24" dur="1" fill="hold">
+                                          <p:stCondLst>
+                                            <p:cond delay="0"/>
+                                          </p:stCondLst>
+                                        </p:cTn>
+                                        <p:tgtEl>
+                                          <p:spTgt spid="19"/>
+                                        </p:tgtEl>
+                                        <p:attrNameLst>
+                                          <p:attrName>style.visibility</p:attrName>
+                                        </p:attrNameLst>
+                                      </p:cBhvr>
+                                      <p:to>
+                                        <p:strVal val="visible"/>
+                                      </p:to>
+                                    </p:set>
+                                    <p:animEffect transition="in" filter="fade">
+                                      <p:cBhvr>
+                                        <p:cTn id="25" dur="2250"/>
+                                        <p:tgtEl>
+                                          <p:spTgt spid="19"/>
+                                        </p:tgtEl>
+                                      </p:cBhvr>
+                                    </p:animEffect>
+                                  </p:childTnLst>
+                                </p:cTn>
+                              </p:par>
+                              <p:par>
+                                <p:cTn id="26" presetID="10" presetClass="entr" presetSubtype="0" fill="hold" nodeType="withEffect">
+                                  <p:stCondLst>
+                                    <p:cond delay="0"/>
+                                  </p:stCondLst>
+                                  <p:childTnLst>
+                                    <p:set>
+                                      <p:cBhvr>
+                                        <p:cTn id="27" dur="1" fill="hold">
+                                          <p:stCondLst>
+                                            <p:cond delay="0"/>
+                                          </p:stCondLst>
+                                        </p:cTn>
+                                        <p:tgtEl>
+                                          <p:spTgt spid="21"/>
+                                        </p:tgtEl>
+                                        <p:attrNameLst>
+                                          <p:attrName>style.visibility</p:attrName>
+                                        </p:attrNameLst>
+                                      </p:cBhvr>
+                                      <p:to>
+                                        <p:strVal val="visible"/>
+                                      </p:to>
+                                    </p:set>
+                                    <p:animEffect transition="in" filter="fade">
+                                      <p:cBhvr>
+                                        <p:cTn id="28" dur="2250"/>
+                                        <p:tgtEl>
+                                          <p:spTgt spid="21"/>
+                                        </p:tgtEl>
+                                      </p:cBhvr>
+                                    </p:animEffect>
+                                  </p:childTnLst>
+                                </p:cTn>
+                              </p:par>
+                              <p:par>
+                                <p:cTn id="29" presetID="10" presetClass="entr" presetSubtype="0" fill="hold" grpId="0" nodeType="withEffect">
+                                  <p:stCondLst>
+                                    <p:cond delay="0"/>
+                                  </p:stCondLst>
+                                  <p:childTnLst>
+                                    <p:set>
+                                      <p:cBhvr>
+                                        <p:cTn id="30" dur="1" fill="hold">
+                                          <p:stCondLst>
+                                            <p:cond delay="0"/>
+                                          </p:stCondLst>
+                                        </p:cTn>
+                                        <p:tgtEl>
+                                          <p:spTgt spid="22"/>
+                                        </p:tgtEl>
+                                        <p:attrNameLst>
+                                          <p:attrName>style.visibility</p:attrName>
+                                        </p:attrNameLst>
+                                      </p:cBhvr>
+                                      <p:to>
+                                        <p:strVal val="visible"/>
+                                      </p:to>
+                                    </p:set>
+                                    <p:animEffect transition="in" filter="fade">
+                                      <p:cBhvr>
+                                        <p:cTn id="31" dur="2250"/>
+                                        <p:tgtEl>
+                                          <p:spTgt spid="22"/>
+                                        </p:tgtEl>
+                                      </p:cBhvr>
+                                    </p:animEffect>
+                                  </p:childTnLst>
+                                </p:cTn>
+                              </p:par>
+                              <p:par>
+                                <p:cTn id="32" presetID="10" presetClass="entr" presetSubtype="0" fill="hold" grpId="0" nodeType="withEffect">
+                                  <p:stCondLst>
+                                    <p:cond delay="0"/>
+                                  </p:stCondLst>
+                                  <p:childTnLst>
+                                    <p:set>
+                                      <p:cBhvr>
+                                        <p:cTn id="33" dur="1" fill="hold">
+                                          <p:stCondLst>
+                                            <p:cond delay="0"/>
+                                          </p:stCondLst>
+                                        </p:cTn>
+                                        <p:tgtEl>
+                                          <p:spTgt spid="23"/>
+                                        </p:tgtEl>
+                                        <p:attrNameLst>
+                                          <p:attrName>style.visibility</p:attrName>
+                                        </p:attrNameLst>
+                                      </p:cBhvr>
+                                      <p:to>
+                                        <p:strVal val="visible"/>
+                                      </p:to>
+                                    </p:set>
+                                    <p:animEffect transition="in" filter="fade">
+                                      <p:cBhvr>
+                                        <p:cTn id="34" dur="2200"/>
+                                        <p:tgtEl>
+                                          <p:spTgt spid="23"/>
+                                        </p:tgtEl>
+                                      </p:cBhvr>
+                                    </p:animEffect>
+                                  </p:childTnLst>
+                                </p:cTn>
+                              </p:par>
+                            </p:childTnLst>
+                          </p:cTn>
+                        </p:par>
+                      </p:childTnLst>
+                    </p:cTn>
+                  </p:par>
+                </p:childTnLst>
+              </p:cTn>
+              <p:prevCondLst>
+                <p:cond evt="onPrev" delay="0">
+                  <p:tgtEl>
+                    <p:sldTgt/>
+                  </p:tgtEl>
+                </p:cond>
+              </p:prevCondLst>
+              <p:nextCondLst>
+                <p:cond evt="onNext" delay="0">
+                  <p:tgtEl>
+                    <p:sldTgt/>
+                  </p:tgtEl>
+                </p:cond>
+              </p:nextCondLst>
+            </p:seq>
+          </p:childTnLst>
+        </p:cTn>
+      </p:par>
+    </p:tnLst>
+    <p:bldLst>
+      <p:bldP spid="12" grpId="0"/>
+      <p:bldP spid="13" grpId="0"/>
+      <p:bldP spid="22" grpId="0"/>
+      <p:bldP spid="23" grpId="0"/>
+    </p:bldLst>
+  </p:timing>
+</p:sld>
+</file>
+
+<file path=ppt/slides/slide11.xml><?xml version="1.0" encoding="utf-8"?>
+<p:sld xmlns:a="http://schemas.openxmlformats.org/drawingml/2006/main" xmlns:r="http://schemas.openxmlformats.org/officeDocument/2006/relationships" xmlns:p="http://schemas.openxmlformats.org/presentationml/2006/main">
+  <p:cSld>
+    <p:spTree>
+      <p:nvGrpSpPr>
+        <p:cNvPr id="1" name=""/>
+        <p:cNvGrpSpPr/>
+        <p:nvPr/>
+      </p:nvGrpSpPr>
+      <p:grpSpPr>
+        <a:xfrm>
+          <a:off x="0" y="0"/>
+          <a:ext cx="0" cy="0"/>
+          <a:chOff x="0" y="0"/>
+          <a:chExt cx="0" cy="0"/>
+        </a:xfrm>
+      </p:grpSpPr>
+      <p:sp>
+        <p:nvSpPr>
           <p:cNvPr id="2" name="Footer Placeholder 1"/>
           <p:cNvSpPr>
             <a:spLocks noGrp="1"/>
@@ -3390,7 +4267,7 @@
             <a:fld id="{4F9AC08D-23A9-440E-BCB9-AA1E9877CC38}" type="slidenum">
               <a:rPr lang="en-US" smtClean="0"/>
               <a:pPr/>
-              <a:t>10</a:t>
+              <a:t>11</a:t>
             </a:fld>
             <a:endParaRPr lang="en-US"/>
           </a:p>
@@ -3856,7 +4733,7 @@
 </p:sld>
 </file>
 
-<file path=ppt/slides/slide11.xml><?xml version="1.0" encoding="utf-8"?>
+<file path=ppt/slides/slide12.xml><?xml version="1.0" encoding="utf-8"?>
 <p:sld xmlns:a="http://schemas.openxmlformats.org/drawingml/2006/main" xmlns:r="http://schemas.openxmlformats.org/officeDocument/2006/relationships" xmlns:p="http://schemas.openxmlformats.org/presentationml/2006/main">
   <p:cSld>
     <p:spTree>
@@ -3936,7 +4813,7 @@
             <a:fld id="{4F9AC08D-23A9-440E-BCB9-AA1E9877CC38}" type="slidenum">
               <a:rPr lang="en-US" smtClean="0"/>
               <a:pPr/>
-              <a:t>11</a:t>
+              <a:t>12</a:t>
             </a:fld>
             <a:endParaRPr lang="en-US"/>
           </a:p>
@@ -3970,21 +4847,21 @@
                 <a:gridCol w="1021915">
                   <a:extLst>
                     <a:ext uri="{9D8B030D-6E8A-4147-A177-3AD203B41FA5}">
-                      <a16:colId xmlns:a16="http://schemas.microsoft.com/office/drawing/2014/main" xmlns="" val="20000"/>
+                      <a16:colId xmlns="" xmlns:a16="http://schemas.microsoft.com/office/drawing/2014/main" val="20000"/>
                     </a:ext>
                   </a:extLst>
                 </a:gridCol>
                 <a:gridCol w="939452">
                   <a:extLst>
                     <a:ext uri="{9D8B030D-6E8A-4147-A177-3AD203B41FA5}">
-                      <a16:colId xmlns:a16="http://schemas.microsoft.com/office/drawing/2014/main" xmlns="" val="20001"/>
+                      <a16:colId xmlns="" xmlns:a16="http://schemas.microsoft.com/office/drawing/2014/main" val="20001"/>
                     </a:ext>
                   </a:extLst>
                 </a:gridCol>
                 <a:gridCol w="1114817">
                   <a:extLst>
                     <a:ext uri="{9D8B030D-6E8A-4147-A177-3AD203B41FA5}">
-                      <a16:colId xmlns:a16="http://schemas.microsoft.com/office/drawing/2014/main" xmlns="" val="20002"/>
+                      <a16:colId xmlns="" xmlns:a16="http://schemas.microsoft.com/office/drawing/2014/main" val="20002"/>
                     </a:ext>
                   </a:extLst>
                 </a:gridCol>
@@ -4073,7 +4950,7 @@
                 </a:tc>
                 <a:extLst>
                   <a:ext uri="{0D108BD9-81ED-4DB2-BD59-A6C34878D82A}">
-                    <a16:rowId xmlns:a16="http://schemas.microsoft.com/office/drawing/2014/main" xmlns="" val="10000"/>
+                    <a16:rowId xmlns="" xmlns:a16="http://schemas.microsoft.com/office/drawing/2014/main" val="10000"/>
                   </a:ext>
                 </a:extLst>
               </a:tr>
@@ -4119,7 +4996,7 @@
                 </a:tc>
                 <a:extLst>
                   <a:ext uri="{0D108BD9-81ED-4DB2-BD59-A6C34878D82A}">
-                    <a16:rowId xmlns:a16="http://schemas.microsoft.com/office/drawing/2014/main" xmlns="" val="10001"/>
+                    <a16:rowId xmlns="" xmlns:a16="http://schemas.microsoft.com/office/drawing/2014/main" val="10001"/>
                   </a:ext>
                 </a:extLst>
               </a:tr>
@@ -4165,7 +5042,7 @@
                 </a:tc>
                 <a:extLst>
                   <a:ext uri="{0D108BD9-81ED-4DB2-BD59-A6C34878D82A}">
-                    <a16:rowId xmlns:a16="http://schemas.microsoft.com/office/drawing/2014/main" xmlns="" val="10002"/>
+                    <a16:rowId xmlns="" xmlns:a16="http://schemas.microsoft.com/office/drawing/2014/main" val="10002"/>
                   </a:ext>
                 </a:extLst>
               </a:tr>
@@ -4211,7 +5088,7 @@
                 </a:tc>
                 <a:extLst>
                   <a:ext uri="{0D108BD9-81ED-4DB2-BD59-A6C34878D82A}">
-                    <a16:rowId xmlns:a16="http://schemas.microsoft.com/office/drawing/2014/main" xmlns="" val="10003"/>
+                    <a16:rowId xmlns="" xmlns:a16="http://schemas.microsoft.com/office/drawing/2014/main" val="10003"/>
                   </a:ext>
                 </a:extLst>
               </a:tr>
@@ -4219,8 +5096,8 @@
           </a:graphicData>
         </a:graphic>
       </p:graphicFrame>
-      <mc:AlternateContent xmlns:mc="http://schemas.openxmlformats.org/markup-compatibility/2006">
-        <mc:Choice xmlns:a14="http://schemas.microsoft.com/office/drawing/2010/main" Requires="a14">
+      <mc:AlternateContent xmlns:mc="http://schemas.openxmlformats.org/markup-compatibility/2006" xmlns:a14="http://schemas.microsoft.com/office/drawing/2010/main">
+        <mc:Choice Requires="a14">
           <p:graphicFrame>
             <p:nvGraphicFramePr>
               <p:cNvPr id="9" name="Table 8"/>
@@ -4249,35 +5126,35 @@
                     <a:gridCol w="742406">
                       <a:extLst>
                         <a:ext uri="{9D8B030D-6E8A-4147-A177-3AD203B41FA5}">
-                          <a16:colId xmlns:a16="http://schemas.microsoft.com/office/drawing/2014/main" xmlns="" val="20000"/>
+                          <a16:colId xmlns="" xmlns:a16="http://schemas.microsoft.com/office/drawing/2014/main" val="20000"/>
                         </a:ext>
                       </a:extLst>
                     </a:gridCol>
                     <a:gridCol w="888274">
                       <a:extLst>
                         <a:ext uri="{9D8B030D-6E8A-4147-A177-3AD203B41FA5}">
-                          <a16:colId xmlns:a16="http://schemas.microsoft.com/office/drawing/2014/main" xmlns="" val="20001"/>
+                          <a16:colId xmlns="" xmlns:a16="http://schemas.microsoft.com/office/drawing/2014/main" val="20001"/>
                         </a:ext>
                       </a:extLst>
                     </a:gridCol>
                     <a:gridCol w="1058091">
                       <a:extLst>
                         <a:ext uri="{9D8B030D-6E8A-4147-A177-3AD203B41FA5}">
-                          <a16:colId xmlns:a16="http://schemas.microsoft.com/office/drawing/2014/main" xmlns="" val="20002"/>
+                          <a16:colId xmlns="" xmlns:a16="http://schemas.microsoft.com/office/drawing/2014/main" val="20002"/>
                         </a:ext>
                       </a:extLst>
                     </a:gridCol>
                     <a:gridCol w="1201604">
                       <a:extLst>
                         <a:ext uri="{9D8B030D-6E8A-4147-A177-3AD203B41FA5}">
-                          <a16:colId xmlns:a16="http://schemas.microsoft.com/office/drawing/2014/main" xmlns="" val="20003"/>
+                          <a16:colId xmlns="" xmlns:a16="http://schemas.microsoft.com/office/drawing/2014/main" val="20003"/>
                         </a:ext>
                       </a:extLst>
                     </a:gridCol>
                     <a:gridCol w="1465546">
                       <a:extLst>
                         <a:ext uri="{9D8B030D-6E8A-4147-A177-3AD203B41FA5}">
-                          <a16:colId xmlns:a16="http://schemas.microsoft.com/office/drawing/2014/main" xmlns="" val="20004"/>
+                          <a16:colId xmlns="" xmlns:a16="http://schemas.microsoft.com/office/drawing/2014/main" val="20004"/>
                         </a:ext>
                       </a:extLst>
                     </a:gridCol>
@@ -4497,7 +5374,7 @@
                     </a:tc>
                     <a:extLst>
                       <a:ext uri="{0D108BD9-81ED-4DB2-BD59-A6C34878D82A}">
-                        <a16:rowId xmlns:a16="http://schemas.microsoft.com/office/drawing/2014/main" xmlns="" val="10000"/>
+                        <a16:rowId xmlns="" xmlns:a16="http://schemas.microsoft.com/office/drawing/2014/main" val="10000"/>
                       </a:ext>
                     </a:extLst>
                   </a:tr>
@@ -4580,7 +5457,7 @@
                     </a:tc>
                     <a:extLst>
                       <a:ext uri="{0D108BD9-81ED-4DB2-BD59-A6C34878D82A}">
-                        <a16:rowId xmlns:a16="http://schemas.microsoft.com/office/drawing/2014/main" xmlns="" val="10001"/>
+                        <a16:rowId xmlns="" xmlns:a16="http://schemas.microsoft.com/office/drawing/2014/main" val="10001"/>
                       </a:ext>
                     </a:extLst>
                   </a:tr>
@@ -4663,7 +5540,7 @@
                     </a:tc>
                     <a:extLst>
                       <a:ext uri="{0D108BD9-81ED-4DB2-BD59-A6C34878D82A}">
-                        <a16:rowId xmlns:a16="http://schemas.microsoft.com/office/drawing/2014/main" xmlns="" val="10002"/>
+                        <a16:rowId xmlns="" xmlns:a16="http://schemas.microsoft.com/office/drawing/2014/main" val="10002"/>
                       </a:ext>
                     </a:extLst>
                   </a:tr>
@@ -4759,7 +5636,7 @@
                     </a:tc>
                     <a:extLst>
                       <a:ext uri="{0D108BD9-81ED-4DB2-BD59-A6C34878D82A}">
-                        <a16:rowId xmlns:a16="http://schemas.microsoft.com/office/drawing/2014/main" xmlns="" val="10003"/>
+                        <a16:rowId xmlns="" xmlns:a16="http://schemas.microsoft.com/office/drawing/2014/main" val="10003"/>
                       </a:ext>
                     </a:extLst>
                   </a:tr>
@@ -4768,7 +5645,7 @@
             </a:graphic>
           </p:graphicFrame>
         </mc:Choice>
-        <mc:Fallback>
+        <mc:Fallback xmlns="">
           <p:graphicFrame>
             <p:nvGraphicFramePr>
               <p:cNvPr id="9" name="Table 8"/>
@@ -5242,7 +6119,7 @@
           <p:cNvPr id="4" name="TextBox 3">
             <a:extLst>
               <a:ext uri="{FF2B5EF4-FFF2-40B4-BE49-F238E27FC236}">
-                <a16:creationId xmlns:a16="http://schemas.microsoft.com/office/drawing/2014/main" xmlns="" id="{B932D177-2A8A-4C0D-B2DF-7D2904660871}"/>
+                <a16:creationId xmlns="" xmlns:a16="http://schemas.microsoft.com/office/drawing/2014/main" id="{B932D177-2A8A-4C0D-B2DF-7D2904660871}"/>
               </a:ext>
             </a:extLst>
           </p:cNvPr>
@@ -5284,7 +6161,7 @@
           <p:cNvPr id="6" name="Rectangle 5">
             <a:extLst>
               <a:ext uri="{FF2B5EF4-FFF2-40B4-BE49-F238E27FC236}">
-                <a16:creationId xmlns:a16="http://schemas.microsoft.com/office/drawing/2014/main" xmlns="" id="{7EFDA8A4-B760-4B1A-8FF3-5484319A4E1B}"/>
+                <a16:creationId xmlns="" xmlns:a16="http://schemas.microsoft.com/office/drawing/2014/main" id="{7EFDA8A4-B760-4B1A-8FF3-5484319A4E1B}"/>
               </a:ext>
             </a:extLst>
           </p:cNvPr>
@@ -5546,7 +6423,7 @@
 </p:sld>
 </file>
 
-<file path=ppt/slides/slide12.xml><?xml version="1.0" encoding="utf-8"?>
+<file path=ppt/slides/slide13.xml><?xml version="1.0" encoding="utf-8"?>
 <p:sld xmlns:a="http://schemas.openxmlformats.org/drawingml/2006/main" xmlns:r="http://schemas.openxmlformats.org/officeDocument/2006/relationships" xmlns:p="http://schemas.openxmlformats.org/presentationml/2006/main">
   <p:cSld>
     <p:spTree>
@@ -5565,6 +6442,270 @@
       </p:grpSpPr>
       <p:sp>
         <p:nvSpPr>
+          <p:cNvPr id="2" name="Title 1"/>
+          <p:cNvSpPr>
+            <a:spLocks noGrp="1"/>
+          </p:cNvSpPr>
+          <p:nvPr>
+            <p:ph type="title"/>
+          </p:nvPr>
+        </p:nvSpPr>
+        <p:spPr/>
+        <p:txBody>
+          <a:bodyPr/>
+          <a:lstStyle/>
+          <a:p>
+            <a:r>
+              <a:rPr lang="en-US" dirty="0" smtClean="0"/>
+              <a:t>Forward and backward</a:t>
+            </a:r>
+            <a:endParaRPr lang="en-US" dirty="0"/>
+          </a:p>
+        </p:txBody>
+      </p:sp>
+      <p:sp>
+        <p:nvSpPr>
+          <p:cNvPr id="3" name="Footer Placeholder 2"/>
+          <p:cNvSpPr>
+            <a:spLocks noGrp="1"/>
+          </p:cNvSpPr>
+          <p:nvPr>
+            <p:ph type="ftr" sz="quarter" idx="10"/>
+          </p:nvPr>
+        </p:nvSpPr>
+        <p:spPr/>
+        <p:txBody>
+          <a:bodyPr/>
+          <a:lstStyle/>
+          <a:p>
+            <a:r>
+              <a:rPr lang="en-US" smtClean="0"/>
+              <a:t>Copyright © 2018 Accenture. All rights reserved.</a:t>
+            </a:r>
+            <a:endParaRPr lang="en-US" dirty="0"/>
+          </a:p>
+        </p:txBody>
+      </p:sp>
+      <p:sp>
+        <p:nvSpPr>
+          <p:cNvPr id="4" name="Slide Number Placeholder 3"/>
+          <p:cNvSpPr>
+            <a:spLocks noGrp="1"/>
+          </p:cNvSpPr>
+          <p:nvPr>
+            <p:ph type="sldNum" sz="quarter" idx="11"/>
+          </p:nvPr>
+        </p:nvSpPr>
+        <p:spPr/>
+        <p:txBody>
+          <a:bodyPr/>
+          <a:lstStyle/>
+          <a:p>
+            <a:fld id="{4F9AC08D-23A9-440E-BCB9-AA1E9877CC38}" type="slidenum">
+              <a:rPr lang="en-US" smtClean="0"/>
+              <a:pPr/>
+              <a:t>13</a:t>
+            </a:fld>
+            <a:endParaRPr lang="en-US" dirty="0"/>
+          </a:p>
+        </p:txBody>
+      </p:sp>
+      <p:sp>
+        <p:nvSpPr>
+          <p:cNvPr id="6" name="Right Arrow 5"/>
+          <p:cNvSpPr/>
+          <p:nvPr/>
+        </p:nvSpPr>
+        <p:spPr>
+          <a:xfrm>
+            <a:off x="1441342" y="3192651"/>
+            <a:ext cx="1906292" cy="542441"/>
+          </a:xfrm>
+          <a:prstGeom prst="rightArrow">
+            <a:avLst/>
+          </a:prstGeom>
+          <a:ln>
+            <a:noFill/>
+          </a:ln>
+        </p:spPr>
+        <p:style>
+          <a:lnRef idx="2">
+            <a:schemeClr val="accent1">
+              <a:shade val="50000"/>
+            </a:schemeClr>
+          </a:lnRef>
+          <a:fillRef idx="1">
+            <a:schemeClr val="accent1"/>
+          </a:fillRef>
+          <a:effectRef idx="0">
+            <a:schemeClr val="accent1"/>
+          </a:effectRef>
+          <a:fontRef idx="minor">
+            <a:schemeClr val="lt1"/>
+          </a:fontRef>
+        </p:style>
+        <p:txBody>
+          <a:bodyPr rtlCol="0" anchor="ctr"/>
+          <a:lstStyle/>
+          <a:p>
+            <a:pPr algn="ctr"/>
+            <a:endParaRPr lang="en-US" sz="1600" dirty="0" smtClean="0"/>
+          </a:p>
+        </p:txBody>
+      </p:sp>
+      <p:sp>
+        <p:nvSpPr>
+          <p:cNvPr id="7" name="TextBox 6"/>
+          <p:cNvSpPr txBox="1"/>
+          <p:nvPr/>
+        </p:nvSpPr>
+        <p:spPr>
+          <a:xfrm>
+            <a:off x="1534332" y="2665708"/>
+            <a:ext cx="1473160" cy="415498"/>
+          </a:xfrm>
+          <a:prstGeom prst="rect">
+            <a:avLst/>
+          </a:prstGeom>
+          <a:noFill/>
+        </p:spPr>
+        <p:txBody>
+          <a:bodyPr wrap="none" lIns="0" tIns="0" rIns="0" bIns="45720" rtlCol="0">
+            <a:spAutoFit/>
+          </a:bodyPr>
+          <a:lstStyle/>
+          <a:p>
+            <a:r>
+              <a:rPr lang="en-US" sz="2400" dirty="0" smtClean="0">
+                <a:latin typeface="Bookman Old Style" panose="02050604050505020204" pitchFamily="18" charset="0"/>
+              </a:rPr>
+              <a:t>activation</a:t>
+            </a:r>
+            <a:endParaRPr lang="en-US" sz="2400" dirty="0" smtClean="0">
+              <a:latin typeface="Bookman Old Style" panose="02050604050505020204" pitchFamily="18" charset="0"/>
+            </a:endParaRPr>
+          </a:p>
+        </p:txBody>
+      </p:sp>
+      <p:sp>
+        <p:nvSpPr>
+          <p:cNvPr id="8" name="Right Arrow 7"/>
+          <p:cNvSpPr/>
+          <p:nvPr/>
+        </p:nvSpPr>
+        <p:spPr>
+          <a:xfrm rot="10800000">
+            <a:off x="5809281" y="4313389"/>
+            <a:ext cx="1906292" cy="542441"/>
+          </a:xfrm>
+          <a:prstGeom prst="rightArrow">
+            <a:avLst/>
+          </a:prstGeom>
+          <a:solidFill>
+            <a:schemeClr val="accent4"/>
+          </a:solidFill>
+          <a:ln>
+            <a:noFill/>
+          </a:ln>
+        </p:spPr>
+        <p:style>
+          <a:lnRef idx="2">
+            <a:schemeClr val="accent1">
+              <a:shade val="50000"/>
+            </a:schemeClr>
+          </a:lnRef>
+          <a:fillRef idx="1">
+            <a:schemeClr val="accent1"/>
+          </a:fillRef>
+          <a:effectRef idx="0">
+            <a:schemeClr val="accent1"/>
+          </a:effectRef>
+          <a:fontRef idx="minor">
+            <a:schemeClr val="lt1"/>
+          </a:fontRef>
+        </p:style>
+        <p:txBody>
+          <a:bodyPr rtlCol="0" anchor="ctr"/>
+          <a:lstStyle/>
+          <a:p>
+            <a:pPr algn="ctr"/>
+            <a:endParaRPr lang="en-US" sz="1600" dirty="0" smtClean="0"/>
+          </a:p>
+        </p:txBody>
+      </p:sp>
+      <p:sp>
+        <p:nvSpPr>
+          <p:cNvPr id="9" name="TextBox 8"/>
+          <p:cNvSpPr txBox="1"/>
+          <p:nvPr/>
+        </p:nvSpPr>
+        <p:spPr>
+          <a:xfrm>
+            <a:off x="6085500" y="4824835"/>
+            <a:ext cx="737381" cy="415498"/>
+          </a:xfrm>
+          <a:prstGeom prst="rect">
+            <a:avLst/>
+          </a:prstGeom>
+          <a:noFill/>
+        </p:spPr>
+        <p:txBody>
+          <a:bodyPr wrap="none" lIns="0" tIns="0" rIns="0" bIns="45720" rtlCol="0">
+            <a:spAutoFit/>
+          </a:bodyPr>
+          <a:lstStyle/>
+          <a:p>
+            <a:r>
+              <a:rPr lang="en-US" sz="2400" dirty="0" smtClean="0">
+                <a:latin typeface="Bookman Old Style" panose="02050604050505020204" pitchFamily="18" charset="0"/>
+              </a:rPr>
+              <a:t>error</a:t>
+            </a:r>
+            <a:endParaRPr lang="en-US" sz="2400" dirty="0" smtClean="0">
+              <a:latin typeface="Bookman Old Style" panose="02050604050505020204" pitchFamily="18" charset="0"/>
+            </a:endParaRPr>
+          </a:p>
+        </p:txBody>
+      </p:sp>
+    </p:spTree>
+    <p:extLst>
+      <p:ext uri="{BB962C8B-B14F-4D97-AF65-F5344CB8AC3E}">
+        <p14:creationId xmlns:p14="http://schemas.microsoft.com/office/powerpoint/2010/main" val="770233807"/>
+      </p:ext>
+    </p:extLst>
+  </p:cSld>
+  <p:clrMapOvr>
+    <a:masterClrMapping/>
+  </p:clrMapOvr>
+  <p:timing>
+    <p:tnLst>
+      <p:par>
+        <p:cTn id="1" dur="indefinite" restart="never" nodeType="tmRoot"/>
+      </p:par>
+    </p:tnLst>
+  </p:timing>
+</p:sld>
+</file>
+
+<file path=ppt/slides/slide14.xml><?xml version="1.0" encoding="utf-8"?>
+<p:sld xmlns:a="http://schemas.openxmlformats.org/drawingml/2006/main" xmlns:r="http://schemas.openxmlformats.org/officeDocument/2006/relationships" xmlns:p="http://schemas.openxmlformats.org/presentationml/2006/main">
+  <p:cSld>
+    <p:spTree>
+      <p:nvGrpSpPr>
+        <p:cNvPr id="1" name=""/>
+        <p:cNvGrpSpPr/>
+        <p:nvPr/>
+      </p:nvGrpSpPr>
+      <p:grpSpPr>
+        <a:xfrm>
+          <a:off x="0" y="0"/>
+          <a:ext cx="0" cy="0"/>
+          <a:chOff x="0" y="0"/>
+          <a:chExt cx="0" cy="0"/>
+        </a:xfrm>
+      </p:grpSpPr>
+      <p:sp>
+        <p:nvSpPr>
           <p:cNvPr id="3" name="Footer Placeholder 2"/>
           <p:cNvSpPr>
             <a:spLocks noGrp="1"/>
@@ -5603,7 +6744,7 @@
             <a:fld id="{4F9AC08D-23A9-440E-BCB9-AA1E9877CC38}" type="slidenum">
               <a:rPr lang="en-US" smtClean="0"/>
               <a:pPr/>
-              <a:t>12</a:t>
+              <a:t>14</a:t>
             </a:fld>
             <a:endParaRPr lang="en-US" dirty="0"/>
           </a:p>
@@ -5890,22 +7031,27 @@
           <a:p>
             <a:r>
               <a:rPr lang="en-US" dirty="0" smtClean="0"/>
-              <a:t>Type of problem: Optimization</a:t>
+              <a:t>Type of problem</a:t>
+            </a:r>
+            <a:r>
+              <a:rPr lang="en-US" dirty="0" smtClean="0"/>
+              <a:t>: ? </a:t>
             </a:r>
             <a:endParaRPr lang="en-US" dirty="0"/>
           </a:p>
           <a:p>
-            <a:pPr marL="342900" indent="-342900">
-              <a:buFont typeface="Arial" panose="020B0604020202020204" pitchFamily="34" charset="0"/>
-              <a:buChar char="•"/>
-            </a:pPr>
-            <a:endParaRPr lang="en-US" dirty="0"/>
-          </a:p>
-          <a:p>
-            <a:pPr marL="342900" indent="-342900">
-              <a:buFont typeface="Arial" panose="020B0604020202020204" pitchFamily="34" charset="0"/>
-              <a:buChar char="•"/>
-            </a:pPr>
+            <a:pPr marL="398461" lvl="6" indent="-342900"/>
+            <a:r>
+              <a:rPr lang="en-US" dirty="0"/>
+              <a:t>	</a:t>
+            </a:r>
+            <a:r>
+              <a:rPr lang="en-US" sz="2400" i="1" cap="none" dirty="0"/>
+              <a:t>Optimization</a:t>
+            </a:r>
+          </a:p>
+          <a:p>
+            <a:pPr marL="398461" lvl="6" indent="-342900"/>
             <a:endParaRPr lang="en-US" dirty="0"/>
           </a:p>
           <a:p>
@@ -5948,14 +7094,98 @@
   <p:timing>
     <p:tnLst>
       <p:par>
-        <p:cTn id="1" dur="indefinite" restart="never" nodeType="tmRoot"/>
+        <p:cTn id="1" dur="indefinite" restart="never" nodeType="tmRoot">
+          <p:childTnLst>
+            <p:seq concurrent="1" nextAc="seek">
+              <p:cTn id="2" dur="indefinite" nodeType="mainSeq">
+                <p:childTnLst>
+                  <p:par>
+                    <p:cTn id="3" fill="hold">
+                      <p:stCondLst>
+                        <p:cond delay="indefinite"/>
+                      </p:stCondLst>
+                      <p:childTnLst>
+                        <p:par>
+                          <p:cTn id="4" fill="hold">
+                            <p:stCondLst>
+                              <p:cond delay="0"/>
+                            </p:stCondLst>
+                            <p:childTnLst>
+                              <p:par>
+                                <p:cTn id="5" presetID="10" presetClass="entr" presetSubtype="0" fill="hold" nodeType="clickEffect">
+                                  <p:stCondLst>
+                                    <p:cond delay="0"/>
+                                  </p:stCondLst>
+                                  <p:childTnLst>
+                                    <p:set>
+                                      <p:cBhvr>
+                                        <p:cTn id="6" dur="1" fill="hold">
+                                          <p:stCondLst>
+                                            <p:cond delay="0"/>
+                                          </p:stCondLst>
+                                        </p:cTn>
+                                        <p:tgtEl>
+                                          <p:spTgt spid="6">
+                                            <p:txEl>
+                                              <p:pRg st="8" end="8"/>
+                                            </p:txEl>
+                                          </p:spTgt>
+                                        </p:tgtEl>
+                                        <p:attrNameLst>
+                                          <p:attrName>style.visibility</p:attrName>
+                                        </p:attrNameLst>
+                                      </p:cBhvr>
+                                      <p:to>
+                                        <p:strVal val="visible"/>
+                                      </p:to>
+                                    </p:set>
+                                    <p:animEffect transition="in" filter="fade">
+                                      <p:cBhvr>
+                                        <p:cTn id="7" dur="1400"/>
+                                        <p:tgtEl>
+                                          <p:spTgt spid="6">
+                                            <p:txEl>
+                                              <p:pRg st="8" end="8"/>
+                                            </p:txEl>
+                                          </p:spTgt>
+                                        </p:tgtEl>
+                                      </p:cBhvr>
+                                    </p:animEffect>
+                                  </p:childTnLst>
+                                </p:cTn>
+                              </p:par>
+                            </p:childTnLst>
+                          </p:cTn>
+                        </p:par>
+                      </p:childTnLst>
+                    </p:cTn>
+                  </p:par>
+                </p:childTnLst>
+              </p:cTn>
+              <p:prevCondLst>
+                <p:cond evt="onPrev" delay="0">
+                  <p:tgtEl>
+                    <p:sldTgt/>
+                  </p:tgtEl>
+                </p:cond>
+              </p:prevCondLst>
+              <p:nextCondLst>
+                <p:cond evt="onNext" delay="0">
+                  <p:tgtEl>
+                    <p:sldTgt/>
+                  </p:tgtEl>
+                </p:cond>
+              </p:nextCondLst>
+            </p:seq>
+          </p:childTnLst>
+        </p:cTn>
       </p:par>
     </p:tnLst>
   </p:timing>
 </p:sld>
 </file>
 
-<file path=ppt/slides/slide13.xml><?xml version="1.0" encoding="utf-8"?>
+<file path=ppt/slides/slide15.xml><?xml version="1.0" encoding="utf-8"?>
 <p:sld xmlns:a="http://schemas.openxmlformats.org/drawingml/2006/main" xmlns:r="http://schemas.openxmlformats.org/officeDocument/2006/relationships" xmlns:p="http://schemas.openxmlformats.org/presentationml/2006/main">
   <p:cSld>
     <p:spTree>
@@ -6035,7 +7265,7 @@
             <a:fld id="{4F9AC08D-23A9-440E-BCB9-AA1E9877CC38}" type="slidenum">
               <a:rPr lang="en-US" smtClean="0"/>
               <a:pPr/>
-              <a:t>13</a:t>
+              <a:t>15</a:t>
             </a:fld>
             <a:endParaRPr lang="en-US" dirty="0"/>
           </a:p>
@@ -6146,275 +7376,6 @@
 </p:sld>
 </file>
 
-<file path=ppt/slides/slide14.xml><?xml version="1.0" encoding="utf-8"?>
-<p:sld xmlns:a="http://schemas.openxmlformats.org/drawingml/2006/main" xmlns:r="http://schemas.openxmlformats.org/officeDocument/2006/relationships" xmlns:p="http://schemas.openxmlformats.org/presentationml/2006/main">
-  <p:cSld>
-    <p:spTree>
-      <p:nvGrpSpPr>
-        <p:cNvPr id="1" name=""/>
-        <p:cNvGrpSpPr/>
-        <p:nvPr/>
-      </p:nvGrpSpPr>
-      <p:grpSpPr>
-        <a:xfrm>
-          <a:off x="0" y="0"/>
-          <a:ext cx="0" cy="0"/>
-          <a:chOff x="0" y="0"/>
-          <a:chExt cx="0" cy="0"/>
-        </a:xfrm>
-      </p:grpSpPr>
-      <p:sp>
-        <p:nvSpPr>
-          <p:cNvPr id="2" name="Title 1"/>
-          <p:cNvSpPr>
-            <a:spLocks noGrp="1"/>
-          </p:cNvSpPr>
-          <p:nvPr>
-            <p:ph type="title"/>
-          </p:nvPr>
-        </p:nvSpPr>
-        <p:spPr/>
-        <p:txBody>
-          <a:bodyPr/>
-          <a:lstStyle/>
-          <a:p>
-            <a:r>
-              <a:rPr lang="en-US" dirty="0"/>
-              <a:t>Features of ANN</a:t>
-            </a:r>
-          </a:p>
-        </p:txBody>
-      </p:sp>
-      <p:sp>
-        <p:nvSpPr>
-          <p:cNvPr id="3" name="Footer Placeholder 2"/>
-          <p:cNvSpPr>
-            <a:spLocks noGrp="1"/>
-          </p:cNvSpPr>
-          <p:nvPr>
-            <p:ph type="ftr" sz="quarter" idx="10"/>
-          </p:nvPr>
-        </p:nvSpPr>
-        <p:spPr/>
-        <p:txBody>
-          <a:bodyPr/>
-          <a:lstStyle/>
-          <a:p>
-            <a:r>
-              <a:rPr lang="en-US"/>
-              <a:t>Copyright © 2018 Accenture. All rights reserved.</a:t>
-            </a:r>
-            <a:endParaRPr lang="en-US" dirty="0"/>
-          </a:p>
-        </p:txBody>
-      </p:sp>
-      <p:sp>
-        <p:nvSpPr>
-          <p:cNvPr id="4" name="Slide Number Placeholder 3"/>
-          <p:cNvSpPr>
-            <a:spLocks noGrp="1"/>
-          </p:cNvSpPr>
-          <p:nvPr>
-            <p:ph type="sldNum" sz="quarter" idx="11"/>
-          </p:nvPr>
-        </p:nvSpPr>
-        <p:spPr/>
-        <p:txBody>
-          <a:bodyPr/>
-          <a:lstStyle/>
-          <a:p>
-            <a:fld id="{4F9AC08D-23A9-440E-BCB9-AA1E9877CC38}" type="slidenum">
-              <a:rPr lang="en-US" smtClean="0"/>
-              <a:pPr/>
-              <a:t>14</a:t>
-            </a:fld>
-            <a:endParaRPr lang="en-US" dirty="0"/>
-          </a:p>
-        </p:txBody>
-      </p:sp>
-      <p:sp>
-        <p:nvSpPr>
-          <p:cNvPr id="5" name="Text Placeholder 4"/>
-          <p:cNvSpPr>
-            <a:spLocks noGrp="1"/>
-          </p:cNvSpPr>
-          <p:nvPr>
-            <p:ph type="body" sz="quarter" idx="12"/>
-          </p:nvPr>
-        </p:nvSpPr>
-        <p:spPr/>
-        <p:txBody>
-          <a:bodyPr/>
-          <a:lstStyle/>
-          <a:p>
-            <a:pPr marL="342900" indent="-342900">
-              <a:buFont typeface="Arial" panose="020B0604020202020204" pitchFamily="34" charset="0"/>
-              <a:buChar char="•"/>
-            </a:pPr>
-            <a:r>
-              <a:rPr lang="en-US" dirty="0"/>
-              <a:t>Longer training times</a:t>
-            </a:r>
-          </a:p>
-          <a:p>
-            <a:pPr marL="342900" indent="-342900">
-              <a:buFont typeface="Arial" panose="020B0604020202020204" pitchFamily="34" charset="0"/>
-              <a:buChar char="•"/>
-            </a:pPr>
-            <a:r>
-              <a:rPr lang="en-US" dirty="0"/>
-              <a:t>Fast evaluation or prediction</a:t>
-            </a:r>
-          </a:p>
-          <a:p>
-            <a:pPr marL="342900" indent="-342900">
-              <a:buFont typeface="Arial" panose="020B0604020202020204" pitchFamily="34" charset="0"/>
-              <a:buChar char="•"/>
-            </a:pPr>
-            <a:r>
-              <a:rPr lang="en-US" dirty="0"/>
-              <a:t>Discrete or real-valued output</a:t>
-            </a:r>
-          </a:p>
-          <a:p>
-            <a:pPr marL="342900" indent="-342900">
-              <a:buFont typeface="Arial" panose="020B0604020202020204" pitchFamily="34" charset="0"/>
-              <a:buChar char="•"/>
-            </a:pPr>
-            <a:r>
-              <a:rPr lang="en-US" dirty="0"/>
-              <a:t>Explanatory capability is not important.</a:t>
-            </a:r>
-          </a:p>
-        </p:txBody>
-      </p:sp>
-    </p:spTree>
-    <p:extLst>
-      <p:ext uri="{BB962C8B-B14F-4D97-AF65-F5344CB8AC3E}">
-        <p14:creationId xmlns:p14="http://schemas.microsoft.com/office/powerpoint/2010/main" val="3105826866"/>
-      </p:ext>
-    </p:extLst>
-  </p:cSld>
-  <p:clrMapOvr>
-    <a:masterClrMapping/>
-  </p:clrMapOvr>
-  <p:timing>
-    <p:tnLst>
-      <p:par>
-        <p:cTn id="1" dur="indefinite" restart="never" nodeType="tmRoot"/>
-      </p:par>
-    </p:tnLst>
-  </p:timing>
-</p:sld>
-</file>
-
-<file path=ppt/slides/slide15.xml><?xml version="1.0" encoding="utf-8"?>
-<p:sld xmlns:a="http://schemas.openxmlformats.org/drawingml/2006/main" xmlns:r="http://schemas.openxmlformats.org/officeDocument/2006/relationships" xmlns:p="http://schemas.openxmlformats.org/presentationml/2006/main">
-  <p:cSld>
-    <p:spTree>
-      <p:nvGrpSpPr>
-        <p:cNvPr id="1" name=""/>
-        <p:cNvGrpSpPr/>
-        <p:nvPr/>
-      </p:nvGrpSpPr>
-      <p:grpSpPr>
-        <a:xfrm>
-          <a:off x="0" y="0"/>
-          <a:ext cx="0" cy="0"/>
-          <a:chOff x="0" y="0"/>
-          <a:chExt cx="0" cy="0"/>
-        </a:xfrm>
-      </p:grpSpPr>
-      <p:sp>
-        <p:nvSpPr>
-          <p:cNvPr id="2" name="Title 1"/>
-          <p:cNvSpPr>
-            <a:spLocks noGrp="1"/>
-          </p:cNvSpPr>
-          <p:nvPr>
-            <p:ph type="title"/>
-          </p:nvPr>
-        </p:nvSpPr>
-        <p:spPr/>
-        <p:txBody>
-          <a:bodyPr/>
-          <a:lstStyle/>
-          <a:p>
-            <a:r>
-              <a:rPr lang="en-US" dirty="0" smtClean="0"/>
-              <a:t>Example NN in Python</a:t>
-            </a:r>
-            <a:endParaRPr lang="en-US" dirty="0"/>
-          </a:p>
-        </p:txBody>
-      </p:sp>
-      <p:sp>
-        <p:nvSpPr>
-          <p:cNvPr id="3" name="Footer Placeholder 2"/>
-          <p:cNvSpPr>
-            <a:spLocks noGrp="1"/>
-          </p:cNvSpPr>
-          <p:nvPr>
-            <p:ph type="ftr" sz="quarter" idx="10"/>
-          </p:nvPr>
-        </p:nvSpPr>
-        <p:spPr/>
-        <p:txBody>
-          <a:bodyPr/>
-          <a:lstStyle/>
-          <a:p>
-            <a:r>
-              <a:rPr lang="en-US" smtClean="0"/>
-              <a:t>Copyright © 2018 Accenture. All rights reserved.</a:t>
-            </a:r>
-            <a:endParaRPr lang="en-US" dirty="0"/>
-          </a:p>
-        </p:txBody>
-      </p:sp>
-      <p:sp>
-        <p:nvSpPr>
-          <p:cNvPr id="4" name="Slide Number Placeholder 3"/>
-          <p:cNvSpPr>
-            <a:spLocks noGrp="1"/>
-          </p:cNvSpPr>
-          <p:nvPr>
-            <p:ph type="sldNum" sz="quarter" idx="11"/>
-          </p:nvPr>
-        </p:nvSpPr>
-        <p:spPr/>
-        <p:txBody>
-          <a:bodyPr/>
-          <a:lstStyle/>
-          <a:p>
-            <a:fld id="{4F9AC08D-23A9-440E-BCB9-AA1E9877CC38}" type="slidenum">
-              <a:rPr lang="en-US" smtClean="0"/>
-              <a:pPr/>
-              <a:t>15</a:t>
-            </a:fld>
-            <a:endParaRPr lang="en-US" dirty="0"/>
-          </a:p>
-        </p:txBody>
-      </p:sp>
-    </p:spTree>
-    <p:extLst>
-      <p:ext uri="{BB962C8B-B14F-4D97-AF65-F5344CB8AC3E}">
-        <p14:creationId xmlns:p14="http://schemas.microsoft.com/office/powerpoint/2010/main" val="3748821549"/>
-      </p:ext>
-    </p:extLst>
-  </p:cSld>
-  <p:clrMapOvr>
-    <a:masterClrMapping/>
-  </p:clrMapOvr>
-  <p:timing>
-    <p:tnLst>
-      <p:par>
-        <p:cTn id="1" dur="indefinite" restart="never" nodeType="tmRoot"/>
-      </p:par>
-    </p:tnLst>
-  </p:timing>
-</p:sld>
-</file>
-
 <file path=ppt/slides/slide16.xml><?xml version="1.0" encoding="utf-8"?>
 <p:sld xmlns:a="http://schemas.openxmlformats.org/drawingml/2006/main" xmlns:r="http://schemas.openxmlformats.org/officeDocument/2006/relationships" xmlns:p="http://schemas.openxmlformats.org/presentationml/2006/main">
   <p:cSld>
@@ -6434,13 +7395,7 @@
       </p:grpSpPr>
       <p:sp>
         <p:nvSpPr>
-          <p:cNvPr id="2" name="Title 1">
-            <a:extLst>
-              <a:ext uri="{FF2B5EF4-FFF2-40B4-BE49-F238E27FC236}">
-                <a16:creationId xmlns:a16="http://schemas.microsoft.com/office/drawing/2014/main" xmlns="" id="{FFFCCBCC-01FF-45D9-9C9A-FBD0356EB13F}"/>
-              </a:ext>
-            </a:extLst>
-          </p:cNvPr>
+          <p:cNvPr id="2" name="Title 1"/>
           <p:cNvSpPr>
             <a:spLocks noGrp="1"/>
           </p:cNvSpPr>
@@ -6455,20 +7410,14 @@
           <a:p>
             <a:r>
               <a:rPr lang="en-US" dirty="0"/>
-              <a:t>dataset</a:t>
-            </a:r>
-          </a:p>
-        </p:txBody>
-      </p:sp>
-      <p:sp>
-        <p:nvSpPr>
-          <p:cNvPr id="3" name="Footer Placeholder 2">
-            <a:extLst>
-              <a:ext uri="{FF2B5EF4-FFF2-40B4-BE49-F238E27FC236}">
-                <a16:creationId xmlns:a16="http://schemas.microsoft.com/office/drawing/2014/main" xmlns="" id="{71D46D2E-E86B-47DF-9DB8-CB0788CE9695}"/>
-              </a:ext>
-            </a:extLst>
-          </p:cNvPr>
+              <a:t>Features of ANN</a:t>
+            </a:r>
+          </a:p>
+        </p:txBody>
+      </p:sp>
+      <p:sp>
+        <p:nvSpPr>
+          <p:cNvPr id="3" name="Footer Placeholder 2"/>
           <p:cNvSpPr>
             <a:spLocks noGrp="1"/>
           </p:cNvSpPr>
@@ -6491,13 +7440,7 @@
       </p:sp>
       <p:sp>
         <p:nvSpPr>
-          <p:cNvPr id="4" name="Slide Number Placeholder 3">
-            <a:extLst>
-              <a:ext uri="{FF2B5EF4-FFF2-40B4-BE49-F238E27FC236}">
-                <a16:creationId xmlns:a16="http://schemas.microsoft.com/office/drawing/2014/main" xmlns="" id="{E14E4FC6-527C-4F1C-A090-8EFF90C177DD}"/>
-              </a:ext>
-            </a:extLst>
-          </p:cNvPr>
+          <p:cNvPr id="4" name="Slide Number Placeholder 3"/>
           <p:cNvSpPr>
             <a:spLocks noGrp="1"/>
           </p:cNvSpPr>
@@ -6521,13 +7464,7 @@
       </p:sp>
       <p:sp>
         <p:nvSpPr>
-          <p:cNvPr id="5" name="Text Placeholder 4">
-            <a:extLst>
-              <a:ext uri="{FF2B5EF4-FFF2-40B4-BE49-F238E27FC236}">
-                <a16:creationId xmlns:a16="http://schemas.microsoft.com/office/drawing/2014/main" xmlns="" id="{F4835EC4-ACB7-46BD-A0EF-77B164BB4043}"/>
-              </a:ext>
-            </a:extLst>
-          </p:cNvPr>
+          <p:cNvPr id="5" name="Text Placeholder 4"/>
           <p:cNvSpPr>
             <a:spLocks noGrp="1"/>
           </p:cNvSpPr>
@@ -6546,7 +7483,7 @@
             </a:pPr>
             <a:r>
               <a:rPr lang="en-US" dirty="0"/>
-              <a:t>EEG and eye state detection</a:t>
+              <a:t>Longer training times</a:t>
             </a:r>
           </a:p>
           <a:p>
@@ -6556,17 +7493,7 @@
             </a:pPr>
             <a:r>
               <a:rPr lang="en-US" dirty="0"/>
-              <a:t>source: </a:t>
-            </a:r>
-            <a:r>
-              <a:rPr lang="en-US" dirty="0">
-                <a:hlinkClick r:id="rId2"/>
-              </a:rPr>
-              <a:t>https://archive.ics.uci.edu/ml/datasets/EEG+Eye+State</a:t>
-            </a:r>
-            <a:r>
-              <a:rPr lang="en-US" dirty="0"/>
-              <a:t> </a:t>
+              <a:t>Fast evaluation or prediction</a:t>
             </a:r>
           </a:p>
           <a:p>
@@ -6576,7 +7503,7 @@
             </a:pPr>
             <a:r>
               <a:rPr lang="en-US" dirty="0"/>
-              <a:t>14 fields and 1 label</a:t>
+              <a:t>Discrete or real-valued output</a:t>
             </a:r>
           </a:p>
           <a:p>
@@ -6586,102 +7513,15 @@
             </a:pPr>
             <a:r>
               <a:rPr lang="en-US" dirty="0"/>
-              <a:t>binary </a:t>
-            </a:r>
-            <a:r>
-              <a:rPr lang="en-US" dirty="0" smtClean="0"/>
-              <a:t>classification</a:t>
-            </a:r>
-          </a:p>
-          <a:p>
-            <a:pPr marL="342900" indent="-342900">
-              <a:buFont typeface="Arial" panose="020B0604020202020204" pitchFamily="34" charset="0"/>
-              <a:buChar char="•"/>
-            </a:pPr>
-            <a:endParaRPr lang="en-US" dirty="0"/>
-          </a:p>
-          <a:p>
-            <a:endParaRPr lang="en-US" dirty="0"/>
-          </a:p>
-          <a:p>
-            <a:pPr marL="342900" indent="-342900">
-              <a:buFont typeface="Arial" panose="020B0604020202020204" pitchFamily="34" charset="0"/>
-              <a:buChar char="•"/>
-            </a:pPr>
-            <a:endParaRPr lang="en-US" dirty="0"/>
-          </a:p>
-        </p:txBody>
-      </p:sp>
-      <p:pic>
-        <p:nvPicPr>
-          <p:cNvPr id="6" name="Picture 5"/>
-          <p:cNvPicPr>
-            <a:picLocks noChangeAspect="1"/>
-          </p:cNvPicPr>
-          <p:nvPr/>
-        </p:nvPicPr>
-        <p:blipFill>
-          <a:blip r:embed="rId3"/>
-          <a:stretch>
-            <a:fillRect/>
-          </a:stretch>
-        </p:blipFill>
-        <p:spPr>
-          <a:xfrm>
-            <a:off x="498430" y="2987146"/>
-            <a:ext cx="8932954" cy="3260729"/>
-          </a:xfrm>
-          <a:prstGeom prst="rect">
-            <a:avLst/>
-          </a:prstGeom>
-        </p:spPr>
-      </p:pic>
-      <p:sp>
-        <p:nvSpPr>
-          <p:cNvPr id="7" name="TextBox 6"/>
-          <p:cNvSpPr txBox="1"/>
-          <p:nvPr/>
-        </p:nvSpPr>
-        <p:spPr>
-          <a:xfrm>
-            <a:off x="5329646" y="2690949"/>
-            <a:ext cx="2458558" cy="292388"/>
-          </a:xfrm>
-          <a:prstGeom prst="rect">
-            <a:avLst/>
-          </a:prstGeom>
-          <a:noFill/>
-        </p:spPr>
-        <p:txBody>
-          <a:bodyPr wrap="none" lIns="0" tIns="0" rIns="0" bIns="45720" rtlCol="0">
-            <a:spAutoFit/>
-          </a:bodyPr>
-          <a:lstStyle/>
-          <a:p>
-            <a:r>
-              <a:rPr lang="en-US" sz="1600" b="1" i="1" dirty="0">
-                <a:hlinkClick r:id="rId4"/>
-              </a:rPr>
-              <a:t>https://www.emotiv.com</a:t>
-            </a:r>
-            <a:r>
-              <a:rPr lang="en-US" sz="1600" b="1" i="1" dirty="0" smtClean="0">
-                <a:hlinkClick r:id="rId4"/>
-              </a:rPr>
-              <a:t>/</a:t>
-            </a:r>
-            <a:r>
-              <a:rPr lang="en-US" sz="1600" b="1" i="1" dirty="0" smtClean="0"/>
-              <a:t> </a:t>
-            </a:r>
-            <a:endParaRPr lang="en-US" sz="1600" b="1" i="1" dirty="0" smtClean="0"/>
+              <a:t>Explanatory capability is not important.</a:t>
+            </a:r>
           </a:p>
         </p:txBody>
       </p:sp>
     </p:spTree>
     <p:extLst>
       <p:ext uri="{BB962C8B-B14F-4D97-AF65-F5344CB8AC3E}">
-        <p14:creationId xmlns:p14="http://schemas.microsoft.com/office/powerpoint/2010/main" val="2030747111"/>
+        <p14:creationId xmlns:p14="http://schemas.microsoft.com/office/powerpoint/2010/main" val="3105826866"/>
       </p:ext>
     </p:extLst>
   </p:cSld>
@@ -6717,10 +7557,117 @@
       </p:grpSpPr>
       <p:sp>
         <p:nvSpPr>
+          <p:cNvPr id="2" name="Title 1"/>
+          <p:cNvSpPr>
+            <a:spLocks noGrp="1"/>
+          </p:cNvSpPr>
+          <p:nvPr>
+            <p:ph type="title"/>
+          </p:nvPr>
+        </p:nvSpPr>
+        <p:spPr/>
+        <p:txBody>
+          <a:bodyPr/>
+          <a:lstStyle/>
+          <a:p>
+            <a:r>
+              <a:rPr lang="en-US" dirty="0" smtClean="0"/>
+              <a:t>Example NN in Python</a:t>
+            </a:r>
+            <a:endParaRPr lang="en-US" dirty="0"/>
+          </a:p>
+        </p:txBody>
+      </p:sp>
+      <p:sp>
+        <p:nvSpPr>
+          <p:cNvPr id="3" name="Footer Placeholder 2"/>
+          <p:cNvSpPr>
+            <a:spLocks noGrp="1"/>
+          </p:cNvSpPr>
+          <p:nvPr>
+            <p:ph type="ftr" sz="quarter" idx="10"/>
+          </p:nvPr>
+        </p:nvSpPr>
+        <p:spPr/>
+        <p:txBody>
+          <a:bodyPr/>
+          <a:lstStyle/>
+          <a:p>
+            <a:r>
+              <a:rPr lang="en-US" smtClean="0"/>
+              <a:t>Copyright © 2018 Accenture. All rights reserved.</a:t>
+            </a:r>
+            <a:endParaRPr lang="en-US" dirty="0"/>
+          </a:p>
+        </p:txBody>
+      </p:sp>
+      <p:sp>
+        <p:nvSpPr>
+          <p:cNvPr id="4" name="Slide Number Placeholder 3"/>
+          <p:cNvSpPr>
+            <a:spLocks noGrp="1"/>
+          </p:cNvSpPr>
+          <p:nvPr>
+            <p:ph type="sldNum" sz="quarter" idx="11"/>
+          </p:nvPr>
+        </p:nvSpPr>
+        <p:spPr/>
+        <p:txBody>
+          <a:bodyPr/>
+          <a:lstStyle/>
+          <a:p>
+            <a:fld id="{4F9AC08D-23A9-440E-BCB9-AA1E9877CC38}" type="slidenum">
+              <a:rPr lang="en-US" smtClean="0"/>
+              <a:pPr/>
+              <a:t>17</a:t>
+            </a:fld>
+            <a:endParaRPr lang="en-US" dirty="0"/>
+          </a:p>
+        </p:txBody>
+      </p:sp>
+    </p:spTree>
+    <p:extLst>
+      <p:ext uri="{BB962C8B-B14F-4D97-AF65-F5344CB8AC3E}">
+        <p14:creationId xmlns:p14="http://schemas.microsoft.com/office/powerpoint/2010/main" val="3748821549"/>
+      </p:ext>
+    </p:extLst>
+  </p:cSld>
+  <p:clrMapOvr>
+    <a:masterClrMapping/>
+  </p:clrMapOvr>
+  <p:timing>
+    <p:tnLst>
+      <p:par>
+        <p:cTn id="1" dur="indefinite" restart="never" nodeType="tmRoot"/>
+      </p:par>
+    </p:tnLst>
+  </p:timing>
+</p:sld>
+</file>
+
+<file path=ppt/slides/slide18.xml><?xml version="1.0" encoding="utf-8"?>
+<p:sld xmlns:a="http://schemas.openxmlformats.org/drawingml/2006/main" xmlns:r="http://schemas.openxmlformats.org/officeDocument/2006/relationships" xmlns:p="http://schemas.openxmlformats.org/presentationml/2006/main">
+  <p:cSld>
+    <p:spTree>
+      <p:nvGrpSpPr>
+        <p:cNvPr id="1" name=""/>
+        <p:cNvGrpSpPr/>
+        <p:nvPr/>
+      </p:nvGrpSpPr>
+      <p:grpSpPr>
+        <a:xfrm>
+          <a:off x="0" y="0"/>
+          <a:ext cx="0" cy="0"/>
+          <a:chOff x="0" y="0"/>
+          <a:chExt cx="0" cy="0"/>
+        </a:xfrm>
+      </p:grpSpPr>
+      <p:sp>
+        <p:nvSpPr>
           <p:cNvPr id="2" name="Title 1">
             <a:extLst>
               <a:ext uri="{FF2B5EF4-FFF2-40B4-BE49-F238E27FC236}">
-                <a16:creationId xmlns:a16="http://schemas.microsoft.com/office/drawing/2014/main" xmlns="" id="{167F1A95-7B75-4F88-B2D0-476C539701FC}"/>
+                <a16:creationId xmlns="" xmlns:a16="http://schemas.microsoft.com/office/drawing/2014/main" id="{FFFCCBCC-01FF-45D9-9C9A-FBD0356EB13F}"/>
               </a:ext>
             </a:extLst>
           </p:cNvPr>
@@ -6738,7 +7685,7 @@
           <a:p>
             <a:r>
               <a:rPr lang="en-US" dirty="0"/>
-              <a:t>prepare data</a:t>
+              <a:t>dataset</a:t>
             </a:r>
           </a:p>
         </p:txBody>
@@ -6748,7 +7695,7 @@
           <p:cNvPr id="3" name="Footer Placeholder 2">
             <a:extLst>
               <a:ext uri="{FF2B5EF4-FFF2-40B4-BE49-F238E27FC236}">
-                <a16:creationId xmlns:a16="http://schemas.microsoft.com/office/drawing/2014/main" xmlns="" id="{6255CF37-9B35-483A-9AD9-1A04DFB26524}"/>
+                <a16:creationId xmlns="" xmlns:a16="http://schemas.microsoft.com/office/drawing/2014/main" id="{71D46D2E-E86B-47DF-9DB8-CB0788CE9695}"/>
               </a:ext>
             </a:extLst>
           </p:cNvPr>
@@ -6777,7 +7724,7 @@
           <p:cNvPr id="4" name="Slide Number Placeholder 3">
             <a:extLst>
               <a:ext uri="{FF2B5EF4-FFF2-40B4-BE49-F238E27FC236}">
-                <a16:creationId xmlns:a16="http://schemas.microsoft.com/office/drawing/2014/main" xmlns="" id="{40CB5FE6-90B9-4485-95C3-FBA48D5580DE}"/>
+                <a16:creationId xmlns="" xmlns:a16="http://schemas.microsoft.com/office/drawing/2014/main" id="{E14E4FC6-527C-4F1C-A090-8EFF90C177DD}"/>
               </a:ext>
             </a:extLst>
           </p:cNvPr>
@@ -6796,7 +7743,7 @@
             <a:fld id="{4F9AC08D-23A9-440E-BCB9-AA1E9877CC38}" type="slidenum">
               <a:rPr lang="en-US" smtClean="0"/>
               <a:pPr/>
-              <a:t>17</a:t>
+              <a:t>18</a:t>
             </a:fld>
             <a:endParaRPr lang="en-US" dirty="0"/>
           </a:p>
@@ -6807,7 +7754,7 @@
           <p:cNvPr id="5" name="Text Placeholder 4">
             <a:extLst>
               <a:ext uri="{FF2B5EF4-FFF2-40B4-BE49-F238E27FC236}">
-                <a16:creationId xmlns:a16="http://schemas.microsoft.com/office/drawing/2014/main" xmlns="" id="{E7D60497-FC2E-4BC0-B8EE-B61836871667}"/>
+                <a16:creationId xmlns="" xmlns:a16="http://schemas.microsoft.com/office/drawing/2014/main" id="{F4835EC4-ACB7-46BD-A0EF-77B164BB4043}"/>
               </a:ext>
             </a:extLst>
           </p:cNvPr>
@@ -6818,6 +7765,288 @@
             <p:ph type="body" sz="quarter" idx="12"/>
           </p:nvPr>
         </p:nvSpPr>
+        <p:spPr/>
+        <p:txBody>
+          <a:bodyPr/>
+          <a:lstStyle/>
+          <a:p>
+            <a:pPr marL="342900" indent="-342900">
+              <a:buFont typeface="Arial" panose="020B0604020202020204" pitchFamily="34" charset="0"/>
+              <a:buChar char="•"/>
+            </a:pPr>
+            <a:r>
+              <a:rPr lang="en-US" dirty="0"/>
+              <a:t>EEG and eye state detection</a:t>
+            </a:r>
+          </a:p>
+          <a:p>
+            <a:pPr marL="342900" indent="-342900">
+              <a:buFont typeface="Arial" panose="020B0604020202020204" pitchFamily="34" charset="0"/>
+              <a:buChar char="•"/>
+            </a:pPr>
+            <a:r>
+              <a:rPr lang="en-US" dirty="0"/>
+              <a:t>source: </a:t>
+            </a:r>
+            <a:r>
+              <a:rPr lang="en-US" dirty="0">
+                <a:hlinkClick r:id="rId2"/>
+              </a:rPr>
+              <a:t>https://archive.ics.uci.edu/ml/datasets/EEG+Eye+State</a:t>
+            </a:r>
+            <a:r>
+              <a:rPr lang="en-US" dirty="0"/>
+              <a:t> </a:t>
+            </a:r>
+          </a:p>
+          <a:p>
+            <a:pPr marL="342900" indent="-342900">
+              <a:buFont typeface="Arial" panose="020B0604020202020204" pitchFamily="34" charset="0"/>
+              <a:buChar char="•"/>
+            </a:pPr>
+            <a:r>
+              <a:rPr lang="en-US" dirty="0"/>
+              <a:t>14 fields and 1 label</a:t>
+            </a:r>
+          </a:p>
+          <a:p>
+            <a:pPr marL="342900" indent="-342900">
+              <a:buFont typeface="Arial" panose="020B0604020202020204" pitchFamily="34" charset="0"/>
+              <a:buChar char="•"/>
+            </a:pPr>
+            <a:r>
+              <a:rPr lang="en-US" dirty="0"/>
+              <a:t>binary </a:t>
+            </a:r>
+            <a:r>
+              <a:rPr lang="en-US" dirty="0" smtClean="0"/>
+              <a:t>classification</a:t>
+            </a:r>
+          </a:p>
+          <a:p>
+            <a:pPr marL="342900" indent="-342900">
+              <a:buFont typeface="Arial" panose="020B0604020202020204" pitchFamily="34" charset="0"/>
+              <a:buChar char="•"/>
+            </a:pPr>
+            <a:endParaRPr lang="en-US" dirty="0"/>
+          </a:p>
+          <a:p>
+            <a:endParaRPr lang="en-US" dirty="0"/>
+          </a:p>
+          <a:p>
+            <a:pPr marL="342900" indent="-342900">
+              <a:buFont typeface="Arial" panose="020B0604020202020204" pitchFamily="34" charset="0"/>
+              <a:buChar char="•"/>
+            </a:pPr>
+            <a:endParaRPr lang="en-US" dirty="0"/>
+          </a:p>
+        </p:txBody>
+      </p:sp>
+      <p:pic>
+        <p:nvPicPr>
+          <p:cNvPr id="6" name="Picture 5"/>
+          <p:cNvPicPr>
+            <a:picLocks noChangeAspect="1"/>
+          </p:cNvPicPr>
+          <p:nvPr/>
+        </p:nvPicPr>
+        <p:blipFill>
+          <a:blip r:embed="rId3"/>
+          <a:stretch>
+            <a:fillRect/>
+          </a:stretch>
+        </p:blipFill>
+        <p:spPr>
+          <a:xfrm>
+            <a:off x="498430" y="2987146"/>
+            <a:ext cx="8932954" cy="3260729"/>
+          </a:xfrm>
+          <a:prstGeom prst="rect">
+            <a:avLst/>
+          </a:prstGeom>
+        </p:spPr>
+      </p:pic>
+      <p:sp>
+        <p:nvSpPr>
+          <p:cNvPr id="7" name="TextBox 6"/>
+          <p:cNvSpPr txBox="1"/>
+          <p:nvPr/>
+        </p:nvSpPr>
+        <p:spPr>
+          <a:xfrm>
+            <a:off x="5329646" y="2690949"/>
+            <a:ext cx="2458558" cy="292388"/>
+          </a:xfrm>
+          <a:prstGeom prst="rect">
+            <a:avLst/>
+          </a:prstGeom>
+          <a:noFill/>
+        </p:spPr>
+        <p:txBody>
+          <a:bodyPr wrap="none" lIns="0" tIns="0" rIns="0" bIns="45720" rtlCol="0">
+            <a:spAutoFit/>
+          </a:bodyPr>
+          <a:lstStyle/>
+          <a:p>
+            <a:r>
+              <a:rPr lang="en-US" sz="1600" b="1" i="1" dirty="0">
+                <a:hlinkClick r:id="rId4"/>
+              </a:rPr>
+              <a:t>https://www.emotiv.com</a:t>
+            </a:r>
+            <a:r>
+              <a:rPr lang="en-US" sz="1600" b="1" i="1" dirty="0" smtClean="0">
+                <a:hlinkClick r:id="rId4"/>
+              </a:rPr>
+              <a:t>/</a:t>
+            </a:r>
+            <a:r>
+              <a:rPr lang="en-US" sz="1600" b="1" i="1" dirty="0" smtClean="0"/>
+              <a:t> </a:t>
+            </a:r>
+          </a:p>
+        </p:txBody>
+      </p:sp>
+    </p:spTree>
+    <p:extLst>
+      <p:ext uri="{BB962C8B-B14F-4D97-AF65-F5344CB8AC3E}">
+        <p14:creationId xmlns:p14="http://schemas.microsoft.com/office/powerpoint/2010/main" val="2030747111"/>
+      </p:ext>
+    </p:extLst>
+  </p:cSld>
+  <p:clrMapOvr>
+    <a:masterClrMapping/>
+  </p:clrMapOvr>
+  <p:timing>
+    <p:tnLst>
+      <p:par>
+        <p:cTn id="1" dur="indefinite" restart="never" nodeType="tmRoot"/>
+      </p:par>
+    </p:tnLst>
+  </p:timing>
+</p:sld>
+</file>
+
+<file path=ppt/slides/slide19.xml><?xml version="1.0" encoding="utf-8"?>
+<p:sld xmlns:a="http://schemas.openxmlformats.org/drawingml/2006/main" xmlns:r="http://schemas.openxmlformats.org/officeDocument/2006/relationships" xmlns:p="http://schemas.openxmlformats.org/presentationml/2006/main">
+  <p:cSld>
+    <p:spTree>
+      <p:nvGrpSpPr>
+        <p:cNvPr id="1" name=""/>
+        <p:cNvGrpSpPr/>
+        <p:nvPr/>
+      </p:nvGrpSpPr>
+      <p:grpSpPr>
+        <a:xfrm>
+          <a:off x="0" y="0"/>
+          <a:ext cx="0" cy="0"/>
+          <a:chOff x="0" y="0"/>
+          <a:chExt cx="0" cy="0"/>
+        </a:xfrm>
+      </p:grpSpPr>
+      <p:sp>
+        <p:nvSpPr>
+          <p:cNvPr id="2" name="Title 1">
+            <a:extLst>
+              <a:ext uri="{FF2B5EF4-FFF2-40B4-BE49-F238E27FC236}">
+                <a16:creationId xmlns="" xmlns:a16="http://schemas.microsoft.com/office/drawing/2014/main" id="{167F1A95-7B75-4F88-B2D0-476C539701FC}"/>
+              </a:ext>
+            </a:extLst>
+          </p:cNvPr>
+          <p:cNvSpPr>
+            <a:spLocks noGrp="1"/>
+          </p:cNvSpPr>
+          <p:nvPr>
+            <p:ph type="title"/>
+          </p:nvPr>
+        </p:nvSpPr>
+        <p:spPr/>
+        <p:txBody>
+          <a:bodyPr/>
+          <a:lstStyle/>
+          <a:p>
+            <a:r>
+              <a:rPr lang="en-US" dirty="0"/>
+              <a:t>prepare data</a:t>
+            </a:r>
+          </a:p>
+        </p:txBody>
+      </p:sp>
+      <p:sp>
+        <p:nvSpPr>
+          <p:cNvPr id="3" name="Footer Placeholder 2">
+            <a:extLst>
+              <a:ext uri="{FF2B5EF4-FFF2-40B4-BE49-F238E27FC236}">
+                <a16:creationId xmlns="" xmlns:a16="http://schemas.microsoft.com/office/drawing/2014/main" id="{6255CF37-9B35-483A-9AD9-1A04DFB26524}"/>
+              </a:ext>
+            </a:extLst>
+          </p:cNvPr>
+          <p:cNvSpPr>
+            <a:spLocks noGrp="1"/>
+          </p:cNvSpPr>
+          <p:nvPr>
+            <p:ph type="ftr" sz="quarter" idx="10"/>
+          </p:nvPr>
+        </p:nvSpPr>
+        <p:spPr/>
+        <p:txBody>
+          <a:bodyPr/>
+          <a:lstStyle/>
+          <a:p>
+            <a:r>
+              <a:rPr lang="en-US"/>
+              <a:t>Copyright © 2018 Accenture. All rights reserved.</a:t>
+            </a:r>
+            <a:endParaRPr lang="en-US" dirty="0"/>
+          </a:p>
+        </p:txBody>
+      </p:sp>
+      <p:sp>
+        <p:nvSpPr>
+          <p:cNvPr id="4" name="Slide Number Placeholder 3">
+            <a:extLst>
+              <a:ext uri="{FF2B5EF4-FFF2-40B4-BE49-F238E27FC236}">
+                <a16:creationId xmlns="" xmlns:a16="http://schemas.microsoft.com/office/drawing/2014/main" id="{40CB5FE6-90B9-4485-95C3-FBA48D5580DE}"/>
+              </a:ext>
+            </a:extLst>
+          </p:cNvPr>
+          <p:cNvSpPr>
+            <a:spLocks noGrp="1"/>
+          </p:cNvSpPr>
+          <p:nvPr>
+            <p:ph type="sldNum" sz="quarter" idx="11"/>
+          </p:nvPr>
+        </p:nvSpPr>
+        <p:spPr/>
+        <p:txBody>
+          <a:bodyPr/>
+          <a:lstStyle/>
+          <a:p>
+            <a:fld id="{4F9AC08D-23A9-440E-BCB9-AA1E9877CC38}" type="slidenum">
+              <a:rPr lang="en-US" smtClean="0"/>
+              <a:pPr/>
+              <a:t>19</a:t>
+            </a:fld>
+            <a:endParaRPr lang="en-US" dirty="0"/>
+          </a:p>
+        </p:txBody>
+      </p:sp>
+      <p:sp>
+        <p:nvSpPr>
+          <p:cNvPr id="5" name="Text Placeholder 4">
+            <a:extLst>
+              <a:ext uri="{FF2B5EF4-FFF2-40B4-BE49-F238E27FC236}">
+                <a16:creationId xmlns="" xmlns:a16="http://schemas.microsoft.com/office/drawing/2014/main" id="{E7D60497-FC2E-4BC0-B8EE-B61836871667}"/>
+              </a:ext>
+            </a:extLst>
+          </p:cNvPr>
+          <p:cNvSpPr>
+            <a:spLocks noGrp="1"/>
+          </p:cNvSpPr>
+          <p:nvPr>
+            <p:ph type="body" sz="quarter" idx="12"/>
+          </p:nvPr>
+        </p:nvSpPr>
         <p:spPr>
           <a:xfrm>
             <a:off x="381000" y="1152000"/>
@@ -6905,7 +8134,7 @@
           <p:cNvPr id="6" name="Rectangle 1">
             <a:extLst>
               <a:ext uri="{FF2B5EF4-FFF2-40B4-BE49-F238E27FC236}">
-                <a16:creationId xmlns:a16="http://schemas.microsoft.com/office/drawing/2014/main" xmlns="" id="{9A0208C9-622B-47D7-BDE7-6CC9599DB640}"/>
+                <a16:creationId xmlns="" xmlns:a16="http://schemas.microsoft.com/office/drawing/2014/main" id="{9A0208C9-622B-47D7-BDE7-6CC9599DB640}"/>
               </a:ext>
             </a:extLst>
           </p:cNvPr>
@@ -7093,7 +8322,7 @@
           <p:cNvPr id="7" name="Rectangle 2">
             <a:extLst>
               <a:ext uri="{FF2B5EF4-FFF2-40B4-BE49-F238E27FC236}">
-                <a16:creationId xmlns:a16="http://schemas.microsoft.com/office/drawing/2014/main" xmlns="" id="{0BB43122-50FF-44F8-AA19-ACF500506683}"/>
+                <a16:creationId xmlns="" xmlns:a16="http://schemas.microsoft.com/office/drawing/2014/main" id="{0BB43122-50FF-44F8-AA19-ACF500506683}"/>
               </a:ext>
             </a:extLst>
           </p:cNvPr>
@@ -7293,7 +8522,7 @@
           <p:cNvPr id="8" name="Rectangle 3">
             <a:extLst>
               <a:ext uri="{FF2B5EF4-FFF2-40B4-BE49-F238E27FC236}">
-                <a16:creationId xmlns:a16="http://schemas.microsoft.com/office/drawing/2014/main" xmlns="" id="{0C8EFD8A-29C7-438C-994D-628DD3120D1D}"/>
+                <a16:creationId xmlns="" xmlns:a16="http://schemas.microsoft.com/office/drawing/2014/main" id="{0C8EFD8A-29C7-438C-994D-628DD3120D1D}"/>
               </a:ext>
             </a:extLst>
           </p:cNvPr>
@@ -7391,7 +8620,7 @@
 </p:sld>
 </file>
 
-<file path=ppt/slides/slide18.xml><?xml version="1.0" encoding="utf-8"?>
+<file path=ppt/slides/slide2.xml><?xml version="1.0" encoding="utf-8"?>
 <p:sld xmlns:a="http://schemas.openxmlformats.org/drawingml/2006/main" xmlns:r="http://schemas.openxmlformats.org/officeDocument/2006/relationships" xmlns:p="http://schemas.openxmlformats.org/presentationml/2006/main">
   <p:cSld>
     <p:spTree>
@@ -7410,10 +8639,138 @@
       </p:grpSpPr>
       <p:sp>
         <p:nvSpPr>
+          <p:cNvPr id="5" name="Footer Placeholder 1">
+            <a:extLst>
+              <a:ext uri="{FF2B5EF4-FFF2-40B4-BE49-F238E27FC236}">
+                <a16:creationId xmlns="" xmlns:a16="http://schemas.microsoft.com/office/drawing/2014/main" id="{0780ADAA-7604-49D6-B19C-5737BAFE50BB}"/>
+              </a:ext>
+            </a:extLst>
+          </p:cNvPr>
+          <p:cNvSpPr>
+            <a:spLocks noGrp="1"/>
+          </p:cNvSpPr>
+          <p:nvPr>
+            <p:ph type="ftr" sz="quarter" idx="16"/>
+          </p:nvPr>
+        </p:nvSpPr>
+        <p:spPr/>
+        <p:txBody>
+          <a:bodyPr/>
+          <a:lstStyle/>
+          <a:p>
+            <a:r>
+              <a:rPr lang="en-US"/>
+              <a:t>Copyright © 2018 Accenture. All rights reserved.</a:t>
+            </a:r>
+            <a:endParaRPr lang="en-US" dirty="0"/>
+          </a:p>
+        </p:txBody>
+      </p:sp>
+      <p:sp>
+        <p:nvSpPr>
+          <p:cNvPr id="6" name="Slide Number Placeholder 2">
+            <a:extLst>
+              <a:ext uri="{FF2B5EF4-FFF2-40B4-BE49-F238E27FC236}">
+                <a16:creationId xmlns="" xmlns:a16="http://schemas.microsoft.com/office/drawing/2014/main" id="{A33C9000-BE3F-4ED0-87EE-D1875CFA7488}"/>
+              </a:ext>
+            </a:extLst>
+          </p:cNvPr>
+          <p:cNvSpPr>
+            <a:spLocks noGrp="1"/>
+          </p:cNvSpPr>
+          <p:nvPr>
+            <p:ph type="sldNum" sz="quarter" idx="17"/>
+          </p:nvPr>
+        </p:nvSpPr>
+        <p:spPr/>
+        <p:txBody>
+          <a:bodyPr/>
+          <a:lstStyle/>
+          <a:p>
+            <a:fld id="{4F9AC08D-23A9-440E-BCB9-AA1E9877CC38}" type="slidenum">
+              <a:rPr lang="en-US" smtClean="0"/>
+              <a:pPr/>
+              <a:t>2</a:t>
+            </a:fld>
+            <a:endParaRPr lang="en-US"/>
+          </a:p>
+        </p:txBody>
+      </p:sp>
+      <p:sp>
+        <p:nvSpPr>
+          <p:cNvPr id="3" name="Text Placeholder 2">
+            <a:extLst>
+              <a:ext uri="{FF2B5EF4-FFF2-40B4-BE49-F238E27FC236}">
+                <a16:creationId xmlns="" xmlns:a16="http://schemas.microsoft.com/office/drawing/2014/main" id="{A4A6F94B-8757-4946-9A1B-A656AE6365F8}"/>
+              </a:ext>
+            </a:extLst>
+          </p:cNvPr>
+          <p:cNvSpPr>
+            <a:spLocks noGrp="1"/>
+          </p:cNvSpPr>
+          <p:nvPr>
+            <p:ph sz="quarter" idx="18"/>
+          </p:nvPr>
+        </p:nvSpPr>
+        <p:spPr/>
+        <p:txBody>
+          <a:bodyPr>
+            <a:normAutofit/>
+          </a:bodyPr>
+          <a:lstStyle/>
+          <a:p>
+            <a:r>
+              <a:rPr lang="en-GB" dirty="0"/>
+              <a:t>Introduction of machine learning</a:t>
+            </a:r>
+          </a:p>
+          <a:p>
+            <a:r>
+              <a:rPr lang="en-GB" dirty="0"/>
+              <a:t>software installation</a:t>
+            </a:r>
+          </a:p>
+          <a:p>
+            <a:r>
+              <a:rPr lang="en-CA" dirty="0"/>
+              <a:t>Neural networks - background</a:t>
+            </a:r>
+          </a:p>
+          <a:p>
+            <a:r>
+              <a:rPr lang="en-CA" dirty="0"/>
+              <a:t>NN – inner workings</a:t>
+            </a:r>
+            <a:endParaRPr lang="en-CA" i="1" dirty="0"/>
+          </a:p>
+          <a:p>
+            <a:r>
+              <a:rPr lang="en-CA" dirty="0"/>
+              <a:t>working session</a:t>
+            </a:r>
+          </a:p>
+          <a:p>
+            <a:r>
+              <a:rPr lang="en-CA" dirty="0"/>
+              <a:t>visualization</a:t>
+            </a:r>
+            <a:endParaRPr lang="en-CA" i="1" dirty="0"/>
+          </a:p>
+          <a:p>
+            <a:r>
+              <a:rPr lang="en-CA" dirty="0"/>
+              <a:t>Questions &amp; Follow-up</a:t>
+            </a:r>
+            <a:endParaRPr lang="en-CA" i="1" dirty="0"/>
+          </a:p>
+        </p:txBody>
+      </p:sp>
+      <p:sp>
+        <p:nvSpPr>
           <p:cNvPr id="2" name="Title 1">
             <a:extLst>
               <a:ext uri="{FF2B5EF4-FFF2-40B4-BE49-F238E27FC236}">
-                <a16:creationId xmlns:a16="http://schemas.microsoft.com/office/drawing/2014/main" xmlns="" id="{4354C437-4F2C-470C-992C-50FB35C61679}"/>
+                <a16:creationId xmlns="" xmlns:a16="http://schemas.microsoft.com/office/drawing/2014/main" id="{5E6C144A-99B4-9243-880A-590C09A5B1FF}"/>
               </a:ext>
             </a:extLst>
           </p:cNvPr>
@@ -7430,6 +8787,123 @@
           <a:lstStyle/>
           <a:p>
             <a:r>
+              <a:rPr lang="en-GB" dirty="0"/>
+              <a:t>agenda</a:t>
+            </a:r>
+          </a:p>
+        </p:txBody>
+      </p:sp>
+      <p:sp>
+        <p:nvSpPr>
+          <p:cNvPr id="4" name="Rectangle 3">
+            <a:extLst>
+              <a:ext uri="{FF2B5EF4-FFF2-40B4-BE49-F238E27FC236}">
+                <a16:creationId xmlns="" xmlns:a16="http://schemas.microsoft.com/office/drawing/2014/main" id="{D1414BF5-852E-8045-B425-93EE7A48892C}"/>
+              </a:ext>
+            </a:extLst>
+          </p:cNvPr>
+          <p:cNvSpPr/>
+          <p:nvPr/>
+        </p:nvSpPr>
+        <p:spPr>
+          <a:xfrm>
+            <a:off x="319087" y="1171575"/>
+            <a:ext cx="5505451" cy="552450"/>
+          </a:xfrm>
+          <a:prstGeom prst="rect">
+            <a:avLst/>
+          </a:prstGeom>
+          <a:noFill/>
+          <a:ln w="57150">
+            <a:solidFill>
+              <a:srgbClr val="7500C0"/>
+            </a:solidFill>
+          </a:ln>
+        </p:spPr>
+        <p:style>
+          <a:lnRef idx="2">
+            <a:schemeClr val="accent1">
+              <a:shade val="50000"/>
+            </a:schemeClr>
+          </a:lnRef>
+          <a:fillRef idx="1">
+            <a:schemeClr val="accent1"/>
+          </a:fillRef>
+          <a:effectRef idx="0">
+            <a:schemeClr val="accent1"/>
+          </a:effectRef>
+          <a:fontRef idx="minor">
+            <a:schemeClr val="lt1"/>
+          </a:fontRef>
+        </p:style>
+        <p:txBody>
+          <a:bodyPr rtlCol="0" anchor="ctr"/>
+          <a:lstStyle/>
+          <a:p>
+            <a:pPr algn="ctr"/>
+            <a:endParaRPr lang="en-GB"/>
+          </a:p>
+        </p:txBody>
+      </p:sp>
+    </p:spTree>
+    <p:extLst>
+      <p:ext uri="{BB962C8B-B14F-4D97-AF65-F5344CB8AC3E}">
+        <p14:creationId xmlns:p14="http://schemas.microsoft.com/office/powerpoint/2010/main" val="3360244807"/>
+      </p:ext>
+    </p:extLst>
+  </p:cSld>
+  <p:clrMapOvr>
+    <a:masterClrMapping/>
+  </p:clrMapOvr>
+  <p:timing>
+    <p:tnLst>
+      <p:par>
+        <p:cTn id="1" dur="indefinite" restart="never" nodeType="tmRoot"/>
+      </p:par>
+    </p:tnLst>
+  </p:timing>
+</p:sld>
+</file>
+
+<file path=ppt/slides/slide20.xml><?xml version="1.0" encoding="utf-8"?>
+<p:sld xmlns:a="http://schemas.openxmlformats.org/drawingml/2006/main" xmlns:r="http://schemas.openxmlformats.org/officeDocument/2006/relationships" xmlns:p="http://schemas.openxmlformats.org/presentationml/2006/main">
+  <p:cSld>
+    <p:spTree>
+      <p:nvGrpSpPr>
+        <p:cNvPr id="1" name=""/>
+        <p:cNvGrpSpPr/>
+        <p:nvPr/>
+      </p:nvGrpSpPr>
+      <p:grpSpPr>
+        <a:xfrm>
+          <a:off x="0" y="0"/>
+          <a:ext cx="0" cy="0"/>
+          <a:chOff x="0" y="0"/>
+          <a:chExt cx="0" cy="0"/>
+        </a:xfrm>
+      </p:grpSpPr>
+      <p:sp>
+        <p:nvSpPr>
+          <p:cNvPr id="2" name="Title 1">
+            <a:extLst>
+              <a:ext uri="{FF2B5EF4-FFF2-40B4-BE49-F238E27FC236}">
+                <a16:creationId xmlns="" xmlns:a16="http://schemas.microsoft.com/office/drawing/2014/main" id="{4354C437-4F2C-470C-992C-50FB35C61679}"/>
+              </a:ext>
+            </a:extLst>
+          </p:cNvPr>
+          <p:cNvSpPr>
+            <a:spLocks noGrp="1"/>
+          </p:cNvSpPr>
+          <p:nvPr>
+            <p:ph type="title"/>
+          </p:nvPr>
+        </p:nvSpPr>
+        <p:spPr/>
+        <p:txBody>
+          <a:bodyPr/>
+          <a:lstStyle/>
+          <a:p>
+            <a:r>
               <a:rPr lang="en-US" dirty="0"/>
               <a:t>build model &amp; evaluate</a:t>
             </a:r>
@@ -7441,7 +8915,7 @@
           <p:cNvPr id="3" name="Footer Placeholder 2">
             <a:extLst>
               <a:ext uri="{FF2B5EF4-FFF2-40B4-BE49-F238E27FC236}">
-                <a16:creationId xmlns:a16="http://schemas.microsoft.com/office/drawing/2014/main" xmlns="" id="{2F0707AB-3E74-4B0E-99D8-190AC3CE5C94}"/>
+                <a16:creationId xmlns="" xmlns:a16="http://schemas.microsoft.com/office/drawing/2014/main" id="{2F0707AB-3E74-4B0E-99D8-190AC3CE5C94}"/>
               </a:ext>
             </a:extLst>
           </p:cNvPr>
@@ -7470,7 +8944,7 @@
           <p:cNvPr id="4" name="Slide Number Placeholder 3">
             <a:extLst>
               <a:ext uri="{FF2B5EF4-FFF2-40B4-BE49-F238E27FC236}">
-                <a16:creationId xmlns:a16="http://schemas.microsoft.com/office/drawing/2014/main" xmlns="" id="{81C9012A-F828-4B68-A404-EEA2A4EFB1C8}"/>
+                <a16:creationId xmlns="" xmlns:a16="http://schemas.microsoft.com/office/drawing/2014/main" id="{81C9012A-F828-4B68-A404-EEA2A4EFB1C8}"/>
               </a:ext>
             </a:extLst>
           </p:cNvPr>
@@ -7489,7 +8963,7 @@
             <a:fld id="{4F9AC08D-23A9-440E-BCB9-AA1E9877CC38}" type="slidenum">
               <a:rPr lang="en-US" smtClean="0"/>
               <a:pPr/>
-              <a:t>18</a:t>
+              <a:t>20</a:t>
             </a:fld>
             <a:endParaRPr lang="en-US" dirty="0"/>
           </a:p>
@@ -7500,7 +8974,7 @@
           <p:cNvPr id="5" name="Text Placeholder 4">
             <a:extLst>
               <a:ext uri="{FF2B5EF4-FFF2-40B4-BE49-F238E27FC236}">
-                <a16:creationId xmlns:a16="http://schemas.microsoft.com/office/drawing/2014/main" xmlns="" id="{2F72B0DD-FBAD-4783-8A83-B77888AC3C82}"/>
+                <a16:creationId xmlns="" xmlns:a16="http://schemas.microsoft.com/office/drawing/2014/main" id="{2F72B0DD-FBAD-4783-8A83-B77888AC3C82}"/>
               </a:ext>
             </a:extLst>
           </p:cNvPr>
@@ -7542,8 +9016,23 @@
             </a:pPr>
             <a:r>
               <a:rPr lang="en-US" dirty="0"/>
-              <a:t>define activation function – for each layer</a:t>
-            </a:r>
+              <a:t>define activation function – for each </a:t>
+            </a:r>
+            <a:r>
+              <a:rPr lang="en-US" dirty="0" smtClean="0"/>
+              <a:t>layer</a:t>
+            </a:r>
+          </a:p>
+          <a:p>
+            <a:pPr marL="342900" indent="-342900">
+              <a:buFont typeface="Arial" panose="020B0604020202020204" pitchFamily="34" charset="0"/>
+              <a:buChar char="•"/>
+            </a:pPr>
+            <a:r>
+              <a:rPr lang="en-US" dirty="0" smtClean="0"/>
+              <a:t>Define cost function – loss for the model</a:t>
+            </a:r>
+            <a:endParaRPr lang="en-US" dirty="0"/>
           </a:p>
           <a:p>
             <a:pPr marL="342900" indent="-342900">
@@ -7614,7 +9103,7 @@
           <p:cNvPr id="7" name="Rectangle 2">
             <a:extLst>
               <a:ext uri="{FF2B5EF4-FFF2-40B4-BE49-F238E27FC236}">
-                <a16:creationId xmlns:a16="http://schemas.microsoft.com/office/drawing/2014/main" xmlns="" id="{B76E2C5E-28F1-4C9C-B9E1-AE2A804C8983}"/>
+                <a16:creationId xmlns="" xmlns:a16="http://schemas.microsoft.com/office/drawing/2014/main" id="{B76E2C5E-28F1-4C9C-B9E1-AE2A804C8983}"/>
               </a:ext>
             </a:extLst>
           </p:cNvPr>
@@ -7625,7 +9114,7 @@
         </p:nvSpPr>
         <p:spPr bwMode="auto">
           <a:xfrm>
-            <a:off x="662473" y="4034297"/>
+            <a:off x="662473" y="4395970"/>
             <a:ext cx="7875037" cy="954107"/>
           </a:xfrm>
           <a:prstGeom prst="rect">
@@ -8064,7 +9553,7 @@
           <p:cNvPr id="10" name="Rectangle 5">
             <a:extLst>
               <a:ext uri="{FF2B5EF4-FFF2-40B4-BE49-F238E27FC236}">
-                <a16:creationId xmlns:a16="http://schemas.microsoft.com/office/drawing/2014/main" xmlns="" id="{302BE80F-0711-4A93-84F6-C4BD6316D43F}"/>
+                <a16:creationId xmlns="" xmlns:a16="http://schemas.microsoft.com/office/drawing/2014/main" id="{302BE80F-0711-4A93-84F6-C4BD6316D43F}"/>
               </a:ext>
             </a:extLst>
           </p:cNvPr>
@@ -8075,7 +9564,7 @@
         </p:nvSpPr>
         <p:spPr bwMode="auto">
           <a:xfrm>
-            <a:off x="662473" y="5683560"/>
+            <a:off x="662473" y="6017043"/>
             <a:ext cx="7875037" cy="230832"/>
           </a:xfrm>
           <a:prstGeom prst="rect">
@@ -8162,7 +9651,7 @@
 </p:sld>
 </file>
 
-<file path=ppt/slides/slide19.xml><?xml version="1.0" encoding="utf-8"?>
+<file path=ppt/slides/slide21.xml><?xml version="1.0" encoding="utf-8"?>
 <p:sld xmlns:a="http://schemas.openxmlformats.org/drawingml/2006/main" xmlns:r="http://schemas.openxmlformats.org/officeDocument/2006/relationships" xmlns:p="http://schemas.openxmlformats.org/presentationml/2006/main">
   <p:cSld>
     <p:spTree>
@@ -8184,7 +9673,7 @@
           <p:cNvPr id="2" name="Title 1">
             <a:extLst>
               <a:ext uri="{FF2B5EF4-FFF2-40B4-BE49-F238E27FC236}">
-                <a16:creationId xmlns:a16="http://schemas.microsoft.com/office/drawing/2014/main" xmlns="" id="{DBEBF523-A6A7-4A03-B6F2-324764951D65}"/>
+                <a16:creationId xmlns="" xmlns:a16="http://schemas.microsoft.com/office/drawing/2014/main" id="{DBEBF523-A6A7-4A03-B6F2-324764951D65}"/>
               </a:ext>
             </a:extLst>
           </p:cNvPr>
@@ -8218,7 +9707,7 @@
           <p:cNvPr id="3" name="Footer Placeholder 2">
             <a:extLst>
               <a:ext uri="{FF2B5EF4-FFF2-40B4-BE49-F238E27FC236}">
-                <a16:creationId xmlns:a16="http://schemas.microsoft.com/office/drawing/2014/main" xmlns="" id="{B7C9E023-764A-41C9-B87C-73F4A25EE6EC}"/>
+                <a16:creationId xmlns="" xmlns:a16="http://schemas.microsoft.com/office/drawing/2014/main" id="{B7C9E023-764A-41C9-B87C-73F4A25EE6EC}"/>
               </a:ext>
             </a:extLst>
           </p:cNvPr>
@@ -8247,7 +9736,7 @@
           <p:cNvPr id="4" name="Slide Number Placeholder 3">
             <a:extLst>
               <a:ext uri="{FF2B5EF4-FFF2-40B4-BE49-F238E27FC236}">
-                <a16:creationId xmlns:a16="http://schemas.microsoft.com/office/drawing/2014/main" xmlns="" id="{A2CC1F1C-563A-492F-971B-52BB3740C3BA}"/>
+                <a16:creationId xmlns="" xmlns:a16="http://schemas.microsoft.com/office/drawing/2014/main" id="{A2CC1F1C-563A-492F-971B-52BB3740C3BA}"/>
               </a:ext>
             </a:extLst>
           </p:cNvPr>
@@ -8266,7 +9755,7 @@
             <a:fld id="{4F9AC08D-23A9-440E-BCB9-AA1E9877CC38}" type="slidenum">
               <a:rPr lang="en-US" smtClean="0"/>
               <a:pPr/>
-              <a:t>19</a:t>
+              <a:t>21</a:t>
             </a:fld>
             <a:endParaRPr lang="en-US" dirty="0"/>
           </a:p>
@@ -8277,7 +9766,7 @@
           <p:cNvPr id="3074" name="Picture 2" descr="https://rasbt.github.io/mlxtend/user_guide/evaluate/confusion_matrix_files/confusion_matrix_1.png">
             <a:extLst>
               <a:ext uri="{FF2B5EF4-FFF2-40B4-BE49-F238E27FC236}">
-                <a16:creationId xmlns:a16="http://schemas.microsoft.com/office/drawing/2014/main" xmlns="" id="{9B6C934D-6B65-4056-BD77-90EE762EFAA3}"/>
+                <a16:creationId xmlns="" xmlns:a16="http://schemas.microsoft.com/office/drawing/2014/main" id="{9B6C934D-6B65-4056-BD77-90EE762EFAA3}"/>
               </a:ext>
             </a:extLst>
           </p:cNvPr>
@@ -8324,7 +9813,7 @@
           <p:cNvPr id="6" name="TextBox 5">
             <a:extLst>
               <a:ext uri="{FF2B5EF4-FFF2-40B4-BE49-F238E27FC236}">
-                <a16:creationId xmlns:a16="http://schemas.microsoft.com/office/drawing/2014/main" xmlns="" id="{F9D26286-998A-42F7-911D-5A8C25A92BF3}"/>
+                <a16:creationId xmlns="" xmlns:a16="http://schemas.microsoft.com/office/drawing/2014/main" id="{F9D26286-998A-42F7-911D-5A8C25A92BF3}"/>
               </a:ext>
             </a:extLst>
           </p:cNvPr>
@@ -8384,7 +9873,7 @@
 </p:sld>
 </file>
 
-<file path=ppt/slides/slide2.xml><?xml version="1.0" encoding="utf-8"?>
+<file path=ppt/slides/slide22.xml><?xml version="1.0" encoding="utf-8"?>
 <p:sld xmlns:a="http://schemas.openxmlformats.org/drawingml/2006/main" xmlns:r="http://schemas.openxmlformats.org/officeDocument/2006/relationships" xmlns:p="http://schemas.openxmlformats.org/presentationml/2006/main">
   <p:cSld>
     <p:spTree>
@@ -8403,251 +9892,6 @@
       </p:grpSpPr>
       <p:sp>
         <p:nvSpPr>
-          <p:cNvPr id="5" name="Footer Placeholder 1">
-            <a:extLst>
-              <a:ext uri="{FF2B5EF4-FFF2-40B4-BE49-F238E27FC236}">
-                <a16:creationId xmlns:a16="http://schemas.microsoft.com/office/drawing/2014/main" xmlns="" id="{0780ADAA-7604-49D6-B19C-5737BAFE50BB}"/>
-              </a:ext>
-            </a:extLst>
-          </p:cNvPr>
-          <p:cNvSpPr>
-            <a:spLocks noGrp="1"/>
-          </p:cNvSpPr>
-          <p:nvPr>
-            <p:ph type="ftr" sz="quarter" idx="16"/>
-          </p:nvPr>
-        </p:nvSpPr>
-        <p:spPr/>
-        <p:txBody>
-          <a:bodyPr/>
-          <a:lstStyle/>
-          <a:p>
-            <a:r>
-              <a:rPr lang="en-US"/>
-              <a:t>Copyright © 2018 Accenture. All rights reserved.</a:t>
-            </a:r>
-            <a:endParaRPr lang="en-US" dirty="0"/>
-          </a:p>
-        </p:txBody>
-      </p:sp>
-      <p:sp>
-        <p:nvSpPr>
-          <p:cNvPr id="6" name="Slide Number Placeholder 2">
-            <a:extLst>
-              <a:ext uri="{FF2B5EF4-FFF2-40B4-BE49-F238E27FC236}">
-                <a16:creationId xmlns:a16="http://schemas.microsoft.com/office/drawing/2014/main" xmlns="" id="{A33C9000-BE3F-4ED0-87EE-D1875CFA7488}"/>
-              </a:ext>
-            </a:extLst>
-          </p:cNvPr>
-          <p:cNvSpPr>
-            <a:spLocks noGrp="1"/>
-          </p:cNvSpPr>
-          <p:nvPr>
-            <p:ph type="sldNum" sz="quarter" idx="17"/>
-          </p:nvPr>
-        </p:nvSpPr>
-        <p:spPr/>
-        <p:txBody>
-          <a:bodyPr/>
-          <a:lstStyle/>
-          <a:p>
-            <a:fld id="{4F9AC08D-23A9-440E-BCB9-AA1E9877CC38}" type="slidenum">
-              <a:rPr lang="en-US" smtClean="0"/>
-              <a:pPr/>
-              <a:t>2</a:t>
-            </a:fld>
-            <a:endParaRPr lang="en-US"/>
-          </a:p>
-        </p:txBody>
-      </p:sp>
-      <p:sp>
-        <p:nvSpPr>
-          <p:cNvPr id="3" name="Text Placeholder 2">
-            <a:extLst>
-              <a:ext uri="{FF2B5EF4-FFF2-40B4-BE49-F238E27FC236}">
-                <a16:creationId xmlns:a16="http://schemas.microsoft.com/office/drawing/2014/main" xmlns="" id="{A4A6F94B-8757-4946-9A1B-A656AE6365F8}"/>
-              </a:ext>
-            </a:extLst>
-          </p:cNvPr>
-          <p:cNvSpPr>
-            <a:spLocks noGrp="1"/>
-          </p:cNvSpPr>
-          <p:nvPr>
-            <p:ph sz="quarter" idx="18"/>
-          </p:nvPr>
-        </p:nvSpPr>
-        <p:spPr/>
-        <p:txBody>
-          <a:bodyPr>
-            <a:normAutofit/>
-          </a:bodyPr>
-          <a:lstStyle/>
-          <a:p>
-            <a:r>
-              <a:rPr lang="en-GB" dirty="0"/>
-              <a:t>Introduction of machine learning</a:t>
-            </a:r>
-          </a:p>
-          <a:p>
-            <a:r>
-              <a:rPr lang="en-GB" dirty="0"/>
-              <a:t>software installation</a:t>
-            </a:r>
-          </a:p>
-          <a:p>
-            <a:r>
-              <a:rPr lang="en-CA" dirty="0"/>
-              <a:t>Neural networks - background</a:t>
-            </a:r>
-          </a:p>
-          <a:p>
-            <a:r>
-              <a:rPr lang="en-CA" dirty="0"/>
-              <a:t>NN – inner workings</a:t>
-            </a:r>
-            <a:endParaRPr lang="en-CA" i="1" dirty="0"/>
-          </a:p>
-          <a:p>
-            <a:r>
-              <a:rPr lang="en-CA" dirty="0"/>
-              <a:t>working session</a:t>
-            </a:r>
-          </a:p>
-          <a:p>
-            <a:r>
-              <a:rPr lang="en-CA" dirty="0"/>
-              <a:t>visualization</a:t>
-            </a:r>
-            <a:endParaRPr lang="en-CA" i="1" dirty="0"/>
-          </a:p>
-          <a:p>
-            <a:r>
-              <a:rPr lang="en-CA" dirty="0"/>
-              <a:t>Questions &amp; Follow-up</a:t>
-            </a:r>
-            <a:endParaRPr lang="en-CA" i="1" dirty="0"/>
-          </a:p>
-        </p:txBody>
-      </p:sp>
-      <p:sp>
-        <p:nvSpPr>
-          <p:cNvPr id="2" name="Title 1">
-            <a:extLst>
-              <a:ext uri="{FF2B5EF4-FFF2-40B4-BE49-F238E27FC236}">
-                <a16:creationId xmlns:a16="http://schemas.microsoft.com/office/drawing/2014/main" xmlns="" id="{5E6C144A-99B4-9243-880A-590C09A5B1FF}"/>
-              </a:ext>
-            </a:extLst>
-          </p:cNvPr>
-          <p:cNvSpPr>
-            <a:spLocks noGrp="1"/>
-          </p:cNvSpPr>
-          <p:nvPr>
-            <p:ph type="title"/>
-          </p:nvPr>
-        </p:nvSpPr>
-        <p:spPr/>
-        <p:txBody>
-          <a:bodyPr/>
-          <a:lstStyle/>
-          <a:p>
-            <a:r>
-              <a:rPr lang="en-GB" dirty="0"/>
-              <a:t>agenda</a:t>
-            </a:r>
-          </a:p>
-        </p:txBody>
-      </p:sp>
-      <p:sp>
-        <p:nvSpPr>
-          <p:cNvPr id="4" name="Rectangle 3">
-            <a:extLst>
-              <a:ext uri="{FF2B5EF4-FFF2-40B4-BE49-F238E27FC236}">
-                <a16:creationId xmlns:a16="http://schemas.microsoft.com/office/drawing/2014/main" xmlns="" id="{D1414BF5-852E-8045-B425-93EE7A48892C}"/>
-              </a:ext>
-            </a:extLst>
-          </p:cNvPr>
-          <p:cNvSpPr/>
-          <p:nvPr/>
-        </p:nvSpPr>
-        <p:spPr>
-          <a:xfrm>
-            <a:off x="319087" y="1171575"/>
-            <a:ext cx="5505451" cy="552450"/>
-          </a:xfrm>
-          <a:prstGeom prst="rect">
-            <a:avLst/>
-          </a:prstGeom>
-          <a:noFill/>
-          <a:ln w="57150">
-            <a:solidFill>
-              <a:srgbClr val="7500C0"/>
-            </a:solidFill>
-          </a:ln>
-        </p:spPr>
-        <p:style>
-          <a:lnRef idx="2">
-            <a:schemeClr val="accent1">
-              <a:shade val="50000"/>
-            </a:schemeClr>
-          </a:lnRef>
-          <a:fillRef idx="1">
-            <a:schemeClr val="accent1"/>
-          </a:fillRef>
-          <a:effectRef idx="0">
-            <a:schemeClr val="accent1"/>
-          </a:effectRef>
-          <a:fontRef idx="minor">
-            <a:schemeClr val="lt1"/>
-          </a:fontRef>
-        </p:style>
-        <p:txBody>
-          <a:bodyPr rtlCol="0" anchor="ctr"/>
-          <a:lstStyle/>
-          <a:p>
-            <a:pPr algn="ctr"/>
-            <a:endParaRPr lang="en-GB"/>
-          </a:p>
-        </p:txBody>
-      </p:sp>
-    </p:spTree>
-    <p:extLst>
-      <p:ext uri="{BB962C8B-B14F-4D97-AF65-F5344CB8AC3E}">
-        <p14:creationId xmlns:p14="http://schemas.microsoft.com/office/powerpoint/2010/main" val="3360244807"/>
-      </p:ext>
-    </p:extLst>
-  </p:cSld>
-  <p:clrMapOvr>
-    <a:masterClrMapping/>
-  </p:clrMapOvr>
-  <p:timing>
-    <p:tnLst>
-      <p:par>
-        <p:cTn id="1" dur="indefinite" restart="never" nodeType="tmRoot"/>
-      </p:par>
-    </p:tnLst>
-  </p:timing>
-</p:sld>
-</file>
-
-<file path=ppt/slides/slide20.xml><?xml version="1.0" encoding="utf-8"?>
-<p:sld xmlns:a="http://schemas.openxmlformats.org/drawingml/2006/main" xmlns:r="http://schemas.openxmlformats.org/officeDocument/2006/relationships" xmlns:p="http://schemas.openxmlformats.org/presentationml/2006/main">
-  <p:cSld>
-    <p:spTree>
-      <p:nvGrpSpPr>
-        <p:cNvPr id="1" name=""/>
-        <p:cNvGrpSpPr/>
-        <p:nvPr/>
-      </p:nvGrpSpPr>
-      <p:grpSpPr>
-        <a:xfrm>
-          <a:off x="0" y="0"/>
-          <a:ext cx="0" cy="0"/>
-          <a:chOff x="0" y="0"/>
-          <a:chExt cx="0" cy="0"/>
-        </a:xfrm>
-      </p:grpSpPr>
-      <p:sp>
-        <p:nvSpPr>
           <p:cNvPr id="2" name="Title 1"/>
           <p:cNvSpPr>
             <a:spLocks noGrp="1"/>
@@ -8710,7 +9954,7 @@
             <a:fld id="{4F9AC08D-23A9-440E-BCB9-AA1E9877CC38}" type="slidenum">
               <a:rPr lang="en-US" smtClean="0"/>
               <a:pPr/>
-              <a:t>20</a:t>
+              <a:t>22</a:t>
             </a:fld>
             <a:endParaRPr lang="en-US" dirty="0"/>
           </a:p>
@@ -8769,6 +10013,54 @@
           </a:prstGeom>
         </p:spPr>
       </p:pic>
+      <p:pic>
+        <p:nvPicPr>
+          <p:cNvPr id="7" name="Picture 6"/>
+          <p:cNvPicPr>
+            <a:picLocks noChangeAspect="1"/>
+          </p:cNvPicPr>
+          <p:nvPr/>
+        </p:nvPicPr>
+        <p:blipFill>
+          <a:blip r:embed="rId3"/>
+          <a:stretch>
+            <a:fillRect/>
+          </a:stretch>
+        </p:blipFill>
+        <p:spPr>
+          <a:xfrm>
+            <a:off x="652623" y="2354127"/>
+            <a:ext cx="2561661" cy="931513"/>
+          </a:xfrm>
+          <a:prstGeom prst="rect">
+            <a:avLst/>
+          </a:prstGeom>
+        </p:spPr>
+      </p:pic>
+      <p:pic>
+        <p:nvPicPr>
+          <p:cNvPr id="8" name="Picture 7"/>
+          <p:cNvPicPr>
+            <a:picLocks noChangeAspect="1"/>
+          </p:cNvPicPr>
+          <p:nvPr/>
+        </p:nvPicPr>
+        <p:blipFill>
+          <a:blip r:embed="rId4"/>
+          <a:stretch>
+            <a:fillRect/>
+          </a:stretch>
+        </p:blipFill>
+        <p:spPr>
+          <a:xfrm>
+            <a:off x="652622" y="3938504"/>
+            <a:ext cx="2075079" cy="1148704"/>
+          </a:xfrm>
+          <a:prstGeom prst="rect">
+            <a:avLst/>
+          </a:prstGeom>
+        </p:spPr>
+      </p:pic>
     </p:spTree>
     <p:extLst>
       <p:ext uri="{BB962C8B-B14F-4D97-AF65-F5344CB8AC3E}">
@@ -8782,14 +10074,90 @@
   <p:timing>
     <p:tnLst>
       <p:par>
-        <p:cTn id="1" dur="indefinite" restart="never" nodeType="tmRoot"/>
+        <p:cTn id="1" dur="indefinite" restart="never" nodeType="tmRoot">
+          <p:childTnLst>
+            <p:seq concurrent="1" nextAc="seek">
+              <p:cTn id="2" dur="indefinite" nodeType="mainSeq">
+                <p:childTnLst>
+                  <p:par>
+                    <p:cTn id="3" fill="hold">
+                      <p:stCondLst>
+                        <p:cond delay="indefinite"/>
+                      </p:stCondLst>
+                      <p:childTnLst>
+                        <p:par>
+                          <p:cTn id="4" fill="hold">
+                            <p:stCondLst>
+                              <p:cond delay="0"/>
+                            </p:stCondLst>
+                            <p:childTnLst>
+                              <p:par>
+                                <p:cTn id="5" presetID="10" presetClass="entr" presetSubtype="0" fill="hold" nodeType="clickEffect">
+                                  <p:stCondLst>
+                                    <p:cond delay="0"/>
+                                  </p:stCondLst>
+                                  <p:childTnLst>
+                                    <p:set>
+                                      <p:cBhvr>
+                                        <p:cTn id="6" dur="1" fill="hold">
+                                          <p:stCondLst>
+                                            <p:cond delay="0"/>
+                                          </p:stCondLst>
+                                        </p:cTn>
+                                        <p:tgtEl>
+                                          <p:spTgt spid="6"/>
+                                        </p:tgtEl>
+                                        <p:attrNameLst>
+                                          <p:attrName>style.visibility</p:attrName>
+                                        </p:attrNameLst>
+                                      </p:cBhvr>
+                                      <p:to>
+                                        <p:strVal val="visible"/>
+                                      </p:to>
+                                    </p:set>
+                                    <p:animEffect transition="in" filter="fade">
+                                      <p:cBhvr>
+                                        <p:cTn id="7" dur="3500"/>
+                                        <p:tgtEl>
+                                          <p:spTgt spid="6"/>
+                                        </p:tgtEl>
+                                      </p:cBhvr>
+                                    </p:animEffect>
+                                  </p:childTnLst>
+                                </p:cTn>
+                              </p:par>
+                            </p:childTnLst>
+                          </p:cTn>
+                        </p:par>
+                      </p:childTnLst>
+                    </p:cTn>
+                  </p:par>
+                </p:childTnLst>
+              </p:cTn>
+              <p:prevCondLst>
+                <p:cond evt="onPrev" delay="0">
+                  <p:tgtEl>
+                    <p:sldTgt/>
+                  </p:tgtEl>
+                </p:cond>
+              </p:prevCondLst>
+              <p:nextCondLst>
+                <p:cond evt="onNext" delay="0">
+                  <p:tgtEl>
+                    <p:sldTgt/>
+                  </p:tgtEl>
+                </p:cond>
+              </p:nextCondLst>
+            </p:seq>
+          </p:childTnLst>
+        </p:cTn>
       </p:par>
     </p:tnLst>
   </p:timing>
 </p:sld>
 </file>
 
-<file path=ppt/slides/slide21.xml><?xml version="1.0" encoding="utf-8"?>
+<file path=ppt/slides/slide23.xml><?xml version="1.0" encoding="utf-8"?>
 <p:sld xmlns:a="http://schemas.openxmlformats.org/drawingml/2006/main" xmlns:r="http://schemas.openxmlformats.org/officeDocument/2006/relationships" xmlns:p="http://schemas.openxmlformats.org/presentationml/2006/main">
   <p:cSld>
     <p:spTree>
@@ -8811,7 +10179,7 @@
           <p:cNvPr id="2" name="Title 1">
             <a:extLst>
               <a:ext uri="{FF2B5EF4-FFF2-40B4-BE49-F238E27FC236}">
-                <a16:creationId xmlns:a16="http://schemas.microsoft.com/office/drawing/2014/main" xmlns="" id="{24D87BD2-2860-4509-AC31-876EDB085743}"/>
+                <a16:creationId xmlns="" xmlns:a16="http://schemas.microsoft.com/office/drawing/2014/main" id="{24D87BD2-2860-4509-AC31-876EDB085743}"/>
               </a:ext>
             </a:extLst>
           </p:cNvPr>
@@ -8839,7 +10207,7 @@
           <p:cNvPr id="3" name="Footer Placeholder 2">
             <a:extLst>
               <a:ext uri="{FF2B5EF4-FFF2-40B4-BE49-F238E27FC236}">
-                <a16:creationId xmlns:a16="http://schemas.microsoft.com/office/drawing/2014/main" xmlns="" id="{5A5D9197-4001-4D7E-A26A-4A2E9888B224}"/>
+                <a16:creationId xmlns="" xmlns:a16="http://schemas.microsoft.com/office/drawing/2014/main" id="{5A5D9197-4001-4D7E-A26A-4A2E9888B224}"/>
               </a:ext>
             </a:extLst>
           </p:cNvPr>
@@ -8868,7 +10236,7 @@
           <p:cNvPr id="4" name="Slide Number Placeholder 3">
             <a:extLst>
               <a:ext uri="{FF2B5EF4-FFF2-40B4-BE49-F238E27FC236}">
-                <a16:creationId xmlns:a16="http://schemas.microsoft.com/office/drawing/2014/main" xmlns="" id="{E3111649-4137-4FAE-9EF3-35F1272E057C}"/>
+                <a16:creationId xmlns="" xmlns:a16="http://schemas.microsoft.com/office/drawing/2014/main" id="{E3111649-4137-4FAE-9EF3-35F1272E057C}"/>
               </a:ext>
             </a:extLst>
           </p:cNvPr>
@@ -8887,7 +10255,7 @@
             <a:fld id="{4F9AC08D-23A9-440E-BCB9-AA1E9877CC38}" type="slidenum">
               <a:rPr lang="en-US" smtClean="0"/>
               <a:pPr/>
-              <a:t>21</a:t>
+              <a:t>23</a:t>
             </a:fld>
             <a:endParaRPr lang="en-US" dirty="0"/>
           </a:p>
@@ -8898,7 +10266,7 @@
           <p:cNvPr id="5" name="Text Placeholder 4">
             <a:extLst>
               <a:ext uri="{FF2B5EF4-FFF2-40B4-BE49-F238E27FC236}">
-                <a16:creationId xmlns:a16="http://schemas.microsoft.com/office/drawing/2014/main" xmlns="" id="{32C1A1DF-C52A-4DB4-AE65-B806CB3FD512}"/>
+                <a16:creationId xmlns="" xmlns:a16="http://schemas.microsoft.com/office/drawing/2014/main" id="{32C1A1DF-C52A-4DB4-AE65-B806CB3FD512}"/>
               </a:ext>
             </a:extLst>
           </p:cNvPr>
@@ -8940,7 +10308,7 @@
           <p:cNvPr id="7" name="Picture 6">
             <a:extLst>
               <a:ext uri="{FF2B5EF4-FFF2-40B4-BE49-F238E27FC236}">
-                <a16:creationId xmlns:a16="http://schemas.microsoft.com/office/drawing/2014/main" xmlns="" id="{1909D228-9903-46D7-9149-E4143687711F}"/>
+                <a16:creationId xmlns="" xmlns:a16="http://schemas.microsoft.com/office/drawing/2014/main" id="{1909D228-9903-46D7-9149-E4143687711F}"/>
               </a:ext>
             </a:extLst>
           </p:cNvPr>
@@ -8985,7 +10353,7 @@
 </p:sld>
 </file>
 
-<file path=ppt/slides/slide22.xml><?xml version="1.0" encoding="utf-8"?>
+<file path=ppt/slides/slide24.xml><?xml version="1.0" encoding="utf-8"?>
 <p:sld xmlns:a="http://schemas.openxmlformats.org/drawingml/2006/main" xmlns:r="http://schemas.openxmlformats.org/officeDocument/2006/relationships" xmlns:p="http://schemas.openxmlformats.org/presentationml/2006/main">
   <p:cSld>
     <p:spTree>
@@ -9007,7 +10375,7 @@
           <p:cNvPr id="2" name="Footer Placeholder 1">
             <a:extLst>
               <a:ext uri="{FF2B5EF4-FFF2-40B4-BE49-F238E27FC236}">
-                <a16:creationId xmlns:a16="http://schemas.microsoft.com/office/drawing/2014/main" xmlns="" id="{862DC1BE-C23E-446B-AD7F-61DE2B058F5B}"/>
+                <a16:creationId xmlns="" xmlns:a16="http://schemas.microsoft.com/office/drawing/2014/main" id="{862DC1BE-C23E-446B-AD7F-61DE2B058F5B}"/>
               </a:ext>
             </a:extLst>
           </p:cNvPr>
@@ -9036,7 +10404,7 @@
           <p:cNvPr id="3" name="Slide Number Placeholder 2">
             <a:extLst>
               <a:ext uri="{FF2B5EF4-FFF2-40B4-BE49-F238E27FC236}">
-                <a16:creationId xmlns:a16="http://schemas.microsoft.com/office/drawing/2014/main" xmlns="" id="{A694BF8F-6E10-4C6A-B54A-72DD6D32E347}"/>
+                <a16:creationId xmlns="" xmlns:a16="http://schemas.microsoft.com/office/drawing/2014/main" id="{A694BF8F-6E10-4C6A-B54A-72DD6D32E347}"/>
               </a:ext>
             </a:extLst>
           </p:cNvPr>
@@ -9055,7 +10423,7 @@
             <a:fld id="{4F9AC08D-23A9-440E-BCB9-AA1E9877CC38}" type="slidenum">
               <a:rPr lang="en-US" smtClean="0"/>
               <a:pPr/>
-              <a:t>22</a:t>
+              <a:t>24</a:t>
             </a:fld>
             <a:endParaRPr lang="en-US"/>
           </a:p>
@@ -9066,7 +10434,7 @@
           <p:cNvPr id="6" name="Title 5">
             <a:extLst>
               <a:ext uri="{FF2B5EF4-FFF2-40B4-BE49-F238E27FC236}">
-                <a16:creationId xmlns:a16="http://schemas.microsoft.com/office/drawing/2014/main" xmlns="" id="{52445C88-A802-4F5A-8AAE-920F21D7A1D9}"/>
+                <a16:creationId xmlns="" xmlns:a16="http://schemas.microsoft.com/office/drawing/2014/main" id="{52445C88-A802-4F5A-8AAE-920F21D7A1D9}"/>
               </a:ext>
             </a:extLst>
           </p:cNvPr>
@@ -9109,7 +10477,7 @@
 </p:sld>
 </file>
 
-<file path=ppt/slides/slide23.xml><?xml version="1.0" encoding="utf-8"?>
+<file path=ppt/slides/slide25.xml><?xml version="1.0" encoding="utf-8"?>
 <p:sld xmlns:a="http://schemas.openxmlformats.org/drawingml/2006/main" xmlns:r="http://schemas.openxmlformats.org/officeDocument/2006/relationships" xmlns:p="http://schemas.openxmlformats.org/presentationml/2006/main" show="0">
   <p:cSld>
     <p:spTree>
@@ -9131,7 +10499,7 @@
           <p:cNvPr id="5" name="Title 4">
             <a:extLst>
               <a:ext uri="{FF2B5EF4-FFF2-40B4-BE49-F238E27FC236}">
-                <a16:creationId xmlns:a16="http://schemas.microsoft.com/office/drawing/2014/main" xmlns="" id="{96A76E32-3259-4B91-AD7C-D27EC596E813}"/>
+                <a16:creationId xmlns="" xmlns:a16="http://schemas.microsoft.com/office/drawing/2014/main" id="{96A76E32-3259-4B91-AD7C-D27EC596E813}"/>
               </a:ext>
             </a:extLst>
           </p:cNvPr>
@@ -9159,7 +10527,7 @@
           <p:cNvPr id="2" name="Footer Placeholder 1">
             <a:extLst>
               <a:ext uri="{FF2B5EF4-FFF2-40B4-BE49-F238E27FC236}">
-                <a16:creationId xmlns:a16="http://schemas.microsoft.com/office/drawing/2014/main" xmlns="" id="{2112AAEE-533D-422B-9EB1-E0927B71CC07}"/>
+                <a16:creationId xmlns="" xmlns:a16="http://schemas.microsoft.com/office/drawing/2014/main" id="{2112AAEE-533D-422B-9EB1-E0927B71CC07}"/>
               </a:ext>
             </a:extLst>
           </p:cNvPr>
@@ -9188,7 +10556,7 @@
           <p:cNvPr id="3" name="Slide Number Placeholder 2">
             <a:extLst>
               <a:ext uri="{FF2B5EF4-FFF2-40B4-BE49-F238E27FC236}">
-                <a16:creationId xmlns:a16="http://schemas.microsoft.com/office/drawing/2014/main" xmlns="" id="{294F3DFF-1CBB-42B0-8F34-FD1C3258023C}"/>
+                <a16:creationId xmlns="" xmlns:a16="http://schemas.microsoft.com/office/drawing/2014/main" id="{294F3DFF-1CBB-42B0-8F34-FD1C3258023C}"/>
               </a:ext>
             </a:extLst>
           </p:cNvPr>
@@ -9207,7 +10575,7 @@
             <a:fld id="{4F9AC08D-23A9-440E-BCB9-AA1E9877CC38}" type="slidenum">
               <a:rPr lang="en-US" smtClean="0"/>
               <a:pPr/>
-              <a:t>23</a:t>
+              <a:t>25</a:t>
             </a:fld>
             <a:endParaRPr lang="en-US"/>
           </a:p>
@@ -9223,11 +10591,11 @@
   <p:clrMapOvr>
     <a:masterClrMapping/>
   </p:clrMapOvr>
-  <mc:AlternateContent xmlns:mc="http://schemas.openxmlformats.org/markup-compatibility/2006">
-    <mc:Choice xmlns:p14="http://schemas.microsoft.com/office/powerpoint/2010/main" Requires="p14">
+  <mc:AlternateContent xmlns:mc="http://schemas.openxmlformats.org/markup-compatibility/2006" xmlns:p14="http://schemas.microsoft.com/office/powerpoint/2010/main">
+    <mc:Choice Requires="p14">
       <p:transition spd="slow" p14:dur="2000"/>
     </mc:Choice>
-    <mc:Fallback>
+    <mc:Fallback xmlns="">
       <p:transition spd="slow"/>
     </mc:Fallback>
   </mc:AlternateContent>
@@ -9241,7 +10609,7 @@
 </p:sld>
 </file>
 
-<file path=ppt/slides/slide24.xml><?xml version="1.0" encoding="utf-8"?>
+<file path=ppt/slides/slide26.xml><?xml version="1.0" encoding="utf-8"?>
 <p:sld xmlns:a="http://schemas.openxmlformats.org/drawingml/2006/main" xmlns:r="http://schemas.openxmlformats.org/officeDocument/2006/relationships" xmlns:p="http://schemas.openxmlformats.org/presentationml/2006/main" show="0">
   <p:cSld>
     <p:spTree>
@@ -9321,7 +10689,7 @@
             <a:fld id="{4F9AC08D-23A9-440E-BCB9-AA1E9877CC38}" type="slidenum">
               <a:rPr lang="en-US" smtClean="0"/>
               <a:pPr/>
-              <a:t>24</a:t>
+              <a:t>26</a:t>
             </a:fld>
             <a:endParaRPr lang="en-US" dirty="0"/>
           </a:p>
@@ -9583,18 +10951,18 @@
   <p:clrMapOvr>
     <a:masterClrMapping/>
   </p:clrMapOvr>
-  <mc:AlternateContent xmlns:mc="http://schemas.openxmlformats.org/markup-compatibility/2006">
-    <mc:Choice xmlns:p14="http://schemas.microsoft.com/office/powerpoint/2010/main" Requires="p14">
+  <mc:AlternateContent xmlns:mc="http://schemas.openxmlformats.org/markup-compatibility/2006" xmlns:p14="http://schemas.microsoft.com/office/powerpoint/2010/main">
+    <mc:Choice Requires="p14">
       <p:transition spd="slow" p14:dur="2000"/>
     </mc:Choice>
-    <mc:Fallback>
+    <mc:Fallback xmlns="">
       <p:transition spd="slow"/>
     </mc:Fallback>
   </mc:AlternateContent>
 </p:sld>
 </file>
 
-<file path=ppt/slides/slide25.xml><?xml version="1.0" encoding="utf-8"?>
+<file path=ppt/slides/slide27.xml><?xml version="1.0" encoding="utf-8"?>
 <p:sld xmlns:a="http://schemas.openxmlformats.org/drawingml/2006/main" xmlns:r="http://schemas.openxmlformats.org/officeDocument/2006/relationships" xmlns:p="http://schemas.openxmlformats.org/presentationml/2006/main" show="0">
   <p:cSld>
     <p:spTree>
@@ -9616,7 +10984,7 @@
           <p:cNvPr id="5" name="Title 4">
             <a:extLst>
               <a:ext uri="{FF2B5EF4-FFF2-40B4-BE49-F238E27FC236}">
-                <a16:creationId xmlns:a16="http://schemas.microsoft.com/office/drawing/2014/main" xmlns="" id="{9852DB47-F381-433D-B3E5-C84DB7FC16E4}"/>
+                <a16:creationId xmlns="" xmlns:a16="http://schemas.microsoft.com/office/drawing/2014/main" id="{9852DB47-F381-433D-B3E5-C84DB7FC16E4}"/>
               </a:ext>
             </a:extLst>
           </p:cNvPr>
@@ -9644,7 +11012,7 @@
           <p:cNvPr id="2" name="Footer Placeholder 1">
             <a:extLst>
               <a:ext uri="{FF2B5EF4-FFF2-40B4-BE49-F238E27FC236}">
-                <a16:creationId xmlns:a16="http://schemas.microsoft.com/office/drawing/2014/main" xmlns="" id="{371459CC-F14C-4C7D-9D36-0AF707B8ACF3}"/>
+                <a16:creationId xmlns="" xmlns:a16="http://schemas.microsoft.com/office/drawing/2014/main" id="{371459CC-F14C-4C7D-9D36-0AF707B8ACF3}"/>
               </a:ext>
             </a:extLst>
           </p:cNvPr>
@@ -9673,7 +11041,7 @@
           <p:cNvPr id="3" name="Slide Number Placeholder 2">
             <a:extLst>
               <a:ext uri="{FF2B5EF4-FFF2-40B4-BE49-F238E27FC236}">
-                <a16:creationId xmlns:a16="http://schemas.microsoft.com/office/drawing/2014/main" xmlns="" id="{327884E6-781D-4D36-9C19-42B3A965BCA4}"/>
+                <a16:creationId xmlns="" xmlns:a16="http://schemas.microsoft.com/office/drawing/2014/main" id="{327884E6-781D-4D36-9C19-42B3A965BCA4}"/>
               </a:ext>
             </a:extLst>
           </p:cNvPr>
@@ -9692,7 +11060,7 @@
             <a:fld id="{4F9AC08D-23A9-440E-BCB9-AA1E9877CC38}" type="slidenum">
               <a:rPr lang="en-US" smtClean="0"/>
               <a:pPr/>
-              <a:t>25</a:t>
+              <a:t>27</a:t>
             </a:fld>
             <a:endParaRPr lang="en-US"/>
           </a:p>
@@ -9703,7 +11071,7 @@
           <p:cNvPr id="7" name="Text Placeholder 6">
             <a:extLst>
               <a:ext uri="{FF2B5EF4-FFF2-40B4-BE49-F238E27FC236}">
-                <a16:creationId xmlns:a16="http://schemas.microsoft.com/office/drawing/2014/main" xmlns="" id="{8E7C8F70-228B-426A-A021-8A487E65DB5C}"/>
+                <a16:creationId xmlns="" xmlns:a16="http://schemas.microsoft.com/office/drawing/2014/main" id="{8E7C8F70-228B-426A-A021-8A487E65DB5C}"/>
               </a:ext>
             </a:extLst>
           </p:cNvPr>
@@ -9797,11 +11165,11 @@
   <p:clrMapOvr>
     <a:masterClrMapping/>
   </p:clrMapOvr>
-  <mc:AlternateContent xmlns:mc="http://schemas.openxmlformats.org/markup-compatibility/2006">
-    <mc:Choice xmlns:p14="http://schemas.microsoft.com/office/powerpoint/2010/main" Requires="p14">
+  <mc:AlternateContent xmlns:mc="http://schemas.openxmlformats.org/markup-compatibility/2006" xmlns:p14="http://schemas.microsoft.com/office/powerpoint/2010/main">
+    <mc:Choice Requires="p14">
       <p:transition spd="slow" p14:dur="2000"/>
     </mc:Choice>
-    <mc:Fallback>
+    <mc:Fallback xmlns="">
       <p:transition spd="slow"/>
     </mc:Fallback>
   </mc:AlternateContent>
@@ -9830,7 +11198,7 @@
           <p:cNvPr id="2" name="Footer Placeholder 1">
             <a:extLst>
               <a:ext uri="{FF2B5EF4-FFF2-40B4-BE49-F238E27FC236}">
-                <a16:creationId xmlns:a16="http://schemas.microsoft.com/office/drawing/2014/main" xmlns="" id="{30B09AB4-E1B5-461F-82F2-31816011A798}"/>
+                <a16:creationId xmlns="" xmlns:a16="http://schemas.microsoft.com/office/drawing/2014/main" id="{30B09AB4-E1B5-461F-82F2-31816011A798}"/>
               </a:ext>
             </a:extLst>
           </p:cNvPr>
@@ -9859,7 +11227,7 @@
           <p:cNvPr id="3" name="Slide Number Placeholder 2">
             <a:extLst>
               <a:ext uri="{FF2B5EF4-FFF2-40B4-BE49-F238E27FC236}">
-                <a16:creationId xmlns:a16="http://schemas.microsoft.com/office/drawing/2014/main" xmlns="" id="{0B112692-A164-4F88-A0BE-01F14A578415}"/>
+                <a16:creationId xmlns="" xmlns:a16="http://schemas.microsoft.com/office/drawing/2014/main" id="{0B112692-A164-4F88-A0BE-01F14A578415}"/>
               </a:ext>
             </a:extLst>
           </p:cNvPr>
@@ -9889,7 +11257,7 @@
           <p:cNvPr id="4" name="Content Placeholder 3">
             <a:extLst>
               <a:ext uri="{FF2B5EF4-FFF2-40B4-BE49-F238E27FC236}">
-                <a16:creationId xmlns:a16="http://schemas.microsoft.com/office/drawing/2014/main" xmlns="" id="{981FD6C5-00BF-4469-A752-01D06F5ECEA2}"/>
+                <a16:creationId xmlns="" xmlns:a16="http://schemas.microsoft.com/office/drawing/2014/main" id="{981FD6C5-00BF-4469-A752-01D06F5ECEA2}"/>
               </a:ext>
             </a:extLst>
           </p:cNvPr>
@@ -9923,7 +11291,7 @@
           <p:cNvPr id="5" name="Title 4">
             <a:extLst>
               <a:ext uri="{FF2B5EF4-FFF2-40B4-BE49-F238E27FC236}">
-                <a16:creationId xmlns:a16="http://schemas.microsoft.com/office/drawing/2014/main" xmlns="" id="{735EAC67-43A5-46BA-9C26-F7AA50CDFB3C}"/>
+                <a16:creationId xmlns="" xmlns:a16="http://schemas.microsoft.com/office/drawing/2014/main" id="{735EAC67-43A5-46BA-9C26-F7AA50CDFB3C}"/>
               </a:ext>
             </a:extLst>
           </p:cNvPr>
@@ -9985,13 +11353,171 @@
       </p:grpSpPr>
       <p:sp>
         <p:nvSpPr>
-          <p:cNvPr id="5" name="Title 4">
-            <a:extLst>
-              <a:ext uri="{FF2B5EF4-FFF2-40B4-BE49-F238E27FC236}">
-                <a16:creationId xmlns:a16="http://schemas.microsoft.com/office/drawing/2014/main" xmlns="" id="{FECF4542-7012-4459-8FA2-0B53E8915305}"/>
-              </a:ext>
-            </a:extLst>
-          </p:cNvPr>
+          <p:cNvPr id="2" name="Footer Placeholder 1"/>
+          <p:cNvSpPr>
+            <a:spLocks noGrp="1"/>
+          </p:cNvSpPr>
+          <p:nvPr>
+            <p:ph type="ftr" sz="quarter" idx="16"/>
+          </p:nvPr>
+        </p:nvSpPr>
+        <p:spPr/>
+        <p:txBody>
+          <a:bodyPr/>
+          <a:lstStyle/>
+          <a:p>
+            <a:r>
+              <a:rPr lang="en-US" smtClean="0"/>
+              <a:t>Copyright © 2018 Accenture. All rights reserved.</a:t>
+            </a:r>
+            <a:endParaRPr lang="en-US" dirty="0"/>
+          </a:p>
+        </p:txBody>
+      </p:sp>
+      <p:sp>
+        <p:nvSpPr>
+          <p:cNvPr id="3" name="Slide Number Placeholder 2"/>
+          <p:cNvSpPr>
+            <a:spLocks noGrp="1"/>
+          </p:cNvSpPr>
+          <p:nvPr>
+            <p:ph type="sldNum" sz="quarter" idx="17"/>
+          </p:nvPr>
+        </p:nvSpPr>
+        <p:spPr/>
+        <p:txBody>
+          <a:bodyPr/>
+          <a:lstStyle/>
+          <a:p>
+            <a:fld id="{4F9AC08D-23A9-440E-BCB9-AA1E9877CC38}" type="slidenum">
+              <a:rPr lang="en-US" smtClean="0"/>
+              <a:pPr/>
+              <a:t>4</a:t>
+            </a:fld>
+            <a:endParaRPr lang="en-US"/>
+          </a:p>
+        </p:txBody>
+      </p:sp>
+      <p:sp>
+        <p:nvSpPr>
+          <p:cNvPr id="4" name="Content Placeholder 3"/>
+          <p:cNvSpPr>
+            <a:spLocks noGrp="1"/>
+          </p:cNvSpPr>
+          <p:nvPr>
+            <p:ph sz="quarter" idx="18"/>
+          </p:nvPr>
+        </p:nvSpPr>
+        <p:spPr/>
+        <p:txBody>
+          <a:bodyPr/>
+          <a:lstStyle/>
+          <a:p>
+            <a:pPr marL="457200" indent="-457200">
+              <a:buFont typeface="+mj-lt"/>
+              <a:buAutoNum type="arabicPeriod"/>
+            </a:pPr>
+            <a:r>
+              <a:rPr lang="en-US" dirty="0" smtClean="0"/>
+              <a:t>Install anaconda</a:t>
+            </a:r>
+          </a:p>
+          <a:p>
+            <a:pPr marL="457200" indent="-457200">
+              <a:buFont typeface="+mj-lt"/>
+              <a:buAutoNum type="arabicPeriod"/>
+            </a:pPr>
+            <a:r>
+              <a:rPr lang="en-US" dirty="0" smtClean="0"/>
+              <a:t>Downgrade python 3.5 [optional]</a:t>
+            </a:r>
+          </a:p>
+          <a:p>
+            <a:pPr marL="457200" indent="-457200">
+              <a:buFont typeface="+mj-lt"/>
+              <a:buAutoNum type="arabicPeriod"/>
+            </a:pPr>
+            <a:r>
+              <a:rPr lang="en-US" dirty="0" smtClean="0"/>
+              <a:t>Create and activate </a:t>
+            </a:r>
+            <a:r>
+              <a:rPr lang="en-US" i="1" dirty="0" err="1" smtClean="0">
+                <a:solidFill>
+                  <a:schemeClr val="bg2">
+                    <a:lumMod val="40000"/>
+                    <a:lumOff val="60000"/>
+                  </a:schemeClr>
+                </a:solidFill>
+              </a:rPr>
+              <a:t>conda</a:t>
+            </a:r>
+            <a:r>
+              <a:rPr lang="en-US" dirty="0" smtClean="0">
+                <a:solidFill>
+                  <a:schemeClr val="bg2">
+                    <a:lumMod val="40000"/>
+                    <a:lumOff val="60000"/>
+                  </a:schemeClr>
+                </a:solidFill>
+              </a:rPr>
+              <a:t> </a:t>
+            </a:r>
+            <a:r>
+              <a:rPr lang="en-US" dirty="0" smtClean="0"/>
+              <a:t>environment [optional]</a:t>
+            </a:r>
+          </a:p>
+          <a:p>
+            <a:pPr marL="457200" indent="-457200">
+              <a:buFont typeface="+mj-lt"/>
+              <a:buAutoNum type="arabicPeriod"/>
+            </a:pPr>
+            <a:r>
+              <a:rPr lang="en-US" dirty="0" smtClean="0"/>
+              <a:t>Install packages in python</a:t>
+            </a:r>
+          </a:p>
+          <a:p>
+            <a:pPr marL="742944" lvl="1" indent="-457200">
+              <a:buFont typeface="+mj-lt"/>
+              <a:buAutoNum type="arabicPeriod"/>
+            </a:pPr>
+            <a:r>
+              <a:rPr lang="en-US" dirty="0" smtClean="0"/>
+              <a:t>Keras</a:t>
+            </a:r>
+          </a:p>
+          <a:p>
+            <a:pPr marL="742944" lvl="1" indent="-457200">
+              <a:buFont typeface="+mj-lt"/>
+              <a:buAutoNum type="arabicPeriod"/>
+            </a:pPr>
+            <a:r>
+              <a:rPr lang="en-US" dirty="0" smtClean="0"/>
+              <a:t>Pandas</a:t>
+            </a:r>
+          </a:p>
+          <a:p>
+            <a:pPr marL="742944" lvl="1" indent="-457200">
+              <a:buFont typeface="+mj-lt"/>
+              <a:buAutoNum type="arabicPeriod"/>
+            </a:pPr>
+            <a:r>
+              <a:rPr lang="en-US" dirty="0" err="1" smtClean="0"/>
+              <a:t>Scikit</a:t>
+            </a:r>
+            <a:r>
+              <a:rPr lang="en-US" dirty="0" smtClean="0"/>
+              <a:t>-learn</a:t>
+            </a:r>
+            <a:endParaRPr lang="en-US" dirty="0"/>
+          </a:p>
+        </p:txBody>
+      </p:sp>
+      <p:sp>
+        <p:nvSpPr>
+          <p:cNvPr id="5" name="Title 4"/>
           <p:cNvSpPr>
             <a:spLocks noGrp="1"/>
           </p:cNvSpPr>
@@ -10005,313 +11531,23 @@
           <a:lstStyle/>
           <a:p>
             <a:r>
-              <a:rPr lang="en-US" dirty="0"/>
-              <a:t>Installation</a:t>
-            </a:r>
-          </a:p>
-        </p:txBody>
-      </p:sp>
-      <p:sp>
-        <p:nvSpPr>
-          <p:cNvPr id="2" name="Footer Placeholder 1">
-            <a:extLst>
-              <a:ext uri="{FF2B5EF4-FFF2-40B4-BE49-F238E27FC236}">
-                <a16:creationId xmlns:a16="http://schemas.microsoft.com/office/drawing/2014/main" xmlns="" id="{D1C74A52-5173-4262-BE81-1A55B76D25B8}"/>
-              </a:ext>
-            </a:extLst>
-          </p:cNvPr>
-          <p:cNvSpPr>
-            <a:spLocks noGrp="1"/>
-          </p:cNvSpPr>
-          <p:nvPr>
-            <p:ph type="ftr" sz="quarter" idx="10"/>
-          </p:nvPr>
-        </p:nvSpPr>
-        <p:spPr/>
-        <p:txBody>
-          <a:bodyPr/>
-          <a:lstStyle/>
-          <a:p>
-            <a:r>
-              <a:rPr lang="en-US"/>
-              <a:t>Copyright © 2018 Accenture. All rights reserved.</a:t>
+              <a:rPr lang="en-US" dirty="0" smtClean="0"/>
+              <a:t>Installation steps</a:t>
             </a:r>
             <a:endParaRPr lang="en-US" dirty="0"/>
-          </a:p>
-        </p:txBody>
-      </p:sp>
-      <p:sp>
-        <p:nvSpPr>
-          <p:cNvPr id="3" name="Slide Number Placeholder 2">
-            <a:extLst>
-              <a:ext uri="{FF2B5EF4-FFF2-40B4-BE49-F238E27FC236}">
-                <a16:creationId xmlns:a16="http://schemas.microsoft.com/office/drawing/2014/main" xmlns="" id="{786D1A07-AF94-41A7-A7BD-F66B03C17110}"/>
-              </a:ext>
-            </a:extLst>
-          </p:cNvPr>
-          <p:cNvSpPr>
-            <a:spLocks noGrp="1"/>
-          </p:cNvSpPr>
-          <p:nvPr>
-            <p:ph type="sldNum" sz="quarter" idx="11"/>
-          </p:nvPr>
-        </p:nvSpPr>
-        <p:spPr/>
-        <p:txBody>
-          <a:bodyPr/>
-          <a:lstStyle/>
-          <a:p>
-            <a:fld id="{4F9AC08D-23A9-440E-BCB9-AA1E9877CC38}" type="slidenum">
-              <a:rPr lang="en-US" smtClean="0"/>
-              <a:pPr/>
-              <a:t>4</a:t>
-            </a:fld>
-            <a:endParaRPr lang="en-US"/>
-          </a:p>
-        </p:txBody>
-      </p:sp>
-      <p:sp>
-        <p:nvSpPr>
-          <p:cNvPr id="4" name="Content Placeholder 3">
-            <a:extLst>
-              <a:ext uri="{FF2B5EF4-FFF2-40B4-BE49-F238E27FC236}">
-                <a16:creationId xmlns:a16="http://schemas.microsoft.com/office/drawing/2014/main" xmlns="" id="{B6D4C15F-F688-4861-AD14-3F5E067D1AC0}"/>
-              </a:ext>
-            </a:extLst>
-          </p:cNvPr>
-          <p:cNvSpPr>
-            <a:spLocks noGrp="1"/>
-          </p:cNvSpPr>
-          <p:nvPr>
-            <p:ph type="body" sz="quarter" idx="12"/>
-          </p:nvPr>
-        </p:nvSpPr>
-        <p:spPr>
-          <a:xfrm>
-            <a:off x="381000" y="1152000"/>
-            <a:ext cx="11409000" cy="5367009"/>
-          </a:xfrm>
-        </p:spPr>
-        <p:txBody>
-          <a:bodyPr/>
-          <a:lstStyle/>
-          <a:p>
-            <a:r>
-              <a:rPr lang="en-US" sz="2000" dirty="0"/>
-              <a:t>Anaconda-3</a:t>
-            </a:r>
-          </a:p>
-          <a:p>
-            <a:pPr marL="342900" indent="-342900">
-              <a:buFont typeface="Arial" panose="020B0604020202020204" pitchFamily="34" charset="0"/>
-              <a:buChar char="•"/>
-            </a:pPr>
-            <a:r>
-              <a:rPr lang="en-US" sz="2000" dirty="0">
-                <a:hlinkClick r:id="rId2"/>
-              </a:rPr>
-              <a:t>https://www.anaconda.com/download/</a:t>
-            </a:r>
-            <a:r>
-              <a:rPr lang="en-US" sz="2000" dirty="0"/>
-              <a:t> install 64-bit windows</a:t>
-            </a:r>
-          </a:p>
-          <a:p>
-            <a:pPr marL="628644" lvl="1" indent="-342900"/>
-            <a:r>
-              <a:rPr lang="en-US" sz="2000" dirty="0"/>
-              <a:t>python 3.7 version</a:t>
-            </a:r>
-          </a:p>
-          <a:p>
-            <a:pPr marL="342900" indent="-342900">
-              <a:buFont typeface="Arial" panose="020B0604020202020204" pitchFamily="34" charset="0"/>
-              <a:buChar char="•"/>
-            </a:pPr>
-            <a:r>
-              <a:rPr lang="en-US" sz="2000" dirty="0"/>
-              <a:t>downgrade python – </a:t>
-            </a:r>
-            <a:r>
-              <a:rPr lang="en-US" sz="2000" dirty="0" err="1"/>
-              <a:t>tensorflow</a:t>
-            </a:r>
-            <a:r>
-              <a:rPr lang="en-US" sz="2000" dirty="0"/>
-              <a:t> only works with 3.5</a:t>
-            </a:r>
-          </a:p>
-          <a:p>
-            <a:pPr marL="628644" lvl="1" indent="-342900"/>
-            <a:r>
-              <a:rPr lang="en-US" sz="2000" dirty="0" err="1"/>
-              <a:t>conda</a:t>
-            </a:r>
-            <a:r>
-              <a:rPr lang="en-US" sz="2000" dirty="0"/>
-              <a:t> install python=3.5</a:t>
-            </a:r>
-          </a:p>
-          <a:p>
-            <a:pPr marL="628644" lvl="1" indent="-342900"/>
-            <a:r>
-              <a:rPr lang="en-US" sz="2000" dirty="0"/>
-              <a:t>open navigator and start command prompt with python</a:t>
-            </a:r>
-          </a:p>
-          <a:p>
-            <a:pPr marL="628644" lvl="1" indent="-342900"/>
-            <a:r>
-              <a:rPr lang="en-US" sz="2000" dirty="0"/>
-              <a:t>confirm – python –V =&gt; </a:t>
-            </a:r>
-            <a:r>
-              <a:rPr lang="en-US" sz="2000" dirty="0" smtClean="0"/>
-              <a:t>3.5.6</a:t>
-            </a:r>
-          </a:p>
-          <a:p>
-            <a:pPr marL="342900" indent="-342900">
-              <a:buFont typeface="Arial" panose="020B0604020202020204" pitchFamily="34" charset="0"/>
-              <a:buChar char="•"/>
-            </a:pPr>
-            <a:r>
-              <a:rPr lang="en-US" sz="2000" dirty="0" smtClean="0"/>
-              <a:t>Alternate: anaconda 4.2.0 </a:t>
-            </a:r>
-            <a:r>
-              <a:rPr lang="en-US" sz="2000" dirty="0"/>
-              <a:t>from archives</a:t>
-            </a:r>
-            <a:r>
-              <a:rPr lang="en-US" sz="2000" dirty="0" smtClean="0"/>
-              <a:t>:</a:t>
-            </a:r>
-          </a:p>
-          <a:p>
-            <a:pPr marL="628644" lvl="1" indent="-342900"/>
-            <a:r>
-              <a:rPr lang="en-US" sz="1800" dirty="0" smtClean="0">
-                <a:hlinkClick r:id="rId3"/>
-              </a:rPr>
-              <a:t>https</a:t>
-            </a:r>
-            <a:r>
-              <a:rPr lang="en-US" sz="1800" dirty="0">
-                <a:hlinkClick r:id="rId3"/>
-              </a:rPr>
-              <a:t>://</a:t>
-            </a:r>
-            <a:r>
-              <a:rPr lang="en-US" sz="1800" dirty="0" smtClean="0">
-                <a:hlinkClick r:id="rId3"/>
-              </a:rPr>
-              <a:t>repo.continuum.io/archive/Anaconda2-4.2.0-Windows-x86_64.exe</a:t>
-            </a:r>
-            <a:r>
-              <a:rPr lang="en-US" sz="1800" dirty="0" smtClean="0"/>
-              <a:t> </a:t>
-            </a:r>
-            <a:endParaRPr lang="en-US" sz="1800" dirty="0"/>
-          </a:p>
-          <a:p>
-            <a:pPr marL="342900" indent="-342900">
-              <a:buFont typeface="Arial" panose="020B0604020202020204" pitchFamily="34" charset="0"/>
-              <a:buChar char="•"/>
-            </a:pPr>
-            <a:r>
-              <a:rPr lang="en-US" sz="2000" b="0" i="1" strike="sngStrike" dirty="0"/>
-              <a:t>pip install </a:t>
-            </a:r>
-            <a:r>
-              <a:rPr lang="en-US" sz="2000" b="0" i="1" strike="sngStrike" dirty="0" err="1"/>
-              <a:t>tensorflow</a:t>
-            </a:r>
-            <a:endParaRPr lang="en-US" sz="2000" b="0" i="1" strike="sngStrike" dirty="0"/>
-          </a:p>
-          <a:p>
-            <a:pPr marL="342900" indent="-342900">
-              <a:buFont typeface="Arial" panose="020B0604020202020204" pitchFamily="34" charset="0"/>
-              <a:buChar char="•"/>
-            </a:pPr>
-            <a:r>
-              <a:rPr lang="en-US" sz="2000" dirty="0" err="1"/>
-              <a:t>conda</a:t>
-            </a:r>
-            <a:r>
-              <a:rPr lang="en-US" sz="2000" dirty="0"/>
-              <a:t> install </a:t>
-            </a:r>
-            <a:r>
-              <a:rPr lang="en-US" sz="2000" dirty="0" err="1"/>
-              <a:t>keras</a:t>
-            </a:r>
-            <a:r>
-              <a:rPr lang="en-US" sz="2000" dirty="0"/>
-              <a:t> =&gt; This installs </a:t>
-            </a:r>
-            <a:r>
-              <a:rPr lang="en-US" sz="2000" dirty="0" err="1"/>
-              <a:t>tensorflow</a:t>
-            </a:r>
-            <a:r>
-              <a:rPr lang="en-US" sz="2000" dirty="0"/>
-              <a:t> as well.</a:t>
-            </a:r>
-          </a:p>
-          <a:p>
-            <a:pPr marL="342900" indent="-342900">
-              <a:buFont typeface="Arial" panose="020B0604020202020204" pitchFamily="34" charset="0"/>
-              <a:buChar char="•"/>
-            </a:pPr>
-            <a:r>
-              <a:rPr lang="en-US" sz="2000" dirty="0"/>
-              <a:t>confirmation : open python prompt</a:t>
-            </a:r>
-          </a:p>
-          <a:p>
-            <a:pPr marL="628644" lvl="1" indent="-342900"/>
-            <a:r>
-              <a:rPr lang="en-US" sz="2000" dirty="0"/>
-              <a:t>python </a:t>
-            </a:r>
-          </a:p>
-          <a:p>
-            <a:pPr marL="857238" lvl="2" indent="-342900"/>
-            <a:r>
-              <a:rPr lang="en-US" sz="2000" dirty="0"/>
-              <a:t>import </a:t>
-            </a:r>
-            <a:r>
-              <a:rPr lang="en-US" sz="2000" dirty="0" smtClean="0"/>
-              <a:t>keras</a:t>
-            </a:r>
-            <a:endParaRPr lang="en-US" sz="2000" dirty="0"/>
-          </a:p>
-          <a:p>
-            <a:pPr marL="342900" indent="-342900"/>
-            <a:endParaRPr lang="en-US" sz="2000" dirty="0"/>
           </a:p>
         </p:txBody>
       </p:sp>
     </p:spTree>
     <p:extLst>
       <p:ext uri="{BB962C8B-B14F-4D97-AF65-F5344CB8AC3E}">
-        <p14:creationId xmlns:p14="http://schemas.microsoft.com/office/powerpoint/2010/main" val="268757033"/>
+        <p14:creationId xmlns:p14="http://schemas.microsoft.com/office/powerpoint/2010/main" val="2126297832"/>
       </p:ext>
     </p:extLst>
   </p:cSld>
   <p:clrMapOvr>
     <a:masterClrMapping/>
   </p:clrMapOvr>
-  <p:timing>
-    <p:tnLst>
-      <p:par>
-        <p:cTn id="1" dur="indefinite" restart="never" nodeType="tmRoot"/>
-      </p:par>
-    </p:tnLst>
-  </p:timing>
 </p:sld>
 </file>
 
@@ -10334,10 +11570,10 @@
       </p:grpSpPr>
       <p:sp>
         <p:nvSpPr>
-          <p:cNvPr id="2" name="Title 1">
+          <p:cNvPr id="5" name="Title 4">
             <a:extLst>
               <a:ext uri="{FF2B5EF4-FFF2-40B4-BE49-F238E27FC236}">
-                <a16:creationId xmlns:a16="http://schemas.microsoft.com/office/drawing/2014/main" xmlns="" id="{D8A56FC5-60A9-42D7-9EE8-DA1BAE527C88}"/>
+                <a16:creationId xmlns="" xmlns:a16="http://schemas.microsoft.com/office/drawing/2014/main" id="{FECF4542-7012-4459-8FA2-0B53E8915305}"/>
               </a:ext>
             </a:extLst>
           </p:cNvPr>
@@ -10355,17 +11591,17 @@
           <a:p>
             <a:r>
               <a:rPr lang="en-US" dirty="0"/>
-              <a:t>environment &amp; package installation</a:t>
-            </a:r>
-          </a:p>
-        </p:txBody>
-      </p:sp>
-      <p:sp>
-        <p:nvSpPr>
-          <p:cNvPr id="3" name="Footer Placeholder 2">
+              <a:t>Installation</a:t>
+            </a:r>
+          </a:p>
+        </p:txBody>
+      </p:sp>
+      <p:sp>
+        <p:nvSpPr>
+          <p:cNvPr id="2" name="Footer Placeholder 1">
             <a:extLst>
               <a:ext uri="{FF2B5EF4-FFF2-40B4-BE49-F238E27FC236}">
-                <a16:creationId xmlns:a16="http://schemas.microsoft.com/office/drawing/2014/main" xmlns="" id="{D5200FC9-D39D-4478-A54F-795747DFD934}"/>
+                <a16:creationId xmlns="" xmlns:a16="http://schemas.microsoft.com/office/drawing/2014/main" id="{D1C74A52-5173-4262-BE81-1A55B76D25B8}"/>
               </a:ext>
             </a:extLst>
           </p:cNvPr>
@@ -10391,10 +11627,10 @@
       </p:sp>
       <p:sp>
         <p:nvSpPr>
-          <p:cNvPr id="4" name="Slide Number Placeholder 3">
+          <p:cNvPr id="3" name="Slide Number Placeholder 2">
             <a:extLst>
               <a:ext uri="{FF2B5EF4-FFF2-40B4-BE49-F238E27FC236}">
-                <a16:creationId xmlns:a16="http://schemas.microsoft.com/office/drawing/2014/main" xmlns="" id="{CD08F597-AE46-47E4-8FE7-86F26313BCF8}"/>
+                <a16:creationId xmlns="" xmlns:a16="http://schemas.microsoft.com/office/drawing/2014/main" id="{786D1A07-AF94-41A7-A7BD-F66B03C17110}"/>
               </a:ext>
             </a:extLst>
           </p:cNvPr>
@@ -10415,16 +11651,16 @@
               <a:pPr/>
               <a:t>5</a:t>
             </a:fld>
-            <a:endParaRPr lang="en-US" dirty="0"/>
-          </a:p>
-        </p:txBody>
-      </p:sp>
-      <p:sp>
-        <p:nvSpPr>
-          <p:cNvPr id="5" name="Text Placeholder 4">
+            <a:endParaRPr lang="en-US"/>
+          </a:p>
+        </p:txBody>
+      </p:sp>
+      <p:sp>
+        <p:nvSpPr>
+          <p:cNvPr id="4" name="Content Placeholder 3">
             <a:extLst>
               <a:ext uri="{FF2B5EF4-FFF2-40B4-BE49-F238E27FC236}">
-                <a16:creationId xmlns:a16="http://schemas.microsoft.com/office/drawing/2014/main" xmlns="" id="{A0F6EB94-2B4E-4A05-BD06-C9E3280EA15C}"/>
+                <a16:creationId xmlns="" xmlns:a16="http://schemas.microsoft.com/office/drawing/2014/main" id="{B6D4C15F-F688-4861-AD14-3F5E067D1AC0}"/>
               </a:ext>
             </a:extLst>
           </p:cNvPr>
@@ -10435,22 +11671,42 @@
             <p:ph type="body" sz="quarter" idx="12"/>
           </p:nvPr>
         </p:nvSpPr>
-        <p:spPr/>
+        <p:spPr>
+          <a:xfrm>
+            <a:off x="381000" y="1152000"/>
+            <a:ext cx="11409000" cy="5367009"/>
+          </a:xfrm>
+        </p:spPr>
         <p:txBody>
           <a:bodyPr/>
           <a:lstStyle/>
+          <a:p>
+            <a:r>
+              <a:rPr lang="en-US" sz="2000" dirty="0"/>
+              <a:t>Anaconda-3</a:t>
+            </a:r>
+          </a:p>
           <a:p>
             <a:pPr marL="342900" indent="-342900">
               <a:buFont typeface="Arial" panose="020B0604020202020204" pitchFamily="34" charset="0"/>
               <a:buChar char="•"/>
             </a:pPr>
             <a:r>
-              <a:rPr lang="en-US" dirty="0" err="1"/>
-              <a:t>conda</a:t>
-            </a:r>
-            <a:r>
-              <a:rPr lang="en-US" dirty="0"/>
-              <a:t> create –n neural</a:t>
+              <a:rPr lang="en-US" sz="2000" dirty="0">
+                <a:hlinkClick r:id="rId2"/>
+              </a:rPr>
+              <a:t>https://www.anaconda.com/download/</a:t>
+            </a:r>
+            <a:r>
+              <a:rPr lang="en-US" sz="2000" dirty="0"/>
+              <a:t> install 64-bit windows</a:t>
+            </a:r>
+          </a:p>
+          <a:p>
+            <a:pPr marL="628644" lvl="1" indent="-342900"/>
+            <a:r>
+              <a:rPr lang="en-US" sz="2000" dirty="0"/>
+              <a:t>python 3.7 version</a:t>
             </a:r>
           </a:p>
           <a:p>
@@ -10459,12 +11715,45 @@
               <a:buChar char="•"/>
             </a:pPr>
             <a:r>
-              <a:rPr lang="en-US" dirty="0" err="1"/>
+              <a:rPr lang="en-US" sz="2000" dirty="0"/>
+              <a:t>downgrade python – </a:t>
+            </a:r>
+            <a:r>
+              <a:rPr lang="en-US" sz="2000" dirty="0" err="1"/>
+              <a:t>tensorflow</a:t>
+            </a:r>
+            <a:r>
+              <a:rPr lang="en-US" sz="2000" dirty="0"/>
+              <a:t> only works with 3.5</a:t>
+            </a:r>
+          </a:p>
+          <a:p>
+            <a:pPr marL="628644" lvl="1" indent="-342900"/>
+            <a:r>
+              <a:rPr lang="en-US" sz="2000" dirty="0" err="1"/>
               <a:t>conda</a:t>
             </a:r>
             <a:r>
-              <a:rPr lang="en-US" dirty="0"/>
-              <a:t> activate neural</a:t>
+              <a:rPr lang="en-US" sz="2000" dirty="0"/>
+              <a:t> install python=3.5</a:t>
+            </a:r>
+          </a:p>
+          <a:p>
+            <a:pPr marL="628644" lvl="1" indent="-342900"/>
+            <a:r>
+              <a:rPr lang="en-US" sz="2000" dirty="0"/>
+              <a:t>open navigator and start command prompt with python</a:t>
+            </a:r>
+          </a:p>
+          <a:p>
+            <a:pPr marL="628644" lvl="1" indent="-342900"/>
+            <a:r>
+              <a:rPr lang="en-US" sz="2000" dirty="0"/>
+              <a:t>confirm – python –V =&gt; </a:t>
+            </a:r>
+            <a:r>
+              <a:rPr lang="en-US" sz="2000" dirty="0" smtClean="0"/>
+              <a:t>3.5.6</a:t>
             </a:r>
           </a:p>
           <a:p>
@@ -10473,13 +11762,43 @@
               <a:buChar char="•"/>
             </a:pPr>
             <a:r>
-              <a:rPr lang="en-US" dirty="0" err="1"/>
-              <a:t>conda</a:t>
-            </a:r>
-            <a:r>
-              <a:rPr lang="en-US" dirty="0"/>
-              <a:t> install seaborn – installs matplotlib</a:t>
-            </a:r>
+              <a:rPr lang="en-US" sz="2000" dirty="0" smtClean="0"/>
+              <a:t>Alternate: anaconda 4.2.0 </a:t>
+            </a:r>
+            <a:r>
+              <a:rPr lang="en-US" sz="2000" dirty="0"/>
+              <a:t>from archives</a:t>
+            </a:r>
+            <a:r>
+              <a:rPr lang="en-US" sz="2000" dirty="0" smtClean="0"/>
+              <a:t>:</a:t>
+            </a:r>
+          </a:p>
+          <a:p>
+            <a:pPr marL="628644" lvl="1" indent="-342900"/>
+            <a:r>
+              <a:rPr lang="en-US" sz="1800" dirty="0" smtClean="0">
+                <a:hlinkClick r:id="rId3"/>
+              </a:rPr>
+              <a:t>https</a:t>
+            </a:r>
+            <a:r>
+              <a:rPr lang="en-US" sz="1800" dirty="0">
+                <a:hlinkClick r:id="rId3"/>
+              </a:rPr>
+              <a:t>://</a:t>
+            </a:r>
+            <a:r>
+              <a:rPr lang="en-US" sz="1800" dirty="0" smtClean="0">
+                <a:hlinkClick r:id="rId3"/>
+              </a:rPr>
+              <a:t>repo.continuum.io/archive/Anaconda2-4.2.0-Windows-x86_64.exe</a:t>
+            </a:r>
+            <a:r>
+              <a:rPr lang="en-US" sz="1800" dirty="0" smtClean="0"/>
+              <a:t> </a:t>
+            </a:r>
+            <a:endParaRPr lang="en-US" sz="1800" dirty="0"/>
           </a:p>
           <a:p>
             <a:pPr marL="342900" indent="-342900">
@@ -10487,13 +11806,14 @@
               <a:buChar char="•"/>
             </a:pPr>
             <a:r>
-              <a:rPr lang="en-US" dirty="0" err="1"/>
-              <a:t>conda</a:t>
-            </a:r>
-            <a:r>
-              <a:rPr lang="en-US" dirty="0"/>
-              <a:t> install pandas</a:t>
-            </a:r>
+              <a:rPr lang="en-US" sz="2000" b="0" i="1" strike="sngStrike" dirty="0"/>
+              <a:t>pip install </a:t>
+            </a:r>
+            <a:r>
+              <a:rPr lang="en-US" sz="2000" b="0" i="1" strike="sngStrike" dirty="0" err="1"/>
+              <a:t>tensorflow</a:t>
+            </a:r>
+            <a:endParaRPr lang="en-US" sz="2000" b="0" i="1" strike="sngStrike" dirty="0"/>
           </a:p>
           <a:p>
             <a:pPr marL="342900" indent="-342900">
@@ -10501,28 +11821,69 @@
               <a:buChar char="•"/>
             </a:pPr>
             <a:r>
-              <a:rPr lang="en-US" dirty="0" err="1"/>
+              <a:rPr lang="en-US" sz="2000" dirty="0" err="1"/>
               <a:t>conda</a:t>
             </a:r>
             <a:r>
-              <a:rPr lang="en-US" dirty="0"/>
+              <a:rPr lang="en-US" sz="2000" dirty="0"/>
               <a:t> install </a:t>
             </a:r>
             <a:r>
-              <a:rPr lang="en-US" dirty="0" err="1"/>
-              <a:t>scikit</a:t>
-            </a:r>
-            <a:r>
-              <a:rPr lang="en-US" dirty="0"/>
-              <a:t>-learn – test/train dataset split</a:t>
-            </a:r>
+              <a:rPr lang="en-US" sz="2000" dirty="0" err="1"/>
+              <a:t>keras</a:t>
+            </a:r>
+            <a:r>
+              <a:rPr lang="en-US" sz="2000" dirty="0"/>
+              <a:t> =&gt; This installs </a:t>
+            </a:r>
+            <a:r>
+              <a:rPr lang="en-US" sz="2000" dirty="0" err="1"/>
+              <a:t>tensorflow</a:t>
+            </a:r>
+            <a:r>
+              <a:rPr lang="en-US" sz="2000" dirty="0"/>
+              <a:t> as well.</a:t>
+            </a:r>
+          </a:p>
+          <a:p>
+            <a:pPr marL="342900" indent="-342900">
+              <a:buFont typeface="Arial" panose="020B0604020202020204" pitchFamily="34" charset="0"/>
+              <a:buChar char="•"/>
+            </a:pPr>
+            <a:r>
+              <a:rPr lang="en-US" sz="2000" dirty="0"/>
+              <a:t>confirmation : open python prompt</a:t>
+            </a:r>
+          </a:p>
+          <a:p>
+            <a:pPr marL="628644" lvl="1" indent="-342900"/>
+            <a:r>
+              <a:rPr lang="en-US" sz="2000" dirty="0"/>
+              <a:t>python </a:t>
+            </a:r>
+          </a:p>
+          <a:p>
+            <a:pPr marL="857238" lvl="2" indent="-342900"/>
+            <a:r>
+              <a:rPr lang="en-US" sz="2000" dirty="0"/>
+              <a:t>import </a:t>
+            </a:r>
+            <a:r>
+              <a:rPr lang="en-US" sz="2000" dirty="0" smtClean="0"/>
+              <a:t>keras</a:t>
+            </a:r>
+            <a:endParaRPr lang="en-US" sz="2000" dirty="0"/>
+          </a:p>
+          <a:p>
+            <a:pPr marL="342900" indent="-342900"/>
+            <a:endParaRPr lang="en-US" sz="2000" dirty="0"/>
           </a:p>
         </p:txBody>
       </p:sp>
     </p:spTree>
     <p:extLst>
       <p:ext uri="{BB962C8B-B14F-4D97-AF65-F5344CB8AC3E}">
-        <p14:creationId xmlns:p14="http://schemas.microsoft.com/office/powerpoint/2010/main" val="3678318544"/>
+        <p14:creationId xmlns:p14="http://schemas.microsoft.com/office/powerpoint/2010/main" val="268757033"/>
       </p:ext>
     </p:extLst>
   </p:cSld>
@@ -10561,7 +11922,7 @@
           <p:cNvPr id="2" name="Title 1">
             <a:extLst>
               <a:ext uri="{FF2B5EF4-FFF2-40B4-BE49-F238E27FC236}">
-                <a16:creationId xmlns:a16="http://schemas.microsoft.com/office/drawing/2014/main" xmlns="" id="{A830AF34-093F-4782-93BE-39591427FA89}"/>
+                <a16:creationId xmlns="" xmlns:a16="http://schemas.microsoft.com/office/drawing/2014/main" id="{D8A56FC5-60A9-42D7-9EE8-DA1BAE527C88}"/>
               </a:ext>
             </a:extLst>
           </p:cNvPr>
@@ -10579,7 +11940,7 @@
           <a:p>
             <a:r>
               <a:rPr lang="en-US" dirty="0"/>
-              <a:t>machine learning</a:t>
+              <a:t>environment &amp; package installation</a:t>
             </a:r>
           </a:p>
         </p:txBody>
@@ -10589,7 +11950,7 @@
           <p:cNvPr id="3" name="Footer Placeholder 2">
             <a:extLst>
               <a:ext uri="{FF2B5EF4-FFF2-40B4-BE49-F238E27FC236}">
-                <a16:creationId xmlns:a16="http://schemas.microsoft.com/office/drawing/2014/main" xmlns="" id="{325DCE18-6DB8-4B48-98D4-32A5CBF2D703}"/>
+                <a16:creationId xmlns="" xmlns:a16="http://schemas.microsoft.com/office/drawing/2014/main" id="{D5200FC9-D39D-4478-A54F-795747DFD934}"/>
               </a:ext>
             </a:extLst>
           </p:cNvPr>
@@ -10618,7 +11979,7 @@
           <p:cNvPr id="4" name="Slide Number Placeholder 3">
             <a:extLst>
               <a:ext uri="{FF2B5EF4-FFF2-40B4-BE49-F238E27FC236}">
-                <a16:creationId xmlns:a16="http://schemas.microsoft.com/office/drawing/2014/main" xmlns="" id="{ACBE4D86-8DCE-46E2-AAC9-3F1829B35A8B}"/>
+                <a16:creationId xmlns="" xmlns:a16="http://schemas.microsoft.com/office/drawing/2014/main" id="{CD08F597-AE46-47E4-8FE7-86F26313BCF8}"/>
               </a:ext>
             </a:extLst>
           </p:cNvPr>
@@ -10645,10 +12006,234 @@
       </p:sp>
       <p:sp>
         <p:nvSpPr>
+          <p:cNvPr id="5" name="Text Placeholder 4">
+            <a:extLst>
+              <a:ext uri="{FF2B5EF4-FFF2-40B4-BE49-F238E27FC236}">
+                <a16:creationId xmlns="" xmlns:a16="http://schemas.microsoft.com/office/drawing/2014/main" id="{A0F6EB94-2B4E-4A05-BD06-C9E3280EA15C}"/>
+              </a:ext>
+            </a:extLst>
+          </p:cNvPr>
+          <p:cNvSpPr>
+            <a:spLocks noGrp="1"/>
+          </p:cNvSpPr>
+          <p:nvPr>
+            <p:ph type="body" sz="quarter" idx="12"/>
+          </p:nvPr>
+        </p:nvSpPr>
+        <p:spPr/>
+        <p:txBody>
+          <a:bodyPr/>
+          <a:lstStyle/>
+          <a:p>
+            <a:pPr marL="342900" indent="-342900">
+              <a:buFont typeface="Arial" panose="020B0604020202020204" pitchFamily="34" charset="0"/>
+              <a:buChar char="•"/>
+            </a:pPr>
+            <a:r>
+              <a:rPr lang="en-US" dirty="0" err="1"/>
+              <a:t>conda</a:t>
+            </a:r>
+            <a:r>
+              <a:rPr lang="en-US" dirty="0"/>
+              <a:t> create –n neural</a:t>
+            </a:r>
+          </a:p>
+          <a:p>
+            <a:pPr marL="342900" indent="-342900">
+              <a:buFont typeface="Arial" panose="020B0604020202020204" pitchFamily="34" charset="0"/>
+              <a:buChar char="•"/>
+            </a:pPr>
+            <a:r>
+              <a:rPr lang="en-US" dirty="0" err="1"/>
+              <a:t>conda</a:t>
+            </a:r>
+            <a:r>
+              <a:rPr lang="en-US" dirty="0"/>
+              <a:t> activate neural</a:t>
+            </a:r>
+          </a:p>
+          <a:p>
+            <a:pPr marL="342900" indent="-342900">
+              <a:buFont typeface="Arial" panose="020B0604020202020204" pitchFamily="34" charset="0"/>
+              <a:buChar char="•"/>
+            </a:pPr>
+            <a:r>
+              <a:rPr lang="en-US" dirty="0" err="1"/>
+              <a:t>conda</a:t>
+            </a:r>
+            <a:r>
+              <a:rPr lang="en-US" dirty="0"/>
+              <a:t> install seaborn – installs matplotlib</a:t>
+            </a:r>
+          </a:p>
+          <a:p>
+            <a:pPr marL="342900" indent="-342900">
+              <a:buFont typeface="Arial" panose="020B0604020202020204" pitchFamily="34" charset="0"/>
+              <a:buChar char="•"/>
+            </a:pPr>
+            <a:r>
+              <a:rPr lang="en-US" dirty="0" err="1"/>
+              <a:t>conda</a:t>
+            </a:r>
+            <a:r>
+              <a:rPr lang="en-US" dirty="0"/>
+              <a:t> install pandas</a:t>
+            </a:r>
+          </a:p>
+          <a:p>
+            <a:pPr marL="342900" indent="-342900">
+              <a:buFont typeface="Arial" panose="020B0604020202020204" pitchFamily="34" charset="0"/>
+              <a:buChar char="•"/>
+            </a:pPr>
+            <a:r>
+              <a:rPr lang="en-US" dirty="0" err="1"/>
+              <a:t>conda</a:t>
+            </a:r>
+            <a:r>
+              <a:rPr lang="en-US" dirty="0"/>
+              <a:t> install </a:t>
+            </a:r>
+            <a:r>
+              <a:rPr lang="en-US" dirty="0" err="1"/>
+              <a:t>scikit</a:t>
+            </a:r>
+            <a:r>
+              <a:rPr lang="en-US" dirty="0"/>
+              <a:t>-learn – test/train dataset split</a:t>
+            </a:r>
+          </a:p>
+        </p:txBody>
+      </p:sp>
+    </p:spTree>
+    <p:extLst>
+      <p:ext uri="{BB962C8B-B14F-4D97-AF65-F5344CB8AC3E}">
+        <p14:creationId xmlns:p14="http://schemas.microsoft.com/office/powerpoint/2010/main" val="3678318544"/>
+      </p:ext>
+    </p:extLst>
+  </p:cSld>
+  <p:clrMapOvr>
+    <a:masterClrMapping/>
+  </p:clrMapOvr>
+  <p:timing>
+    <p:tnLst>
+      <p:par>
+        <p:cTn id="1" dur="indefinite" restart="never" nodeType="tmRoot"/>
+      </p:par>
+    </p:tnLst>
+  </p:timing>
+</p:sld>
+</file>
+
+<file path=ppt/slides/slide7.xml><?xml version="1.0" encoding="utf-8"?>
+<p:sld xmlns:a="http://schemas.openxmlformats.org/drawingml/2006/main" xmlns:r="http://schemas.openxmlformats.org/officeDocument/2006/relationships" xmlns:p="http://schemas.openxmlformats.org/presentationml/2006/main">
+  <p:cSld>
+    <p:spTree>
+      <p:nvGrpSpPr>
+        <p:cNvPr id="1" name=""/>
+        <p:cNvGrpSpPr/>
+        <p:nvPr/>
+      </p:nvGrpSpPr>
+      <p:grpSpPr>
+        <a:xfrm>
+          <a:off x="0" y="0"/>
+          <a:ext cx="0" cy="0"/>
+          <a:chOff x="0" y="0"/>
+          <a:chExt cx="0" cy="0"/>
+        </a:xfrm>
+      </p:grpSpPr>
+      <p:sp>
+        <p:nvSpPr>
+          <p:cNvPr id="2" name="Title 1">
+            <a:extLst>
+              <a:ext uri="{FF2B5EF4-FFF2-40B4-BE49-F238E27FC236}">
+                <a16:creationId xmlns="" xmlns:a16="http://schemas.microsoft.com/office/drawing/2014/main" id="{A830AF34-093F-4782-93BE-39591427FA89}"/>
+              </a:ext>
+            </a:extLst>
+          </p:cNvPr>
+          <p:cNvSpPr>
+            <a:spLocks noGrp="1"/>
+          </p:cNvSpPr>
+          <p:nvPr>
+            <p:ph type="title"/>
+          </p:nvPr>
+        </p:nvSpPr>
+        <p:spPr/>
+        <p:txBody>
+          <a:bodyPr/>
+          <a:lstStyle/>
+          <a:p>
+            <a:r>
+              <a:rPr lang="en-US" dirty="0"/>
+              <a:t>machine learning</a:t>
+            </a:r>
+          </a:p>
+        </p:txBody>
+      </p:sp>
+      <p:sp>
+        <p:nvSpPr>
+          <p:cNvPr id="3" name="Footer Placeholder 2">
+            <a:extLst>
+              <a:ext uri="{FF2B5EF4-FFF2-40B4-BE49-F238E27FC236}">
+                <a16:creationId xmlns="" xmlns:a16="http://schemas.microsoft.com/office/drawing/2014/main" id="{325DCE18-6DB8-4B48-98D4-32A5CBF2D703}"/>
+              </a:ext>
+            </a:extLst>
+          </p:cNvPr>
+          <p:cNvSpPr>
+            <a:spLocks noGrp="1"/>
+          </p:cNvSpPr>
+          <p:nvPr>
+            <p:ph type="ftr" sz="quarter" idx="10"/>
+          </p:nvPr>
+        </p:nvSpPr>
+        <p:spPr/>
+        <p:txBody>
+          <a:bodyPr/>
+          <a:lstStyle/>
+          <a:p>
+            <a:r>
+              <a:rPr lang="en-US"/>
+              <a:t>Copyright © 2018 Accenture. All rights reserved.</a:t>
+            </a:r>
+            <a:endParaRPr lang="en-US" dirty="0"/>
+          </a:p>
+        </p:txBody>
+      </p:sp>
+      <p:sp>
+        <p:nvSpPr>
+          <p:cNvPr id="4" name="Slide Number Placeholder 3">
+            <a:extLst>
+              <a:ext uri="{FF2B5EF4-FFF2-40B4-BE49-F238E27FC236}">
+                <a16:creationId xmlns="" xmlns:a16="http://schemas.microsoft.com/office/drawing/2014/main" id="{ACBE4D86-8DCE-46E2-AAC9-3F1829B35A8B}"/>
+              </a:ext>
+            </a:extLst>
+          </p:cNvPr>
+          <p:cNvSpPr>
+            <a:spLocks noGrp="1"/>
+          </p:cNvSpPr>
+          <p:nvPr>
+            <p:ph type="sldNum" sz="quarter" idx="11"/>
+          </p:nvPr>
+        </p:nvSpPr>
+        <p:spPr/>
+        <p:txBody>
+          <a:bodyPr/>
+          <a:lstStyle/>
+          <a:p>
+            <a:fld id="{4F9AC08D-23A9-440E-BCB9-AA1E9877CC38}" type="slidenum">
+              <a:rPr lang="en-US" smtClean="0"/>
+              <a:pPr/>
+              <a:t>7</a:t>
+            </a:fld>
+            <a:endParaRPr lang="en-US" dirty="0"/>
+          </a:p>
+        </p:txBody>
+      </p:sp>
+      <p:sp>
+        <p:nvSpPr>
           <p:cNvPr id="8" name="Rectangle 7">
             <a:extLst>
               <a:ext uri="{FF2B5EF4-FFF2-40B4-BE49-F238E27FC236}">
-                <a16:creationId xmlns:a16="http://schemas.microsoft.com/office/drawing/2014/main" xmlns="" id="{724E1D2C-110F-45D7-82CD-8DAB81361B22}"/>
+                <a16:creationId xmlns="" xmlns:a16="http://schemas.microsoft.com/office/drawing/2014/main" id="{724E1D2C-110F-45D7-82CD-8DAB81361B22}"/>
               </a:ext>
             </a:extLst>
           </p:cNvPr>
@@ -10696,7 +12281,7 @@
           <p:cNvPr id="9" name="Rectangle 8">
             <a:extLst>
               <a:ext uri="{FF2B5EF4-FFF2-40B4-BE49-F238E27FC236}">
-                <a16:creationId xmlns:a16="http://schemas.microsoft.com/office/drawing/2014/main" xmlns="" id="{B30A52FF-39EB-4701-A649-4EE8D3A0B937}"/>
+                <a16:creationId xmlns="" xmlns:a16="http://schemas.microsoft.com/office/drawing/2014/main" id="{B30A52FF-39EB-4701-A649-4EE8D3A0B937}"/>
               </a:ext>
             </a:extLst>
           </p:cNvPr>
@@ -10744,7 +12329,7 @@
           <p:cNvPr id="10" name="Rectangle 9">
             <a:extLst>
               <a:ext uri="{FF2B5EF4-FFF2-40B4-BE49-F238E27FC236}">
-                <a16:creationId xmlns:a16="http://schemas.microsoft.com/office/drawing/2014/main" xmlns="" id="{9E5C81A6-ED5D-4462-8C33-C69406846F48}"/>
+                <a16:creationId xmlns="" xmlns:a16="http://schemas.microsoft.com/office/drawing/2014/main" id="{9E5C81A6-ED5D-4462-8C33-C69406846F48}"/>
               </a:ext>
             </a:extLst>
           </p:cNvPr>
@@ -10792,7 +12377,7 @@
           <p:cNvPr id="11" name="Rectangle 10">
             <a:extLst>
               <a:ext uri="{FF2B5EF4-FFF2-40B4-BE49-F238E27FC236}">
-                <a16:creationId xmlns:a16="http://schemas.microsoft.com/office/drawing/2014/main" xmlns="" id="{964F7933-5940-442C-9D97-704DA9B8A7A0}"/>
+                <a16:creationId xmlns="" xmlns:a16="http://schemas.microsoft.com/office/drawing/2014/main" id="{964F7933-5940-442C-9D97-704DA9B8A7A0}"/>
               </a:ext>
             </a:extLst>
           </p:cNvPr>
@@ -10840,7 +12425,7 @@
           <p:cNvPr id="12" name="Rectangle 11">
             <a:extLst>
               <a:ext uri="{FF2B5EF4-FFF2-40B4-BE49-F238E27FC236}">
-                <a16:creationId xmlns:a16="http://schemas.microsoft.com/office/drawing/2014/main" xmlns="" id="{BECF7D07-22B4-4C12-8F3C-1D4B8B49B47D}"/>
+                <a16:creationId xmlns="" xmlns:a16="http://schemas.microsoft.com/office/drawing/2014/main" id="{BECF7D07-22B4-4C12-8F3C-1D4B8B49B47D}"/>
               </a:ext>
             </a:extLst>
           </p:cNvPr>
@@ -10888,7 +12473,7 @@
           <p:cNvPr id="13" name="Rectangle 12">
             <a:extLst>
               <a:ext uri="{FF2B5EF4-FFF2-40B4-BE49-F238E27FC236}">
-                <a16:creationId xmlns:a16="http://schemas.microsoft.com/office/drawing/2014/main" xmlns="" id="{CE43A588-9111-43C6-9519-F42E08B35DEC}"/>
+                <a16:creationId xmlns="" xmlns:a16="http://schemas.microsoft.com/office/drawing/2014/main" id="{CE43A588-9111-43C6-9519-F42E08B35DEC}"/>
               </a:ext>
             </a:extLst>
           </p:cNvPr>
@@ -10939,7 +12524,7 @@
           <p:cNvPr id="14" name="Rectangle 13">
             <a:extLst>
               <a:ext uri="{FF2B5EF4-FFF2-40B4-BE49-F238E27FC236}">
-                <a16:creationId xmlns:a16="http://schemas.microsoft.com/office/drawing/2014/main" xmlns="" id="{FCE63C43-74F6-44D8-AE99-80659D5FF4E8}"/>
+                <a16:creationId xmlns="" xmlns:a16="http://schemas.microsoft.com/office/drawing/2014/main" id="{FCE63C43-74F6-44D8-AE99-80659D5FF4E8}"/>
               </a:ext>
             </a:extLst>
           </p:cNvPr>
@@ -10987,7 +12572,7 @@
           <p:cNvPr id="15" name="Rectangle 14">
             <a:extLst>
               <a:ext uri="{FF2B5EF4-FFF2-40B4-BE49-F238E27FC236}">
-                <a16:creationId xmlns:a16="http://schemas.microsoft.com/office/drawing/2014/main" xmlns="" id="{7F2E344D-9232-440D-90E5-D6D672FC2DD9}"/>
+                <a16:creationId xmlns="" xmlns:a16="http://schemas.microsoft.com/office/drawing/2014/main" id="{7F2E344D-9232-440D-90E5-D6D672FC2DD9}"/>
               </a:ext>
             </a:extLst>
           </p:cNvPr>
@@ -11035,7 +12620,7 @@
           <p:cNvPr id="17" name="Connector: Elbow 16">
             <a:extLst>
               <a:ext uri="{FF2B5EF4-FFF2-40B4-BE49-F238E27FC236}">
-                <a16:creationId xmlns:a16="http://schemas.microsoft.com/office/drawing/2014/main" xmlns="" id="{283640C1-8921-4740-9324-BBF6B1C55D19}"/>
+                <a16:creationId xmlns="" xmlns:a16="http://schemas.microsoft.com/office/drawing/2014/main" id="{283640C1-8921-4740-9324-BBF6B1C55D19}"/>
               </a:ext>
             </a:extLst>
           </p:cNvPr>
@@ -11077,7 +12662,7 @@
           <p:cNvPr id="19" name="Connector: Elbow 18">
             <a:extLst>
               <a:ext uri="{FF2B5EF4-FFF2-40B4-BE49-F238E27FC236}">
-                <a16:creationId xmlns:a16="http://schemas.microsoft.com/office/drawing/2014/main" xmlns="" id="{97B16BB7-EF75-4761-A433-2EBC53B0E066}"/>
+                <a16:creationId xmlns="" xmlns:a16="http://schemas.microsoft.com/office/drawing/2014/main" id="{97B16BB7-EF75-4761-A433-2EBC53B0E066}"/>
               </a:ext>
             </a:extLst>
           </p:cNvPr>
@@ -11119,7 +12704,7 @@
           <p:cNvPr id="21" name="Connector: Elbow 20">
             <a:extLst>
               <a:ext uri="{FF2B5EF4-FFF2-40B4-BE49-F238E27FC236}">
-                <a16:creationId xmlns:a16="http://schemas.microsoft.com/office/drawing/2014/main" xmlns="" id="{FC6BB8AB-B790-4983-81B6-F1ECD321EEA6}"/>
+                <a16:creationId xmlns="" xmlns:a16="http://schemas.microsoft.com/office/drawing/2014/main" id="{FC6BB8AB-B790-4983-81B6-F1ECD321EEA6}"/>
               </a:ext>
             </a:extLst>
           </p:cNvPr>
@@ -11164,7 +12749,7 @@
           <p:cNvPr id="23" name="Connector: Elbow 22">
             <a:extLst>
               <a:ext uri="{FF2B5EF4-FFF2-40B4-BE49-F238E27FC236}">
-                <a16:creationId xmlns:a16="http://schemas.microsoft.com/office/drawing/2014/main" xmlns="" id="{921BD3B3-4C59-4803-A342-46E827F58CE5}"/>
+                <a16:creationId xmlns="" xmlns:a16="http://schemas.microsoft.com/office/drawing/2014/main" id="{921BD3B3-4C59-4803-A342-46E827F58CE5}"/>
               </a:ext>
             </a:extLst>
           </p:cNvPr>
@@ -11210,7 +12795,7 @@
           <p:cNvPr id="25" name="Connector: Elbow 24">
             <a:extLst>
               <a:ext uri="{FF2B5EF4-FFF2-40B4-BE49-F238E27FC236}">
-                <a16:creationId xmlns:a16="http://schemas.microsoft.com/office/drawing/2014/main" xmlns="" id="{A3FFF047-2202-415B-9D74-CD2A3E5EABFE}"/>
+                <a16:creationId xmlns="" xmlns:a16="http://schemas.microsoft.com/office/drawing/2014/main" id="{A3FFF047-2202-415B-9D74-CD2A3E5EABFE}"/>
               </a:ext>
             </a:extLst>
           </p:cNvPr>
@@ -11255,7 +12840,7 @@
           <p:cNvPr id="27" name="Connector: Elbow 26">
             <a:extLst>
               <a:ext uri="{FF2B5EF4-FFF2-40B4-BE49-F238E27FC236}">
-                <a16:creationId xmlns:a16="http://schemas.microsoft.com/office/drawing/2014/main" xmlns="" id="{E12BFD37-EEC7-4497-9063-64BF4371C1FF}"/>
+                <a16:creationId xmlns="" xmlns:a16="http://schemas.microsoft.com/office/drawing/2014/main" id="{E12BFD37-EEC7-4497-9063-64BF4371C1FF}"/>
               </a:ext>
             </a:extLst>
           </p:cNvPr>
@@ -11300,7 +12885,7 @@
           <p:cNvPr id="29" name="Connector: Elbow 28">
             <a:extLst>
               <a:ext uri="{FF2B5EF4-FFF2-40B4-BE49-F238E27FC236}">
-                <a16:creationId xmlns:a16="http://schemas.microsoft.com/office/drawing/2014/main" xmlns="" id="{5B3E66FC-5F80-407D-87DF-A248DD84535E}"/>
+                <a16:creationId xmlns="" xmlns:a16="http://schemas.microsoft.com/office/drawing/2014/main" id="{5B3E66FC-5F80-407D-87DF-A248DD84535E}"/>
               </a:ext>
             </a:extLst>
           </p:cNvPr>
@@ -11374,15 +12959,6 @@
               </a:rPr>
               <a:t>algorithm</a:t>
             </a:r>
-            <a:endParaRPr lang="en-US" sz="1600" b="1" i="1" dirty="0" smtClean="0">
-              <a:effectLst>
-                <a:outerShdw blurRad="38100" dist="38100" dir="2700000" algn="tl">
-                  <a:srgbClr val="000000">
-                    <a:alpha val="43137"/>
-                  </a:srgbClr>
-                </a:outerShdw>
-              </a:effectLst>
-            </a:endParaRPr>
           </a:p>
         </p:txBody>
       </p:sp>
@@ -11456,15 +13032,6 @@
               </a:rPr>
               <a:t>tasks</a:t>
             </a:r>
-            <a:endParaRPr lang="en-US" sz="1600" b="1" i="1" dirty="0" smtClean="0">
-              <a:effectLst>
-                <a:outerShdw blurRad="38100" dist="38100" dir="2700000" algn="tl">
-                  <a:srgbClr val="000000">
-                    <a:alpha val="43137"/>
-                  </a:srgbClr>
-                </a:outerShdw>
-              </a:effectLst>
-            </a:endParaRPr>
           </a:p>
         </p:txBody>
       </p:sp>
@@ -11582,6 +13149,133 @@
           </a:p>
         </p:txBody>
       </p:sp>
+      <p:sp>
+        <p:nvSpPr>
+          <p:cNvPr id="30" name="TextBox 29"/>
+          <p:cNvSpPr txBox="1"/>
+          <p:nvPr/>
+        </p:nvSpPr>
+        <p:spPr>
+          <a:xfrm>
+            <a:off x="11176717" y="1662631"/>
+            <a:ext cx="921727" cy="292388"/>
+          </a:xfrm>
+          <a:prstGeom prst="rect">
+            <a:avLst/>
+          </a:prstGeom>
+          <a:noFill/>
+        </p:spPr>
+        <p:txBody>
+          <a:bodyPr wrap="none" lIns="0" tIns="0" rIns="0" bIns="45720" rtlCol="0">
+            <a:spAutoFit/>
+          </a:bodyPr>
+          <a:lstStyle/>
+          <a:p>
+            <a:r>
+              <a:rPr lang="en-US" sz="1600" b="1" i="1" dirty="0" smtClean="0">
+                <a:effectLst>
+                  <a:outerShdw blurRad="38100" dist="38100" dir="2700000" algn="tl">
+                    <a:srgbClr val="000000">
+                      <a:alpha val="43137"/>
+                    </a:srgbClr>
+                  </a:outerShdw>
+                </a:effectLst>
+              </a:rPr>
+              <a:t>approach</a:t>
+            </a:r>
+            <a:endParaRPr lang="en-US" sz="1600" b="1" i="1" dirty="0" smtClean="0">
+              <a:effectLst>
+                <a:outerShdw blurRad="38100" dist="38100" dir="2700000" algn="tl">
+                  <a:srgbClr val="000000">
+                    <a:alpha val="43137"/>
+                  </a:srgbClr>
+                </a:outerShdw>
+              </a:effectLst>
+            </a:endParaRPr>
+          </a:p>
+        </p:txBody>
+      </p:sp>
+      <p:sp>
+        <p:nvSpPr>
+          <p:cNvPr id="31" name="Right Brace 30"/>
+          <p:cNvSpPr/>
+          <p:nvPr/>
+        </p:nvSpPr>
+        <p:spPr>
+          <a:xfrm>
+            <a:off x="11074394" y="2334769"/>
+            <a:ext cx="204646" cy="1004552"/>
+          </a:xfrm>
+          <a:prstGeom prst="rightBrace">
+            <a:avLst/>
+          </a:prstGeom>
+          <a:ln w="28575"/>
+        </p:spPr>
+        <p:style>
+          <a:lnRef idx="3">
+            <a:schemeClr val="dk1"/>
+          </a:lnRef>
+          <a:fillRef idx="0">
+            <a:schemeClr val="dk1"/>
+          </a:fillRef>
+          <a:effectRef idx="2">
+            <a:schemeClr val="dk1"/>
+          </a:effectRef>
+          <a:fontRef idx="minor">
+            <a:schemeClr val="tx1"/>
+          </a:fontRef>
+        </p:style>
+        <p:txBody>
+          <a:bodyPr rtlCol="0" anchor="ctr"/>
+          <a:lstStyle/>
+          <a:p>
+            <a:pPr algn="ctr"/>
+            <a:endParaRPr lang="en-US"/>
+          </a:p>
+        </p:txBody>
+      </p:sp>
+      <p:cxnSp>
+        <p:nvCxnSpPr>
+          <p:cNvPr id="18" name="Elbow Connector 17"/>
+          <p:cNvCxnSpPr>
+            <a:stCxn id="30" idx="2"/>
+            <a:endCxn id="31" idx="1"/>
+          </p:cNvCxnSpPr>
+          <p:nvPr/>
+        </p:nvCxnSpPr>
+        <p:spPr>
+          <a:xfrm rot="5400000">
+            <a:off x="11017298" y="2216762"/>
+            <a:ext cx="882026" cy="358541"/>
+          </a:xfrm>
+          <a:prstGeom prst="bentConnector4">
+            <a:avLst>
+              <a:gd name="adj1" fmla="val 21527"/>
+              <a:gd name="adj2" fmla="val 3822"/>
+            </a:avLst>
+          </a:prstGeom>
+          <a:ln w="12700">
+            <a:solidFill>
+              <a:schemeClr val="tx1"/>
+            </a:solidFill>
+            <a:tailEnd type="triangle"/>
+          </a:ln>
+        </p:spPr>
+        <p:style>
+          <a:lnRef idx="1">
+            <a:schemeClr val="accent1"/>
+          </a:lnRef>
+          <a:fillRef idx="0">
+            <a:schemeClr val="accent1"/>
+          </a:fillRef>
+          <a:effectRef idx="0">
+            <a:schemeClr val="accent1"/>
+          </a:effectRef>
+          <a:fontRef idx="minor">
+            <a:schemeClr val="tx1"/>
+          </a:fontRef>
+        </p:style>
+      </p:cxnSp>
     </p:spTree>
     <p:extLst>
       <p:ext uri="{BB962C8B-B14F-4D97-AF65-F5344CB8AC3E}">
@@ -11602,7 +13296,7 @@
 </p:sld>
 </file>
 
-<file path=ppt/slides/slide7.xml><?xml version="1.0" encoding="utf-8"?>
+<file path=ppt/slides/slide8.xml><?xml version="1.0" encoding="utf-8"?>
 <p:sld xmlns:a="http://schemas.openxmlformats.org/drawingml/2006/main" xmlns:r="http://schemas.openxmlformats.org/officeDocument/2006/relationships" xmlns:p="http://schemas.openxmlformats.org/presentationml/2006/main">
   <p:cSld>
     <p:spTree>
@@ -11624,7 +13318,7 @@
           <p:cNvPr id="2" name="Footer Placeholder 1">
             <a:extLst>
               <a:ext uri="{FF2B5EF4-FFF2-40B4-BE49-F238E27FC236}">
-                <a16:creationId xmlns:a16="http://schemas.microsoft.com/office/drawing/2014/main" xmlns="" id="{4C256D2E-8DB0-914F-8CA7-5726C741DD9B}"/>
+                <a16:creationId xmlns="" xmlns:a16="http://schemas.microsoft.com/office/drawing/2014/main" id="{4C256D2E-8DB0-914F-8CA7-5726C741DD9B}"/>
               </a:ext>
             </a:extLst>
           </p:cNvPr>
@@ -11653,7 +13347,7 @@
           <p:cNvPr id="3" name="Slide Number Placeholder 2">
             <a:extLst>
               <a:ext uri="{FF2B5EF4-FFF2-40B4-BE49-F238E27FC236}">
-                <a16:creationId xmlns:a16="http://schemas.microsoft.com/office/drawing/2014/main" xmlns="" id="{9D42F73E-49A9-0D4E-AB03-5D89013744AC}"/>
+                <a16:creationId xmlns="" xmlns:a16="http://schemas.microsoft.com/office/drawing/2014/main" id="{9D42F73E-49A9-0D4E-AB03-5D89013744AC}"/>
               </a:ext>
             </a:extLst>
           </p:cNvPr>
@@ -11672,7 +13366,7 @@
             <a:fld id="{4F9AC08D-23A9-440E-BCB9-AA1E9877CC38}" type="slidenum">
               <a:rPr lang="en-US" smtClean="0"/>
               <a:pPr/>
-              <a:t>7</a:t>
+              <a:t>8</a:t>
             </a:fld>
             <a:endParaRPr lang="en-US" dirty="0"/>
           </a:p>
@@ -12045,7 +13739,7 @@
           <p:cNvPr id="5" name="Title 4">
             <a:extLst>
               <a:ext uri="{FF2B5EF4-FFF2-40B4-BE49-F238E27FC236}">
-                <a16:creationId xmlns:a16="http://schemas.microsoft.com/office/drawing/2014/main" xmlns="" id="{67DB217E-4880-7A48-8D2E-DA6229AED36A}"/>
+                <a16:creationId xmlns="" xmlns:a16="http://schemas.microsoft.com/office/drawing/2014/main" id="{67DB217E-4880-7A48-8D2E-DA6229AED36A}"/>
               </a:ext>
             </a:extLst>
           </p:cNvPr>
@@ -12070,36 +13764,12 @@
           </a:p>
         </p:txBody>
       </p:sp>
-      <p:pic>
-        <p:nvPicPr>
-          <p:cNvPr id="13" name="Picture 12"/>
-          <p:cNvPicPr>
-            <a:picLocks noChangeAspect="1"/>
-          </p:cNvPicPr>
-          <p:nvPr/>
-        </p:nvPicPr>
-        <p:blipFill>
-          <a:blip r:embed="rId3"/>
-          <a:stretch>
-            <a:fillRect/>
-          </a:stretch>
-        </p:blipFill>
-        <p:spPr>
-          <a:xfrm>
-            <a:off x="6280107" y="1547307"/>
-            <a:ext cx="5090522" cy="2886907"/>
-          </a:xfrm>
-          <a:prstGeom prst="rect">
-            <a:avLst/>
-          </a:prstGeom>
-        </p:spPr>
-      </p:pic>
       <p:sp>
         <p:nvSpPr>
           <p:cNvPr id="4" name="Oval 3">
             <a:extLst>
               <a:ext uri="{FF2B5EF4-FFF2-40B4-BE49-F238E27FC236}">
-                <a16:creationId xmlns:a16="http://schemas.microsoft.com/office/drawing/2014/main" xmlns="" id="{5373C289-D68D-4422-AD1C-23B18107DF12}"/>
+                <a16:creationId xmlns="" xmlns:a16="http://schemas.microsoft.com/office/drawing/2014/main" id="{5373C289-D68D-4422-AD1C-23B18107DF12}"/>
               </a:ext>
             </a:extLst>
           </p:cNvPr>
@@ -12149,6 +13819,107 @@
           </a:p>
         </p:txBody>
       </p:sp>
+      <p:pic>
+        <p:nvPicPr>
+          <p:cNvPr id="1026" name="Picture 2" descr="Why are neuron axons long and spindly? Study shows they're optimizing signaling efficiency"/>
+          <p:cNvPicPr>
+            <a:picLocks noChangeAspect="1" noChangeArrowheads="1"/>
+          </p:cNvPicPr>
+          <p:nvPr/>
+        </p:nvPicPr>
+        <p:blipFill>
+          <a:blip r:embed="rId3">
+            <a:extLst>
+              <a:ext uri="{28A0092B-C50C-407E-A947-70E740481C1C}">
+                <a14:useLocalDpi xmlns:a14="http://schemas.microsoft.com/office/drawing/2010/main" val="0"/>
+              </a:ext>
+            </a:extLst>
+          </a:blip>
+          <a:srcRect/>
+          <a:stretch>
+            <a:fillRect/>
+          </a:stretch>
+        </p:blipFill>
+        <p:spPr bwMode="auto">
+          <a:xfrm>
+            <a:off x="5715001" y="380999"/>
+            <a:ext cx="6096000" cy="3657600"/>
+          </a:xfrm>
+          <a:prstGeom prst="rect">
+            <a:avLst/>
+          </a:prstGeom>
+          <a:noFill/>
+          <a:extLst>
+            <a:ext uri="{909E8E84-426E-40DD-AFC4-6F175D3DCCD1}">
+              <a14:hiddenFill xmlns:a14="http://schemas.microsoft.com/office/drawing/2010/main">
+                <a:solidFill>
+                  <a:srgbClr val="FFFFFF"/>
+                </a:solidFill>
+              </a14:hiddenFill>
+            </a:ext>
+          </a:extLst>
+        </p:spPr>
+      </p:pic>
+      <p:sp>
+        <p:nvSpPr>
+          <p:cNvPr id="6" name="TextBox 5"/>
+          <p:cNvSpPr txBox="1"/>
+          <p:nvPr/>
+        </p:nvSpPr>
+        <p:spPr>
+          <a:xfrm>
+            <a:off x="6509740" y="4240058"/>
+            <a:ext cx="4868320" cy="692497"/>
+          </a:xfrm>
+          <a:prstGeom prst="rect">
+            <a:avLst/>
+          </a:prstGeom>
+          <a:noFill/>
+        </p:spPr>
+        <p:txBody>
+          <a:bodyPr wrap="none" lIns="0" tIns="0" rIns="0" bIns="45720" rtlCol="0">
+            <a:spAutoFit/>
+          </a:bodyPr>
+          <a:lstStyle/>
+          <a:p>
+            <a:r>
+              <a:rPr lang="en-US" sz="1600" dirty="0"/>
+              <a:t> Credit: David </a:t>
+            </a:r>
+            <a:r>
+              <a:rPr lang="en-US" sz="1600" dirty="0" err="1"/>
+              <a:t>Baillot</a:t>
+            </a:r>
+            <a:r>
+              <a:rPr lang="en-US" sz="1600" dirty="0"/>
+              <a:t>/ UC San </a:t>
+            </a:r>
+            <a:r>
+              <a:rPr lang="en-US" sz="1600" dirty="0"/>
+              <a:t>Diego</a:t>
+            </a:r>
+            <a:br>
+              <a:rPr lang="en-US" sz="1600" dirty="0"/>
+            </a:br>
+            <a:r>
+              <a:rPr lang="en-US" sz="1600" dirty="0"/>
+              <a:t>source: </a:t>
+            </a:r>
+            <a:endParaRPr lang="en-US" sz="1600" dirty="0" smtClean="0"/>
+          </a:p>
+          <a:p>
+            <a:r>
+              <a:rPr lang="en-US" sz="1000" i="1" dirty="0" smtClean="0"/>
+              <a:t>https</a:t>
+            </a:r>
+            <a:r>
+              <a:rPr lang="en-US" sz="1000" i="1" dirty="0"/>
+              <a:t>://medicalxpress.com/news/2018-07-neuron-axons-spindly-theyre-optimizing.html</a:t>
+            </a:r>
+            <a:endParaRPr lang="en-US" sz="1000" i="1" dirty="0" smtClean="0"/>
+          </a:p>
+        </p:txBody>
+      </p:sp>
     </p:spTree>
     <p:extLst>
       <p:ext uri="{BB962C8B-B14F-4D97-AF65-F5344CB8AC3E}">
@@ -12180,7 +13951,7 @@
                             </p:stCondLst>
                             <p:childTnLst>
                               <p:par>
-                                <p:cTn id="5" presetID="10" presetClass="entr" presetSubtype="0" fill="hold" grpId="0" nodeType="clickEffect">
+                                <p:cTn id="5" presetID="10" presetClass="entr" presetSubtype="0" fill="hold" nodeType="clickEffect">
                                   <p:stCondLst>
                                     <p:cond delay="0"/>
                                   </p:stCondLst>
@@ -12188,6 +13959,300 @@
                                     <p:set>
                                       <p:cBhvr>
                                         <p:cTn id="6" dur="1" fill="hold">
+                                          <p:stCondLst>
+                                            <p:cond delay="0"/>
+                                          </p:stCondLst>
+                                        </p:cTn>
+                                        <p:tgtEl>
+                                          <p:spTgt spid="10">
+                                            <p:txEl>
+                                              <p:pRg st="4" end="4"/>
+                                            </p:txEl>
+                                          </p:spTgt>
+                                        </p:tgtEl>
+                                        <p:attrNameLst>
+                                          <p:attrName>style.visibility</p:attrName>
+                                        </p:attrNameLst>
+                                      </p:cBhvr>
+                                      <p:to>
+                                        <p:strVal val="visible"/>
+                                      </p:to>
+                                    </p:set>
+                                    <p:animEffect transition="in" filter="fade">
+                                      <p:cBhvr>
+                                        <p:cTn id="7" dur="500"/>
+                                        <p:tgtEl>
+                                          <p:spTgt spid="10">
+                                            <p:txEl>
+                                              <p:pRg st="4" end="4"/>
+                                            </p:txEl>
+                                          </p:spTgt>
+                                        </p:tgtEl>
+                                      </p:cBhvr>
+                                    </p:animEffect>
+                                  </p:childTnLst>
+                                </p:cTn>
+                              </p:par>
+                              <p:par>
+                                <p:cTn id="8" presetID="10" presetClass="entr" presetSubtype="0" fill="hold" nodeType="withEffect">
+                                  <p:stCondLst>
+                                    <p:cond delay="0"/>
+                                  </p:stCondLst>
+                                  <p:childTnLst>
+                                    <p:set>
+                                      <p:cBhvr>
+                                        <p:cTn id="9" dur="1" fill="hold">
+                                          <p:stCondLst>
+                                            <p:cond delay="0"/>
+                                          </p:stCondLst>
+                                        </p:cTn>
+                                        <p:tgtEl>
+                                          <p:spTgt spid="10">
+                                            <p:txEl>
+                                              <p:pRg st="5" end="5"/>
+                                            </p:txEl>
+                                          </p:spTgt>
+                                        </p:tgtEl>
+                                        <p:attrNameLst>
+                                          <p:attrName>style.visibility</p:attrName>
+                                        </p:attrNameLst>
+                                      </p:cBhvr>
+                                      <p:to>
+                                        <p:strVal val="visible"/>
+                                      </p:to>
+                                    </p:set>
+                                    <p:animEffect transition="in" filter="fade">
+                                      <p:cBhvr>
+                                        <p:cTn id="10" dur="500"/>
+                                        <p:tgtEl>
+                                          <p:spTgt spid="10">
+                                            <p:txEl>
+                                              <p:pRg st="5" end="5"/>
+                                            </p:txEl>
+                                          </p:spTgt>
+                                        </p:tgtEl>
+                                      </p:cBhvr>
+                                    </p:animEffect>
+                                  </p:childTnLst>
+                                </p:cTn>
+                              </p:par>
+                            </p:childTnLst>
+                          </p:cTn>
+                        </p:par>
+                      </p:childTnLst>
+                    </p:cTn>
+                  </p:par>
+                  <p:par>
+                    <p:cTn id="11" fill="hold">
+                      <p:stCondLst>
+                        <p:cond delay="indefinite"/>
+                      </p:stCondLst>
+                      <p:childTnLst>
+                        <p:par>
+                          <p:cTn id="12" fill="hold">
+                            <p:stCondLst>
+                              <p:cond delay="0"/>
+                            </p:stCondLst>
+                            <p:childTnLst>
+                              <p:par>
+                                <p:cTn id="13" presetID="10" presetClass="entr" presetSubtype="0" fill="hold" nodeType="clickEffect">
+                                  <p:stCondLst>
+                                    <p:cond delay="0"/>
+                                  </p:stCondLst>
+                                  <p:childTnLst>
+                                    <p:set>
+                                      <p:cBhvr>
+                                        <p:cTn id="14" dur="1" fill="hold">
+                                          <p:stCondLst>
+                                            <p:cond delay="0"/>
+                                          </p:stCondLst>
+                                        </p:cTn>
+                                        <p:tgtEl>
+                                          <p:spTgt spid="10">
+                                            <p:txEl>
+                                              <p:pRg st="6" end="6"/>
+                                            </p:txEl>
+                                          </p:spTgt>
+                                        </p:tgtEl>
+                                        <p:attrNameLst>
+                                          <p:attrName>style.visibility</p:attrName>
+                                        </p:attrNameLst>
+                                      </p:cBhvr>
+                                      <p:to>
+                                        <p:strVal val="visible"/>
+                                      </p:to>
+                                    </p:set>
+                                    <p:animEffect transition="in" filter="fade">
+                                      <p:cBhvr>
+                                        <p:cTn id="15" dur="500"/>
+                                        <p:tgtEl>
+                                          <p:spTgt spid="10">
+                                            <p:txEl>
+                                              <p:pRg st="6" end="6"/>
+                                            </p:txEl>
+                                          </p:spTgt>
+                                        </p:tgtEl>
+                                      </p:cBhvr>
+                                    </p:animEffect>
+                                  </p:childTnLst>
+                                </p:cTn>
+                              </p:par>
+                              <p:par>
+                                <p:cTn id="16" presetID="10" presetClass="entr" presetSubtype="0" fill="hold" nodeType="withEffect">
+                                  <p:stCondLst>
+                                    <p:cond delay="0"/>
+                                  </p:stCondLst>
+                                  <p:childTnLst>
+                                    <p:set>
+                                      <p:cBhvr>
+                                        <p:cTn id="17" dur="1" fill="hold">
+                                          <p:stCondLst>
+                                            <p:cond delay="0"/>
+                                          </p:stCondLst>
+                                        </p:cTn>
+                                        <p:tgtEl>
+                                          <p:spTgt spid="10">
+                                            <p:txEl>
+                                              <p:pRg st="7" end="7"/>
+                                            </p:txEl>
+                                          </p:spTgt>
+                                        </p:tgtEl>
+                                        <p:attrNameLst>
+                                          <p:attrName>style.visibility</p:attrName>
+                                        </p:attrNameLst>
+                                      </p:cBhvr>
+                                      <p:to>
+                                        <p:strVal val="visible"/>
+                                      </p:to>
+                                    </p:set>
+                                    <p:animEffect transition="in" filter="fade">
+                                      <p:cBhvr>
+                                        <p:cTn id="18" dur="500"/>
+                                        <p:tgtEl>
+                                          <p:spTgt spid="10">
+                                            <p:txEl>
+                                              <p:pRg st="7" end="7"/>
+                                            </p:txEl>
+                                          </p:spTgt>
+                                        </p:tgtEl>
+                                      </p:cBhvr>
+                                    </p:animEffect>
+                                  </p:childTnLst>
+                                </p:cTn>
+                              </p:par>
+                              <p:par>
+                                <p:cTn id="19" presetID="10" presetClass="entr" presetSubtype="0" fill="hold" nodeType="withEffect">
+                                  <p:stCondLst>
+                                    <p:cond delay="0"/>
+                                  </p:stCondLst>
+                                  <p:childTnLst>
+                                    <p:set>
+                                      <p:cBhvr>
+                                        <p:cTn id="20" dur="1" fill="hold">
+                                          <p:stCondLst>
+                                            <p:cond delay="0"/>
+                                          </p:stCondLst>
+                                        </p:cTn>
+                                        <p:tgtEl>
+                                          <p:spTgt spid="10">
+                                            <p:txEl>
+                                              <p:pRg st="8" end="8"/>
+                                            </p:txEl>
+                                          </p:spTgt>
+                                        </p:tgtEl>
+                                        <p:attrNameLst>
+                                          <p:attrName>style.visibility</p:attrName>
+                                        </p:attrNameLst>
+                                      </p:cBhvr>
+                                      <p:to>
+                                        <p:strVal val="visible"/>
+                                      </p:to>
+                                    </p:set>
+                                    <p:animEffect transition="in" filter="fade">
+                                      <p:cBhvr>
+                                        <p:cTn id="21" dur="500"/>
+                                        <p:tgtEl>
+                                          <p:spTgt spid="10">
+                                            <p:txEl>
+                                              <p:pRg st="8" end="8"/>
+                                            </p:txEl>
+                                          </p:spTgt>
+                                        </p:tgtEl>
+                                      </p:cBhvr>
+                                    </p:animEffect>
+                                  </p:childTnLst>
+                                </p:cTn>
+                              </p:par>
+                            </p:childTnLst>
+                          </p:cTn>
+                        </p:par>
+                      </p:childTnLst>
+                    </p:cTn>
+                  </p:par>
+                  <p:par>
+                    <p:cTn id="22" fill="hold">
+                      <p:stCondLst>
+                        <p:cond delay="indefinite"/>
+                      </p:stCondLst>
+                      <p:childTnLst>
+                        <p:par>
+                          <p:cTn id="23" fill="hold">
+                            <p:stCondLst>
+                              <p:cond delay="0"/>
+                            </p:stCondLst>
+                            <p:childTnLst>
+                              <p:par>
+                                <p:cTn id="24" presetID="10" presetClass="entr" presetSubtype="0" fill="hold" nodeType="clickEffect">
+                                  <p:stCondLst>
+                                    <p:cond delay="0"/>
+                                  </p:stCondLst>
+                                  <p:childTnLst>
+                                    <p:set>
+                                      <p:cBhvr>
+                                        <p:cTn id="25" dur="1" fill="hold">
+                                          <p:stCondLst>
+                                            <p:cond delay="0"/>
+                                          </p:stCondLst>
+                                        </p:cTn>
+                                        <p:tgtEl>
+                                          <p:spTgt spid="10">
+                                            <p:txEl>
+                                              <p:pRg st="9" end="9"/>
+                                            </p:txEl>
+                                          </p:spTgt>
+                                        </p:tgtEl>
+                                        <p:attrNameLst>
+                                          <p:attrName>style.visibility</p:attrName>
+                                        </p:attrNameLst>
+                                      </p:cBhvr>
+                                      <p:to>
+                                        <p:strVal val="visible"/>
+                                      </p:to>
+                                    </p:set>
+                                    <p:animEffect transition="in" filter="fade">
+                                      <p:cBhvr>
+                                        <p:cTn id="26" dur="500"/>
+                                        <p:tgtEl>
+                                          <p:spTgt spid="10">
+                                            <p:txEl>
+                                              <p:pRg st="9" end="9"/>
+                                            </p:txEl>
+                                          </p:spTgt>
+                                        </p:tgtEl>
+                                      </p:cBhvr>
+                                    </p:animEffect>
+                                  </p:childTnLst>
+                                </p:cTn>
+                              </p:par>
+                              <p:par>
+                                <p:cTn id="27" presetID="10" presetClass="entr" presetSubtype="0" fill="hold" grpId="0" nodeType="withEffect">
+                                  <p:stCondLst>
+                                    <p:cond delay="0"/>
+                                  </p:stCondLst>
+                                  <p:childTnLst>
+                                    <p:set>
+                                      <p:cBhvr>
+                                        <p:cTn id="28" dur="1" fill="hold">
                                           <p:stCondLst>
                                             <p:cond delay="0"/>
                                           </p:stCondLst>
@@ -12205,7 +14270,7 @@
                                     </p:set>
                                     <p:animEffect transition="in" filter="fade">
                                       <p:cBhvr>
-                                        <p:cTn id="7" dur="1500"/>
+                                        <p:cTn id="29" dur="1500"/>
                                         <p:tgtEl>
                                           <p:spTgt spid="4"/>
                                         </p:tgtEl>
@@ -12248,7 +14313,7 @@
 </p:sld>
 </file>
 
-<file path=ppt/slides/slide8.xml><?xml version="1.0" encoding="utf-8"?>
+<file path=ppt/slides/slide9.xml><?xml version="1.0" encoding="utf-8"?>
 <p:sld xmlns:a="http://schemas.openxmlformats.org/drawingml/2006/main" xmlns:r="http://schemas.openxmlformats.org/officeDocument/2006/relationships" xmlns:p="http://schemas.openxmlformats.org/presentationml/2006/main">
   <p:cSld>
     <p:spTree>
@@ -12329,7 +14394,7 @@
             <a:fld id="{4F9AC08D-23A9-440E-BCB9-AA1E9877CC38}" type="slidenum">
               <a:rPr lang="en-US" smtClean="0"/>
               <a:pPr/>
-              <a:t>8</a:t>
+              <a:t>9</a:t>
             </a:fld>
             <a:endParaRPr lang="en-US"/>
           </a:p>
@@ -12393,15 +14458,6 @@
               </a:rPr>
               <a:t>Complex Process or phenomenon</a:t>
             </a:r>
-            <a:endParaRPr lang="en-US" sz="1600" i="1" dirty="0" smtClean="0">
-              <a:effectLst>
-                <a:outerShdw blurRad="38100" dist="38100" dir="2700000" algn="tl">
-                  <a:srgbClr val="000000">
-                    <a:alpha val="43137"/>
-                  </a:srgbClr>
-                </a:outerShdw>
-              </a:effectLst>
-            </a:endParaRPr>
           </a:p>
         </p:txBody>
       </p:sp>
@@ -12487,15 +14543,6 @@
               </a:rPr>
               <a:t>Output or result</a:t>
             </a:r>
-            <a:endParaRPr lang="en-US" sz="1600" i="1" dirty="0" smtClean="0">
-              <a:effectLst>
-                <a:outerShdw blurRad="38100" dist="38100" dir="2700000" algn="tl">
-                  <a:srgbClr val="000000">
-                    <a:alpha val="43137"/>
-                  </a:srgbClr>
-                </a:outerShdw>
-              </a:effectLst>
-            </a:endParaRPr>
           </a:p>
         </p:txBody>
       </p:sp>
@@ -12566,15 +14613,6 @@
               </a:rPr>
               <a:t>Secret key</a:t>
             </a:r>
-            <a:endParaRPr lang="en-US" sz="1600" i="1" dirty="0" smtClean="0">
-              <a:effectLst>
-                <a:outerShdw blurRad="38100" dist="38100" dir="2700000" algn="tl">
-                  <a:srgbClr val="000000">
-                    <a:alpha val="43137"/>
-                  </a:srgbClr>
-                </a:outerShdw>
-              </a:effectLst>
-            </a:endParaRPr>
           </a:p>
         </p:txBody>
       </p:sp>
@@ -12707,889 +14745,6 @@
     </p:tnLst>
     <p:bldLst>
       <p:bldP spid="18" grpId="0"/>
-    </p:bldLst>
-  </p:timing>
-</p:sld>
-</file>
-
-<file path=ppt/slides/slide9.xml><?xml version="1.0" encoding="utf-8"?>
-<p:sld xmlns:a="http://schemas.openxmlformats.org/drawingml/2006/main" xmlns:r="http://schemas.openxmlformats.org/officeDocument/2006/relationships" xmlns:p="http://schemas.openxmlformats.org/presentationml/2006/main">
-  <p:cSld>
-    <p:spTree>
-      <p:nvGrpSpPr>
-        <p:cNvPr id="1" name=""/>
-        <p:cNvGrpSpPr/>
-        <p:nvPr/>
-      </p:nvGrpSpPr>
-      <p:grpSpPr>
-        <a:xfrm>
-          <a:off x="0" y="0"/>
-          <a:ext cx="0" cy="0"/>
-          <a:chOff x="0" y="0"/>
-          <a:chExt cx="0" cy="0"/>
-        </a:xfrm>
-      </p:grpSpPr>
-      <p:sp>
-        <p:nvSpPr>
-          <p:cNvPr id="2" name="Title 1"/>
-          <p:cNvSpPr>
-            <a:spLocks noGrp="1"/>
-          </p:cNvSpPr>
-          <p:nvPr>
-            <p:ph type="title"/>
-          </p:nvPr>
-        </p:nvSpPr>
-        <p:spPr/>
-        <p:txBody>
-          <a:bodyPr/>
-          <a:lstStyle/>
-          <a:p>
-            <a:r>
-              <a:rPr lang="en-US" dirty="0" smtClean="0"/>
-              <a:t>Real-life process</a:t>
-            </a:r>
-            <a:endParaRPr lang="en-US" dirty="0"/>
-          </a:p>
-        </p:txBody>
-      </p:sp>
-      <p:sp>
-        <p:nvSpPr>
-          <p:cNvPr id="3" name="Footer Placeholder 2"/>
-          <p:cNvSpPr>
-            <a:spLocks noGrp="1"/>
-          </p:cNvSpPr>
-          <p:nvPr>
-            <p:ph type="ftr" sz="quarter" idx="10"/>
-          </p:nvPr>
-        </p:nvSpPr>
-        <p:spPr/>
-        <p:txBody>
-          <a:bodyPr/>
-          <a:lstStyle/>
-          <a:p>
-            <a:r>
-              <a:rPr lang="en-US" smtClean="0"/>
-              <a:t>Copyright © 2018 Accenture. All rights reserved.</a:t>
-            </a:r>
-            <a:endParaRPr lang="en-US" dirty="0"/>
-          </a:p>
-        </p:txBody>
-      </p:sp>
-      <p:sp>
-        <p:nvSpPr>
-          <p:cNvPr id="4" name="Slide Number Placeholder 3"/>
-          <p:cNvSpPr>
-            <a:spLocks noGrp="1"/>
-          </p:cNvSpPr>
-          <p:nvPr>
-            <p:ph type="sldNum" sz="quarter" idx="11"/>
-          </p:nvPr>
-        </p:nvSpPr>
-        <p:spPr/>
-        <p:txBody>
-          <a:bodyPr/>
-          <a:lstStyle/>
-          <a:p>
-            <a:fld id="{4F9AC08D-23A9-440E-BCB9-AA1E9877CC38}" type="slidenum">
-              <a:rPr lang="en-US" smtClean="0"/>
-              <a:pPr/>
-              <a:t>9</a:t>
-            </a:fld>
-            <a:endParaRPr lang="en-US" dirty="0"/>
-          </a:p>
-        </p:txBody>
-      </p:sp>
-      <p:pic>
-        <p:nvPicPr>
-          <p:cNvPr id="7" name="Picture 6"/>
-          <p:cNvPicPr>
-            <a:picLocks noChangeAspect="1"/>
-          </p:cNvPicPr>
-          <p:nvPr/>
-        </p:nvPicPr>
-        <p:blipFill>
-          <a:blip r:embed="rId2"/>
-          <a:stretch>
-            <a:fillRect/>
-          </a:stretch>
-        </p:blipFill>
-        <p:spPr>
-          <a:xfrm>
-            <a:off x="1262335" y="1508353"/>
-            <a:ext cx="1104220" cy="1104220"/>
-          </a:xfrm>
-          <a:prstGeom prst="rect">
-            <a:avLst/>
-          </a:prstGeom>
-        </p:spPr>
-      </p:pic>
-      <p:pic>
-        <p:nvPicPr>
-          <p:cNvPr id="11" name="Picture 10"/>
-          <p:cNvPicPr>
-            <a:picLocks noChangeAspect="1"/>
-          </p:cNvPicPr>
-          <p:nvPr/>
-        </p:nvPicPr>
-        <p:blipFill>
-          <a:blip r:embed="rId3"/>
-          <a:stretch>
-            <a:fillRect/>
-          </a:stretch>
-        </p:blipFill>
-        <p:spPr>
-          <a:xfrm>
-            <a:off x="1101907" y="3589571"/>
-            <a:ext cx="1264648" cy="1345864"/>
-          </a:xfrm>
-          <a:prstGeom prst="rect">
-            <a:avLst/>
-          </a:prstGeom>
-        </p:spPr>
-      </p:pic>
-      <p:sp>
-        <p:nvSpPr>
-          <p:cNvPr id="12" name="TextBox 11"/>
-          <p:cNvSpPr txBox="1"/>
-          <p:nvPr/>
-        </p:nvSpPr>
-        <p:spPr>
-          <a:xfrm>
-            <a:off x="908748" y="2662490"/>
-            <a:ext cx="1811393" cy="292388"/>
-          </a:xfrm>
-          <a:prstGeom prst="rect">
-            <a:avLst/>
-          </a:prstGeom>
-          <a:noFill/>
-        </p:spPr>
-        <p:txBody>
-          <a:bodyPr wrap="none" lIns="0" tIns="0" rIns="0" bIns="45720" rtlCol="0">
-            <a:spAutoFit/>
-          </a:bodyPr>
-          <a:lstStyle/>
-          <a:p>
-            <a:r>
-              <a:rPr lang="en-US" sz="1600" dirty="0" smtClean="0">
-                <a:latin typeface="Comic Sans MS" panose="030F0702030302020204" pitchFamily="66" charset="0"/>
-              </a:rPr>
-              <a:t>Ate cookie ? {Y, N}</a:t>
-            </a:r>
-            <a:endParaRPr lang="en-US" sz="1600" dirty="0" smtClean="0">
-              <a:latin typeface="Comic Sans MS" panose="030F0702030302020204" pitchFamily="66" charset="0"/>
-            </a:endParaRPr>
-          </a:p>
-        </p:txBody>
-      </p:sp>
-      <p:sp>
-        <p:nvSpPr>
-          <p:cNvPr id="13" name="TextBox 12"/>
-          <p:cNvSpPr txBox="1"/>
-          <p:nvPr/>
-        </p:nvSpPr>
-        <p:spPr>
-          <a:xfrm>
-            <a:off x="908748" y="5153141"/>
-            <a:ext cx="1950855" cy="292388"/>
-          </a:xfrm>
-          <a:prstGeom prst="rect">
-            <a:avLst/>
-          </a:prstGeom>
-          <a:noFill/>
-        </p:spPr>
-        <p:txBody>
-          <a:bodyPr wrap="none" lIns="0" tIns="0" rIns="0" bIns="45720" rtlCol="0">
-            <a:spAutoFit/>
-          </a:bodyPr>
-          <a:lstStyle/>
-          <a:p>
-            <a:r>
-              <a:rPr lang="en-US" sz="1600" dirty="0" smtClean="0">
-                <a:latin typeface="Comic Sans MS" panose="030F0702030302020204" pitchFamily="66" charset="0"/>
-              </a:rPr>
-              <a:t>Before lunch? {Y, N}</a:t>
-            </a:r>
-            <a:endParaRPr lang="en-US" sz="1600" dirty="0" smtClean="0">
-              <a:latin typeface="Comic Sans MS" panose="030F0702030302020204" pitchFamily="66" charset="0"/>
-            </a:endParaRPr>
-          </a:p>
-        </p:txBody>
-      </p:sp>
-      <p:cxnSp>
-        <p:nvCxnSpPr>
-          <p:cNvPr id="15" name="Straight Connector 14"/>
-          <p:cNvCxnSpPr/>
-          <p:nvPr/>
-        </p:nvCxnSpPr>
-        <p:spPr>
-          <a:xfrm>
-            <a:off x="3866606" y="1672046"/>
-            <a:ext cx="0" cy="3627289"/>
-          </a:xfrm>
-          <a:prstGeom prst="line">
-            <a:avLst/>
-          </a:prstGeom>
-          <a:ln w="38100"/>
-        </p:spPr>
-        <p:style>
-          <a:lnRef idx="3">
-            <a:schemeClr val="dk1"/>
-          </a:lnRef>
-          <a:fillRef idx="0">
-            <a:schemeClr val="dk1"/>
-          </a:fillRef>
-          <a:effectRef idx="2">
-            <a:schemeClr val="dk1"/>
-          </a:effectRef>
-          <a:fontRef idx="minor">
-            <a:schemeClr val="tx1"/>
-          </a:fontRef>
-        </p:style>
-      </p:cxnSp>
-      <p:pic>
-        <p:nvPicPr>
-          <p:cNvPr id="17" name="Picture 16"/>
-          <p:cNvPicPr>
-            <a:picLocks noChangeAspect="1"/>
-          </p:cNvPicPr>
-          <p:nvPr/>
-        </p:nvPicPr>
-        <p:blipFill>
-          <a:blip r:embed="rId4"/>
-          <a:stretch>
-            <a:fillRect/>
-          </a:stretch>
-        </p:blipFill>
-        <p:spPr>
-          <a:xfrm>
-            <a:off x="5612810" y="2381385"/>
-            <a:ext cx="1273175" cy="1955484"/>
-          </a:xfrm>
-          <a:prstGeom prst="rect">
-            <a:avLst/>
-          </a:prstGeom>
-        </p:spPr>
-      </p:pic>
-      <p:cxnSp>
-        <p:nvCxnSpPr>
-          <p:cNvPr id="19" name="Straight Arrow Connector 18"/>
-          <p:cNvCxnSpPr/>
-          <p:nvPr/>
-        </p:nvCxnSpPr>
-        <p:spPr>
-          <a:xfrm>
-            <a:off x="2720141" y="2194560"/>
-            <a:ext cx="2374373" cy="1071154"/>
-          </a:xfrm>
-          <a:prstGeom prst="straightConnector1">
-            <a:avLst/>
-          </a:prstGeom>
-          <a:ln w="38100">
-            <a:solidFill>
-              <a:schemeClr val="tx1"/>
-            </a:solidFill>
-            <a:tailEnd type="triangle"/>
-          </a:ln>
-        </p:spPr>
-        <p:style>
-          <a:lnRef idx="1">
-            <a:schemeClr val="accent1"/>
-          </a:lnRef>
-          <a:fillRef idx="0">
-            <a:schemeClr val="accent1"/>
-          </a:fillRef>
-          <a:effectRef idx="0">
-            <a:schemeClr val="accent1"/>
-          </a:effectRef>
-          <a:fontRef idx="minor">
-            <a:schemeClr val="tx1"/>
-          </a:fontRef>
-        </p:style>
-      </p:cxnSp>
-      <p:cxnSp>
-        <p:nvCxnSpPr>
-          <p:cNvPr id="21" name="Straight Arrow Connector 20"/>
-          <p:cNvCxnSpPr/>
-          <p:nvPr/>
-        </p:nvCxnSpPr>
-        <p:spPr>
-          <a:xfrm flipV="1">
-            <a:off x="2366555" y="3735977"/>
-            <a:ext cx="2741022" cy="772734"/>
-          </a:xfrm>
-          <a:prstGeom prst="straightConnector1">
-            <a:avLst/>
-          </a:prstGeom>
-          <a:ln w="38100">
-            <a:solidFill>
-              <a:schemeClr val="tx1"/>
-            </a:solidFill>
-            <a:tailEnd type="triangle"/>
-          </a:ln>
-        </p:spPr>
-        <p:style>
-          <a:lnRef idx="1">
-            <a:schemeClr val="accent1"/>
-          </a:lnRef>
-          <a:fillRef idx="0">
-            <a:schemeClr val="accent1"/>
-          </a:fillRef>
-          <a:effectRef idx="0">
-            <a:schemeClr val="accent1"/>
-          </a:effectRef>
-          <a:fontRef idx="minor">
-            <a:schemeClr val="tx1"/>
-          </a:fontRef>
-        </p:style>
-      </p:cxnSp>
-      <p:sp>
-        <p:nvSpPr>
-          <p:cNvPr id="22" name="TextBox 21"/>
-          <p:cNvSpPr txBox="1"/>
-          <p:nvPr/>
-        </p:nvSpPr>
-        <p:spPr>
-          <a:xfrm>
-            <a:off x="5642055" y="4590404"/>
-            <a:ext cx="1243930" cy="292388"/>
-          </a:xfrm>
-          <a:prstGeom prst="rect">
-            <a:avLst/>
-          </a:prstGeom>
-          <a:noFill/>
-        </p:spPr>
-        <p:txBody>
-          <a:bodyPr wrap="none" lIns="0" tIns="0" rIns="0" bIns="45720" rtlCol="0">
-            <a:spAutoFit/>
-          </a:bodyPr>
-          <a:lstStyle/>
-          <a:p>
-            <a:r>
-              <a:rPr lang="en-US" sz="1600" dirty="0" smtClean="0">
-                <a:latin typeface="Comic Sans MS" panose="030F0702030302020204" pitchFamily="66" charset="0"/>
-              </a:rPr>
-              <a:t>SLAP? {Y, N}</a:t>
-            </a:r>
-            <a:endParaRPr lang="en-US" sz="1600" dirty="0" smtClean="0">
-              <a:latin typeface="Comic Sans MS" panose="030F0702030302020204" pitchFamily="66" charset="0"/>
-            </a:endParaRPr>
-          </a:p>
-        </p:txBody>
-      </p:sp>
-      <mc:AlternateContent xmlns:mc="http://schemas.openxmlformats.org/markup-compatibility/2006">
-        <mc:Choice xmlns:a14="http://schemas.microsoft.com/office/drawing/2010/main" Requires="a14">
-          <p:sp>
-            <p:nvSpPr>
-              <p:cNvPr id="23" name="TextBox 22"/>
-              <p:cNvSpPr txBox="1"/>
-              <p:nvPr/>
-            </p:nvSpPr>
-            <p:spPr>
-              <a:xfrm>
-                <a:off x="8632188" y="2950948"/>
-                <a:ext cx="347275" cy="314766"/>
-              </a:xfrm>
-              <a:prstGeom prst="rect">
-                <a:avLst/>
-              </a:prstGeom>
-              <a:noFill/>
-            </p:spPr>
-            <p:txBody>
-              <a:bodyPr wrap="none" lIns="0" tIns="0" rIns="0" bIns="0" rtlCol="0">
-                <a:spAutoFit/>
-              </a:bodyPr>
-              <a:lstStyle/>
-              <a:p>
-                <a14:m>
-                  <m:oMathPara xmlns:m="http://schemas.openxmlformats.org/officeDocument/2006/math">
-                    <m:oMathParaPr>
-                      <m:jc m:val="centerGroup"/>
-                    </m:oMathParaPr>
-                    <m:oMath xmlns:m="http://schemas.openxmlformats.org/officeDocument/2006/math">
-                      <m:sSup>
-                        <m:sSupPr>
-                          <m:ctrlPr>
-                            <a:rPr lang="en-US" sz="2000" b="1" i="1" smtClean="0">
-                              <a:latin typeface="Cambria Math" panose="02040503050406030204" pitchFamily="18" charset="0"/>
-                            </a:rPr>
-                          </m:ctrlPr>
-                        </m:sSupPr>
-                        <m:e>
-                          <m:r>
-                            <a:rPr lang="en-US" sz="2000" b="1" i="1" smtClean="0">
-                              <a:latin typeface="Cambria Math" panose="02040503050406030204" pitchFamily="18" charset="0"/>
-                            </a:rPr>
-                            <m:t>𝟐</m:t>
-                          </m:r>
-                        </m:e>
-                        <m:sup>
-                          <m:r>
-                            <a:rPr lang="en-US" sz="2000" b="1" i="1" smtClean="0">
-                              <a:latin typeface="Cambria Math" panose="02040503050406030204" pitchFamily="18" charset="0"/>
-                            </a:rPr>
-                            <m:t>𝟐</m:t>
-                          </m:r>
-                        </m:sup>
-                      </m:sSup>
-                    </m:oMath>
-                  </m:oMathPara>
-                </a14:m>
-                <a:endParaRPr lang="en-US" sz="2000" b="1" dirty="0" smtClean="0"/>
-              </a:p>
-            </p:txBody>
-          </p:sp>
-        </mc:Choice>
-        <mc:Fallback>
-          <p:sp>
-            <p:nvSpPr>
-              <p:cNvPr id="23" name="TextBox 22"/>
-              <p:cNvSpPr txBox="1">
-                <a:spLocks noRot="1" noChangeAspect="1" noMove="1" noResize="1" noEditPoints="1" noAdjustHandles="1" noChangeArrowheads="1" noChangeShapeType="1" noTextEdit="1"/>
-              </p:cNvSpPr>
-              <p:nvPr/>
-            </p:nvSpPr>
-            <p:spPr>
-              <a:xfrm>
-                <a:off x="8632188" y="2950948"/>
-                <a:ext cx="347275" cy="314766"/>
-              </a:xfrm>
-              <a:prstGeom prst="rect">
-                <a:avLst/>
-              </a:prstGeom>
-              <a:blipFill rotWithShape="0">
-                <a:blip r:embed="rId5"/>
-                <a:stretch>
-                  <a:fillRect l="-14035" r="-7018" b="-9615"/>
-                </a:stretch>
-              </a:blipFill>
-            </p:spPr>
-            <p:txBody>
-              <a:bodyPr/>
-              <a:lstStyle/>
-              <a:p>
-                <a:r>
-                  <a:rPr lang="en-US">
-                    <a:noFill/>
-                  </a:rPr>
-                  <a:t> </a:t>
-                </a:r>
-              </a:p>
-            </p:txBody>
-          </p:sp>
-        </mc:Fallback>
-      </mc:AlternateContent>
-    </p:spTree>
-    <p:extLst>
-      <p:ext uri="{BB962C8B-B14F-4D97-AF65-F5344CB8AC3E}">
-        <p14:creationId xmlns:p14="http://schemas.microsoft.com/office/powerpoint/2010/main" val="2882953391"/>
-      </p:ext>
-    </p:extLst>
-  </p:cSld>
-  <p:clrMapOvr>
-    <a:masterClrMapping/>
-  </p:clrMapOvr>
-  <p:timing>
-    <p:tnLst>
-      <p:par>
-        <p:cTn id="1" dur="indefinite" restart="never" nodeType="tmRoot">
-          <p:childTnLst>
-            <p:seq concurrent="1" nextAc="seek">
-              <p:cTn id="2" dur="indefinite" nodeType="mainSeq">
-                <p:childTnLst>
-                  <p:par>
-                    <p:cTn id="3" fill="hold">
-                      <p:stCondLst>
-                        <p:cond delay="indefinite"/>
-                      </p:stCondLst>
-                      <p:childTnLst>
-                        <p:par>
-                          <p:cTn id="4" fill="hold">
-                            <p:stCondLst>
-                              <p:cond delay="0"/>
-                            </p:stCondLst>
-                            <p:childTnLst>
-                              <p:par>
-                                <p:cTn id="5" presetID="10" presetClass="entr" presetSubtype="0" fill="hold" nodeType="clickEffect">
-                                  <p:stCondLst>
-                                    <p:cond delay="0"/>
-                                  </p:stCondLst>
-                                  <p:childTnLst>
-                                    <p:set>
-                                      <p:cBhvr>
-                                        <p:cTn id="6" dur="1" fill="hold">
-                                          <p:stCondLst>
-                                            <p:cond delay="0"/>
-                                          </p:stCondLst>
-                                        </p:cTn>
-                                        <p:tgtEl>
-                                          <p:spTgt spid="7"/>
-                                        </p:tgtEl>
-                                        <p:attrNameLst>
-                                          <p:attrName>style.visibility</p:attrName>
-                                        </p:attrNameLst>
-                                      </p:cBhvr>
-                                      <p:to>
-                                        <p:strVal val="visible"/>
-                                      </p:to>
-                                    </p:set>
-                                    <p:animEffect transition="in" filter="fade">
-                                      <p:cBhvr>
-                                        <p:cTn id="7" dur="2250"/>
-                                        <p:tgtEl>
-                                          <p:spTgt spid="7"/>
-                                        </p:tgtEl>
-                                      </p:cBhvr>
-                                    </p:animEffect>
-                                  </p:childTnLst>
-                                </p:cTn>
-                              </p:par>
-                              <p:par>
-                                <p:cTn id="8" presetID="10" presetClass="entr" presetSubtype="0" fill="hold" nodeType="withEffect">
-                                  <p:stCondLst>
-                                    <p:cond delay="0"/>
-                                  </p:stCondLst>
-                                  <p:childTnLst>
-                                    <p:set>
-                                      <p:cBhvr>
-                                        <p:cTn id="9" dur="1" fill="hold">
-                                          <p:stCondLst>
-                                            <p:cond delay="0"/>
-                                          </p:stCondLst>
-                                        </p:cTn>
-                                        <p:tgtEl>
-                                          <p:spTgt spid="11"/>
-                                        </p:tgtEl>
-                                        <p:attrNameLst>
-                                          <p:attrName>style.visibility</p:attrName>
-                                        </p:attrNameLst>
-                                      </p:cBhvr>
-                                      <p:to>
-                                        <p:strVal val="visible"/>
-                                      </p:to>
-                                    </p:set>
-                                    <p:animEffect transition="in" filter="fade">
-                                      <p:cBhvr>
-                                        <p:cTn id="10" dur="2250"/>
-                                        <p:tgtEl>
-                                          <p:spTgt spid="11"/>
-                                        </p:tgtEl>
-                                      </p:cBhvr>
-                                    </p:animEffect>
-                                  </p:childTnLst>
-                                </p:cTn>
-                              </p:par>
-                              <p:par>
-                                <p:cTn id="11" presetID="10" presetClass="entr" presetSubtype="0" fill="hold" grpId="0" nodeType="withEffect">
-                                  <p:stCondLst>
-                                    <p:cond delay="0"/>
-                                  </p:stCondLst>
-                                  <p:childTnLst>
-                                    <p:set>
-                                      <p:cBhvr>
-                                        <p:cTn id="12" dur="1" fill="hold">
-                                          <p:stCondLst>
-                                            <p:cond delay="0"/>
-                                          </p:stCondLst>
-                                        </p:cTn>
-                                        <p:tgtEl>
-                                          <p:spTgt spid="12"/>
-                                        </p:tgtEl>
-                                        <p:attrNameLst>
-                                          <p:attrName>style.visibility</p:attrName>
-                                        </p:attrNameLst>
-                                      </p:cBhvr>
-                                      <p:to>
-                                        <p:strVal val="visible"/>
-                                      </p:to>
-                                    </p:set>
-                                    <p:animEffect transition="in" filter="fade">
-                                      <p:cBhvr>
-                                        <p:cTn id="13" dur="2250"/>
-                                        <p:tgtEl>
-                                          <p:spTgt spid="12"/>
-                                        </p:tgtEl>
-                                      </p:cBhvr>
-                                    </p:animEffect>
-                                  </p:childTnLst>
-                                </p:cTn>
-                              </p:par>
-                              <p:par>
-                                <p:cTn id="14" presetID="10" presetClass="entr" presetSubtype="0" fill="hold" grpId="0" nodeType="withEffect">
-                                  <p:stCondLst>
-                                    <p:cond delay="0"/>
-                                  </p:stCondLst>
-                                  <p:childTnLst>
-                                    <p:set>
-                                      <p:cBhvr>
-                                        <p:cTn id="15" dur="1" fill="hold">
-                                          <p:stCondLst>
-                                            <p:cond delay="0"/>
-                                          </p:stCondLst>
-                                        </p:cTn>
-                                        <p:tgtEl>
-                                          <p:spTgt spid="13"/>
-                                        </p:tgtEl>
-                                        <p:attrNameLst>
-                                          <p:attrName>style.visibility</p:attrName>
-                                        </p:attrNameLst>
-                                      </p:cBhvr>
-                                      <p:to>
-                                        <p:strVal val="visible"/>
-                                      </p:to>
-                                    </p:set>
-                                    <p:animEffect transition="in" filter="fade">
-                                      <p:cBhvr>
-                                        <p:cTn id="16" dur="2250"/>
-                                        <p:tgtEl>
-                                          <p:spTgt spid="13"/>
-                                        </p:tgtEl>
-                                      </p:cBhvr>
-                                    </p:animEffect>
-                                  </p:childTnLst>
-                                </p:cTn>
-                              </p:par>
-                              <p:par>
-                                <p:cTn id="17" presetID="10" presetClass="entr" presetSubtype="0" fill="hold" nodeType="withEffect">
-                                  <p:stCondLst>
-                                    <p:cond delay="0"/>
-                                  </p:stCondLst>
-                                  <p:childTnLst>
-                                    <p:set>
-                                      <p:cBhvr>
-                                        <p:cTn id="18" dur="1" fill="hold">
-                                          <p:stCondLst>
-                                            <p:cond delay="0"/>
-                                          </p:stCondLst>
-                                        </p:cTn>
-                                        <p:tgtEl>
-                                          <p:spTgt spid="15"/>
-                                        </p:tgtEl>
-                                        <p:attrNameLst>
-                                          <p:attrName>style.visibility</p:attrName>
-                                        </p:attrNameLst>
-                                      </p:cBhvr>
-                                      <p:to>
-                                        <p:strVal val="visible"/>
-                                      </p:to>
-                                    </p:set>
-                                    <p:animEffect transition="in" filter="fade">
-                                      <p:cBhvr>
-                                        <p:cTn id="19" dur="2250"/>
-                                        <p:tgtEl>
-                                          <p:spTgt spid="15"/>
-                                        </p:tgtEl>
-                                      </p:cBhvr>
-                                    </p:animEffect>
-                                  </p:childTnLst>
-                                </p:cTn>
-                              </p:par>
-                              <p:par>
-                                <p:cTn id="20" presetID="10" presetClass="entr" presetSubtype="0" fill="hold" nodeType="withEffect">
-                                  <p:stCondLst>
-                                    <p:cond delay="0"/>
-                                  </p:stCondLst>
-                                  <p:childTnLst>
-                                    <p:set>
-                                      <p:cBhvr>
-                                        <p:cTn id="21" dur="1" fill="hold">
-                                          <p:stCondLst>
-                                            <p:cond delay="0"/>
-                                          </p:stCondLst>
-                                        </p:cTn>
-                                        <p:tgtEl>
-                                          <p:spTgt spid="17"/>
-                                        </p:tgtEl>
-                                        <p:attrNameLst>
-                                          <p:attrName>style.visibility</p:attrName>
-                                        </p:attrNameLst>
-                                      </p:cBhvr>
-                                      <p:to>
-                                        <p:strVal val="visible"/>
-                                      </p:to>
-                                    </p:set>
-                                    <p:animEffect transition="in" filter="fade">
-                                      <p:cBhvr>
-                                        <p:cTn id="22" dur="2250"/>
-                                        <p:tgtEl>
-                                          <p:spTgt spid="17"/>
-                                        </p:tgtEl>
-                                      </p:cBhvr>
-                                    </p:animEffect>
-                                  </p:childTnLst>
-                                </p:cTn>
-                              </p:par>
-                              <p:par>
-                                <p:cTn id="23" presetID="10" presetClass="entr" presetSubtype="0" fill="hold" nodeType="withEffect">
-                                  <p:stCondLst>
-                                    <p:cond delay="0"/>
-                                  </p:stCondLst>
-                                  <p:childTnLst>
-                                    <p:set>
-                                      <p:cBhvr>
-                                        <p:cTn id="24" dur="1" fill="hold">
-                                          <p:stCondLst>
-                                            <p:cond delay="0"/>
-                                          </p:stCondLst>
-                                        </p:cTn>
-                                        <p:tgtEl>
-                                          <p:spTgt spid="19"/>
-                                        </p:tgtEl>
-                                        <p:attrNameLst>
-                                          <p:attrName>style.visibility</p:attrName>
-                                        </p:attrNameLst>
-                                      </p:cBhvr>
-                                      <p:to>
-                                        <p:strVal val="visible"/>
-                                      </p:to>
-                                    </p:set>
-                                    <p:animEffect transition="in" filter="fade">
-                                      <p:cBhvr>
-                                        <p:cTn id="25" dur="2250"/>
-                                        <p:tgtEl>
-                                          <p:spTgt spid="19"/>
-                                        </p:tgtEl>
-                                      </p:cBhvr>
-                                    </p:animEffect>
-                                  </p:childTnLst>
-                                </p:cTn>
-                              </p:par>
-                              <p:par>
-                                <p:cTn id="26" presetID="10" presetClass="entr" presetSubtype="0" fill="hold" nodeType="withEffect">
-                                  <p:stCondLst>
-                                    <p:cond delay="0"/>
-                                  </p:stCondLst>
-                                  <p:childTnLst>
-                                    <p:set>
-                                      <p:cBhvr>
-                                        <p:cTn id="27" dur="1" fill="hold">
-                                          <p:stCondLst>
-                                            <p:cond delay="0"/>
-                                          </p:stCondLst>
-                                        </p:cTn>
-                                        <p:tgtEl>
-                                          <p:spTgt spid="21"/>
-                                        </p:tgtEl>
-                                        <p:attrNameLst>
-                                          <p:attrName>style.visibility</p:attrName>
-                                        </p:attrNameLst>
-                                      </p:cBhvr>
-                                      <p:to>
-                                        <p:strVal val="visible"/>
-                                      </p:to>
-                                    </p:set>
-                                    <p:animEffect transition="in" filter="fade">
-                                      <p:cBhvr>
-                                        <p:cTn id="28" dur="2250"/>
-                                        <p:tgtEl>
-                                          <p:spTgt spid="21"/>
-                                        </p:tgtEl>
-                                      </p:cBhvr>
-                                    </p:animEffect>
-                                  </p:childTnLst>
-                                </p:cTn>
-                              </p:par>
-                              <p:par>
-                                <p:cTn id="29" presetID="10" presetClass="entr" presetSubtype="0" fill="hold" grpId="0" nodeType="withEffect">
-                                  <p:stCondLst>
-                                    <p:cond delay="0"/>
-                                  </p:stCondLst>
-                                  <p:childTnLst>
-                                    <p:set>
-                                      <p:cBhvr>
-                                        <p:cTn id="30" dur="1" fill="hold">
-                                          <p:stCondLst>
-                                            <p:cond delay="0"/>
-                                          </p:stCondLst>
-                                        </p:cTn>
-                                        <p:tgtEl>
-                                          <p:spTgt spid="22"/>
-                                        </p:tgtEl>
-                                        <p:attrNameLst>
-                                          <p:attrName>style.visibility</p:attrName>
-                                        </p:attrNameLst>
-                                      </p:cBhvr>
-                                      <p:to>
-                                        <p:strVal val="visible"/>
-                                      </p:to>
-                                    </p:set>
-                                    <p:animEffect transition="in" filter="fade">
-                                      <p:cBhvr>
-                                        <p:cTn id="31" dur="2250"/>
-                                        <p:tgtEl>
-                                          <p:spTgt spid="22"/>
-                                        </p:tgtEl>
-                                      </p:cBhvr>
-                                    </p:animEffect>
-                                  </p:childTnLst>
-                                </p:cTn>
-                              </p:par>
-                              <p:par>
-                                <p:cTn id="32" presetID="10" presetClass="entr" presetSubtype="0" fill="hold" grpId="0" nodeType="withEffect">
-                                  <p:stCondLst>
-                                    <p:cond delay="0"/>
-                                  </p:stCondLst>
-                                  <p:childTnLst>
-                                    <p:set>
-                                      <p:cBhvr>
-                                        <p:cTn id="33" dur="1" fill="hold">
-                                          <p:stCondLst>
-                                            <p:cond delay="0"/>
-                                          </p:stCondLst>
-                                        </p:cTn>
-                                        <p:tgtEl>
-                                          <p:spTgt spid="23"/>
-                                        </p:tgtEl>
-                                        <p:attrNameLst>
-                                          <p:attrName>style.visibility</p:attrName>
-                                        </p:attrNameLst>
-                                      </p:cBhvr>
-                                      <p:to>
-                                        <p:strVal val="visible"/>
-                                      </p:to>
-                                    </p:set>
-                                    <p:animEffect transition="in" filter="fade">
-                                      <p:cBhvr>
-                                        <p:cTn id="34" dur="2200"/>
-                                        <p:tgtEl>
-                                          <p:spTgt spid="23"/>
-                                        </p:tgtEl>
-                                      </p:cBhvr>
-                                    </p:animEffect>
-                                  </p:childTnLst>
-                                </p:cTn>
-                              </p:par>
-                            </p:childTnLst>
-                          </p:cTn>
-                        </p:par>
-                      </p:childTnLst>
-                    </p:cTn>
-                  </p:par>
-                </p:childTnLst>
-              </p:cTn>
-              <p:prevCondLst>
-                <p:cond evt="onPrev" delay="0">
-                  <p:tgtEl>
-                    <p:sldTgt/>
-                  </p:tgtEl>
-                </p:cond>
-              </p:prevCondLst>
-              <p:nextCondLst>
-                <p:cond evt="onNext" delay="0">
-                  <p:tgtEl>
-                    <p:sldTgt/>
-                  </p:tgtEl>
-                </p:cond>
-              </p:nextCondLst>
-            </p:seq>
-          </p:childTnLst>
-        </p:cTn>
-      </p:par>
-    </p:tnLst>
-    <p:bldLst>
-      <p:bldP spid="12" grpId="0"/>
-      <p:bldP spid="13" grpId="0"/>
-      <p:bldP spid="22" grpId="0"/>
-      <p:bldP spid="23" grpId="0"/>
     </p:bldLst>
   </p:timing>
 </p:sld>
@@ -14359,6 +15514,15 @@
 </file>
 
 <file path=customXml/item1.xml><?xml version="1.0" encoding="utf-8"?>
+<?mso-contentType ?>
+<FormTemplates xmlns="http://schemas.microsoft.com/sharepoint/v3/contenttype/forms">
+  <Display>DocumentLibraryForm</Display>
+  <Edit>DocumentLibraryForm</Edit>
+  <New>DocumentLibraryForm</New>
+</FormTemplates>
+</file>
+
+<file path=customXml/item2.xml><?xml version="1.0" encoding="utf-8"?>
 <ct:contentTypeSchema xmlns:ct="http://schemas.microsoft.com/office/2006/metadata/contentType" xmlns:ma="http://schemas.microsoft.com/office/2006/metadata/properties/metaAttributes" ct:_="" ma:_="" ma:contentTypeName="Document" ma:contentTypeID="0x010100C4D9499608C47647917799D4E22F9B21" ma:contentTypeVersion="6" ma:contentTypeDescription="Create a new document." ma:contentTypeScope="" ma:versionID="1481f75dda54c839def1c8ea2ae0f2ea">
   <xsd:schema xmlns:xsd="http://www.w3.org/2001/XMLSchema" xmlns:xs="http://www.w3.org/2001/XMLSchema" xmlns:p="http://schemas.microsoft.com/office/2006/metadata/properties" xmlns:ns2="d927918d-a70a-4e37-bca2-2bc768f8ccde" xmlns:ns3="37b0d389-0b2b-4e15-a823-52abbd762844" targetNamespace="http://schemas.microsoft.com/office/2006/metadata/properties" ma:root="true" ma:fieldsID="bb28cb4a00270ef9f6bff9be493d1302" ns2:_="" ns3:_="">
     <xsd:import namespace="d927918d-a70a-4e37-bca2-2bc768f8ccde"/>
@@ -14537,15 +15701,6 @@
 </ct:contentTypeSchema>
 </file>
 
-<file path=customXml/item2.xml><?xml version="1.0" encoding="utf-8"?>
-<?mso-contentType ?>
-<FormTemplates xmlns="http://schemas.microsoft.com/sharepoint/v3/contenttype/forms">
-  <Display>DocumentLibraryForm</Display>
-  <Edit>DocumentLibraryForm</Edit>
-  <New>DocumentLibraryForm</New>
-</FormTemplates>
-</file>
-
 <file path=customXml/item3.xml><?xml version="1.0" encoding="utf-8"?>
 <p:properties xmlns:p="http://schemas.microsoft.com/office/2006/metadata/properties" xmlns:xsi="http://www.w3.org/2001/XMLSchema-instance" xmlns:pc="http://schemas.microsoft.com/office/infopath/2007/PartnerControls">
   <documentManagement/>
@@ -14553,6 +15708,14 @@
 </file>
 
 <file path=customXml/itemProps1.xml><?xml version="1.0" encoding="utf-8"?>
+<ds:datastoreItem xmlns:ds="http://schemas.openxmlformats.org/officeDocument/2006/customXml" ds:itemID="{61D95524-A27C-482A-8CFD-2BC6356689D0}">
+  <ds:schemaRefs>
+    <ds:schemaRef ds:uri="http://schemas.microsoft.com/sharepoint/v3/contenttype/forms"/>
+  </ds:schemaRefs>
+</ds:datastoreItem>
+</file>
+
+<file path=customXml/itemProps2.xml><?xml version="1.0" encoding="utf-8"?>
 <ds:datastoreItem xmlns:ds="http://schemas.openxmlformats.org/officeDocument/2006/customXml" ds:itemID="{233B3776-60C8-40AF-B337-0364326BC278}">
   <ds:schemaRefs>
     <ds:schemaRef ds:uri="http://schemas.microsoft.com/office/2006/metadata/contentType"/>
@@ -14567,14 +15730,6 @@
     <ds:schemaRef ds:uri="http://purl.org/dc/elements/1.1/"/>
     <ds:schemaRef ds:uri="http://purl.org/dc/terms/"/>
     <ds:schemaRef ds:uri="http://schemas.microsoft.com/internal/obd"/>
-  </ds:schemaRefs>
-</ds:datastoreItem>
-</file>
-
-<file path=customXml/itemProps2.xml><?xml version="1.0" encoding="utf-8"?>
-<ds:datastoreItem xmlns:ds="http://schemas.openxmlformats.org/officeDocument/2006/customXml" ds:itemID="{61D95524-A27C-482A-8CFD-2BC6356689D0}">
-  <ds:schemaRefs>
-    <ds:schemaRef ds:uri="http://schemas.microsoft.com/sharepoint/v3/contenttype/forms"/>
   </ds:schemaRefs>
 </ds:datastoreItem>
 </file>
